--- a/Tasks/Task10/高子峰组-知否演示ppt.pptx
+++ b/Tasks/Task10/高子峰组-知否演示ppt.pptx
@@ -5,7 +5,7 @@
     <p:sldMasterId id="2147483648" r:id="rId1"/>
   </p:sldMasterIdLst>
   <p:notesMasterIdLst>
-    <p:notesMasterId r:id="rId23"/>
+    <p:notesMasterId r:id="rId30"/>
   </p:notesMasterIdLst>
   <p:sldIdLst>
     <p:sldId id="258" r:id="rId2"/>
@@ -19,16 +19,23 @@
     <p:sldId id="293" r:id="rId10"/>
     <p:sldId id="282" r:id="rId11"/>
     <p:sldId id="285" r:id="rId12"/>
-    <p:sldId id="286" r:id="rId13"/>
-    <p:sldId id="294" r:id="rId14"/>
-    <p:sldId id="295" r:id="rId15"/>
-    <p:sldId id="287" r:id="rId16"/>
-    <p:sldId id="290" r:id="rId17"/>
-    <p:sldId id="292" r:id="rId18"/>
-    <p:sldId id="291" r:id="rId19"/>
-    <p:sldId id="296" r:id="rId20"/>
-    <p:sldId id="297" r:id="rId21"/>
-    <p:sldId id="278" r:id="rId22"/>
+    <p:sldId id="300" r:id="rId13"/>
+    <p:sldId id="301" r:id="rId14"/>
+    <p:sldId id="286" r:id="rId15"/>
+    <p:sldId id="302" r:id="rId16"/>
+    <p:sldId id="303" r:id="rId17"/>
+    <p:sldId id="294" r:id="rId18"/>
+    <p:sldId id="295" r:id="rId19"/>
+    <p:sldId id="304" r:id="rId20"/>
+    <p:sldId id="287" r:id="rId21"/>
+    <p:sldId id="290" r:id="rId22"/>
+    <p:sldId id="292" r:id="rId23"/>
+    <p:sldId id="291" r:id="rId24"/>
+    <p:sldId id="296" r:id="rId25"/>
+    <p:sldId id="297" r:id="rId26"/>
+    <p:sldId id="298" r:id="rId27"/>
+    <p:sldId id="299" r:id="rId28"/>
+    <p:sldId id="278" r:id="rId29"/>
   </p:sldIdLst>
   <p:sldSz cx="12192000" cy="6858000"/>
   <p:notesSz cx="7104063" cy="10234613"/>
@@ -986,7 +993,7 @@
         <a:p>
           <a:r>
             <a:rPr lang="zh-CN" altLang="en-US" dirty="0"/>
-            <a:t>用户</a:t>
+            <a:t>会员</a:t>
           </a:r>
         </a:p>
       </dgm:t>
@@ -3513,7 +3520,7 @@
           </a:pPr>
           <a:r>
             <a:rPr lang="zh-CN" altLang="en-US" sz="2000" kern="1200" dirty="0"/>
-            <a:t>用户</a:t>
+            <a:t>会员</a:t>
           </a:r>
         </a:p>
       </dsp:txBody>
@@ -7336,7 +7343,7 @@
           <a:p>
             <a:fld id="{EF24B2EF-EA18-4FC8-9A90-01E01C098866}" type="slidenum">
               <a:rPr lang="zh-CN" altLang="en-US" smtClean="0"/>
-              <a:t>21</a:t>
+              <a:t>28</a:t>
             </a:fld>
             <a:endParaRPr lang="zh-CN" altLang="en-US"/>
           </a:p>
@@ -11308,7 +11315,18 @@
               <a:t>功能需求建模</a:t>
             </a:r>
             <a:r>
-              <a:rPr lang="en-US" altLang="zh-CN" sz="3000" dirty="0">
+              <a:rPr lang="zh-CN" altLang="en-US" dirty="0">
+                <a:solidFill>
+                  <a:srgbClr val="DACD57"/>
+                </a:solidFill>
+                <a:latin typeface="幼圆" panose="02010509060101010101" pitchFamily="49" charset="-122"/>
+                <a:ea typeface="幼圆" panose="02010509060101010101" pitchFamily="49" charset="-122"/>
+                <a:cs typeface="Lao UI" panose="020B0502040204020203" pitchFamily="34" charset="0"/>
+              </a:rPr>
+              <a:t>（静态）</a:t>
+            </a:r>
+            <a:r>
+              <a:rPr lang="en-US" altLang="zh-CN" sz="2000" dirty="0">
                 <a:solidFill>
                   <a:srgbClr val="DACD57"/>
                 </a:solidFill>
@@ -11329,26 +11347,56 @@
           </a:p>
         </p:txBody>
       </p:sp>
+      <p:pic>
+        <p:nvPicPr>
+          <p:cNvPr id="3" name="图片 2"/>
+          <p:cNvPicPr>
+            <a:picLocks noChangeAspect="1"/>
+          </p:cNvPicPr>
+          <p:nvPr/>
+        </p:nvPicPr>
+        <p:blipFill>
+          <a:blip r:embed="rId3">
+            <a:extLst>
+              <a:ext uri="{28A0092B-C50C-407E-A947-70E740481C1C}">
+                <a14:useLocalDpi xmlns:a14="http://schemas.microsoft.com/office/drawing/2010/main" val="0"/>
+              </a:ext>
+            </a:extLst>
+          </a:blip>
+          <a:stretch>
+            <a:fillRect/>
+          </a:stretch>
+        </p:blipFill>
+        <p:spPr>
+          <a:xfrm>
+            <a:off x="1789594" y="846945"/>
+            <a:ext cx="8106906" cy="5544324"/>
+          </a:xfrm>
+          <a:prstGeom prst="rect">
+            <a:avLst/>
+          </a:prstGeom>
+          <a:effectLst>
+            <a:softEdge rad="31750"/>
+          </a:effectLst>
+        </p:spPr>
+      </p:pic>
       <p:sp>
         <p:nvSpPr>
-          <p:cNvPr id="7" name="AutoShape 262"/>
+          <p:cNvPr id="4" name="AutoShape 2" descr="mark"/>
           <p:cNvSpPr>
-            <a:spLocks noChangeAspect="1" noChangeArrowheads="1" noTextEdit="1"/>
+            <a:spLocks noChangeAspect="1" noChangeArrowheads="1"/>
           </p:cNvSpPr>
           <p:nvPr/>
         </p:nvSpPr>
         <p:spPr bwMode="auto">
           <a:xfrm>
-            <a:off x="10595345" y="715971"/>
-            <a:ext cx="501779" cy="5364674"/>
+            <a:off x="5943600" y="3276600"/>
+            <a:ext cx="304800" cy="304800"/>
           </a:xfrm>
           <a:prstGeom prst="rect">
             <a:avLst/>
           </a:prstGeom>
           <a:noFill/>
-          <a:ln>
-            <a:noFill/>
-          </a:ln>
           <a:extLst>
             <a:ext uri="{909E8E84-426E-40DD-AFC4-6F175D3DCCD1}">
               <a14:hiddenFill xmlns:a14="http://schemas.microsoft.com/office/drawing/2010/main">
@@ -11357,20 +11405,14 @@
                 </a:solidFill>
               </a14:hiddenFill>
             </a:ext>
-            <a:ext uri="{91240B29-F687-4F45-9708-019B960494DF}">
-              <a14:hiddenLine xmlns:a14="http://schemas.microsoft.com/office/drawing/2010/main" w="9525">
-                <a:solidFill>
-                  <a:srgbClr val="000000"/>
-                </a:solidFill>
-                <a:miter lim="800000"/>
-                <a:headEnd/>
-                <a:tailEnd/>
-              </a14:hiddenLine>
-            </a:ext>
           </a:extLst>
         </p:spPr>
         <p:txBody>
-          <a:bodyPr vert="horz" wrap="square" lIns="91440" tIns="45720" rIns="91440" bIns="45720" numCol="1" anchor="t" anchorCtr="0" compatLnSpc="1"/>
+          <a:bodyPr vert="horz" wrap="square" lIns="91440" tIns="45720" rIns="91440" bIns="45720" numCol="1" anchor="t" anchorCtr="0" compatLnSpc="1">
+            <a:prstTxWarp prst="textNoShape">
+              <a:avLst/>
+            </a:prstTxWarp>
+          </a:bodyPr>
           <a:lstStyle/>
           <a:p>
             <a:endParaRPr lang="zh-CN" altLang="en-US"/>
@@ -11413,7 +11455,7 @@
         </p:nvSpPr>
         <p:spPr>
           <a:xfrm>
-            <a:off x="215770" y="162886"/>
+            <a:off x="140355" y="162886"/>
             <a:ext cx="5488016" cy="553085"/>
           </a:xfrm>
           <a:prstGeom prst="rect">
@@ -11435,7 +11477,356 @@
                 <a:ea typeface="幼圆" panose="02010509060101010101" pitchFamily="49" charset="-122"/>
                 <a:cs typeface="Lao UI" panose="020B0502040204020203" pitchFamily="34" charset="0"/>
               </a:rPr>
+              <a:t>功能需求建模</a:t>
+            </a:r>
+            <a:r>
+              <a:rPr lang="zh-CN" altLang="en-US" dirty="0">
+                <a:solidFill>
+                  <a:srgbClr val="DACD57"/>
+                </a:solidFill>
+                <a:latin typeface="幼圆" panose="02010509060101010101" pitchFamily="49" charset="-122"/>
+                <a:ea typeface="幼圆" panose="02010509060101010101" pitchFamily="49" charset="-122"/>
+                <a:cs typeface="Lao UI" panose="020B0502040204020203" pitchFamily="34" charset="0"/>
+              </a:rPr>
+              <a:t>（动态）</a:t>
+            </a:r>
+            <a:r>
+              <a:rPr lang="en-US" altLang="zh-CN" sz="2000" dirty="0">
+                <a:solidFill>
+                  <a:srgbClr val="DACD57"/>
+                </a:solidFill>
+                <a:latin typeface="Impact" panose="020B0806030902050204" pitchFamily="34" charset="0"/>
+                <a:ea typeface="Tahoma" panose="020B0604030504040204" pitchFamily="34" charset="0"/>
+                <a:cs typeface="Lao UI" panose="020B0502040204020203" pitchFamily="34" charset="0"/>
+              </a:rPr>
+              <a:t> </a:t>
+            </a:r>
+            <a:endParaRPr lang="zh-CN" altLang="en-US" sz="3000" dirty="0">
+              <a:solidFill>
+                <a:srgbClr val="DACD57"/>
+              </a:solidFill>
+              <a:latin typeface="Impact" panose="020B0806030902050204" pitchFamily="34" charset="0"/>
+              <a:ea typeface="Tahoma" panose="020B0604030504040204" pitchFamily="34" charset="0"/>
+              <a:cs typeface="Lao UI" panose="020B0502040204020203" pitchFamily="34" charset="0"/>
+            </a:endParaRPr>
+          </a:p>
+        </p:txBody>
+      </p:sp>
+      <p:sp>
+        <p:nvSpPr>
+          <p:cNvPr id="4" name="AutoShape 2" descr="mark"/>
+          <p:cNvSpPr>
+            <a:spLocks noChangeAspect="1" noChangeArrowheads="1"/>
+          </p:cNvSpPr>
+          <p:nvPr/>
+        </p:nvSpPr>
+        <p:spPr bwMode="auto">
+          <a:xfrm>
+            <a:off x="5943600" y="3276600"/>
+            <a:ext cx="304800" cy="304800"/>
+          </a:xfrm>
+          <a:prstGeom prst="rect">
+            <a:avLst/>
+          </a:prstGeom>
+          <a:noFill/>
+          <a:extLst>
+            <a:ext uri="{909E8E84-426E-40DD-AFC4-6F175D3DCCD1}">
+              <a14:hiddenFill xmlns:a14="http://schemas.microsoft.com/office/drawing/2010/main">
+                <a:solidFill>
+                  <a:srgbClr val="FFFFFF"/>
+                </a:solidFill>
+              </a14:hiddenFill>
+            </a:ext>
+          </a:extLst>
+        </p:spPr>
+        <p:txBody>
+          <a:bodyPr vert="horz" wrap="square" lIns="91440" tIns="45720" rIns="91440" bIns="45720" numCol="1" anchor="t" anchorCtr="0" compatLnSpc="1">
+            <a:prstTxWarp prst="textNoShape">
+              <a:avLst/>
+            </a:prstTxWarp>
+          </a:bodyPr>
+          <a:lstStyle/>
+          <a:p>
+            <a:endParaRPr lang="zh-CN" altLang="en-US"/>
+          </a:p>
+        </p:txBody>
+      </p:sp>
+      <p:pic>
+        <p:nvPicPr>
+          <p:cNvPr id="6" name="图片 5"/>
+          <p:cNvPicPr>
+            <a:picLocks noChangeAspect="1"/>
+          </p:cNvPicPr>
+          <p:nvPr/>
+        </p:nvPicPr>
+        <p:blipFill rotWithShape="1">
+          <a:blip r:embed="rId3">
+            <a:extLst>
+              <a:ext uri="{28A0092B-C50C-407E-A947-70E740481C1C}">
+                <a14:useLocalDpi xmlns:a14="http://schemas.microsoft.com/office/drawing/2010/main" val="0"/>
+              </a:ext>
+            </a:extLst>
+          </a:blip>
+          <a:srcRect b="52165"/>
+          <a:stretch/>
+        </p:blipFill>
+        <p:spPr>
+          <a:xfrm>
+            <a:off x="1231658" y="951322"/>
+            <a:ext cx="9204600" cy="5260156"/>
+          </a:xfrm>
+          <a:prstGeom prst="rect">
+            <a:avLst/>
+          </a:prstGeom>
+          <a:effectLst>
+            <a:softEdge rad="63500"/>
+          </a:effectLst>
+        </p:spPr>
+      </p:pic>
+    </p:spTree>
+    <p:custDataLst>
+      <p:tags r:id="rId1"/>
+    </p:custDataLst>
+    <p:extLst>
+      <p:ext uri="{BB962C8B-B14F-4D97-AF65-F5344CB8AC3E}">
+        <p14:creationId xmlns:p14="http://schemas.microsoft.com/office/powerpoint/2010/main" val="1301750082"/>
+      </p:ext>
+    </p:extLst>
+  </p:cSld>
+  <p:clrMapOvr>
+    <a:masterClrMapping/>
+  </p:clrMapOvr>
+</p:sld>
+</file>
+
+<file path=ppt/slides/slide13.xml><?xml version="1.0" encoding="utf-8"?>
+<p:sld xmlns:a="http://schemas.openxmlformats.org/drawingml/2006/main" xmlns:r="http://schemas.openxmlformats.org/officeDocument/2006/relationships" xmlns:p="http://schemas.openxmlformats.org/presentationml/2006/main">
+  <p:cSld>
+    <p:spTree>
+      <p:nvGrpSpPr>
+        <p:cNvPr id="1" name=""/>
+        <p:cNvGrpSpPr/>
+        <p:nvPr/>
+      </p:nvGrpSpPr>
+      <p:grpSpPr>
+        <a:xfrm>
+          <a:off x="0" y="0"/>
+          <a:ext cx="0" cy="0"/>
+          <a:chOff x="0" y="0"/>
+          <a:chExt cx="0" cy="0"/>
+        </a:xfrm>
+      </p:grpSpPr>
+      <p:sp>
+        <p:nvSpPr>
+          <p:cNvPr id="5" name="矩形 4"/>
+          <p:cNvSpPr/>
+          <p:nvPr/>
+        </p:nvSpPr>
+        <p:spPr>
+          <a:xfrm>
+            <a:off x="140355" y="162886"/>
+            <a:ext cx="5488016" cy="553085"/>
+          </a:xfrm>
+          <a:prstGeom prst="rect">
+            <a:avLst/>
+          </a:prstGeom>
+        </p:spPr>
+        <p:txBody>
+          <a:bodyPr wrap="square">
+            <a:spAutoFit/>
+          </a:bodyPr>
+          <a:lstStyle/>
+          <a:p>
+            <a:r>
+              <a:rPr lang="zh-CN" altLang="en-US" sz="3000" dirty="0">
+                <a:solidFill>
+                  <a:srgbClr val="DACD57"/>
+                </a:solidFill>
+                <a:latin typeface="幼圆" panose="02010509060101010101" pitchFamily="49" charset="-122"/>
+                <a:ea typeface="幼圆" panose="02010509060101010101" pitchFamily="49" charset="-122"/>
+                <a:cs typeface="Lao UI" panose="020B0502040204020203" pitchFamily="34" charset="0"/>
+              </a:rPr>
+              <a:t>功能需求建模</a:t>
+            </a:r>
+            <a:r>
+              <a:rPr lang="zh-CN" altLang="en-US" dirty="0">
+                <a:solidFill>
+                  <a:srgbClr val="DACD57"/>
+                </a:solidFill>
+                <a:latin typeface="幼圆" panose="02010509060101010101" pitchFamily="49" charset="-122"/>
+                <a:ea typeface="幼圆" panose="02010509060101010101" pitchFamily="49" charset="-122"/>
+                <a:cs typeface="Lao UI" panose="020B0502040204020203" pitchFamily="34" charset="0"/>
+              </a:rPr>
+              <a:t>（动态）</a:t>
+            </a:r>
+            <a:r>
+              <a:rPr lang="en-US" altLang="zh-CN" sz="2000" dirty="0">
+                <a:solidFill>
+                  <a:srgbClr val="DACD57"/>
+                </a:solidFill>
+                <a:latin typeface="Impact" panose="020B0806030902050204" pitchFamily="34" charset="0"/>
+                <a:ea typeface="Tahoma" panose="020B0604030504040204" pitchFamily="34" charset="0"/>
+                <a:cs typeface="Lao UI" panose="020B0502040204020203" pitchFamily="34" charset="0"/>
+              </a:rPr>
+              <a:t> </a:t>
+            </a:r>
+            <a:endParaRPr lang="zh-CN" altLang="en-US" sz="3000" dirty="0">
+              <a:solidFill>
+                <a:srgbClr val="DACD57"/>
+              </a:solidFill>
+              <a:latin typeface="Impact" panose="020B0806030902050204" pitchFamily="34" charset="0"/>
+              <a:ea typeface="Tahoma" panose="020B0604030504040204" pitchFamily="34" charset="0"/>
+              <a:cs typeface="Lao UI" panose="020B0502040204020203" pitchFamily="34" charset="0"/>
+            </a:endParaRPr>
+          </a:p>
+        </p:txBody>
+      </p:sp>
+      <p:sp>
+        <p:nvSpPr>
+          <p:cNvPr id="4" name="AutoShape 2" descr="mark"/>
+          <p:cNvSpPr>
+            <a:spLocks noChangeAspect="1" noChangeArrowheads="1"/>
+          </p:cNvSpPr>
+          <p:nvPr/>
+        </p:nvSpPr>
+        <p:spPr bwMode="auto">
+          <a:xfrm>
+            <a:off x="5943600" y="3276600"/>
+            <a:ext cx="304800" cy="304800"/>
+          </a:xfrm>
+          <a:prstGeom prst="rect">
+            <a:avLst/>
+          </a:prstGeom>
+          <a:noFill/>
+          <a:extLst>
+            <a:ext uri="{909E8E84-426E-40DD-AFC4-6F175D3DCCD1}">
+              <a14:hiddenFill xmlns:a14="http://schemas.microsoft.com/office/drawing/2010/main">
+                <a:solidFill>
+                  <a:srgbClr val="FFFFFF"/>
+                </a:solidFill>
+              </a14:hiddenFill>
+            </a:ext>
+          </a:extLst>
+        </p:spPr>
+        <p:txBody>
+          <a:bodyPr vert="horz" wrap="square" lIns="91440" tIns="45720" rIns="91440" bIns="45720" numCol="1" anchor="t" anchorCtr="0" compatLnSpc="1">
+            <a:prstTxWarp prst="textNoShape">
+              <a:avLst/>
+            </a:prstTxWarp>
+          </a:bodyPr>
+          <a:lstStyle/>
+          <a:p>
+            <a:endParaRPr lang="zh-CN" altLang="en-US"/>
+          </a:p>
+        </p:txBody>
+      </p:sp>
+      <p:pic>
+        <p:nvPicPr>
+          <p:cNvPr id="3" name="图片 2"/>
+          <p:cNvPicPr>
+            <a:picLocks noChangeAspect="1"/>
+          </p:cNvPicPr>
+          <p:nvPr/>
+        </p:nvPicPr>
+        <p:blipFill rotWithShape="1">
+          <a:blip r:embed="rId3">
+            <a:extLst>
+              <a:ext uri="{28A0092B-C50C-407E-A947-70E740481C1C}">
+                <a14:useLocalDpi xmlns:a14="http://schemas.microsoft.com/office/drawing/2010/main" val="0"/>
+              </a:ext>
+            </a:extLst>
+          </a:blip>
+          <a:srcRect t="50584"/>
+          <a:stretch/>
+        </p:blipFill>
+        <p:spPr>
+          <a:xfrm>
+            <a:off x="1476746" y="939241"/>
+            <a:ext cx="9238507" cy="5454001"/>
+          </a:xfrm>
+          <a:prstGeom prst="rect">
+            <a:avLst/>
+          </a:prstGeom>
+          <a:effectLst>
+            <a:softEdge rad="63500"/>
+          </a:effectLst>
+        </p:spPr>
+      </p:pic>
+    </p:spTree>
+    <p:custDataLst>
+      <p:tags r:id="rId1"/>
+    </p:custDataLst>
+    <p:extLst>
+      <p:ext uri="{BB962C8B-B14F-4D97-AF65-F5344CB8AC3E}">
+        <p14:creationId xmlns:p14="http://schemas.microsoft.com/office/powerpoint/2010/main" val="1099850694"/>
+      </p:ext>
+    </p:extLst>
+  </p:cSld>
+  <p:clrMapOvr>
+    <a:masterClrMapping/>
+  </p:clrMapOvr>
+</p:sld>
+</file>
+
+<file path=ppt/slides/slide14.xml><?xml version="1.0" encoding="utf-8"?>
+<p:sld xmlns:a="http://schemas.openxmlformats.org/drawingml/2006/main" xmlns:r="http://schemas.openxmlformats.org/officeDocument/2006/relationships" xmlns:p="http://schemas.openxmlformats.org/presentationml/2006/main">
+  <p:cSld>
+    <p:spTree>
+      <p:nvGrpSpPr>
+        <p:cNvPr id="1" name=""/>
+        <p:cNvGrpSpPr/>
+        <p:nvPr/>
+      </p:nvGrpSpPr>
+      <p:grpSpPr>
+        <a:xfrm>
+          <a:off x="0" y="0"/>
+          <a:ext cx="0" cy="0"/>
+          <a:chOff x="0" y="0"/>
+          <a:chExt cx="0" cy="0"/>
+        </a:xfrm>
+      </p:grpSpPr>
+      <p:sp>
+        <p:nvSpPr>
+          <p:cNvPr id="5" name="矩形 4"/>
+          <p:cNvSpPr/>
+          <p:nvPr/>
+        </p:nvSpPr>
+        <p:spPr>
+          <a:xfrm>
+            <a:off x="215770" y="162886"/>
+            <a:ext cx="5488016" cy="553998"/>
+          </a:xfrm>
+          <a:prstGeom prst="rect">
+            <a:avLst/>
+          </a:prstGeom>
+        </p:spPr>
+        <p:txBody>
+          <a:bodyPr wrap="square">
+            <a:spAutoFit/>
+          </a:bodyPr>
+          <a:lstStyle/>
+          <a:p>
+            <a:r>
+              <a:rPr lang="zh-CN" altLang="en-US" sz="3000" dirty="0">
+                <a:solidFill>
+                  <a:srgbClr val="DACD57"/>
+                </a:solidFill>
+                <a:latin typeface="幼圆" panose="02010509060101010101" pitchFamily="49" charset="-122"/>
+                <a:ea typeface="幼圆" panose="02010509060101010101" pitchFamily="49" charset="-122"/>
+                <a:cs typeface="Lao UI" panose="020B0502040204020203" pitchFamily="34" charset="0"/>
+              </a:rPr>
               <a:t>内容建模</a:t>
+            </a:r>
+            <a:r>
+              <a:rPr lang="zh-CN" altLang="en-US" dirty="0">
+                <a:solidFill>
+                  <a:srgbClr val="DACD57"/>
+                </a:solidFill>
+                <a:latin typeface="幼圆" panose="02010509060101010101" pitchFamily="49" charset="-122"/>
+                <a:ea typeface="幼圆" panose="02010509060101010101" pitchFamily="49" charset="-122"/>
+                <a:cs typeface="Lao UI" panose="020B0502040204020203" pitchFamily="34" charset="0"/>
+              </a:rPr>
+              <a:t>（注册登录）</a:t>
             </a:r>
             <a:r>
               <a:rPr lang="en-US" altLang="zh-CN" sz="3000" dirty="0">
@@ -11518,7 +11909,299 @@
 </p:sld>
 </file>
 
-<file path=ppt/slides/slide13.xml><?xml version="1.0" encoding="utf-8"?>
+<file path=ppt/slides/slide15.xml><?xml version="1.0" encoding="utf-8"?>
+<p:sld xmlns:a="http://schemas.openxmlformats.org/drawingml/2006/main" xmlns:r="http://schemas.openxmlformats.org/officeDocument/2006/relationships" xmlns:p="http://schemas.openxmlformats.org/presentationml/2006/main">
+  <p:cSld>
+    <p:spTree>
+      <p:nvGrpSpPr>
+        <p:cNvPr id="1" name=""/>
+        <p:cNvGrpSpPr/>
+        <p:nvPr/>
+      </p:nvGrpSpPr>
+      <p:grpSpPr>
+        <a:xfrm>
+          <a:off x="0" y="0"/>
+          <a:ext cx="0" cy="0"/>
+          <a:chOff x="0" y="0"/>
+          <a:chExt cx="0" cy="0"/>
+        </a:xfrm>
+      </p:grpSpPr>
+      <p:sp>
+        <p:nvSpPr>
+          <p:cNvPr id="5" name="矩形 4"/>
+          <p:cNvSpPr/>
+          <p:nvPr/>
+        </p:nvSpPr>
+        <p:spPr>
+          <a:xfrm>
+            <a:off x="215770" y="162886"/>
+            <a:ext cx="5488016" cy="553998"/>
+          </a:xfrm>
+          <a:prstGeom prst="rect">
+            <a:avLst/>
+          </a:prstGeom>
+        </p:spPr>
+        <p:txBody>
+          <a:bodyPr wrap="square">
+            <a:spAutoFit/>
+          </a:bodyPr>
+          <a:lstStyle/>
+          <a:p>
+            <a:r>
+              <a:rPr lang="zh-CN" altLang="en-US" sz="3000" dirty="0">
+                <a:solidFill>
+                  <a:srgbClr val="DACD57"/>
+                </a:solidFill>
+                <a:latin typeface="幼圆" panose="02010509060101010101" pitchFamily="49" charset="-122"/>
+                <a:ea typeface="幼圆" panose="02010509060101010101" pitchFamily="49" charset="-122"/>
+                <a:cs typeface="Lao UI" panose="020B0502040204020203" pitchFamily="34" charset="0"/>
+              </a:rPr>
+              <a:t>内容建模</a:t>
+            </a:r>
+            <a:r>
+              <a:rPr lang="zh-CN" altLang="en-US" dirty="0">
+                <a:solidFill>
+                  <a:srgbClr val="DACD57"/>
+                </a:solidFill>
+                <a:latin typeface="幼圆" panose="02010509060101010101" pitchFamily="49" charset="-122"/>
+                <a:ea typeface="幼圆" panose="02010509060101010101" pitchFamily="49" charset="-122"/>
+                <a:cs typeface="Lao UI" panose="020B0502040204020203" pitchFamily="34" charset="0"/>
+              </a:rPr>
+              <a:t>（发表问题）</a:t>
+            </a:r>
+            <a:r>
+              <a:rPr lang="en-US" altLang="zh-CN" sz="3000" dirty="0">
+                <a:solidFill>
+                  <a:srgbClr val="DACD57"/>
+                </a:solidFill>
+                <a:latin typeface="Impact" panose="020B0806030902050204" pitchFamily="34" charset="0"/>
+                <a:ea typeface="Tahoma" panose="020B0604030504040204" pitchFamily="34" charset="0"/>
+                <a:cs typeface="Lao UI" panose="020B0502040204020203" pitchFamily="34" charset="0"/>
+              </a:rPr>
+              <a:t> </a:t>
+            </a:r>
+            <a:endParaRPr lang="zh-CN" altLang="en-US" sz="3000" dirty="0">
+              <a:solidFill>
+                <a:srgbClr val="DACD57"/>
+              </a:solidFill>
+              <a:latin typeface="Impact" panose="020B0806030902050204" pitchFamily="34" charset="0"/>
+              <a:ea typeface="Tahoma" panose="020B0604030504040204" pitchFamily="34" charset="0"/>
+              <a:cs typeface="Lao UI" panose="020B0502040204020203" pitchFamily="34" charset="0"/>
+            </a:endParaRPr>
+          </a:p>
+        </p:txBody>
+      </p:sp>
+      <p:sp>
+        <p:nvSpPr>
+          <p:cNvPr id="7" name="AutoShape 262"/>
+          <p:cNvSpPr>
+            <a:spLocks noChangeAspect="1" noChangeArrowheads="1" noTextEdit="1"/>
+          </p:cNvSpPr>
+          <p:nvPr/>
+        </p:nvSpPr>
+        <p:spPr bwMode="auto">
+          <a:xfrm>
+            <a:off x="10595345" y="715971"/>
+            <a:ext cx="501779" cy="5364674"/>
+          </a:xfrm>
+          <a:prstGeom prst="rect">
+            <a:avLst/>
+          </a:prstGeom>
+          <a:noFill/>
+          <a:ln>
+            <a:noFill/>
+          </a:ln>
+          <a:extLst>
+            <a:ext uri="{909E8E84-426E-40DD-AFC4-6F175D3DCCD1}">
+              <a14:hiddenFill xmlns:a14="http://schemas.microsoft.com/office/drawing/2010/main">
+                <a:solidFill>
+                  <a:srgbClr val="FFFFFF"/>
+                </a:solidFill>
+              </a14:hiddenFill>
+            </a:ext>
+            <a:ext uri="{91240B29-F687-4F45-9708-019B960494DF}">
+              <a14:hiddenLine xmlns:a14="http://schemas.microsoft.com/office/drawing/2010/main" w="9525">
+                <a:solidFill>
+                  <a:srgbClr val="000000"/>
+                </a:solidFill>
+                <a:miter lim="800000"/>
+                <a:headEnd/>
+                <a:tailEnd/>
+              </a14:hiddenLine>
+            </a:ext>
+          </a:extLst>
+        </p:spPr>
+        <p:txBody>
+          <a:bodyPr vert="horz" wrap="square" lIns="91440" tIns="45720" rIns="91440" bIns="45720" numCol="1" anchor="t" anchorCtr="0" compatLnSpc="1"/>
+          <a:lstStyle/>
+          <a:p>
+            <a:endParaRPr lang="zh-CN" altLang="en-US"/>
+          </a:p>
+        </p:txBody>
+      </p:sp>
+    </p:spTree>
+    <p:custDataLst>
+      <p:tags r:id="rId1"/>
+    </p:custDataLst>
+    <p:extLst>
+      <p:ext uri="{BB962C8B-B14F-4D97-AF65-F5344CB8AC3E}">
+        <p14:creationId xmlns:p14="http://schemas.microsoft.com/office/powerpoint/2010/main" val="533431893"/>
+      </p:ext>
+    </p:extLst>
+  </p:cSld>
+  <p:clrMapOvr>
+    <a:masterClrMapping/>
+  </p:clrMapOvr>
+</p:sld>
+</file>
+
+<file path=ppt/slides/slide16.xml><?xml version="1.0" encoding="utf-8"?>
+<p:sld xmlns:a="http://schemas.openxmlformats.org/drawingml/2006/main" xmlns:r="http://schemas.openxmlformats.org/officeDocument/2006/relationships" xmlns:p="http://schemas.openxmlformats.org/presentationml/2006/main">
+  <p:cSld>
+    <p:spTree>
+      <p:nvGrpSpPr>
+        <p:cNvPr id="1" name=""/>
+        <p:cNvGrpSpPr/>
+        <p:nvPr/>
+      </p:nvGrpSpPr>
+      <p:grpSpPr>
+        <a:xfrm>
+          <a:off x="0" y="0"/>
+          <a:ext cx="0" cy="0"/>
+          <a:chOff x="0" y="0"/>
+          <a:chExt cx="0" cy="0"/>
+        </a:xfrm>
+      </p:grpSpPr>
+      <p:sp>
+        <p:nvSpPr>
+          <p:cNvPr id="5" name="矩形 4"/>
+          <p:cNvSpPr/>
+          <p:nvPr/>
+        </p:nvSpPr>
+        <p:spPr>
+          <a:xfrm>
+            <a:off x="215770" y="162886"/>
+            <a:ext cx="5488016" cy="553998"/>
+          </a:xfrm>
+          <a:prstGeom prst="rect">
+            <a:avLst/>
+          </a:prstGeom>
+        </p:spPr>
+        <p:txBody>
+          <a:bodyPr wrap="square">
+            <a:spAutoFit/>
+          </a:bodyPr>
+          <a:lstStyle/>
+          <a:p>
+            <a:r>
+              <a:rPr lang="zh-CN" altLang="en-US" sz="3000" dirty="0">
+                <a:solidFill>
+                  <a:srgbClr val="DACD57"/>
+                </a:solidFill>
+                <a:latin typeface="幼圆" panose="02010509060101010101" pitchFamily="49" charset="-122"/>
+                <a:ea typeface="幼圆" panose="02010509060101010101" pitchFamily="49" charset="-122"/>
+                <a:cs typeface="Lao UI" panose="020B0502040204020203" pitchFamily="34" charset="0"/>
+              </a:rPr>
+              <a:t>内容建模</a:t>
+            </a:r>
+            <a:r>
+              <a:rPr lang="zh-CN" altLang="en-US" dirty="0">
+                <a:solidFill>
+                  <a:srgbClr val="DACD57"/>
+                </a:solidFill>
+                <a:latin typeface="幼圆" panose="02010509060101010101" pitchFamily="49" charset="-122"/>
+                <a:ea typeface="幼圆" panose="02010509060101010101" pitchFamily="49" charset="-122"/>
+                <a:cs typeface="Lao UI" panose="020B0502040204020203" pitchFamily="34" charset="0"/>
+              </a:rPr>
+              <a:t>（站内信）</a:t>
+            </a:r>
+            <a:r>
+              <a:rPr lang="en-US" altLang="zh-CN" sz="3000" dirty="0">
+                <a:solidFill>
+                  <a:srgbClr val="DACD57"/>
+                </a:solidFill>
+                <a:latin typeface="Impact" panose="020B0806030902050204" pitchFamily="34" charset="0"/>
+                <a:ea typeface="Tahoma" panose="020B0604030504040204" pitchFamily="34" charset="0"/>
+                <a:cs typeface="Lao UI" panose="020B0502040204020203" pitchFamily="34" charset="0"/>
+              </a:rPr>
+              <a:t> </a:t>
+            </a:r>
+            <a:endParaRPr lang="zh-CN" altLang="en-US" sz="3000" dirty="0">
+              <a:solidFill>
+                <a:srgbClr val="DACD57"/>
+              </a:solidFill>
+              <a:latin typeface="Impact" panose="020B0806030902050204" pitchFamily="34" charset="0"/>
+              <a:ea typeface="Tahoma" panose="020B0604030504040204" pitchFamily="34" charset="0"/>
+              <a:cs typeface="Lao UI" panose="020B0502040204020203" pitchFamily="34" charset="0"/>
+            </a:endParaRPr>
+          </a:p>
+        </p:txBody>
+      </p:sp>
+      <p:sp>
+        <p:nvSpPr>
+          <p:cNvPr id="7" name="AutoShape 262"/>
+          <p:cNvSpPr>
+            <a:spLocks noChangeAspect="1" noChangeArrowheads="1" noTextEdit="1"/>
+          </p:cNvSpPr>
+          <p:nvPr/>
+        </p:nvSpPr>
+        <p:spPr bwMode="auto">
+          <a:xfrm>
+            <a:off x="10595345" y="715971"/>
+            <a:ext cx="501779" cy="5364674"/>
+          </a:xfrm>
+          <a:prstGeom prst="rect">
+            <a:avLst/>
+          </a:prstGeom>
+          <a:noFill/>
+          <a:ln>
+            <a:noFill/>
+          </a:ln>
+          <a:extLst>
+            <a:ext uri="{909E8E84-426E-40DD-AFC4-6F175D3DCCD1}">
+              <a14:hiddenFill xmlns:a14="http://schemas.microsoft.com/office/drawing/2010/main">
+                <a:solidFill>
+                  <a:srgbClr val="FFFFFF"/>
+                </a:solidFill>
+              </a14:hiddenFill>
+            </a:ext>
+            <a:ext uri="{91240B29-F687-4F45-9708-019B960494DF}">
+              <a14:hiddenLine xmlns:a14="http://schemas.microsoft.com/office/drawing/2010/main" w="9525">
+                <a:solidFill>
+                  <a:srgbClr val="000000"/>
+                </a:solidFill>
+                <a:miter lim="800000"/>
+                <a:headEnd/>
+                <a:tailEnd/>
+              </a14:hiddenLine>
+            </a:ext>
+          </a:extLst>
+        </p:spPr>
+        <p:txBody>
+          <a:bodyPr vert="horz" wrap="square" lIns="91440" tIns="45720" rIns="91440" bIns="45720" numCol="1" anchor="t" anchorCtr="0" compatLnSpc="1"/>
+          <a:lstStyle/>
+          <a:p>
+            <a:endParaRPr lang="zh-CN" altLang="en-US"/>
+          </a:p>
+        </p:txBody>
+      </p:sp>
+    </p:spTree>
+    <p:custDataLst>
+      <p:tags r:id="rId1"/>
+    </p:custDataLst>
+    <p:extLst>
+      <p:ext uri="{BB962C8B-B14F-4D97-AF65-F5344CB8AC3E}">
+        <p14:creationId xmlns:p14="http://schemas.microsoft.com/office/powerpoint/2010/main" val="892126484"/>
+      </p:ext>
+    </p:extLst>
+  </p:cSld>
+  <p:clrMapOvr>
+    <a:masterClrMapping/>
+  </p:clrMapOvr>
+</p:sld>
+</file>
+
+<file path=ppt/slides/slide17.xml><?xml version="1.0" encoding="utf-8"?>
 <p:sld xmlns:a="http://schemas.openxmlformats.org/drawingml/2006/main" xmlns:r="http://schemas.openxmlformats.org/officeDocument/2006/relationships" xmlns:p="http://schemas.openxmlformats.org/presentationml/2006/main">
   <p:cSld>
     <p:spTree>
@@ -11637,6 +12320,33 @@
           </a:p>
         </p:txBody>
       </p:sp>
+      <p:pic>
+        <p:nvPicPr>
+          <p:cNvPr id="4" name="图片 3"/>
+          <p:cNvPicPr>
+            <a:picLocks noChangeAspect="1"/>
+          </p:cNvPicPr>
+          <p:nvPr/>
+        </p:nvPicPr>
+        <p:blipFill>
+          <a:blip r:embed="rId3"/>
+          <a:stretch>
+            <a:fillRect/>
+          </a:stretch>
+        </p:blipFill>
+        <p:spPr>
+          <a:xfrm>
+            <a:off x="2425572" y="162886"/>
+            <a:ext cx="8882575" cy="6435877"/>
+          </a:xfrm>
+          <a:prstGeom prst="rect">
+            <a:avLst/>
+          </a:prstGeom>
+          <a:effectLst>
+            <a:softEdge rad="63500"/>
+          </a:effectLst>
+        </p:spPr>
+      </p:pic>
     </p:spTree>
     <p:custDataLst>
       <p:tags r:id="rId1"/>
@@ -11653,7 +12363,7 @@
 </p:sld>
 </file>
 
-<file path=ppt/slides/slide14.xml><?xml version="1.0" encoding="utf-8"?>
+<file path=ppt/slides/slide18.xml><?xml version="1.0" encoding="utf-8"?>
 <p:sld xmlns:a="http://schemas.openxmlformats.org/drawingml/2006/main" xmlns:r="http://schemas.openxmlformats.org/officeDocument/2006/relationships" xmlns:p="http://schemas.openxmlformats.org/presentationml/2006/main">
   <p:cSld>
     <p:spTree>
@@ -11788,289 +12498,7 @@
 </p:sld>
 </file>
 
-<file path=ppt/slides/slide15.xml><?xml version="1.0" encoding="utf-8"?>
-<p:sld xmlns:a="http://schemas.openxmlformats.org/drawingml/2006/main" xmlns:r="http://schemas.openxmlformats.org/officeDocument/2006/relationships" xmlns:p="http://schemas.openxmlformats.org/presentationml/2006/main">
-  <p:cSld>
-    <p:spTree>
-      <p:nvGrpSpPr>
-        <p:cNvPr id="1" name=""/>
-        <p:cNvGrpSpPr/>
-        <p:nvPr/>
-      </p:nvGrpSpPr>
-      <p:grpSpPr>
-        <a:xfrm>
-          <a:off x="0" y="0"/>
-          <a:ext cx="0" cy="0"/>
-          <a:chOff x="0" y="0"/>
-          <a:chExt cx="0" cy="0"/>
-        </a:xfrm>
-      </p:grpSpPr>
-      <p:sp>
-        <p:nvSpPr>
-          <p:cNvPr id="9" name="矩形 2"/>
-          <p:cNvSpPr/>
-          <p:nvPr/>
-        </p:nvSpPr>
-        <p:spPr>
-          <a:xfrm>
-            <a:off x="4813526" y="104774"/>
-            <a:ext cx="2564948" cy="2143125"/>
-          </a:xfrm>
-          <a:custGeom>
-            <a:avLst/>
-            <a:gdLst>
-              <a:gd name="connsiteX0" fmla="*/ 0 w 2762250"/>
-              <a:gd name="connsiteY0" fmla="*/ 0 h 2466975"/>
-              <a:gd name="connsiteX1" fmla="*/ 2762250 w 2762250"/>
-              <a:gd name="connsiteY1" fmla="*/ 0 h 2466975"/>
-              <a:gd name="connsiteX2" fmla="*/ 2762250 w 2762250"/>
-              <a:gd name="connsiteY2" fmla="*/ 2466975 h 2466975"/>
-              <a:gd name="connsiteX3" fmla="*/ 0 w 2762250"/>
-              <a:gd name="connsiteY3" fmla="*/ 2466975 h 2466975"/>
-              <a:gd name="connsiteX4" fmla="*/ 0 w 2762250"/>
-              <a:gd name="connsiteY4" fmla="*/ 0 h 2466975"/>
-              <a:gd name="connsiteX0-1" fmla="*/ 0 w 2762250"/>
-              <a:gd name="connsiteY0-2" fmla="*/ 0 h 2476500"/>
-              <a:gd name="connsiteX1-3" fmla="*/ 2762250 w 2762250"/>
-              <a:gd name="connsiteY1-4" fmla="*/ 0 h 2476500"/>
-              <a:gd name="connsiteX2-5" fmla="*/ 2762250 w 2762250"/>
-              <a:gd name="connsiteY2-6" fmla="*/ 2466975 h 2476500"/>
-              <a:gd name="connsiteX3-7" fmla="*/ 1428750 w 2762250"/>
-              <a:gd name="connsiteY3-8" fmla="*/ 2476500 h 2476500"/>
-              <a:gd name="connsiteX4-9" fmla="*/ 0 w 2762250"/>
-              <a:gd name="connsiteY4-10" fmla="*/ 2466975 h 2476500"/>
-              <a:gd name="connsiteX5" fmla="*/ 0 w 2762250"/>
-              <a:gd name="connsiteY5" fmla="*/ 0 h 2476500"/>
-              <a:gd name="connsiteX0-11" fmla="*/ 0 w 2762250"/>
-              <a:gd name="connsiteY0-12" fmla="*/ 0 h 2895600"/>
-              <a:gd name="connsiteX1-13" fmla="*/ 2762250 w 2762250"/>
-              <a:gd name="connsiteY1-14" fmla="*/ 0 h 2895600"/>
-              <a:gd name="connsiteX2-15" fmla="*/ 2762250 w 2762250"/>
-              <a:gd name="connsiteY2-16" fmla="*/ 2466975 h 2895600"/>
-              <a:gd name="connsiteX3-17" fmla="*/ 1428750 w 2762250"/>
-              <a:gd name="connsiteY3-18" fmla="*/ 2895600 h 2895600"/>
-              <a:gd name="connsiteX4-19" fmla="*/ 0 w 2762250"/>
-              <a:gd name="connsiteY4-20" fmla="*/ 2466975 h 2895600"/>
-              <a:gd name="connsiteX5-21" fmla="*/ 0 w 2762250"/>
-              <a:gd name="connsiteY5-22" fmla="*/ 0 h 2895600"/>
-              <a:gd name="connsiteX0-23" fmla="*/ 0 w 2762250"/>
-              <a:gd name="connsiteY0-24" fmla="*/ 0 h 2895600"/>
-              <a:gd name="connsiteX1-25" fmla="*/ 2762250 w 2762250"/>
-              <a:gd name="connsiteY1-26" fmla="*/ 0 h 2895600"/>
-              <a:gd name="connsiteX2-27" fmla="*/ 2762250 w 2762250"/>
-              <a:gd name="connsiteY2-28" fmla="*/ 2466975 h 2895600"/>
-              <a:gd name="connsiteX3-29" fmla="*/ 1356946 w 2762250"/>
-              <a:gd name="connsiteY3-30" fmla="*/ 2895600 h 2895600"/>
-              <a:gd name="connsiteX4-31" fmla="*/ 0 w 2762250"/>
-              <a:gd name="connsiteY4-32" fmla="*/ 2466975 h 2895600"/>
-              <a:gd name="connsiteX5-33" fmla="*/ 0 w 2762250"/>
-              <a:gd name="connsiteY5-34" fmla="*/ 0 h 2895600"/>
-              <a:gd name="connsiteX0-35" fmla="*/ 0 w 2762250"/>
-              <a:gd name="connsiteY0-36" fmla="*/ 0 h 2895600"/>
-              <a:gd name="connsiteX1-37" fmla="*/ 2762250 w 2762250"/>
-              <a:gd name="connsiteY1-38" fmla="*/ 0 h 2895600"/>
-              <a:gd name="connsiteX2-39" fmla="*/ 2762250 w 2762250"/>
-              <a:gd name="connsiteY2-40" fmla="*/ 2466975 h 2895600"/>
-              <a:gd name="connsiteX3-41" fmla="*/ 1397977 w 2762250"/>
-              <a:gd name="connsiteY3-42" fmla="*/ 2895600 h 2895600"/>
-              <a:gd name="connsiteX4-43" fmla="*/ 0 w 2762250"/>
-              <a:gd name="connsiteY4-44" fmla="*/ 2466975 h 2895600"/>
-              <a:gd name="connsiteX5-45" fmla="*/ 0 w 2762250"/>
-              <a:gd name="connsiteY5-46" fmla="*/ 0 h 2895600"/>
-              <a:gd name="connsiteX0-47" fmla="*/ 0 w 2762250"/>
-              <a:gd name="connsiteY0-48" fmla="*/ 0 h 2895600"/>
-              <a:gd name="connsiteX1-49" fmla="*/ 2762250 w 2762250"/>
-              <a:gd name="connsiteY1-50" fmla="*/ 0 h 2895600"/>
-              <a:gd name="connsiteX2-51" fmla="*/ 2762250 w 2762250"/>
-              <a:gd name="connsiteY2-52" fmla="*/ 2466975 h 2895600"/>
-              <a:gd name="connsiteX3-53" fmla="*/ 1377461 w 2762250"/>
-              <a:gd name="connsiteY3-54" fmla="*/ 2895600 h 2895600"/>
-              <a:gd name="connsiteX4-55" fmla="*/ 0 w 2762250"/>
-              <a:gd name="connsiteY4-56" fmla="*/ 2466975 h 2895600"/>
-              <a:gd name="connsiteX5-57" fmla="*/ 0 w 2762250"/>
-              <a:gd name="connsiteY5-58" fmla="*/ 0 h 2895600"/>
-            </a:gdLst>
-            <a:ahLst/>
-            <a:cxnLst>
-              <a:cxn ang="0">
-                <a:pos x="connsiteX0-1" y="connsiteY0-2"/>
-              </a:cxn>
-              <a:cxn ang="0">
-                <a:pos x="connsiteX1-3" y="connsiteY1-4"/>
-              </a:cxn>
-              <a:cxn ang="0">
-                <a:pos x="connsiteX2-5" y="connsiteY2-6"/>
-              </a:cxn>
-              <a:cxn ang="0">
-                <a:pos x="connsiteX3-7" y="connsiteY3-8"/>
-              </a:cxn>
-              <a:cxn ang="0">
-                <a:pos x="connsiteX4-9" y="connsiteY4-10"/>
-              </a:cxn>
-              <a:cxn ang="0">
-                <a:pos x="connsiteX5-21" y="connsiteY5-22"/>
-              </a:cxn>
-            </a:cxnLst>
-            <a:rect l="l" t="t" r="r" b="b"/>
-            <a:pathLst>
-              <a:path w="2762250" h="2895600">
-                <a:moveTo>
-                  <a:pt x="0" y="0"/>
-                </a:moveTo>
-                <a:lnTo>
-                  <a:pt x="2762250" y="0"/>
-                </a:lnTo>
-                <a:lnTo>
-                  <a:pt x="2762250" y="2466975"/>
-                </a:lnTo>
-                <a:lnTo>
-                  <a:pt x="1377461" y="2895600"/>
-                </a:lnTo>
-                <a:lnTo>
-                  <a:pt x="0" y="2466975"/>
-                </a:lnTo>
-                <a:lnTo>
-                  <a:pt x="0" y="0"/>
-                </a:lnTo>
-                <a:close/>
-              </a:path>
-            </a:pathLst>
-          </a:custGeom>
-          <a:noFill/>
-          <a:ln w="15875">
-            <a:solidFill>
-              <a:schemeClr val="tx1">
-                <a:lumMod val="85000"/>
-                <a:lumOff val="15000"/>
-              </a:schemeClr>
-            </a:solidFill>
-            <a:prstDash val="dash"/>
-          </a:ln>
-        </p:spPr>
-        <p:style>
-          <a:lnRef idx="2">
-            <a:schemeClr val="accent1">
-              <a:shade val="50000"/>
-            </a:schemeClr>
-          </a:lnRef>
-          <a:fillRef idx="1">
-            <a:schemeClr val="accent1"/>
-          </a:fillRef>
-          <a:effectRef idx="0">
-            <a:schemeClr val="accent1"/>
-          </a:effectRef>
-          <a:fontRef idx="minor">
-            <a:schemeClr val="lt1"/>
-          </a:fontRef>
-        </p:style>
-        <p:txBody>
-          <a:bodyPr rtlCol="0" anchor="ctr"/>
-          <a:lstStyle/>
-          <a:p>
-            <a:pPr algn="ctr"/>
-            <a:endParaRPr lang="zh-CN" altLang="en-US">
-              <a:solidFill>
-                <a:schemeClr val="tx1">
-                  <a:lumMod val="85000"/>
-                  <a:lumOff val="15000"/>
-                </a:schemeClr>
-              </a:solidFill>
-            </a:endParaRPr>
-          </a:p>
-        </p:txBody>
-      </p:sp>
-      <p:sp>
-        <p:nvSpPr>
-          <p:cNvPr id="6" name="文本框 5"/>
-          <p:cNvSpPr txBox="1"/>
-          <p:nvPr/>
-        </p:nvSpPr>
-        <p:spPr>
-          <a:xfrm>
-            <a:off x="5565775" y="539115"/>
-            <a:ext cx="1160780" cy="1198880"/>
-          </a:xfrm>
-          <a:prstGeom prst="rect">
-            <a:avLst/>
-          </a:prstGeom>
-          <a:noFill/>
-        </p:spPr>
-        <p:txBody>
-          <a:bodyPr wrap="square" rtlCol="0">
-            <a:spAutoFit/>
-          </a:bodyPr>
-          <a:lstStyle/>
-          <a:p>
-            <a:pPr algn="ctr"/>
-            <a:r>
-              <a:rPr lang="en-US" altLang="zh-CN" sz="7200" dirty="0">
-                <a:solidFill>
-                  <a:schemeClr val="bg1"/>
-                </a:solidFill>
-                <a:latin typeface="Impact" panose="020B0806030902050204" pitchFamily="34" charset="0"/>
-              </a:rPr>
-              <a:t>03</a:t>
-            </a:r>
-            <a:endParaRPr lang="zh-CN" altLang="en-US" sz="7200" dirty="0">
-              <a:solidFill>
-                <a:schemeClr val="bg1"/>
-              </a:solidFill>
-              <a:latin typeface="Impact" panose="020B0806030902050204" pitchFamily="34" charset="0"/>
-            </a:endParaRPr>
-          </a:p>
-        </p:txBody>
-      </p:sp>
-      <p:sp>
-        <p:nvSpPr>
-          <p:cNvPr id="14" name="标题 13"/>
-          <p:cNvSpPr>
-            <a:spLocks noGrp="1"/>
-          </p:cNvSpPr>
-          <p:nvPr>
-            <p:ph type="title"/>
-          </p:nvPr>
-        </p:nvSpPr>
-        <p:spPr>
-          <a:xfrm>
-            <a:off x="2784763" y="4006800"/>
-            <a:ext cx="6710400" cy="583200"/>
-          </a:xfrm>
-          <a:solidFill>
-            <a:srgbClr val="DACD57"/>
-          </a:solidFill>
-        </p:spPr>
-        <p:txBody>
-          <a:bodyPr/>
-          <a:lstStyle/>
-          <a:p>
-            <a:r>
-              <a:rPr lang="zh-CN" altLang="en-US" sz="3200" dirty="0">
-                <a:solidFill>
-                  <a:schemeClr val="tx1">
-                    <a:lumMod val="85000"/>
-                    <a:lumOff val="15000"/>
-                  </a:schemeClr>
-                </a:solidFill>
-                <a:latin typeface="幼圆" panose="02010509060101010101" pitchFamily="49" charset="-122"/>
-                <a:ea typeface="幼圆" panose="02010509060101010101" pitchFamily="49" charset="-122"/>
-              </a:rPr>
-              <a:t>架构设计</a:t>
-            </a:r>
-          </a:p>
-        </p:txBody>
-      </p:sp>
-    </p:spTree>
-    <p:custDataLst>
-      <p:tags r:id="rId1"/>
-    </p:custDataLst>
-  </p:cSld>
-  <p:clrMapOvr>
-    <a:masterClrMapping/>
-  </p:clrMapOvr>
-</p:sld>
-</file>
-
-<file path=ppt/slides/slide16.xml><?xml version="1.0" encoding="utf-8"?>
+<file path=ppt/slides/slide19.xml><?xml version="1.0" encoding="utf-8"?>
 <p:sld xmlns:a="http://schemas.openxmlformats.org/drawingml/2006/main" xmlns:r="http://schemas.openxmlformats.org/officeDocument/2006/relationships" xmlns:p="http://schemas.openxmlformats.org/presentationml/2006/main">
   <p:cSld>
     <p:spTree>
@@ -12095,7 +12523,7 @@
         </p:nvSpPr>
         <p:spPr>
           <a:xfrm>
-            <a:off x="168635" y="191770"/>
+            <a:off x="215770" y="162886"/>
             <a:ext cx="5488016" cy="553085"/>
           </a:xfrm>
           <a:prstGeom prst="rect">
@@ -12117,7 +12545,18 @@
                 <a:ea typeface="幼圆" panose="02010509060101010101" pitchFamily="49" charset="-122"/>
                 <a:cs typeface="Lao UI" panose="020B0502040204020203" pitchFamily="34" charset="0"/>
               </a:rPr>
-              <a:t>架构设计</a:t>
+              <a:t>适应性建模</a:t>
+            </a:r>
+            <a:r>
+              <a:rPr lang="en-US" altLang="zh-CN" sz="3000" dirty="0">
+                <a:solidFill>
+                  <a:srgbClr val="DACD57"/>
+                </a:solidFill>
+                <a:latin typeface="Impact" panose="020B0806030902050204" pitchFamily="34" charset="0"/>
+                <a:ea typeface="Tahoma" panose="020B0604030504040204" pitchFamily="34" charset="0"/>
+                <a:cs typeface="Lao UI" panose="020B0502040204020203" pitchFamily="34" charset="0"/>
+              </a:rPr>
+              <a:t> </a:t>
             </a:r>
             <a:endParaRPr lang="zh-CN" altLang="en-US" sz="3000" dirty="0">
               <a:solidFill>
@@ -12178,557 +12617,13 @@
           </a:p>
         </p:txBody>
       </p:sp>
-      <p:pic>
-        <p:nvPicPr>
-          <p:cNvPr id="2" name="图片 1" descr="Web分层架构图"/>
-          <p:cNvPicPr>
-            <a:picLocks noChangeAspect="1"/>
-          </p:cNvPicPr>
-          <p:nvPr/>
-        </p:nvPicPr>
-        <p:blipFill>
-          <a:blip r:embed="rId3"/>
-          <a:stretch>
-            <a:fillRect/>
-          </a:stretch>
-        </p:blipFill>
-        <p:spPr>
-          <a:xfrm>
-            <a:off x="2360289" y="0"/>
-            <a:ext cx="7043420" cy="6413500"/>
-          </a:xfrm>
-          <a:prstGeom prst="rect">
-            <a:avLst/>
-          </a:prstGeom>
-        </p:spPr>
-      </p:pic>
-    </p:spTree>
-    <p:custDataLst>
-      <p:tags r:id="rId1"/>
-    </p:custDataLst>
-  </p:cSld>
-  <p:clrMapOvr>
-    <a:masterClrMapping/>
-  </p:clrMapOvr>
-</p:sld>
-</file>
-
-<file path=ppt/slides/slide17.xml><?xml version="1.0" encoding="utf-8"?>
-<p:sld xmlns:a="http://schemas.openxmlformats.org/drawingml/2006/main" xmlns:r="http://schemas.openxmlformats.org/officeDocument/2006/relationships" xmlns:p="http://schemas.openxmlformats.org/presentationml/2006/main">
-  <p:cSld>
-    <p:spTree>
-      <p:nvGrpSpPr>
-        <p:cNvPr id="1" name=""/>
-        <p:cNvGrpSpPr/>
-        <p:nvPr/>
-      </p:nvGrpSpPr>
-      <p:grpSpPr>
-        <a:xfrm>
-          <a:off x="0" y="0"/>
-          <a:ext cx="0" cy="0"/>
-          <a:chOff x="0" y="0"/>
-          <a:chExt cx="0" cy="0"/>
-        </a:xfrm>
-      </p:grpSpPr>
-      <p:sp>
-        <p:nvSpPr>
-          <p:cNvPr id="7" name="AutoShape 262"/>
-          <p:cNvSpPr>
-            <a:spLocks noChangeAspect="1" noChangeArrowheads="1" noTextEdit="1"/>
-          </p:cNvSpPr>
-          <p:nvPr/>
-        </p:nvSpPr>
-        <p:spPr bwMode="auto">
-          <a:xfrm>
-            <a:off x="10595345" y="715971"/>
-            <a:ext cx="501779" cy="5364674"/>
-          </a:xfrm>
-          <a:prstGeom prst="rect">
-            <a:avLst/>
-          </a:prstGeom>
-          <a:noFill/>
-          <a:ln>
-            <a:noFill/>
-          </a:ln>
-          <a:extLst>
-            <a:ext uri="{909E8E84-426E-40DD-AFC4-6F175D3DCCD1}">
-              <a14:hiddenFill xmlns:a14="http://schemas.microsoft.com/office/drawing/2010/main">
-                <a:solidFill>
-                  <a:srgbClr val="FFFFFF"/>
-                </a:solidFill>
-              </a14:hiddenFill>
-            </a:ext>
-            <a:ext uri="{91240B29-F687-4F45-9708-019B960494DF}">
-              <a14:hiddenLine xmlns:a14="http://schemas.microsoft.com/office/drawing/2010/main" w="9525">
-                <a:solidFill>
-                  <a:srgbClr val="000000"/>
-                </a:solidFill>
-                <a:miter lim="800000"/>
-                <a:headEnd/>
-                <a:tailEnd/>
-              </a14:hiddenLine>
-            </a:ext>
-          </a:extLst>
-        </p:spPr>
-        <p:txBody>
-          <a:bodyPr vert="horz" wrap="square" lIns="91440" tIns="45720" rIns="91440" bIns="45720" numCol="1" anchor="t" anchorCtr="0" compatLnSpc="1"/>
-          <a:lstStyle/>
-          <a:p>
-            <a:endParaRPr lang="zh-CN" altLang="en-US"/>
-          </a:p>
-        </p:txBody>
-      </p:sp>
-      <p:sp>
-        <p:nvSpPr>
-          <p:cNvPr id="6" name="矩形 5"/>
-          <p:cNvSpPr/>
-          <p:nvPr/>
-        </p:nvSpPr>
-        <p:spPr>
-          <a:xfrm>
-            <a:off x="168635" y="191770"/>
-            <a:ext cx="5488016" cy="553085"/>
-          </a:xfrm>
-          <a:prstGeom prst="rect">
-            <a:avLst/>
-          </a:prstGeom>
-        </p:spPr>
-        <p:txBody>
-          <a:bodyPr wrap="square">
-            <a:spAutoFit/>
-          </a:bodyPr>
-          <a:lstStyle/>
-          <a:p>
-            <a:r>
-              <a:rPr lang="zh-CN" altLang="en-US" sz="3000" dirty="0">
-                <a:solidFill>
-                  <a:srgbClr val="DACD57"/>
-                </a:solidFill>
-                <a:latin typeface="幼圆" panose="02010509060101010101" pitchFamily="49" charset="-122"/>
-                <a:ea typeface="幼圆" panose="02010509060101010101" pitchFamily="49" charset="-122"/>
-                <a:cs typeface="Lao UI" panose="020B0502040204020203" pitchFamily="34" charset="0"/>
-              </a:rPr>
-              <a:t>架构设计</a:t>
-            </a:r>
-            <a:endParaRPr lang="zh-CN" altLang="en-US" sz="3000" dirty="0">
-              <a:solidFill>
-                <a:srgbClr val="DACD57"/>
-              </a:solidFill>
-              <a:latin typeface="Impact" panose="020B0806030902050204" pitchFamily="34" charset="0"/>
-              <a:ea typeface="Tahoma" panose="020B0604030504040204" pitchFamily="34" charset="0"/>
-              <a:cs typeface="Lao UI" panose="020B0502040204020203" pitchFamily="34" charset="0"/>
-            </a:endParaRPr>
-          </a:p>
-        </p:txBody>
-      </p:sp>
-    </p:spTree>
-    <p:custDataLst>
-      <p:tags r:id="rId1"/>
-    </p:custDataLst>
-  </p:cSld>
-  <p:clrMapOvr>
-    <a:masterClrMapping/>
-  </p:clrMapOvr>
-</p:sld>
-</file>
-
-<file path=ppt/slides/slide18.xml><?xml version="1.0" encoding="utf-8"?>
-<p:sld xmlns:a="http://schemas.openxmlformats.org/drawingml/2006/main" xmlns:r="http://schemas.openxmlformats.org/officeDocument/2006/relationships" xmlns:p="http://schemas.openxmlformats.org/presentationml/2006/main">
-  <p:cSld>
-    <p:spTree>
-      <p:nvGrpSpPr>
-        <p:cNvPr id="1" name=""/>
-        <p:cNvGrpSpPr/>
-        <p:nvPr/>
-      </p:nvGrpSpPr>
-      <p:grpSpPr>
-        <a:xfrm>
-          <a:off x="0" y="0"/>
-          <a:ext cx="0" cy="0"/>
-          <a:chOff x="0" y="0"/>
-          <a:chExt cx="0" cy="0"/>
-        </a:xfrm>
-      </p:grpSpPr>
-      <p:sp>
-        <p:nvSpPr>
-          <p:cNvPr id="9" name="矩形 2"/>
-          <p:cNvSpPr/>
-          <p:nvPr/>
-        </p:nvSpPr>
-        <p:spPr>
-          <a:xfrm>
-            <a:off x="4813526" y="104774"/>
-            <a:ext cx="2564948" cy="2143125"/>
-          </a:xfrm>
-          <a:custGeom>
-            <a:avLst/>
-            <a:gdLst>
-              <a:gd name="connsiteX0" fmla="*/ 0 w 2762250"/>
-              <a:gd name="connsiteY0" fmla="*/ 0 h 2466975"/>
-              <a:gd name="connsiteX1" fmla="*/ 2762250 w 2762250"/>
-              <a:gd name="connsiteY1" fmla="*/ 0 h 2466975"/>
-              <a:gd name="connsiteX2" fmla="*/ 2762250 w 2762250"/>
-              <a:gd name="connsiteY2" fmla="*/ 2466975 h 2466975"/>
-              <a:gd name="connsiteX3" fmla="*/ 0 w 2762250"/>
-              <a:gd name="connsiteY3" fmla="*/ 2466975 h 2466975"/>
-              <a:gd name="connsiteX4" fmla="*/ 0 w 2762250"/>
-              <a:gd name="connsiteY4" fmla="*/ 0 h 2466975"/>
-              <a:gd name="connsiteX0-1" fmla="*/ 0 w 2762250"/>
-              <a:gd name="connsiteY0-2" fmla="*/ 0 h 2476500"/>
-              <a:gd name="connsiteX1-3" fmla="*/ 2762250 w 2762250"/>
-              <a:gd name="connsiteY1-4" fmla="*/ 0 h 2476500"/>
-              <a:gd name="connsiteX2-5" fmla="*/ 2762250 w 2762250"/>
-              <a:gd name="connsiteY2-6" fmla="*/ 2466975 h 2476500"/>
-              <a:gd name="connsiteX3-7" fmla="*/ 1428750 w 2762250"/>
-              <a:gd name="connsiteY3-8" fmla="*/ 2476500 h 2476500"/>
-              <a:gd name="connsiteX4-9" fmla="*/ 0 w 2762250"/>
-              <a:gd name="connsiteY4-10" fmla="*/ 2466975 h 2476500"/>
-              <a:gd name="connsiteX5" fmla="*/ 0 w 2762250"/>
-              <a:gd name="connsiteY5" fmla="*/ 0 h 2476500"/>
-              <a:gd name="connsiteX0-11" fmla="*/ 0 w 2762250"/>
-              <a:gd name="connsiteY0-12" fmla="*/ 0 h 2895600"/>
-              <a:gd name="connsiteX1-13" fmla="*/ 2762250 w 2762250"/>
-              <a:gd name="connsiteY1-14" fmla="*/ 0 h 2895600"/>
-              <a:gd name="connsiteX2-15" fmla="*/ 2762250 w 2762250"/>
-              <a:gd name="connsiteY2-16" fmla="*/ 2466975 h 2895600"/>
-              <a:gd name="connsiteX3-17" fmla="*/ 1428750 w 2762250"/>
-              <a:gd name="connsiteY3-18" fmla="*/ 2895600 h 2895600"/>
-              <a:gd name="connsiteX4-19" fmla="*/ 0 w 2762250"/>
-              <a:gd name="connsiteY4-20" fmla="*/ 2466975 h 2895600"/>
-              <a:gd name="connsiteX5-21" fmla="*/ 0 w 2762250"/>
-              <a:gd name="connsiteY5-22" fmla="*/ 0 h 2895600"/>
-              <a:gd name="connsiteX0-23" fmla="*/ 0 w 2762250"/>
-              <a:gd name="connsiteY0-24" fmla="*/ 0 h 2895600"/>
-              <a:gd name="connsiteX1-25" fmla="*/ 2762250 w 2762250"/>
-              <a:gd name="connsiteY1-26" fmla="*/ 0 h 2895600"/>
-              <a:gd name="connsiteX2-27" fmla="*/ 2762250 w 2762250"/>
-              <a:gd name="connsiteY2-28" fmla="*/ 2466975 h 2895600"/>
-              <a:gd name="connsiteX3-29" fmla="*/ 1356946 w 2762250"/>
-              <a:gd name="connsiteY3-30" fmla="*/ 2895600 h 2895600"/>
-              <a:gd name="connsiteX4-31" fmla="*/ 0 w 2762250"/>
-              <a:gd name="connsiteY4-32" fmla="*/ 2466975 h 2895600"/>
-              <a:gd name="connsiteX5-33" fmla="*/ 0 w 2762250"/>
-              <a:gd name="connsiteY5-34" fmla="*/ 0 h 2895600"/>
-              <a:gd name="connsiteX0-35" fmla="*/ 0 w 2762250"/>
-              <a:gd name="connsiteY0-36" fmla="*/ 0 h 2895600"/>
-              <a:gd name="connsiteX1-37" fmla="*/ 2762250 w 2762250"/>
-              <a:gd name="connsiteY1-38" fmla="*/ 0 h 2895600"/>
-              <a:gd name="connsiteX2-39" fmla="*/ 2762250 w 2762250"/>
-              <a:gd name="connsiteY2-40" fmla="*/ 2466975 h 2895600"/>
-              <a:gd name="connsiteX3-41" fmla="*/ 1397977 w 2762250"/>
-              <a:gd name="connsiteY3-42" fmla="*/ 2895600 h 2895600"/>
-              <a:gd name="connsiteX4-43" fmla="*/ 0 w 2762250"/>
-              <a:gd name="connsiteY4-44" fmla="*/ 2466975 h 2895600"/>
-              <a:gd name="connsiteX5-45" fmla="*/ 0 w 2762250"/>
-              <a:gd name="connsiteY5-46" fmla="*/ 0 h 2895600"/>
-              <a:gd name="connsiteX0-47" fmla="*/ 0 w 2762250"/>
-              <a:gd name="connsiteY0-48" fmla="*/ 0 h 2895600"/>
-              <a:gd name="connsiteX1-49" fmla="*/ 2762250 w 2762250"/>
-              <a:gd name="connsiteY1-50" fmla="*/ 0 h 2895600"/>
-              <a:gd name="connsiteX2-51" fmla="*/ 2762250 w 2762250"/>
-              <a:gd name="connsiteY2-52" fmla="*/ 2466975 h 2895600"/>
-              <a:gd name="connsiteX3-53" fmla="*/ 1377461 w 2762250"/>
-              <a:gd name="connsiteY3-54" fmla="*/ 2895600 h 2895600"/>
-              <a:gd name="connsiteX4-55" fmla="*/ 0 w 2762250"/>
-              <a:gd name="connsiteY4-56" fmla="*/ 2466975 h 2895600"/>
-              <a:gd name="connsiteX5-57" fmla="*/ 0 w 2762250"/>
-              <a:gd name="connsiteY5-58" fmla="*/ 0 h 2895600"/>
-            </a:gdLst>
-            <a:ahLst/>
-            <a:cxnLst>
-              <a:cxn ang="0">
-                <a:pos x="connsiteX0-1" y="connsiteY0-2"/>
-              </a:cxn>
-              <a:cxn ang="0">
-                <a:pos x="connsiteX1-3" y="connsiteY1-4"/>
-              </a:cxn>
-              <a:cxn ang="0">
-                <a:pos x="connsiteX2-5" y="connsiteY2-6"/>
-              </a:cxn>
-              <a:cxn ang="0">
-                <a:pos x="connsiteX3-7" y="connsiteY3-8"/>
-              </a:cxn>
-              <a:cxn ang="0">
-                <a:pos x="connsiteX4-9" y="connsiteY4-10"/>
-              </a:cxn>
-              <a:cxn ang="0">
-                <a:pos x="connsiteX5-21" y="connsiteY5-22"/>
-              </a:cxn>
-            </a:cxnLst>
-            <a:rect l="l" t="t" r="r" b="b"/>
-            <a:pathLst>
-              <a:path w="2762250" h="2895600">
-                <a:moveTo>
-                  <a:pt x="0" y="0"/>
-                </a:moveTo>
-                <a:lnTo>
-                  <a:pt x="2762250" y="0"/>
-                </a:lnTo>
-                <a:lnTo>
-                  <a:pt x="2762250" y="2466975"/>
-                </a:lnTo>
-                <a:lnTo>
-                  <a:pt x="1377461" y="2895600"/>
-                </a:lnTo>
-                <a:lnTo>
-                  <a:pt x="0" y="2466975"/>
-                </a:lnTo>
-                <a:lnTo>
-                  <a:pt x="0" y="0"/>
-                </a:lnTo>
-                <a:close/>
-              </a:path>
-            </a:pathLst>
-          </a:custGeom>
-          <a:noFill/>
-          <a:ln w="15875">
-            <a:solidFill>
-              <a:schemeClr val="tx1">
-                <a:lumMod val="85000"/>
-                <a:lumOff val="15000"/>
-              </a:schemeClr>
-            </a:solidFill>
-            <a:prstDash val="dash"/>
-          </a:ln>
-        </p:spPr>
-        <p:style>
-          <a:lnRef idx="2">
-            <a:schemeClr val="accent1">
-              <a:shade val="50000"/>
-            </a:schemeClr>
-          </a:lnRef>
-          <a:fillRef idx="1">
-            <a:schemeClr val="accent1"/>
-          </a:fillRef>
-          <a:effectRef idx="0">
-            <a:schemeClr val="accent1"/>
-          </a:effectRef>
-          <a:fontRef idx="minor">
-            <a:schemeClr val="lt1"/>
-          </a:fontRef>
-        </p:style>
-        <p:txBody>
-          <a:bodyPr rtlCol="0" anchor="ctr"/>
-          <a:lstStyle/>
-          <a:p>
-            <a:pPr algn="ctr"/>
-            <a:endParaRPr lang="zh-CN" altLang="en-US">
-              <a:solidFill>
-                <a:schemeClr val="tx1">
-                  <a:lumMod val="85000"/>
-                  <a:lumOff val="15000"/>
-                </a:schemeClr>
-              </a:solidFill>
-            </a:endParaRPr>
-          </a:p>
-        </p:txBody>
-      </p:sp>
-      <p:sp>
-        <p:nvSpPr>
-          <p:cNvPr id="6" name="文本框 5"/>
-          <p:cNvSpPr txBox="1"/>
-          <p:nvPr/>
-        </p:nvSpPr>
-        <p:spPr>
-          <a:xfrm>
-            <a:off x="5565775" y="539115"/>
-            <a:ext cx="1160780" cy="1198880"/>
-          </a:xfrm>
-          <a:prstGeom prst="rect">
-            <a:avLst/>
-          </a:prstGeom>
-          <a:noFill/>
-        </p:spPr>
-        <p:txBody>
-          <a:bodyPr wrap="square" rtlCol="0">
-            <a:spAutoFit/>
-          </a:bodyPr>
-          <a:lstStyle/>
-          <a:p>
-            <a:pPr algn="ctr"/>
-            <a:r>
-              <a:rPr lang="en-US" altLang="zh-CN" sz="7200" dirty="0">
-                <a:solidFill>
-                  <a:schemeClr val="bg1"/>
-                </a:solidFill>
-                <a:latin typeface="Impact" panose="020B0806030902050204" pitchFamily="34" charset="0"/>
-              </a:rPr>
-              <a:t>04</a:t>
-            </a:r>
-            <a:endParaRPr lang="zh-CN" altLang="en-US" sz="7200" dirty="0">
-              <a:solidFill>
-                <a:schemeClr val="bg1"/>
-              </a:solidFill>
-              <a:latin typeface="Impact" panose="020B0806030902050204" pitchFamily="34" charset="0"/>
-            </a:endParaRPr>
-          </a:p>
-        </p:txBody>
-      </p:sp>
-      <p:sp>
-        <p:nvSpPr>
-          <p:cNvPr id="14" name="标题 13"/>
-          <p:cNvSpPr>
-            <a:spLocks noGrp="1"/>
-          </p:cNvSpPr>
-          <p:nvPr>
-            <p:ph type="title"/>
-          </p:nvPr>
-        </p:nvSpPr>
-        <p:spPr>
-          <a:xfrm>
-            <a:off x="2784763" y="4006800"/>
-            <a:ext cx="6710400" cy="583200"/>
-          </a:xfrm>
-          <a:solidFill>
-            <a:srgbClr val="DACD57"/>
-          </a:solidFill>
-        </p:spPr>
-        <p:txBody>
-          <a:bodyPr/>
-          <a:lstStyle/>
-          <a:p>
-            <a:r>
-              <a:rPr lang="zh-CN" altLang="en-US" sz="3200" dirty="0">
-                <a:solidFill>
-                  <a:schemeClr val="tx1">
-                    <a:lumMod val="85000"/>
-                    <a:lumOff val="15000"/>
-                  </a:schemeClr>
-                </a:solidFill>
-                <a:latin typeface="幼圆" panose="02010509060101010101" pitchFamily="49" charset="-122"/>
-                <a:ea typeface="幼圆" panose="02010509060101010101" pitchFamily="49" charset="-122"/>
-              </a:rPr>
-              <a:t>应用设计</a:t>
-            </a:r>
-          </a:p>
-        </p:txBody>
-      </p:sp>
-    </p:spTree>
-    <p:custDataLst>
-      <p:tags r:id="rId1"/>
-    </p:custDataLst>
-  </p:cSld>
-  <p:clrMapOvr>
-    <a:masterClrMapping/>
-  </p:clrMapOvr>
-</p:sld>
-</file>
-
-<file path=ppt/slides/slide19.xml><?xml version="1.0" encoding="utf-8"?>
-<p:sld xmlns:a="http://schemas.openxmlformats.org/drawingml/2006/main" xmlns:r="http://schemas.openxmlformats.org/officeDocument/2006/relationships" xmlns:p="http://schemas.openxmlformats.org/presentationml/2006/main">
-  <p:cSld>
-    <p:spTree>
-      <p:nvGrpSpPr>
-        <p:cNvPr id="1" name=""/>
-        <p:cNvGrpSpPr/>
-        <p:nvPr/>
-      </p:nvGrpSpPr>
-      <p:grpSpPr>
-        <a:xfrm>
-          <a:off x="0" y="0"/>
-          <a:ext cx="0" cy="0"/>
-          <a:chOff x="0" y="0"/>
-          <a:chExt cx="0" cy="0"/>
-        </a:xfrm>
-      </p:grpSpPr>
-      <p:sp>
-        <p:nvSpPr>
-          <p:cNvPr id="7" name="AutoShape 262"/>
-          <p:cNvSpPr>
-            <a:spLocks noChangeAspect="1" noChangeArrowheads="1" noTextEdit="1"/>
-          </p:cNvSpPr>
-          <p:nvPr/>
-        </p:nvSpPr>
-        <p:spPr bwMode="auto">
-          <a:xfrm>
-            <a:off x="10595345" y="715971"/>
-            <a:ext cx="501779" cy="5364674"/>
-          </a:xfrm>
-          <a:prstGeom prst="rect">
-            <a:avLst/>
-          </a:prstGeom>
-          <a:noFill/>
-          <a:ln>
-            <a:noFill/>
-          </a:ln>
-          <a:extLst>
-            <a:ext uri="{909E8E84-426E-40DD-AFC4-6F175D3DCCD1}">
-              <a14:hiddenFill xmlns:a14="http://schemas.microsoft.com/office/drawing/2010/main">
-                <a:solidFill>
-                  <a:srgbClr val="FFFFFF"/>
-                </a:solidFill>
-              </a14:hiddenFill>
-            </a:ext>
-            <a:ext uri="{91240B29-F687-4F45-9708-019B960494DF}">
-              <a14:hiddenLine xmlns:a14="http://schemas.microsoft.com/office/drawing/2010/main" w="9525">
-                <a:solidFill>
-                  <a:srgbClr val="000000"/>
-                </a:solidFill>
-                <a:miter lim="800000"/>
-                <a:headEnd/>
-                <a:tailEnd/>
-              </a14:hiddenLine>
-            </a:ext>
-          </a:extLst>
-        </p:spPr>
-        <p:txBody>
-          <a:bodyPr vert="horz" wrap="square" lIns="91440" tIns="45720" rIns="91440" bIns="45720" numCol="1" anchor="t" anchorCtr="0" compatLnSpc="1"/>
-          <a:lstStyle/>
-          <a:p>
-            <a:endParaRPr lang="zh-CN" altLang="en-US"/>
-          </a:p>
-        </p:txBody>
-      </p:sp>
-      <p:sp>
-        <p:nvSpPr>
-          <p:cNvPr id="6" name="矩形 5"/>
-          <p:cNvSpPr/>
-          <p:nvPr/>
-        </p:nvSpPr>
-        <p:spPr>
-          <a:xfrm>
-            <a:off x="168635" y="191770"/>
-            <a:ext cx="5488016" cy="553085"/>
-          </a:xfrm>
-          <a:prstGeom prst="rect">
-            <a:avLst/>
-          </a:prstGeom>
-        </p:spPr>
-        <p:txBody>
-          <a:bodyPr wrap="square">
-            <a:spAutoFit/>
-          </a:bodyPr>
-          <a:lstStyle/>
-          <a:p>
-            <a:r>
-              <a:rPr lang="zh-CN" altLang="en-US" sz="3000" dirty="0">
-                <a:solidFill>
-                  <a:srgbClr val="DACD57"/>
-                </a:solidFill>
-                <a:latin typeface="幼圆" panose="02010509060101010101" pitchFamily="49" charset="-122"/>
-                <a:ea typeface="幼圆" panose="02010509060101010101" pitchFamily="49" charset="-122"/>
-                <a:cs typeface="Lao UI" panose="020B0502040204020203" pitchFamily="34" charset="0"/>
-              </a:rPr>
-              <a:t>交互设计</a:t>
-            </a:r>
-            <a:endParaRPr lang="zh-CN" altLang="en-US" sz="3000" dirty="0">
-              <a:solidFill>
-                <a:srgbClr val="DACD57"/>
-              </a:solidFill>
-              <a:latin typeface="Impact" panose="020B0806030902050204" pitchFamily="34" charset="0"/>
-              <a:ea typeface="Tahoma" panose="020B0604030504040204" pitchFamily="34" charset="0"/>
-              <a:cs typeface="Lao UI" panose="020B0502040204020203" pitchFamily="34" charset="0"/>
-            </a:endParaRPr>
-          </a:p>
-        </p:txBody>
-      </p:sp>
     </p:spTree>
     <p:custDataLst>
       <p:tags r:id="rId1"/>
     </p:custDataLst>
     <p:extLst>
       <p:ext uri="{BB962C8B-B14F-4D97-AF65-F5344CB8AC3E}">
-        <p14:creationId xmlns:p14="http://schemas.microsoft.com/office/powerpoint/2010/main" val="3405609137"/>
+        <p14:creationId xmlns:p14="http://schemas.microsoft.com/office/powerpoint/2010/main" val="2828648367"/>
       </p:ext>
     </p:extLst>
   </p:cSld>
@@ -13811,6 +13706,175 @@
           </a:p>
         </p:txBody>
       </p:sp>
+      <p:sp>
+        <p:nvSpPr>
+          <p:cNvPr id="30" name="矩形 29"/>
+          <p:cNvSpPr/>
+          <p:nvPr/>
+        </p:nvSpPr>
+        <p:spPr>
+          <a:xfrm>
+            <a:off x="3910013" y="5910274"/>
+            <a:ext cx="4752975" cy="461665"/>
+          </a:xfrm>
+          <a:prstGeom prst="rect">
+            <a:avLst/>
+          </a:prstGeom>
+          <a:solidFill>
+            <a:srgbClr val="DACD57"/>
+          </a:solidFill>
+          <a:ln>
+            <a:noFill/>
+          </a:ln>
+        </p:spPr>
+        <p:style>
+          <a:lnRef idx="2">
+            <a:schemeClr val="accent1">
+              <a:shade val="50000"/>
+            </a:schemeClr>
+          </a:lnRef>
+          <a:fillRef idx="1">
+            <a:schemeClr val="accent1"/>
+          </a:fillRef>
+          <a:effectRef idx="0">
+            <a:schemeClr val="accent1"/>
+          </a:effectRef>
+          <a:fontRef idx="minor">
+            <a:schemeClr val="lt1"/>
+          </a:fontRef>
+        </p:style>
+        <p:txBody>
+          <a:bodyPr rtlCol="0" anchor="ctr"/>
+          <a:lstStyle/>
+          <a:p>
+            <a:pPr algn="ctr"/>
+            <a:endParaRPr lang="zh-CN" altLang="en-US" dirty="0"/>
+          </a:p>
+        </p:txBody>
+      </p:sp>
+      <p:sp>
+        <p:nvSpPr>
+          <p:cNvPr id="31" name="矩形 30"/>
+          <p:cNvSpPr/>
+          <p:nvPr/>
+        </p:nvSpPr>
+        <p:spPr>
+          <a:xfrm>
+            <a:off x="3938588" y="5950455"/>
+            <a:ext cx="5043487" cy="460375"/>
+          </a:xfrm>
+          <a:prstGeom prst="rect">
+            <a:avLst/>
+          </a:prstGeom>
+        </p:spPr>
+        <p:txBody>
+          <a:bodyPr wrap="square">
+            <a:spAutoFit/>
+          </a:bodyPr>
+          <a:lstStyle/>
+          <a:p>
+            <a:r>
+              <a:rPr lang="zh-CN" altLang="en-US" sz="2400" dirty="0">
+                <a:solidFill>
+                  <a:schemeClr val="tx1">
+                    <a:lumMod val="85000"/>
+                    <a:lumOff val="15000"/>
+                  </a:schemeClr>
+                </a:solidFill>
+                <a:latin typeface="幼圆" panose="02010509060101010101" pitchFamily="49" charset="-122"/>
+                <a:ea typeface="幼圆" panose="02010509060101010101" pitchFamily="49" charset="-122"/>
+              </a:rPr>
+              <a:t>安全防范策略</a:t>
+            </a:r>
+          </a:p>
+        </p:txBody>
+      </p:sp>
+      <p:sp>
+        <p:nvSpPr>
+          <p:cNvPr id="32" name="文本框 31"/>
+          <p:cNvSpPr txBox="1"/>
+          <p:nvPr/>
+        </p:nvSpPr>
+        <p:spPr>
+          <a:xfrm>
+            <a:off x="3293269" y="5827345"/>
+            <a:ext cx="661988" cy="583565"/>
+          </a:xfrm>
+          <a:prstGeom prst="rect">
+            <a:avLst/>
+          </a:prstGeom>
+          <a:noFill/>
+        </p:spPr>
+        <p:txBody>
+          <a:bodyPr wrap="square" rtlCol="0">
+            <a:spAutoFit/>
+          </a:bodyPr>
+          <a:lstStyle/>
+          <a:p>
+            <a:r>
+              <a:rPr lang="en-US" altLang="zh-CN" sz="3200" dirty="0">
+                <a:solidFill>
+                  <a:schemeClr val="bg1"/>
+                </a:solidFill>
+                <a:latin typeface="Impact" panose="020B0806030902050204" pitchFamily="34" charset="0"/>
+              </a:rPr>
+              <a:t>05</a:t>
+            </a:r>
+            <a:endParaRPr lang="zh-CN" altLang="en-US" sz="3200" dirty="0">
+              <a:solidFill>
+                <a:schemeClr val="bg1"/>
+              </a:solidFill>
+              <a:latin typeface="Impact" panose="020B0806030902050204" pitchFamily="34" charset="0"/>
+            </a:endParaRPr>
+          </a:p>
+        </p:txBody>
+      </p:sp>
+      <p:sp>
+        <p:nvSpPr>
+          <p:cNvPr id="33" name="椭圆 32"/>
+          <p:cNvSpPr/>
+          <p:nvPr/>
+        </p:nvSpPr>
+        <p:spPr>
+          <a:xfrm>
+            <a:off x="3321844" y="5853887"/>
+            <a:ext cx="514350" cy="514350"/>
+          </a:xfrm>
+          <a:prstGeom prst="ellipse">
+            <a:avLst/>
+          </a:prstGeom>
+          <a:noFill/>
+          <a:ln w="15875">
+            <a:solidFill>
+              <a:srgbClr val="DACD57"/>
+            </a:solidFill>
+          </a:ln>
+        </p:spPr>
+        <p:style>
+          <a:lnRef idx="2">
+            <a:schemeClr val="accent1">
+              <a:shade val="50000"/>
+            </a:schemeClr>
+          </a:lnRef>
+          <a:fillRef idx="1">
+            <a:schemeClr val="accent1"/>
+          </a:fillRef>
+          <a:effectRef idx="0">
+            <a:schemeClr val="accent1"/>
+          </a:effectRef>
+          <a:fontRef idx="minor">
+            <a:schemeClr val="lt1"/>
+          </a:fontRef>
+        </p:style>
+        <p:txBody>
+          <a:bodyPr rtlCol="0" anchor="ctr"/>
+          <a:lstStyle/>
+          <a:p>
+            <a:pPr algn="ctr"/>
+            <a:endParaRPr lang="zh-CN" altLang="en-US"/>
+          </a:p>
+        </p:txBody>
+      </p:sp>
     </p:spTree>
     <p:custDataLst>
       <p:tags r:id="rId1"/>
@@ -13823,6 +13887,956 @@
 </file>
 
 <file path=ppt/slides/slide20.xml><?xml version="1.0" encoding="utf-8"?>
+<p:sld xmlns:a="http://schemas.openxmlformats.org/drawingml/2006/main" xmlns:r="http://schemas.openxmlformats.org/officeDocument/2006/relationships" xmlns:p="http://schemas.openxmlformats.org/presentationml/2006/main">
+  <p:cSld>
+    <p:spTree>
+      <p:nvGrpSpPr>
+        <p:cNvPr id="1" name=""/>
+        <p:cNvGrpSpPr/>
+        <p:nvPr/>
+      </p:nvGrpSpPr>
+      <p:grpSpPr>
+        <a:xfrm>
+          <a:off x="0" y="0"/>
+          <a:ext cx="0" cy="0"/>
+          <a:chOff x="0" y="0"/>
+          <a:chExt cx="0" cy="0"/>
+        </a:xfrm>
+      </p:grpSpPr>
+      <p:sp>
+        <p:nvSpPr>
+          <p:cNvPr id="9" name="矩形 2"/>
+          <p:cNvSpPr/>
+          <p:nvPr/>
+        </p:nvSpPr>
+        <p:spPr>
+          <a:xfrm>
+            <a:off x="4813526" y="104774"/>
+            <a:ext cx="2564948" cy="2143125"/>
+          </a:xfrm>
+          <a:custGeom>
+            <a:avLst/>
+            <a:gdLst>
+              <a:gd name="connsiteX0" fmla="*/ 0 w 2762250"/>
+              <a:gd name="connsiteY0" fmla="*/ 0 h 2466975"/>
+              <a:gd name="connsiteX1" fmla="*/ 2762250 w 2762250"/>
+              <a:gd name="connsiteY1" fmla="*/ 0 h 2466975"/>
+              <a:gd name="connsiteX2" fmla="*/ 2762250 w 2762250"/>
+              <a:gd name="connsiteY2" fmla="*/ 2466975 h 2466975"/>
+              <a:gd name="connsiteX3" fmla="*/ 0 w 2762250"/>
+              <a:gd name="connsiteY3" fmla="*/ 2466975 h 2466975"/>
+              <a:gd name="connsiteX4" fmla="*/ 0 w 2762250"/>
+              <a:gd name="connsiteY4" fmla="*/ 0 h 2466975"/>
+              <a:gd name="connsiteX0-1" fmla="*/ 0 w 2762250"/>
+              <a:gd name="connsiteY0-2" fmla="*/ 0 h 2476500"/>
+              <a:gd name="connsiteX1-3" fmla="*/ 2762250 w 2762250"/>
+              <a:gd name="connsiteY1-4" fmla="*/ 0 h 2476500"/>
+              <a:gd name="connsiteX2-5" fmla="*/ 2762250 w 2762250"/>
+              <a:gd name="connsiteY2-6" fmla="*/ 2466975 h 2476500"/>
+              <a:gd name="connsiteX3-7" fmla="*/ 1428750 w 2762250"/>
+              <a:gd name="connsiteY3-8" fmla="*/ 2476500 h 2476500"/>
+              <a:gd name="connsiteX4-9" fmla="*/ 0 w 2762250"/>
+              <a:gd name="connsiteY4-10" fmla="*/ 2466975 h 2476500"/>
+              <a:gd name="connsiteX5" fmla="*/ 0 w 2762250"/>
+              <a:gd name="connsiteY5" fmla="*/ 0 h 2476500"/>
+              <a:gd name="connsiteX0-11" fmla="*/ 0 w 2762250"/>
+              <a:gd name="connsiteY0-12" fmla="*/ 0 h 2895600"/>
+              <a:gd name="connsiteX1-13" fmla="*/ 2762250 w 2762250"/>
+              <a:gd name="connsiteY1-14" fmla="*/ 0 h 2895600"/>
+              <a:gd name="connsiteX2-15" fmla="*/ 2762250 w 2762250"/>
+              <a:gd name="connsiteY2-16" fmla="*/ 2466975 h 2895600"/>
+              <a:gd name="connsiteX3-17" fmla="*/ 1428750 w 2762250"/>
+              <a:gd name="connsiteY3-18" fmla="*/ 2895600 h 2895600"/>
+              <a:gd name="connsiteX4-19" fmla="*/ 0 w 2762250"/>
+              <a:gd name="connsiteY4-20" fmla="*/ 2466975 h 2895600"/>
+              <a:gd name="connsiteX5-21" fmla="*/ 0 w 2762250"/>
+              <a:gd name="connsiteY5-22" fmla="*/ 0 h 2895600"/>
+              <a:gd name="connsiteX0-23" fmla="*/ 0 w 2762250"/>
+              <a:gd name="connsiteY0-24" fmla="*/ 0 h 2895600"/>
+              <a:gd name="connsiteX1-25" fmla="*/ 2762250 w 2762250"/>
+              <a:gd name="connsiteY1-26" fmla="*/ 0 h 2895600"/>
+              <a:gd name="connsiteX2-27" fmla="*/ 2762250 w 2762250"/>
+              <a:gd name="connsiteY2-28" fmla="*/ 2466975 h 2895600"/>
+              <a:gd name="connsiteX3-29" fmla="*/ 1356946 w 2762250"/>
+              <a:gd name="connsiteY3-30" fmla="*/ 2895600 h 2895600"/>
+              <a:gd name="connsiteX4-31" fmla="*/ 0 w 2762250"/>
+              <a:gd name="connsiteY4-32" fmla="*/ 2466975 h 2895600"/>
+              <a:gd name="connsiteX5-33" fmla="*/ 0 w 2762250"/>
+              <a:gd name="connsiteY5-34" fmla="*/ 0 h 2895600"/>
+              <a:gd name="connsiteX0-35" fmla="*/ 0 w 2762250"/>
+              <a:gd name="connsiteY0-36" fmla="*/ 0 h 2895600"/>
+              <a:gd name="connsiteX1-37" fmla="*/ 2762250 w 2762250"/>
+              <a:gd name="connsiteY1-38" fmla="*/ 0 h 2895600"/>
+              <a:gd name="connsiteX2-39" fmla="*/ 2762250 w 2762250"/>
+              <a:gd name="connsiteY2-40" fmla="*/ 2466975 h 2895600"/>
+              <a:gd name="connsiteX3-41" fmla="*/ 1397977 w 2762250"/>
+              <a:gd name="connsiteY3-42" fmla="*/ 2895600 h 2895600"/>
+              <a:gd name="connsiteX4-43" fmla="*/ 0 w 2762250"/>
+              <a:gd name="connsiteY4-44" fmla="*/ 2466975 h 2895600"/>
+              <a:gd name="connsiteX5-45" fmla="*/ 0 w 2762250"/>
+              <a:gd name="connsiteY5-46" fmla="*/ 0 h 2895600"/>
+              <a:gd name="connsiteX0-47" fmla="*/ 0 w 2762250"/>
+              <a:gd name="connsiteY0-48" fmla="*/ 0 h 2895600"/>
+              <a:gd name="connsiteX1-49" fmla="*/ 2762250 w 2762250"/>
+              <a:gd name="connsiteY1-50" fmla="*/ 0 h 2895600"/>
+              <a:gd name="connsiteX2-51" fmla="*/ 2762250 w 2762250"/>
+              <a:gd name="connsiteY2-52" fmla="*/ 2466975 h 2895600"/>
+              <a:gd name="connsiteX3-53" fmla="*/ 1377461 w 2762250"/>
+              <a:gd name="connsiteY3-54" fmla="*/ 2895600 h 2895600"/>
+              <a:gd name="connsiteX4-55" fmla="*/ 0 w 2762250"/>
+              <a:gd name="connsiteY4-56" fmla="*/ 2466975 h 2895600"/>
+              <a:gd name="connsiteX5-57" fmla="*/ 0 w 2762250"/>
+              <a:gd name="connsiteY5-58" fmla="*/ 0 h 2895600"/>
+            </a:gdLst>
+            <a:ahLst/>
+            <a:cxnLst>
+              <a:cxn ang="0">
+                <a:pos x="connsiteX0-1" y="connsiteY0-2"/>
+              </a:cxn>
+              <a:cxn ang="0">
+                <a:pos x="connsiteX1-3" y="connsiteY1-4"/>
+              </a:cxn>
+              <a:cxn ang="0">
+                <a:pos x="connsiteX2-5" y="connsiteY2-6"/>
+              </a:cxn>
+              <a:cxn ang="0">
+                <a:pos x="connsiteX3-7" y="connsiteY3-8"/>
+              </a:cxn>
+              <a:cxn ang="0">
+                <a:pos x="connsiteX4-9" y="connsiteY4-10"/>
+              </a:cxn>
+              <a:cxn ang="0">
+                <a:pos x="connsiteX5-21" y="connsiteY5-22"/>
+              </a:cxn>
+            </a:cxnLst>
+            <a:rect l="l" t="t" r="r" b="b"/>
+            <a:pathLst>
+              <a:path w="2762250" h="2895600">
+                <a:moveTo>
+                  <a:pt x="0" y="0"/>
+                </a:moveTo>
+                <a:lnTo>
+                  <a:pt x="2762250" y="0"/>
+                </a:lnTo>
+                <a:lnTo>
+                  <a:pt x="2762250" y="2466975"/>
+                </a:lnTo>
+                <a:lnTo>
+                  <a:pt x="1377461" y="2895600"/>
+                </a:lnTo>
+                <a:lnTo>
+                  <a:pt x="0" y="2466975"/>
+                </a:lnTo>
+                <a:lnTo>
+                  <a:pt x="0" y="0"/>
+                </a:lnTo>
+                <a:close/>
+              </a:path>
+            </a:pathLst>
+          </a:custGeom>
+          <a:noFill/>
+          <a:ln w="15875">
+            <a:solidFill>
+              <a:schemeClr val="tx1">
+                <a:lumMod val="85000"/>
+                <a:lumOff val="15000"/>
+              </a:schemeClr>
+            </a:solidFill>
+            <a:prstDash val="dash"/>
+          </a:ln>
+        </p:spPr>
+        <p:style>
+          <a:lnRef idx="2">
+            <a:schemeClr val="accent1">
+              <a:shade val="50000"/>
+            </a:schemeClr>
+          </a:lnRef>
+          <a:fillRef idx="1">
+            <a:schemeClr val="accent1"/>
+          </a:fillRef>
+          <a:effectRef idx="0">
+            <a:schemeClr val="accent1"/>
+          </a:effectRef>
+          <a:fontRef idx="minor">
+            <a:schemeClr val="lt1"/>
+          </a:fontRef>
+        </p:style>
+        <p:txBody>
+          <a:bodyPr rtlCol="0" anchor="ctr"/>
+          <a:lstStyle/>
+          <a:p>
+            <a:pPr algn="ctr"/>
+            <a:endParaRPr lang="zh-CN" altLang="en-US">
+              <a:solidFill>
+                <a:schemeClr val="tx1">
+                  <a:lumMod val="85000"/>
+                  <a:lumOff val="15000"/>
+                </a:schemeClr>
+              </a:solidFill>
+            </a:endParaRPr>
+          </a:p>
+        </p:txBody>
+      </p:sp>
+      <p:sp>
+        <p:nvSpPr>
+          <p:cNvPr id="6" name="文本框 5"/>
+          <p:cNvSpPr txBox="1"/>
+          <p:nvPr/>
+        </p:nvSpPr>
+        <p:spPr>
+          <a:xfrm>
+            <a:off x="5565775" y="539115"/>
+            <a:ext cx="1160780" cy="1198880"/>
+          </a:xfrm>
+          <a:prstGeom prst="rect">
+            <a:avLst/>
+          </a:prstGeom>
+          <a:noFill/>
+        </p:spPr>
+        <p:txBody>
+          <a:bodyPr wrap="square" rtlCol="0">
+            <a:spAutoFit/>
+          </a:bodyPr>
+          <a:lstStyle/>
+          <a:p>
+            <a:pPr algn="ctr"/>
+            <a:r>
+              <a:rPr lang="en-US" altLang="zh-CN" sz="7200" dirty="0">
+                <a:solidFill>
+                  <a:schemeClr val="bg1"/>
+                </a:solidFill>
+                <a:latin typeface="Impact" panose="020B0806030902050204" pitchFamily="34" charset="0"/>
+              </a:rPr>
+              <a:t>03</a:t>
+            </a:r>
+            <a:endParaRPr lang="zh-CN" altLang="en-US" sz="7200" dirty="0">
+              <a:solidFill>
+                <a:schemeClr val="bg1"/>
+              </a:solidFill>
+              <a:latin typeface="Impact" panose="020B0806030902050204" pitchFamily="34" charset="0"/>
+            </a:endParaRPr>
+          </a:p>
+        </p:txBody>
+      </p:sp>
+      <p:sp>
+        <p:nvSpPr>
+          <p:cNvPr id="14" name="标题 13"/>
+          <p:cNvSpPr>
+            <a:spLocks noGrp="1"/>
+          </p:cNvSpPr>
+          <p:nvPr>
+            <p:ph type="title"/>
+          </p:nvPr>
+        </p:nvSpPr>
+        <p:spPr>
+          <a:xfrm>
+            <a:off x="2784763" y="4006800"/>
+            <a:ext cx="6710400" cy="583200"/>
+          </a:xfrm>
+          <a:solidFill>
+            <a:srgbClr val="DACD57"/>
+          </a:solidFill>
+        </p:spPr>
+        <p:txBody>
+          <a:bodyPr/>
+          <a:lstStyle/>
+          <a:p>
+            <a:r>
+              <a:rPr lang="zh-CN" altLang="en-US" sz="3200" dirty="0">
+                <a:solidFill>
+                  <a:schemeClr val="tx1">
+                    <a:lumMod val="85000"/>
+                    <a:lumOff val="15000"/>
+                  </a:schemeClr>
+                </a:solidFill>
+                <a:latin typeface="幼圆" panose="02010509060101010101" pitchFamily="49" charset="-122"/>
+                <a:ea typeface="幼圆" panose="02010509060101010101" pitchFamily="49" charset="-122"/>
+              </a:rPr>
+              <a:t>架构设计</a:t>
+            </a:r>
+          </a:p>
+        </p:txBody>
+      </p:sp>
+    </p:spTree>
+    <p:custDataLst>
+      <p:tags r:id="rId1"/>
+    </p:custDataLst>
+  </p:cSld>
+  <p:clrMapOvr>
+    <a:masterClrMapping/>
+  </p:clrMapOvr>
+</p:sld>
+</file>
+
+<file path=ppt/slides/slide21.xml><?xml version="1.0" encoding="utf-8"?>
+<p:sld xmlns:a="http://schemas.openxmlformats.org/drawingml/2006/main" xmlns:r="http://schemas.openxmlformats.org/officeDocument/2006/relationships" xmlns:p="http://schemas.openxmlformats.org/presentationml/2006/main">
+  <p:cSld>
+    <p:spTree>
+      <p:nvGrpSpPr>
+        <p:cNvPr id="1" name=""/>
+        <p:cNvGrpSpPr/>
+        <p:nvPr/>
+      </p:nvGrpSpPr>
+      <p:grpSpPr>
+        <a:xfrm>
+          <a:off x="0" y="0"/>
+          <a:ext cx="0" cy="0"/>
+          <a:chOff x="0" y="0"/>
+          <a:chExt cx="0" cy="0"/>
+        </a:xfrm>
+      </p:grpSpPr>
+      <p:sp>
+        <p:nvSpPr>
+          <p:cNvPr id="5" name="矩形 4"/>
+          <p:cNvSpPr/>
+          <p:nvPr/>
+        </p:nvSpPr>
+        <p:spPr>
+          <a:xfrm>
+            <a:off x="168635" y="191770"/>
+            <a:ext cx="5488016" cy="553085"/>
+          </a:xfrm>
+          <a:prstGeom prst="rect">
+            <a:avLst/>
+          </a:prstGeom>
+        </p:spPr>
+        <p:txBody>
+          <a:bodyPr wrap="square">
+            <a:spAutoFit/>
+          </a:bodyPr>
+          <a:lstStyle/>
+          <a:p>
+            <a:r>
+              <a:rPr lang="zh-CN" altLang="en-US" sz="3000" dirty="0">
+                <a:solidFill>
+                  <a:srgbClr val="DACD57"/>
+                </a:solidFill>
+                <a:latin typeface="幼圆" panose="02010509060101010101" pitchFamily="49" charset="-122"/>
+                <a:ea typeface="幼圆" panose="02010509060101010101" pitchFamily="49" charset="-122"/>
+                <a:cs typeface="Lao UI" panose="020B0502040204020203" pitchFamily="34" charset="0"/>
+              </a:rPr>
+              <a:t>架构设计</a:t>
+            </a:r>
+            <a:endParaRPr lang="zh-CN" altLang="en-US" sz="3000" dirty="0">
+              <a:solidFill>
+                <a:srgbClr val="DACD57"/>
+              </a:solidFill>
+              <a:latin typeface="Impact" panose="020B0806030902050204" pitchFamily="34" charset="0"/>
+              <a:ea typeface="Tahoma" panose="020B0604030504040204" pitchFamily="34" charset="0"/>
+              <a:cs typeface="Lao UI" panose="020B0502040204020203" pitchFamily="34" charset="0"/>
+            </a:endParaRPr>
+          </a:p>
+        </p:txBody>
+      </p:sp>
+      <p:sp>
+        <p:nvSpPr>
+          <p:cNvPr id="7" name="AutoShape 262"/>
+          <p:cNvSpPr>
+            <a:spLocks noChangeAspect="1" noChangeArrowheads="1" noTextEdit="1"/>
+          </p:cNvSpPr>
+          <p:nvPr/>
+        </p:nvSpPr>
+        <p:spPr bwMode="auto">
+          <a:xfrm>
+            <a:off x="10595345" y="715971"/>
+            <a:ext cx="501779" cy="5364674"/>
+          </a:xfrm>
+          <a:prstGeom prst="rect">
+            <a:avLst/>
+          </a:prstGeom>
+          <a:noFill/>
+          <a:ln>
+            <a:noFill/>
+          </a:ln>
+          <a:extLst>
+            <a:ext uri="{909E8E84-426E-40DD-AFC4-6F175D3DCCD1}">
+              <a14:hiddenFill xmlns:a14="http://schemas.microsoft.com/office/drawing/2010/main">
+                <a:solidFill>
+                  <a:srgbClr val="FFFFFF"/>
+                </a:solidFill>
+              </a14:hiddenFill>
+            </a:ext>
+            <a:ext uri="{91240B29-F687-4F45-9708-019B960494DF}">
+              <a14:hiddenLine xmlns:a14="http://schemas.microsoft.com/office/drawing/2010/main" w="9525">
+                <a:solidFill>
+                  <a:srgbClr val="000000"/>
+                </a:solidFill>
+                <a:miter lim="800000"/>
+                <a:headEnd/>
+                <a:tailEnd/>
+              </a14:hiddenLine>
+            </a:ext>
+          </a:extLst>
+        </p:spPr>
+        <p:txBody>
+          <a:bodyPr vert="horz" wrap="square" lIns="91440" tIns="45720" rIns="91440" bIns="45720" numCol="1" anchor="t" anchorCtr="0" compatLnSpc="1"/>
+          <a:lstStyle/>
+          <a:p>
+            <a:endParaRPr lang="zh-CN" altLang="en-US"/>
+          </a:p>
+        </p:txBody>
+      </p:sp>
+      <p:pic>
+        <p:nvPicPr>
+          <p:cNvPr id="2" name="图片 1" descr="Web分层架构图"/>
+          <p:cNvPicPr>
+            <a:picLocks noChangeAspect="1"/>
+          </p:cNvPicPr>
+          <p:nvPr/>
+        </p:nvPicPr>
+        <p:blipFill>
+          <a:blip r:embed="rId3"/>
+          <a:stretch>
+            <a:fillRect/>
+          </a:stretch>
+        </p:blipFill>
+        <p:spPr>
+          <a:xfrm>
+            <a:off x="2360289" y="-37707"/>
+            <a:ext cx="7043420" cy="6413500"/>
+          </a:xfrm>
+          <a:prstGeom prst="rect">
+            <a:avLst/>
+          </a:prstGeom>
+        </p:spPr>
+      </p:pic>
+    </p:spTree>
+    <p:custDataLst>
+      <p:tags r:id="rId1"/>
+    </p:custDataLst>
+  </p:cSld>
+  <p:clrMapOvr>
+    <a:masterClrMapping/>
+  </p:clrMapOvr>
+</p:sld>
+</file>
+
+<file path=ppt/slides/slide22.xml><?xml version="1.0" encoding="utf-8"?>
+<p:sld xmlns:a="http://schemas.openxmlformats.org/drawingml/2006/main" xmlns:r="http://schemas.openxmlformats.org/officeDocument/2006/relationships" xmlns:p="http://schemas.openxmlformats.org/presentationml/2006/main">
+  <p:cSld>
+    <p:spTree>
+      <p:nvGrpSpPr>
+        <p:cNvPr id="1" name=""/>
+        <p:cNvGrpSpPr/>
+        <p:nvPr/>
+      </p:nvGrpSpPr>
+      <p:grpSpPr>
+        <a:xfrm>
+          <a:off x="0" y="0"/>
+          <a:ext cx="0" cy="0"/>
+          <a:chOff x="0" y="0"/>
+          <a:chExt cx="0" cy="0"/>
+        </a:xfrm>
+      </p:grpSpPr>
+      <p:sp>
+        <p:nvSpPr>
+          <p:cNvPr id="7" name="AutoShape 262"/>
+          <p:cNvSpPr>
+            <a:spLocks noChangeAspect="1" noChangeArrowheads="1" noTextEdit="1"/>
+          </p:cNvSpPr>
+          <p:nvPr/>
+        </p:nvSpPr>
+        <p:spPr bwMode="auto">
+          <a:xfrm>
+            <a:off x="10595345" y="715971"/>
+            <a:ext cx="501779" cy="5364674"/>
+          </a:xfrm>
+          <a:prstGeom prst="rect">
+            <a:avLst/>
+          </a:prstGeom>
+          <a:noFill/>
+          <a:ln>
+            <a:noFill/>
+          </a:ln>
+          <a:extLst>
+            <a:ext uri="{909E8E84-426E-40DD-AFC4-6F175D3DCCD1}">
+              <a14:hiddenFill xmlns:a14="http://schemas.microsoft.com/office/drawing/2010/main">
+                <a:solidFill>
+                  <a:srgbClr val="FFFFFF"/>
+                </a:solidFill>
+              </a14:hiddenFill>
+            </a:ext>
+            <a:ext uri="{91240B29-F687-4F45-9708-019B960494DF}">
+              <a14:hiddenLine xmlns:a14="http://schemas.microsoft.com/office/drawing/2010/main" w="9525">
+                <a:solidFill>
+                  <a:srgbClr val="000000"/>
+                </a:solidFill>
+                <a:miter lim="800000"/>
+                <a:headEnd/>
+                <a:tailEnd/>
+              </a14:hiddenLine>
+            </a:ext>
+          </a:extLst>
+        </p:spPr>
+        <p:txBody>
+          <a:bodyPr vert="horz" wrap="square" lIns="91440" tIns="45720" rIns="91440" bIns="45720" numCol="1" anchor="t" anchorCtr="0" compatLnSpc="1"/>
+          <a:lstStyle/>
+          <a:p>
+            <a:endParaRPr lang="zh-CN" altLang="en-US"/>
+          </a:p>
+        </p:txBody>
+      </p:sp>
+      <p:sp>
+        <p:nvSpPr>
+          <p:cNvPr id="6" name="矩形 5"/>
+          <p:cNvSpPr/>
+          <p:nvPr/>
+        </p:nvSpPr>
+        <p:spPr>
+          <a:xfrm>
+            <a:off x="168635" y="191770"/>
+            <a:ext cx="5488016" cy="553085"/>
+          </a:xfrm>
+          <a:prstGeom prst="rect">
+            <a:avLst/>
+          </a:prstGeom>
+        </p:spPr>
+        <p:txBody>
+          <a:bodyPr wrap="square">
+            <a:spAutoFit/>
+          </a:bodyPr>
+          <a:lstStyle/>
+          <a:p>
+            <a:r>
+              <a:rPr lang="zh-CN" altLang="en-US" sz="3000" dirty="0">
+                <a:solidFill>
+                  <a:srgbClr val="DACD57"/>
+                </a:solidFill>
+                <a:latin typeface="幼圆" panose="02010509060101010101" pitchFamily="49" charset="-122"/>
+                <a:ea typeface="幼圆" panose="02010509060101010101" pitchFamily="49" charset="-122"/>
+                <a:cs typeface="Lao UI" panose="020B0502040204020203" pitchFamily="34" charset="0"/>
+              </a:rPr>
+              <a:t>架构设计</a:t>
+            </a:r>
+            <a:endParaRPr lang="zh-CN" altLang="en-US" sz="3000" dirty="0">
+              <a:solidFill>
+                <a:srgbClr val="DACD57"/>
+              </a:solidFill>
+              <a:latin typeface="Impact" panose="020B0806030902050204" pitchFamily="34" charset="0"/>
+              <a:ea typeface="Tahoma" panose="020B0604030504040204" pitchFamily="34" charset="0"/>
+              <a:cs typeface="Lao UI" panose="020B0502040204020203" pitchFamily="34" charset="0"/>
+            </a:endParaRPr>
+          </a:p>
+        </p:txBody>
+      </p:sp>
+    </p:spTree>
+    <p:custDataLst>
+      <p:tags r:id="rId1"/>
+    </p:custDataLst>
+  </p:cSld>
+  <p:clrMapOvr>
+    <a:masterClrMapping/>
+  </p:clrMapOvr>
+</p:sld>
+</file>
+
+<file path=ppt/slides/slide23.xml><?xml version="1.0" encoding="utf-8"?>
+<p:sld xmlns:a="http://schemas.openxmlformats.org/drawingml/2006/main" xmlns:r="http://schemas.openxmlformats.org/officeDocument/2006/relationships" xmlns:p="http://schemas.openxmlformats.org/presentationml/2006/main">
+  <p:cSld>
+    <p:spTree>
+      <p:nvGrpSpPr>
+        <p:cNvPr id="1" name=""/>
+        <p:cNvGrpSpPr/>
+        <p:nvPr/>
+      </p:nvGrpSpPr>
+      <p:grpSpPr>
+        <a:xfrm>
+          <a:off x="0" y="0"/>
+          <a:ext cx="0" cy="0"/>
+          <a:chOff x="0" y="0"/>
+          <a:chExt cx="0" cy="0"/>
+        </a:xfrm>
+      </p:grpSpPr>
+      <p:sp>
+        <p:nvSpPr>
+          <p:cNvPr id="9" name="矩形 2"/>
+          <p:cNvSpPr/>
+          <p:nvPr/>
+        </p:nvSpPr>
+        <p:spPr>
+          <a:xfrm>
+            <a:off x="4813526" y="104774"/>
+            <a:ext cx="2564948" cy="2143125"/>
+          </a:xfrm>
+          <a:custGeom>
+            <a:avLst/>
+            <a:gdLst>
+              <a:gd name="connsiteX0" fmla="*/ 0 w 2762250"/>
+              <a:gd name="connsiteY0" fmla="*/ 0 h 2466975"/>
+              <a:gd name="connsiteX1" fmla="*/ 2762250 w 2762250"/>
+              <a:gd name="connsiteY1" fmla="*/ 0 h 2466975"/>
+              <a:gd name="connsiteX2" fmla="*/ 2762250 w 2762250"/>
+              <a:gd name="connsiteY2" fmla="*/ 2466975 h 2466975"/>
+              <a:gd name="connsiteX3" fmla="*/ 0 w 2762250"/>
+              <a:gd name="connsiteY3" fmla="*/ 2466975 h 2466975"/>
+              <a:gd name="connsiteX4" fmla="*/ 0 w 2762250"/>
+              <a:gd name="connsiteY4" fmla="*/ 0 h 2466975"/>
+              <a:gd name="connsiteX0-1" fmla="*/ 0 w 2762250"/>
+              <a:gd name="connsiteY0-2" fmla="*/ 0 h 2476500"/>
+              <a:gd name="connsiteX1-3" fmla="*/ 2762250 w 2762250"/>
+              <a:gd name="connsiteY1-4" fmla="*/ 0 h 2476500"/>
+              <a:gd name="connsiteX2-5" fmla="*/ 2762250 w 2762250"/>
+              <a:gd name="connsiteY2-6" fmla="*/ 2466975 h 2476500"/>
+              <a:gd name="connsiteX3-7" fmla="*/ 1428750 w 2762250"/>
+              <a:gd name="connsiteY3-8" fmla="*/ 2476500 h 2476500"/>
+              <a:gd name="connsiteX4-9" fmla="*/ 0 w 2762250"/>
+              <a:gd name="connsiteY4-10" fmla="*/ 2466975 h 2476500"/>
+              <a:gd name="connsiteX5" fmla="*/ 0 w 2762250"/>
+              <a:gd name="connsiteY5" fmla="*/ 0 h 2476500"/>
+              <a:gd name="connsiteX0-11" fmla="*/ 0 w 2762250"/>
+              <a:gd name="connsiteY0-12" fmla="*/ 0 h 2895600"/>
+              <a:gd name="connsiteX1-13" fmla="*/ 2762250 w 2762250"/>
+              <a:gd name="connsiteY1-14" fmla="*/ 0 h 2895600"/>
+              <a:gd name="connsiteX2-15" fmla="*/ 2762250 w 2762250"/>
+              <a:gd name="connsiteY2-16" fmla="*/ 2466975 h 2895600"/>
+              <a:gd name="connsiteX3-17" fmla="*/ 1428750 w 2762250"/>
+              <a:gd name="connsiteY3-18" fmla="*/ 2895600 h 2895600"/>
+              <a:gd name="connsiteX4-19" fmla="*/ 0 w 2762250"/>
+              <a:gd name="connsiteY4-20" fmla="*/ 2466975 h 2895600"/>
+              <a:gd name="connsiteX5-21" fmla="*/ 0 w 2762250"/>
+              <a:gd name="connsiteY5-22" fmla="*/ 0 h 2895600"/>
+              <a:gd name="connsiteX0-23" fmla="*/ 0 w 2762250"/>
+              <a:gd name="connsiteY0-24" fmla="*/ 0 h 2895600"/>
+              <a:gd name="connsiteX1-25" fmla="*/ 2762250 w 2762250"/>
+              <a:gd name="connsiteY1-26" fmla="*/ 0 h 2895600"/>
+              <a:gd name="connsiteX2-27" fmla="*/ 2762250 w 2762250"/>
+              <a:gd name="connsiteY2-28" fmla="*/ 2466975 h 2895600"/>
+              <a:gd name="connsiteX3-29" fmla="*/ 1356946 w 2762250"/>
+              <a:gd name="connsiteY3-30" fmla="*/ 2895600 h 2895600"/>
+              <a:gd name="connsiteX4-31" fmla="*/ 0 w 2762250"/>
+              <a:gd name="connsiteY4-32" fmla="*/ 2466975 h 2895600"/>
+              <a:gd name="connsiteX5-33" fmla="*/ 0 w 2762250"/>
+              <a:gd name="connsiteY5-34" fmla="*/ 0 h 2895600"/>
+              <a:gd name="connsiteX0-35" fmla="*/ 0 w 2762250"/>
+              <a:gd name="connsiteY0-36" fmla="*/ 0 h 2895600"/>
+              <a:gd name="connsiteX1-37" fmla="*/ 2762250 w 2762250"/>
+              <a:gd name="connsiteY1-38" fmla="*/ 0 h 2895600"/>
+              <a:gd name="connsiteX2-39" fmla="*/ 2762250 w 2762250"/>
+              <a:gd name="connsiteY2-40" fmla="*/ 2466975 h 2895600"/>
+              <a:gd name="connsiteX3-41" fmla="*/ 1397977 w 2762250"/>
+              <a:gd name="connsiteY3-42" fmla="*/ 2895600 h 2895600"/>
+              <a:gd name="connsiteX4-43" fmla="*/ 0 w 2762250"/>
+              <a:gd name="connsiteY4-44" fmla="*/ 2466975 h 2895600"/>
+              <a:gd name="connsiteX5-45" fmla="*/ 0 w 2762250"/>
+              <a:gd name="connsiteY5-46" fmla="*/ 0 h 2895600"/>
+              <a:gd name="connsiteX0-47" fmla="*/ 0 w 2762250"/>
+              <a:gd name="connsiteY0-48" fmla="*/ 0 h 2895600"/>
+              <a:gd name="connsiteX1-49" fmla="*/ 2762250 w 2762250"/>
+              <a:gd name="connsiteY1-50" fmla="*/ 0 h 2895600"/>
+              <a:gd name="connsiteX2-51" fmla="*/ 2762250 w 2762250"/>
+              <a:gd name="connsiteY2-52" fmla="*/ 2466975 h 2895600"/>
+              <a:gd name="connsiteX3-53" fmla="*/ 1377461 w 2762250"/>
+              <a:gd name="connsiteY3-54" fmla="*/ 2895600 h 2895600"/>
+              <a:gd name="connsiteX4-55" fmla="*/ 0 w 2762250"/>
+              <a:gd name="connsiteY4-56" fmla="*/ 2466975 h 2895600"/>
+              <a:gd name="connsiteX5-57" fmla="*/ 0 w 2762250"/>
+              <a:gd name="connsiteY5-58" fmla="*/ 0 h 2895600"/>
+            </a:gdLst>
+            <a:ahLst/>
+            <a:cxnLst>
+              <a:cxn ang="0">
+                <a:pos x="connsiteX0-1" y="connsiteY0-2"/>
+              </a:cxn>
+              <a:cxn ang="0">
+                <a:pos x="connsiteX1-3" y="connsiteY1-4"/>
+              </a:cxn>
+              <a:cxn ang="0">
+                <a:pos x="connsiteX2-5" y="connsiteY2-6"/>
+              </a:cxn>
+              <a:cxn ang="0">
+                <a:pos x="connsiteX3-7" y="connsiteY3-8"/>
+              </a:cxn>
+              <a:cxn ang="0">
+                <a:pos x="connsiteX4-9" y="connsiteY4-10"/>
+              </a:cxn>
+              <a:cxn ang="0">
+                <a:pos x="connsiteX5-21" y="connsiteY5-22"/>
+              </a:cxn>
+            </a:cxnLst>
+            <a:rect l="l" t="t" r="r" b="b"/>
+            <a:pathLst>
+              <a:path w="2762250" h="2895600">
+                <a:moveTo>
+                  <a:pt x="0" y="0"/>
+                </a:moveTo>
+                <a:lnTo>
+                  <a:pt x="2762250" y="0"/>
+                </a:lnTo>
+                <a:lnTo>
+                  <a:pt x="2762250" y="2466975"/>
+                </a:lnTo>
+                <a:lnTo>
+                  <a:pt x="1377461" y="2895600"/>
+                </a:lnTo>
+                <a:lnTo>
+                  <a:pt x="0" y="2466975"/>
+                </a:lnTo>
+                <a:lnTo>
+                  <a:pt x="0" y="0"/>
+                </a:lnTo>
+                <a:close/>
+              </a:path>
+            </a:pathLst>
+          </a:custGeom>
+          <a:noFill/>
+          <a:ln w="15875">
+            <a:solidFill>
+              <a:schemeClr val="tx1">
+                <a:lumMod val="85000"/>
+                <a:lumOff val="15000"/>
+              </a:schemeClr>
+            </a:solidFill>
+            <a:prstDash val="dash"/>
+          </a:ln>
+        </p:spPr>
+        <p:style>
+          <a:lnRef idx="2">
+            <a:schemeClr val="accent1">
+              <a:shade val="50000"/>
+            </a:schemeClr>
+          </a:lnRef>
+          <a:fillRef idx="1">
+            <a:schemeClr val="accent1"/>
+          </a:fillRef>
+          <a:effectRef idx="0">
+            <a:schemeClr val="accent1"/>
+          </a:effectRef>
+          <a:fontRef idx="minor">
+            <a:schemeClr val="lt1"/>
+          </a:fontRef>
+        </p:style>
+        <p:txBody>
+          <a:bodyPr rtlCol="0" anchor="ctr"/>
+          <a:lstStyle/>
+          <a:p>
+            <a:pPr algn="ctr"/>
+            <a:endParaRPr lang="zh-CN" altLang="en-US">
+              <a:solidFill>
+                <a:schemeClr val="tx1">
+                  <a:lumMod val="85000"/>
+                  <a:lumOff val="15000"/>
+                </a:schemeClr>
+              </a:solidFill>
+            </a:endParaRPr>
+          </a:p>
+        </p:txBody>
+      </p:sp>
+      <p:sp>
+        <p:nvSpPr>
+          <p:cNvPr id="6" name="文本框 5"/>
+          <p:cNvSpPr txBox="1"/>
+          <p:nvPr/>
+        </p:nvSpPr>
+        <p:spPr>
+          <a:xfrm>
+            <a:off x="5565775" y="539115"/>
+            <a:ext cx="1160780" cy="1198880"/>
+          </a:xfrm>
+          <a:prstGeom prst="rect">
+            <a:avLst/>
+          </a:prstGeom>
+          <a:noFill/>
+        </p:spPr>
+        <p:txBody>
+          <a:bodyPr wrap="square" rtlCol="0">
+            <a:spAutoFit/>
+          </a:bodyPr>
+          <a:lstStyle/>
+          <a:p>
+            <a:pPr algn="ctr"/>
+            <a:r>
+              <a:rPr lang="en-US" altLang="zh-CN" sz="7200" dirty="0">
+                <a:solidFill>
+                  <a:schemeClr val="bg1"/>
+                </a:solidFill>
+                <a:latin typeface="Impact" panose="020B0806030902050204" pitchFamily="34" charset="0"/>
+              </a:rPr>
+              <a:t>04</a:t>
+            </a:r>
+            <a:endParaRPr lang="zh-CN" altLang="en-US" sz="7200" dirty="0">
+              <a:solidFill>
+                <a:schemeClr val="bg1"/>
+              </a:solidFill>
+              <a:latin typeface="Impact" panose="020B0806030902050204" pitchFamily="34" charset="0"/>
+            </a:endParaRPr>
+          </a:p>
+        </p:txBody>
+      </p:sp>
+      <p:sp>
+        <p:nvSpPr>
+          <p:cNvPr id="14" name="标题 13"/>
+          <p:cNvSpPr>
+            <a:spLocks noGrp="1"/>
+          </p:cNvSpPr>
+          <p:nvPr>
+            <p:ph type="title"/>
+          </p:nvPr>
+        </p:nvSpPr>
+        <p:spPr>
+          <a:xfrm>
+            <a:off x="2784763" y="4006800"/>
+            <a:ext cx="6710400" cy="583200"/>
+          </a:xfrm>
+          <a:solidFill>
+            <a:srgbClr val="DACD57"/>
+          </a:solidFill>
+        </p:spPr>
+        <p:txBody>
+          <a:bodyPr/>
+          <a:lstStyle/>
+          <a:p>
+            <a:r>
+              <a:rPr lang="zh-CN" altLang="en-US" sz="3200" dirty="0">
+                <a:solidFill>
+                  <a:schemeClr val="tx1">
+                    <a:lumMod val="85000"/>
+                    <a:lumOff val="15000"/>
+                  </a:schemeClr>
+                </a:solidFill>
+                <a:latin typeface="幼圆" panose="02010509060101010101" pitchFamily="49" charset="-122"/>
+                <a:ea typeface="幼圆" panose="02010509060101010101" pitchFamily="49" charset="-122"/>
+              </a:rPr>
+              <a:t>应用设计</a:t>
+            </a:r>
+          </a:p>
+        </p:txBody>
+      </p:sp>
+    </p:spTree>
+    <p:custDataLst>
+      <p:tags r:id="rId1"/>
+    </p:custDataLst>
+  </p:cSld>
+  <p:clrMapOvr>
+    <a:masterClrMapping/>
+  </p:clrMapOvr>
+</p:sld>
+</file>
+
+<file path=ppt/slides/slide24.xml><?xml version="1.0" encoding="utf-8"?>
+<p:sld xmlns:a="http://schemas.openxmlformats.org/drawingml/2006/main" xmlns:r="http://schemas.openxmlformats.org/officeDocument/2006/relationships" xmlns:p="http://schemas.openxmlformats.org/presentationml/2006/main">
+  <p:cSld>
+    <p:spTree>
+      <p:nvGrpSpPr>
+        <p:cNvPr id="1" name=""/>
+        <p:cNvGrpSpPr/>
+        <p:nvPr/>
+      </p:nvGrpSpPr>
+      <p:grpSpPr>
+        <a:xfrm>
+          <a:off x="0" y="0"/>
+          <a:ext cx="0" cy="0"/>
+          <a:chOff x="0" y="0"/>
+          <a:chExt cx="0" cy="0"/>
+        </a:xfrm>
+      </p:grpSpPr>
+      <p:sp>
+        <p:nvSpPr>
+          <p:cNvPr id="7" name="AutoShape 262"/>
+          <p:cNvSpPr>
+            <a:spLocks noChangeAspect="1" noChangeArrowheads="1" noTextEdit="1"/>
+          </p:cNvSpPr>
+          <p:nvPr/>
+        </p:nvSpPr>
+        <p:spPr bwMode="auto">
+          <a:xfrm>
+            <a:off x="10595345" y="715971"/>
+            <a:ext cx="501779" cy="5364674"/>
+          </a:xfrm>
+          <a:prstGeom prst="rect">
+            <a:avLst/>
+          </a:prstGeom>
+          <a:noFill/>
+          <a:ln>
+            <a:noFill/>
+          </a:ln>
+          <a:extLst>
+            <a:ext uri="{909E8E84-426E-40DD-AFC4-6F175D3DCCD1}">
+              <a14:hiddenFill xmlns:a14="http://schemas.microsoft.com/office/drawing/2010/main">
+                <a:solidFill>
+                  <a:srgbClr val="FFFFFF"/>
+                </a:solidFill>
+              </a14:hiddenFill>
+            </a:ext>
+            <a:ext uri="{91240B29-F687-4F45-9708-019B960494DF}">
+              <a14:hiddenLine xmlns:a14="http://schemas.microsoft.com/office/drawing/2010/main" w="9525">
+                <a:solidFill>
+                  <a:srgbClr val="000000"/>
+                </a:solidFill>
+                <a:miter lim="800000"/>
+                <a:headEnd/>
+                <a:tailEnd/>
+              </a14:hiddenLine>
+            </a:ext>
+          </a:extLst>
+        </p:spPr>
+        <p:txBody>
+          <a:bodyPr vert="horz" wrap="square" lIns="91440" tIns="45720" rIns="91440" bIns="45720" numCol="1" anchor="t" anchorCtr="0" compatLnSpc="1"/>
+          <a:lstStyle/>
+          <a:p>
+            <a:endParaRPr lang="zh-CN" altLang="en-US"/>
+          </a:p>
+        </p:txBody>
+      </p:sp>
+      <p:sp>
+        <p:nvSpPr>
+          <p:cNvPr id="6" name="矩形 5"/>
+          <p:cNvSpPr/>
+          <p:nvPr/>
+        </p:nvSpPr>
+        <p:spPr>
+          <a:xfrm>
+            <a:off x="168635" y="191770"/>
+            <a:ext cx="5488016" cy="553085"/>
+          </a:xfrm>
+          <a:prstGeom prst="rect">
+            <a:avLst/>
+          </a:prstGeom>
+        </p:spPr>
+        <p:txBody>
+          <a:bodyPr wrap="square">
+            <a:spAutoFit/>
+          </a:bodyPr>
+          <a:lstStyle/>
+          <a:p>
+            <a:r>
+              <a:rPr lang="zh-CN" altLang="en-US" sz="3000" dirty="0">
+                <a:solidFill>
+                  <a:srgbClr val="DACD57"/>
+                </a:solidFill>
+                <a:latin typeface="幼圆" panose="02010509060101010101" pitchFamily="49" charset="-122"/>
+                <a:ea typeface="幼圆" panose="02010509060101010101" pitchFamily="49" charset="-122"/>
+                <a:cs typeface="Lao UI" panose="020B0502040204020203" pitchFamily="34" charset="0"/>
+              </a:rPr>
+              <a:t>交互设计</a:t>
+            </a:r>
+            <a:endParaRPr lang="zh-CN" altLang="en-US" sz="3000" dirty="0">
+              <a:solidFill>
+                <a:srgbClr val="DACD57"/>
+              </a:solidFill>
+              <a:latin typeface="Impact" panose="020B0806030902050204" pitchFamily="34" charset="0"/>
+              <a:ea typeface="Tahoma" panose="020B0604030504040204" pitchFamily="34" charset="0"/>
+              <a:cs typeface="Lao UI" panose="020B0502040204020203" pitchFamily="34" charset="0"/>
+            </a:endParaRPr>
+          </a:p>
+        </p:txBody>
+      </p:sp>
+    </p:spTree>
+    <p:custDataLst>
+      <p:tags r:id="rId1"/>
+    </p:custDataLst>
+    <p:extLst>
+      <p:ext uri="{BB962C8B-B14F-4D97-AF65-F5344CB8AC3E}">
+        <p14:creationId xmlns:p14="http://schemas.microsoft.com/office/powerpoint/2010/main" val="3405609137"/>
+      </p:ext>
+    </p:extLst>
+  </p:cSld>
+  <p:clrMapOvr>
+    <a:masterClrMapping/>
+  </p:clrMapOvr>
+</p:sld>
+</file>
+
+<file path=ppt/slides/slide25.xml><?xml version="1.0" encoding="utf-8"?>
 <p:sld xmlns:a="http://schemas.openxmlformats.org/drawingml/2006/main" xmlns:r="http://schemas.openxmlformats.org/officeDocument/2006/relationships" xmlns:p="http://schemas.openxmlformats.org/presentationml/2006/main">
   <p:cSld>
     <p:spTree>
@@ -13946,7 +14960,375 @@
 </p:sld>
 </file>
 
-<file path=ppt/slides/slide21.xml><?xml version="1.0" encoding="utf-8"?>
+<file path=ppt/slides/slide26.xml><?xml version="1.0" encoding="utf-8"?>
+<p:sld xmlns:a="http://schemas.openxmlformats.org/drawingml/2006/main" xmlns:r="http://schemas.openxmlformats.org/officeDocument/2006/relationships" xmlns:p="http://schemas.openxmlformats.org/presentationml/2006/main">
+  <p:cSld>
+    <p:spTree>
+      <p:nvGrpSpPr>
+        <p:cNvPr id="1" name=""/>
+        <p:cNvGrpSpPr/>
+        <p:nvPr/>
+      </p:nvGrpSpPr>
+      <p:grpSpPr>
+        <a:xfrm>
+          <a:off x="0" y="0"/>
+          <a:ext cx="0" cy="0"/>
+          <a:chOff x="0" y="0"/>
+          <a:chExt cx="0" cy="0"/>
+        </a:xfrm>
+      </p:grpSpPr>
+      <p:sp>
+        <p:nvSpPr>
+          <p:cNvPr id="9" name="矩形 2"/>
+          <p:cNvSpPr/>
+          <p:nvPr/>
+        </p:nvSpPr>
+        <p:spPr>
+          <a:xfrm>
+            <a:off x="4813526" y="104774"/>
+            <a:ext cx="2564948" cy="2143125"/>
+          </a:xfrm>
+          <a:custGeom>
+            <a:avLst/>
+            <a:gdLst>
+              <a:gd name="connsiteX0" fmla="*/ 0 w 2762250"/>
+              <a:gd name="connsiteY0" fmla="*/ 0 h 2466975"/>
+              <a:gd name="connsiteX1" fmla="*/ 2762250 w 2762250"/>
+              <a:gd name="connsiteY1" fmla="*/ 0 h 2466975"/>
+              <a:gd name="connsiteX2" fmla="*/ 2762250 w 2762250"/>
+              <a:gd name="connsiteY2" fmla="*/ 2466975 h 2466975"/>
+              <a:gd name="connsiteX3" fmla="*/ 0 w 2762250"/>
+              <a:gd name="connsiteY3" fmla="*/ 2466975 h 2466975"/>
+              <a:gd name="connsiteX4" fmla="*/ 0 w 2762250"/>
+              <a:gd name="connsiteY4" fmla="*/ 0 h 2466975"/>
+              <a:gd name="connsiteX0-1" fmla="*/ 0 w 2762250"/>
+              <a:gd name="connsiteY0-2" fmla="*/ 0 h 2476500"/>
+              <a:gd name="connsiteX1-3" fmla="*/ 2762250 w 2762250"/>
+              <a:gd name="connsiteY1-4" fmla="*/ 0 h 2476500"/>
+              <a:gd name="connsiteX2-5" fmla="*/ 2762250 w 2762250"/>
+              <a:gd name="connsiteY2-6" fmla="*/ 2466975 h 2476500"/>
+              <a:gd name="connsiteX3-7" fmla="*/ 1428750 w 2762250"/>
+              <a:gd name="connsiteY3-8" fmla="*/ 2476500 h 2476500"/>
+              <a:gd name="connsiteX4-9" fmla="*/ 0 w 2762250"/>
+              <a:gd name="connsiteY4-10" fmla="*/ 2466975 h 2476500"/>
+              <a:gd name="connsiteX5" fmla="*/ 0 w 2762250"/>
+              <a:gd name="connsiteY5" fmla="*/ 0 h 2476500"/>
+              <a:gd name="connsiteX0-11" fmla="*/ 0 w 2762250"/>
+              <a:gd name="connsiteY0-12" fmla="*/ 0 h 2895600"/>
+              <a:gd name="connsiteX1-13" fmla="*/ 2762250 w 2762250"/>
+              <a:gd name="connsiteY1-14" fmla="*/ 0 h 2895600"/>
+              <a:gd name="connsiteX2-15" fmla="*/ 2762250 w 2762250"/>
+              <a:gd name="connsiteY2-16" fmla="*/ 2466975 h 2895600"/>
+              <a:gd name="connsiteX3-17" fmla="*/ 1428750 w 2762250"/>
+              <a:gd name="connsiteY3-18" fmla="*/ 2895600 h 2895600"/>
+              <a:gd name="connsiteX4-19" fmla="*/ 0 w 2762250"/>
+              <a:gd name="connsiteY4-20" fmla="*/ 2466975 h 2895600"/>
+              <a:gd name="connsiteX5-21" fmla="*/ 0 w 2762250"/>
+              <a:gd name="connsiteY5-22" fmla="*/ 0 h 2895600"/>
+              <a:gd name="connsiteX0-23" fmla="*/ 0 w 2762250"/>
+              <a:gd name="connsiteY0-24" fmla="*/ 0 h 2895600"/>
+              <a:gd name="connsiteX1-25" fmla="*/ 2762250 w 2762250"/>
+              <a:gd name="connsiteY1-26" fmla="*/ 0 h 2895600"/>
+              <a:gd name="connsiteX2-27" fmla="*/ 2762250 w 2762250"/>
+              <a:gd name="connsiteY2-28" fmla="*/ 2466975 h 2895600"/>
+              <a:gd name="connsiteX3-29" fmla="*/ 1356946 w 2762250"/>
+              <a:gd name="connsiteY3-30" fmla="*/ 2895600 h 2895600"/>
+              <a:gd name="connsiteX4-31" fmla="*/ 0 w 2762250"/>
+              <a:gd name="connsiteY4-32" fmla="*/ 2466975 h 2895600"/>
+              <a:gd name="connsiteX5-33" fmla="*/ 0 w 2762250"/>
+              <a:gd name="connsiteY5-34" fmla="*/ 0 h 2895600"/>
+              <a:gd name="connsiteX0-35" fmla="*/ 0 w 2762250"/>
+              <a:gd name="connsiteY0-36" fmla="*/ 0 h 2895600"/>
+              <a:gd name="connsiteX1-37" fmla="*/ 2762250 w 2762250"/>
+              <a:gd name="connsiteY1-38" fmla="*/ 0 h 2895600"/>
+              <a:gd name="connsiteX2-39" fmla="*/ 2762250 w 2762250"/>
+              <a:gd name="connsiteY2-40" fmla="*/ 2466975 h 2895600"/>
+              <a:gd name="connsiteX3-41" fmla="*/ 1397977 w 2762250"/>
+              <a:gd name="connsiteY3-42" fmla="*/ 2895600 h 2895600"/>
+              <a:gd name="connsiteX4-43" fmla="*/ 0 w 2762250"/>
+              <a:gd name="connsiteY4-44" fmla="*/ 2466975 h 2895600"/>
+              <a:gd name="connsiteX5-45" fmla="*/ 0 w 2762250"/>
+              <a:gd name="connsiteY5-46" fmla="*/ 0 h 2895600"/>
+              <a:gd name="connsiteX0-47" fmla="*/ 0 w 2762250"/>
+              <a:gd name="connsiteY0-48" fmla="*/ 0 h 2895600"/>
+              <a:gd name="connsiteX1-49" fmla="*/ 2762250 w 2762250"/>
+              <a:gd name="connsiteY1-50" fmla="*/ 0 h 2895600"/>
+              <a:gd name="connsiteX2-51" fmla="*/ 2762250 w 2762250"/>
+              <a:gd name="connsiteY2-52" fmla="*/ 2466975 h 2895600"/>
+              <a:gd name="connsiteX3-53" fmla="*/ 1377461 w 2762250"/>
+              <a:gd name="connsiteY3-54" fmla="*/ 2895600 h 2895600"/>
+              <a:gd name="connsiteX4-55" fmla="*/ 0 w 2762250"/>
+              <a:gd name="connsiteY4-56" fmla="*/ 2466975 h 2895600"/>
+              <a:gd name="connsiteX5-57" fmla="*/ 0 w 2762250"/>
+              <a:gd name="connsiteY5-58" fmla="*/ 0 h 2895600"/>
+            </a:gdLst>
+            <a:ahLst/>
+            <a:cxnLst>
+              <a:cxn ang="0">
+                <a:pos x="connsiteX0-1" y="connsiteY0-2"/>
+              </a:cxn>
+              <a:cxn ang="0">
+                <a:pos x="connsiteX1-3" y="connsiteY1-4"/>
+              </a:cxn>
+              <a:cxn ang="0">
+                <a:pos x="connsiteX2-5" y="connsiteY2-6"/>
+              </a:cxn>
+              <a:cxn ang="0">
+                <a:pos x="connsiteX3-7" y="connsiteY3-8"/>
+              </a:cxn>
+              <a:cxn ang="0">
+                <a:pos x="connsiteX4-9" y="connsiteY4-10"/>
+              </a:cxn>
+              <a:cxn ang="0">
+                <a:pos x="connsiteX5-21" y="connsiteY5-22"/>
+              </a:cxn>
+            </a:cxnLst>
+            <a:rect l="l" t="t" r="r" b="b"/>
+            <a:pathLst>
+              <a:path w="2762250" h="2895600">
+                <a:moveTo>
+                  <a:pt x="0" y="0"/>
+                </a:moveTo>
+                <a:lnTo>
+                  <a:pt x="2762250" y="0"/>
+                </a:lnTo>
+                <a:lnTo>
+                  <a:pt x="2762250" y="2466975"/>
+                </a:lnTo>
+                <a:lnTo>
+                  <a:pt x="1377461" y="2895600"/>
+                </a:lnTo>
+                <a:lnTo>
+                  <a:pt x="0" y="2466975"/>
+                </a:lnTo>
+                <a:lnTo>
+                  <a:pt x="0" y="0"/>
+                </a:lnTo>
+                <a:close/>
+              </a:path>
+            </a:pathLst>
+          </a:custGeom>
+          <a:noFill/>
+          <a:ln w="15875">
+            <a:solidFill>
+              <a:schemeClr val="tx1">
+                <a:lumMod val="85000"/>
+                <a:lumOff val="15000"/>
+              </a:schemeClr>
+            </a:solidFill>
+            <a:prstDash val="dash"/>
+          </a:ln>
+        </p:spPr>
+        <p:style>
+          <a:lnRef idx="2">
+            <a:schemeClr val="accent1">
+              <a:shade val="50000"/>
+            </a:schemeClr>
+          </a:lnRef>
+          <a:fillRef idx="1">
+            <a:schemeClr val="accent1"/>
+          </a:fillRef>
+          <a:effectRef idx="0">
+            <a:schemeClr val="accent1"/>
+          </a:effectRef>
+          <a:fontRef idx="minor">
+            <a:schemeClr val="lt1"/>
+          </a:fontRef>
+        </p:style>
+        <p:txBody>
+          <a:bodyPr rtlCol="0" anchor="ctr"/>
+          <a:lstStyle/>
+          <a:p>
+            <a:pPr algn="ctr"/>
+            <a:endParaRPr lang="zh-CN" altLang="en-US">
+              <a:solidFill>
+                <a:schemeClr val="tx1">
+                  <a:lumMod val="85000"/>
+                  <a:lumOff val="15000"/>
+                </a:schemeClr>
+              </a:solidFill>
+            </a:endParaRPr>
+          </a:p>
+        </p:txBody>
+      </p:sp>
+      <p:sp>
+        <p:nvSpPr>
+          <p:cNvPr id="6" name="文本框 5"/>
+          <p:cNvSpPr txBox="1"/>
+          <p:nvPr/>
+        </p:nvSpPr>
+        <p:spPr>
+          <a:xfrm>
+            <a:off x="5395683" y="576171"/>
+            <a:ext cx="1400633" cy="1200329"/>
+          </a:xfrm>
+          <a:prstGeom prst="rect">
+            <a:avLst/>
+          </a:prstGeom>
+          <a:noFill/>
+        </p:spPr>
+        <p:txBody>
+          <a:bodyPr wrap="square" rtlCol="0">
+            <a:spAutoFit/>
+          </a:bodyPr>
+          <a:lstStyle/>
+          <a:p>
+            <a:pPr algn="ctr"/>
+            <a:r>
+              <a:rPr lang="en-US" altLang="zh-CN" sz="7200" dirty="0">
+                <a:solidFill>
+                  <a:schemeClr val="bg1"/>
+                </a:solidFill>
+                <a:latin typeface="Impact" panose="020B0806030902050204" pitchFamily="34" charset="0"/>
+              </a:rPr>
+              <a:t>05</a:t>
+            </a:r>
+            <a:endParaRPr lang="zh-CN" altLang="en-US" sz="7200" dirty="0">
+              <a:solidFill>
+                <a:schemeClr val="bg1"/>
+              </a:solidFill>
+              <a:latin typeface="Impact" panose="020B0806030902050204" pitchFamily="34" charset="0"/>
+            </a:endParaRPr>
+          </a:p>
+        </p:txBody>
+      </p:sp>
+      <p:sp>
+        <p:nvSpPr>
+          <p:cNvPr id="14" name="标题 13"/>
+          <p:cNvSpPr>
+            <a:spLocks noGrp="1"/>
+          </p:cNvSpPr>
+          <p:nvPr>
+            <p:ph type="title"/>
+          </p:nvPr>
+        </p:nvSpPr>
+        <p:spPr>
+          <a:xfrm>
+            <a:off x="2784763" y="4006800"/>
+            <a:ext cx="6710400" cy="583200"/>
+          </a:xfrm>
+          <a:solidFill>
+            <a:srgbClr val="DACD57"/>
+          </a:solidFill>
+        </p:spPr>
+        <p:txBody>
+          <a:bodyPr/>
+          <a:lstStyle/>
+          <a:p>
+            <a:r>
+              <a:rPr lang="zh-CN" altLang="en-US" sz="3200" dirty="0">
+                <a:solidFill>
+                  <a:schemeClr val="tx1">
+                    <a:lumMod val="85000"/>
+                    <a:lumOff val="15000"/>
+                  </a:schemeClr>
+                </a:solidFill>
+                <a:latin typeface="幼圆" panose="02010509060101010101" pitchFamily="49" charset="-122"/>
+                <a:ea typeface="幼圆" panose="02010509060101010101" pitchFamily="49" charset="-122"/>
+              </a:rPr>
+              <a:t>安全防护策略</a:t>
+            </a:r>
+          </a:p>
+        </p:txBody>
+      </p:sp>
+    </p:spTree>
+    <p:custDataLst>
+      <p:tags r:id="rId1"/>
+    </p:custDataLst>
+    <p:extLst>
+      <p:ext uri="{BB962C8B-B14F-4D97-AF65-F5344CB8AC3E}">
+        <p14:creationId xmlns:p14="http://schemas.microsoft.com/office/powerpoint/2010/main" val="2289877258"/>
+      </p:ext>
+    </p:extLst>
+  </p:cSld>
+  <p:clrMapOvr>
+    <a:masterClrMapping/>
+  </p:clrMapOvr>
+</p:sld>
+</file>
+
+<file path=ppt/slides/slide27.xml><?xml version="1.0" encoding="utf-8"?>
+<p:sld xmlns:a="http://schemas.openxmlformats.org/drawingml/2006/main" xmlns:r="http://schemas.openxmlformats.org/officeDocument/2006/relationships" xmlns:p="http://schemas.openxmlformats.org/presentationml/2006/main">
+  <p:cSld>
+    <p:spTree>
+      <p:nvGrpSpPr>
+        <p:cNvPr id="1" name=""/>
+        <p:cNvGrpSpPr/>
+        <p:nvPr/>
+      </p:nvGrpSpPr>
+      <p:grpSpPr>
+        <a:xfrm>
+          <a:off x="0" y="0"/>
+          <a:ext cx="0" cy="0"/>
+          <a:chOff x="0" y="0"/>
+          <a:chExt cx="0" cy="0"/>
+        </a:xfrm>
+      </p:grpSpPr>
+      <p:sp>
+        <p:nvSpPr>
+          <p:cNvPr id="7" name="AutoShape 262"/>
+          <p:cNvSpPr>
+            <a:spLocks noChangeAspect="1" noChangeArrowheads="1" noTextEdit="1"/>
+          </p:cNvSpPr>
+          <p:nvPr/>
+        </p:nvSpPr>
+        <p:spPr bwMode="auto">
+          <a:xfrm>
+            <a:off x="10595345" y="715971"/>
+            <a:ext cx="501779" cy="5364674"/>
+          </a:xfrm>
+          <a:prstGeom prst="rect">
+            <a:avLst/>
+          </a:prstGeom>
+          <a:noFill/>
+          <a:ln>
+            <a:noFill/>
+          </a:ln>
+          <a:extLst>
+            <a:ext uri="{909E8E84-426E-40DD-AFC4-6F175D3DCCD1}">
+              <a14:hiddenFill xmlns:a14="http://schemas.microsoft.com/office/drawing/2010/main">
+                <a:solidFill>
+                  <a:srgbClr val="FFFFFF"/>
+                </a:solidFill>
+              </a14:hiddenFill>
+            </a:ext>
+            <a:ext uri="{91240B29-F687-4F45-9708-019B960494DF}">
+              <a14:hiddenLine xmlns:a14="http://schemas.microsoft.com/office/drawing/2010/main" w="9525">
+                <a:solidFill>
+                  <a:srgbClr val="000000"/>
+                </a:solidFill>
+                <a:miter lim="800000"/>
+                <a:headEnd/>
+                <a:tailEnd/>
+              </a14:hiddenLine>
+            </a:ext>
+          </a:extLst>
+        </p:spPr>
+        <p:txBody>
+          <a:bodyPr vert="horz" wrap="square" lIns="91440" tIns="45720" rIns="91440" bIns="45720" numCol="1" anchor="t" anchorCtr="0" compatLnSpc="1"/>
+          <a:lstStyle/>
+          <a:p>
+            <a:endParaRPr lang="zh-CN" altLang="en-US"/>
+          </a:p>
+        </p:txBody>
+      </p:sp>
+    </p:spTree>
+    <p:custDataLst>
+      <p:tags r:id="rId1"/>
+    </p:custDataLst>
+    <p:extLst>
+      <p:ext uri="{BB962C8B-B14F-4D97-AF65-F5344CB8AC3E}">
+        <p14:creationId xmlns:p14="http://schemas.microsoft.com/office/powerpoint/2010/main" val="1485325994"/>
+      </p:ext>
+    </p:extLst>
+  </p:cSld>
+  <p:clrMapOvr>
+    <a:masterClrMapping/>
+  </p:clrMapOvr>
+</p:sld>
+</file>
+
+<file path=ppt/slides/slide28.xml><?xml version="1.0" encoding="utf-8"?>
 <p:sld xmlns:a="http://schemas.openxmlformats.org/drawingml/2006/main" xmlns:r="http://schemas.openxmlformats.org/officeDocument/2006/relationships" xmlns:p="http://schemas.openxmlformats.org/presentationml/2006/main">
   <p:cSld>
     <p:spTree>
@@ -21556,7 +22938,7 @@
           <p:nvPr>
             <p:extLst>
               <p:ext uri="{D42A27DB-BD31-4B8C-83A1-F6EECF244321}">
-                <p14:modId xmlns:p14="http://schemas.microsoft.com/office/powerpoint/2010/main" val="1399406001"/>
+                <p14:modId xmlns:p14="http://schemas.microsoft.com/office/powerpoint/2010/main" val="4031262648"/>
               </p:ext>
             </p:extLst>
           </p:nvPr>
@@ -21704,10 +23086,10 @@
   <p:tag name="KSO_WM_TEMPLATE_CATEGORY" val="basetag"/>
   <p:tag name="KSO_WM_TEMPLATE_INDEX" val="20161350"/>
   <p:tag name="KSO_WM_TAG_VERSION" val="1.0"/>
-  <p:tag name="KSO_WM_SLIDE_ID" val="basetag20161350_3"/>
-  <p:tag name="KSO_WM_SLIDE_INDEX" val="3"/>
+  <p:tag name="KSO_WM_SLIDE_ID" val="basetag20161350_4"/>
+  <p:tag name="KSO_WM_SLIDE_INDEX" val="4"/>
   <p:tag name="KSO_WM_SLIDE_ITEM_CNT" val="0"/>
-  <p:tag name="KSO_WM_SLIDE_TYPE" val="sectionTitle"/>
+  <p:tag name="KSO_WM_SLIDE_TYPE" val="text"/>
   <p:tag name="KSO_WM_BEAUTIFY_FLAG" val="#wm#"/>
 </p:tagLst>
 </file>
@@ -21751,10 +23133,10 @@
   <p:tag name="KSO_WM_TEMPLATE_CATEGORY" val="basetag"/>
   <p:tag name="KSO_WM_TEMPLATE_INDEX" val="20161350"/>
   <p:tag name="KSO_WM_TAG_VERSION" val="1.0"/>
-  <p:tag name="KSO_WM_SLIDE_ID" val="basetag20161350_3"/>
-  <p:tag name="KSO_WM_SLIDE_INDEX" val="3"/>
+  <p:tag name="KSO_WM_SLIDE_ID" val="basetag20161350_4"/>
+  <p:tag name="KSO_WM_SLIDE_INDEX" val="4"/>
   <p:tag name="KSO_WM_SLIDE_ITEM_CNT" val="0"/>
-  <p:tag name="KSO_WM_SLIDE_TYPE" val="sectionTitle"/>
+  <p:tag name="KSO_WM_SLIDE_TYPE" val="text"/>
   <p:tag name="KSO_WM_BEAUTIFY_FLAG" val="#wm#"/>
 </p:tagLst>
 </file>
@@ -21777,10 +23159,10 @@
   <p:tag name="KSO_WM_TEMPLATE_CATEGORY" val="basetag"/>
   <p:tag name="KSO_WM_TEMPLATE_INDEX" val="20161350"/>
   <p:tag name="KSO_WM_TAG_VERSION" val="1.0"/>
-  <p:tag name="KSO_WM_SLIDE_ID" val="basetag20161350_4"/>
-  <p:tag name="KSO_WM_SLIDE_INDEX" val="4"/>
+  <p:tag name="KSO_WM_SLIDE_ID" val="basetag20161350_3"/>
+  <p:tag name="KSO_WM_SLIDE_INDEX" val="3"/>
   <p:tag name="KSO_WM_SLIDE_ITEM_CNT" val="0"/>
-  <p:tag name="KSO_WM_SLIDE_TYPE" val="text"/>
+  <p:tag name="KSO_WM_SLIDE_TYPE" val="sectionTitle"/>
   <p:tag name="KSO_WM_BEAUTIFY_FLAG" val="#wm#"/>
 </p:tagLst>
 </file>
@@ -21790,10 +23172,75 @@
   <p:tag name="KSO_WM_TEMPLATE_CATEGORY" val="basetag"/>
   <p:tag name="KSO_WM_TEMPLATE_INDEX" val="20161350"/>
   <p:tag name="KSO_WM_TAG_VERSION" val="1.0"/>
-  <p:tag name="KSO_WM_SLIDE_ID" val="basetag20161350_21"/>
-  <p:tag name="KSO_WM_SLIDE_INDEX" val="21"/>
+  <p:tag name="KSO_WM_SLIDE_ID" val="basetag20161350_4"/>
+  <p:tag name="KSO_WM_SLIDE_INDEX" val="4"/>
   <p:tag name="KSO_WM_SLIDE_ITEM_CNT" val="0"/>
-  <p:tag name="KSO_WM_SLIDE_TYPE" val="endPage"/>
+  <p:tag name="KSO_WM_SLIDE_TYPE" val="text"/>
+  <p:tag name="KSO_WM_BEAUTIFY_FLAG" val="#wm#"/>
+</p:tagLst>
+</file>
+
+<file path=ppt/tags/tag25.xml><?xml version="1.0" encoding="utf-8"?>
+<p:tagLst xmlns:a="http://schemas.openxmlformats.org/drawingml/2006/main" xmlns:r="http://schemas.openxmlformats.org/officeDocument/2006/relationships" xmlns:p="http://schemas.openxmlformats.org/presentationml/2006/main">
+  <p:tag name="KSO_WM_TEMPLATE_CATEGORY" val="basetag"/>
+  <p:tag name="KSO_WM_TEMPLATE_INDEX" val="20161350"/>
+  <p:tag name="KSO_WM_TAG_VERSION" val="1.0"/>
+  <p:tag name="KSO_WM_SLIDE_ID" val="basetag20161350_4"/>
+  <p:tag name="KSO_WM_SLIDE_INDEX" val="4"/>
+  <p:tag name="KSO_WM_SLIDE_ITEM_CNT" val="0"/>
+  <p:tag name="KSO_WM_SLIDE_TYPE" val="text"/>
+  <p:tag name="KSO_WM_BEAUTIFY_FLAG" val="#wm#"/>
+</p:tagLst>
+</file>
+
+<file path=ppt/tags/tag26.xml><?xml version="1.0" encoding="utf-8"?>
+<p:tagLst xmlns:a="http://schemas.openxmlformats.org/drawingml/2006/main" xmlns:r="http://schemas.openxmlformats.org/officeDocument/2006/relationships" xmlns:p="http://schemas.openxmlformats.org/presentationml/2006/main">
+  <p:tag name="KSO_WM_TEMPLATE_CATEGORY" val="basetag"/>
+  <p:tag name="KSO_WM_TEMPLATE_INDEX" val="20161350"/>
+  <p:tag name="KSO_WM_TAG_VERSION" val="1.0"/>
+  <p:tag name="KSO_WM_SLIDE_ID" val="basetag20161350_3"/>
+  <p:tag name="KSO_WM_SLIDE_INDEX" val="3"/>
+  <p:tag name="KSO_WM_SLIDE_ITEM_CNT" val="0"/>
+  <p:tag name="KSO_WM_SLIDE_TYPE" val="sectionTitle"/>
+  <p:tag name="KSO_WM_BEAUTIFY_FLAG" val="#wm#"/>
+</p:tagLst>
+</file>
+
+<file path=ppt/tags/tag27.xml><?xml version="1.0" encoding="utf-8"?>
+<p:tagLst xmlns:a="http://schemas.openxmlformats.org/drawingml/2006/main" xmlns:r="http://schemas.openxmlformats.org/officeDocument/2006/relationships" xmlns:p="http://schemas.openxmlformats.org/presentationml/2006/main">
+  <p:tag name="KSO_WM_TEMPLATE_CATEGORY" val="basetag"/>
+  <p:tag name="KSO_WM_TEMPLATE_INDEX" val="20161350"/>
+  <p:tag name="KSO_WM_TAG_VERSION" val="1.0"/>
+  <p:tag name="KSO_WM_SLIDE_ID" val="basetag20161350_4"/>
+  <p:tag name="KSO_WM_SLIDE_INDEX" val="4"/>
+  <p:tag name="KSO_WM_SLIDE_ITEM_CNT" val="0"/>
+  <p:tag name="KSO_WM_SLIDE_TYPE" val="text"/>
+  <p:tag name="KSO_WM_BEAUTIFY_FLAG" val="#wm#"/>
+</p:tagLst>
+</file>
+
+<file path=ppt/tags/tag28.xml><?xml version="1.0" encoding="utf-8"?>
+<p:tagLst xmlns:a="http://schemas.openxmlformats.org/drawingml/2006/main" xmlns:r="http://schemas.openxmlformats.org/officeDocument/2006/relationships" xmlns:p="http://schemas.openxmlformats.org/presentationml/2006/main">
+  <p:tag name="KSO_WM_TEMPLATE_CATEGORY" val="basetag"/>
+  <p:tag name="KSO_WM_TEMPLATE_INDEX" val="20161350"/>
+  <p:tag name="KSO_WM_TAG_VERSION" val="1.0"/>
+  <p:tag name="KSO_WM_SLIDE_ID" val="basetag20161350_4"/>
+  <p:tag name="KSO_WM_SLIDE_INDEX" val="4"/>
+  <p:tag name="KSO_WM_SLIDE_ITEM_CNT" val="0"/>
+  <p:tag name="KSO_WM_SLIDE_TYPE" val="text"/>
+  <p:tag name="KSO_WM_BEAUTIFY_FLAG" val="#wm#"/>
+</p:tagLst>
+</file>
+
+<file path=ppt/tags/tag29.xml><?xml version="1.0" encoding="utf-8"?>
+<p:tagLst xmlns:a="http://schemas.openxmlformats.org/drawingml/2006/main" xmlns:r="http://schemas.openxmlformats.org/officeDocument/2006/relationships" xmlns:p="http://schemas.openxmlformats.org/presentationml/2006/main">
+  <p:tag name="KSO_WM_TEMPLATE_CATEGORY" val="basetag"/>
+  <p:tag name="KSO_WM_TEMPLATE_INDEX" val="20161350"/>
+  <p:tag name="KSO_WM_TAG_VERSION" val="1.0"/>
+  <p:tag name="KSO_WM_SLIDE_ID" val="basetag20161350_3"/>
+  <p:tag name="KSO_WM_SLIDE_INDEX" val="3"/>
+  <p:tag name="KSO_WM_SLIDE_ITEM_CNT" val="0"/>
+  <p:tag name="KSO_WM_SLIDE_TYPE" val="sectionTitle"/>
   <p:tag name="KSO_WM_BEAUTIFY_FLAG" val="#wm#"/>
 </p:tagLst>
 </file>
@@ -21804,6 +23251,32 @@
   <p:tag name="KSO_WM_TEMPLATE_INDEX" val="20161350"/>
   <p:tag name="KSO_WM_TAG_VERSION" val="1.0"/>
   <p:tag name="KSO_WM_TEMPLATE_THUMBS_INDEX" val="1、2、3、4、6、8、10、12、16、18、21"/>
+  <p:tag name="KSO_WM_BEAUTIFY_FLAG" val="#wm#"/>
+</p:tagLst>
+</file>
+
+<file path=ppt/tags/tag30.xml><?xml version="1.0" encoding="utf-8"?>
+<p:tagLst xmlns:a="http://schemas.openxmlformats.org/drawingml/2006/main" xmlns:r="http://schemas.openxmlformats.org/officeDocument/2006/relationships" xmlns:p="http://schemas.openxmlformats.org/presentationml/2006/main">
+  <p:tag name="KSO_WM_TEMPLATE_CATEGORY" val="basetag"/>
+  <p:tag name="KSO_WM_TEMPLATE_INDEX" val="20161350"/>
+  <p:tag name="KSO_WM_TAG_VERSION" val="1.0"/>
+  <p:tag name="KSO_WM_SLIDE_ID" val="basetag20161350_4"/>
+  <p:tag name="KSO_WM_SLIDE_INDEX" val="4"/>
+  <p:tag name="KSO_WM_SLIDE_ITEM_CNT" val="0"/>
+  <p:tag name="KSO_WM_SLIDE_TYPE" val="text"/>
+  <p:tag name="KSO_WM_BEAUTIFY_FLAG" val="#wm#"/>
+</p:tagLst>
+</file>
+
+<file path=ppt/tags/tag31.xml><?xml version="1.0" encoding="utf-8"?>
+<p:tagLst xmlns:a="http://schemas.openxmlformats.org/drawingml/2006/main" xmlns:r="http://schemas.openxmlformats.org/officeDocument/2006/relationships" xmlns:p="http://schemas.openxmlformats.org/presentationml/2006/main">
+  <p:tag name="KSO_WM_TEMPLATE_CATEGORY" val="basetag"/>
+  <p:tag name="KSO_WM_TEMPLATE_INDEX" val="20161350"/>
+  <p:tag name="KSO_WM_TAG_VERSION" val="1.0"/>
+  <p:tag name="KSO_WM_SLIDE_ID" val="basetag20161350_21"/>
+  <p:tag name="KSO_WM_SLIDE_INDEX" val="21"/>
+  <p:tag name="KSO_WM_SLIDE_ITEM_CNT" val="0"/>
+  <p:tag name="KSO_WM_SLIDE_TYPE" val="endPage"/>
   <p:tag name="KSO_WM_BEAUTIFY_FLAG" val="#wm#"/>
 </p:tagLst>
 </file>

--- a/Tasks/Task10/高子峰组-知否演示ppt.pptx
+++ b/Tasks/Task10/高子峰组-知否演示ppt.pptx
@@ -5,7 +5,7 @@
     <p:sldMasterId id="2147483648" r:id="rId1"/>
   </p:sldMasterIdLst>
   <p:notesMasterIdLst>
-    <p:notesMasterId r:id="rId30"/>
+    <p:notesMasterId r:id="rId29"/>
   </p:notesMasterIdLst>
   <p:sldIdLst>
     <p:sldId id="258" r:id="rId2"/>
@@ -15,27 +15,26 @@
     <p:sldId id="284" r:id="rId6"/>
     <p:sldId id="281" r:id="rId7"/>
     <p:sldId id="283" r:id="rId8"/>
-    <p:sldId id="288" r:id="rId9"/>
-    <p:sldId id="293" r:id="rId10"/>
-    <p:sldId id="282" r:id="rId11"/>
-    <p:sldId id="285" r:id="rId12"/>
-    <p:sldId id="300" r:id="rId13"/>
-    <p:sldId id="301" r:id="rId14"/>
-    <p:sldId id="286" r:id="rId15"/>
-    <p:sldId id="302" r:id="rId16"/>
-    <p:sldId id="303" r:id="rId17"/>
-    <p:sldId id="294" r:id="rId18"/>
-    <p:sldId id="295" r:id="rId19"/>
-    <p:sldId id="304" r:id="rId20"/>
-    <p:sldId id="287" r:id="rId21"/>
-    <p:sldId id="290" r:id="rId22"/>
-    <p:sldId id="292" r:id="rId23"/>
-    <p:sldId id="291" r:id="rId24"/>
-    <p:sldId id="296" r:id="rId25"/>
-    <p:sldId id="297" r:id="rId26"/>
-    <p:sldId id="298" r:id="rId27"/>
-    <p:sldId id="299" r:id="rId28"/>
-    <p:sldId id="278" r:id="rId29"/>
+    <p:sldId id="293" r:id="rId9"/>
+    <p:sldId id="282" r:id="rId10"/>
+    <p:sldId id="285" r:id="rId11"/>
+    <p:sldId id="300" r:id="rId12"/>
+    <p:sldId id="301" r:id="rId13"/>
+    <p:sldId id="286" r:id="rId14"/>
+    <p:sldId id="302" r:id="rId15"/>
+    <p:sldId id="303" r:id="rId16"/>
+    <p:sldId id="294" r:id="rId17"/>
+    <p:sldId id="295" r:id="rId18"/>
+    <p:sldId id="305" r:id="rId19"/>
+    <p:sldId id="287" r:id="rId20"/>
+    <p:sldId id="290" r:id="rId21"/>
+    <p:sldId id="292" r:id="rId22"/>
+    <p:sldId id="291" r:id="rId23"/>
+    <p:sldId id="296" r:id="rId24"/>
+    <p:sldId id="297" r:id="rId25"/>
+    <p:sldId id="298" r:id="rId26"/>
+    <p:sldId id="299" r:id="rId27"/>
+    <p:sldId id="278" r:id="rId28"/>
   </p:sldIdLst>
   <p:sldSz cx="12192000" cy="6858000"/>
   <p:notesSz cx="7104063" cy="10234613"/>
@@ -7322,6 +7321,216 @@
           <a:bodyPr/>
           <a:lstStyle/>
           <a:p>
+            <a:r>
+              <a:rPr lang="zh-CN" altLang="en-US" dirty="0"/>
+              <a:t>内容建模目标是将从需求工程中决定的</a:t>
+            </a:r>
+            <a:r>
+              <a:rPr lang="en-US" altLang="zh-CN" dirty="0"/>
+              <a:t>Web</a:t>
+            </a:r>
+            <a:r>
+              <a:rPr lang="zh-CN" altLang="en-US" dirty="0"/>
+              <a:t>应用信息和功能需求转换为模型</a:t>
+            </a:r>
+          </a:p>
+        </p:txBody>
+      </p:sp>
+      <p:sp>
+        <p:nvSpPr>
+          <p:cNvPr id="4" name="灯片编号占位符 3"/>
+          <p:cNvSpPr>
+            <a:spLocks noGrp="1"/>
+          </p:cNvSpPr>
+          <p:nvPr>
+            <p:ph type="sldNum" sz="quarter" idx="10"/>
+          </p:nvPr>
+        </p:nvSpPr>
+        <p:spPr/>
+        <p:txBody>
+          <a:bodyPr/>
+          <a:lstStyle/>
+          <a:p>
+            <a:fld id="{A6837353-30EB-4A48-80EB-173D804AEFBD}" type="slidenum">
+              <a:rPr lang="zh-CN" altLang="en-US" smtClean="0"/>
+              <a:t>13</a:t>
+            </a:fld>
+            <a:endParaRPr lang="zh-CN" altLang="en-US"/>
+          </a:p>
+        </p:txBody>
+      </p:sp>
+    </p:spTree>
+    <p:extLst>
+      <p:ext uri="{BB962C8B-B14F-4D97-AF65-F5344CB8AC3E}">
+        <p14:creationId xmlns:p14="http://schemas.microsoft.com/office/powerpoint/2010/main" val="1071669282"/>
+      </p:ext>
+    </p:extLst>
+  </p:cSld>
+  <p:clrMapOvr>
+    <a:masterClrMapping/>
+  </p:clrMapOvr>
+</p:notes>
+</file>
+
+<file path=ppt/notesSlides/notesSlide2.xml><?xml version="1.0" encoding="utf-8"?>
+<p:notes xmlns:a="http://schemas.openxmlformats.org/drawingml/2006/main" xmlns:r="http://schemas.openxmlformats.org/officeDocument/2006/relationships" xmlns:p="http://schemas.openxmlformats.org/presentationml/2006/main">
+  <p:cSld>
+    <p:spTree>
+      <p:nvGrpSpPr>
+        <p:cNvPr id="1" name=""/>
+        <p:cNvGrpSpPr/>
+        <p:nvPr/>
+      </p:nvGrpSpPr>
+      <p:grpSpPr>
+        <a:xfrm>
+          <a:off x="0" y="0"/>
+          <a:ext cx="0" cy="0"/>
+          <a:chOff x="0" y="0"/>
+          <a:chExt cx="0" cy="0"/>
+        </a:xfrm>
+      </p:grpSpPr>
+      <p:sp>
+        <p:nvSpPr>
+          <p:cNvPr id="2" name="幻灯片图像占位符 1"/>
+          <p:cNvSpPr>
+            <a:spLocks noGrp="1" noRot="1" noChangeAspect="1"/>
+          </p:cNvSpPr>
+          <p:nvPr>
+            <p:ph type="sldImg"/>
+          </p:nvPr>
+        </p:nvSpPr>
+        <p:spPr>
+          <a:xfrm>
+            <a:off x="481013" y="1279525"/>
+            <a:ext cx="6140450" cy="3454400"/>
+          </a:xfrm>
+        </p:spPr>
+      </p:sp>
+      <p:sp>
+        <p:nvSpPr>
+          <p:cNvPr id="3" name="备注占位符 2"/>
+          <p:cNvSpPr>
+            <a:spLocks noGrp="1"/>
+          </p:cNvSpPr>
+          <p:nvPr>
+            <p:ph type="body" idx="1"/>
+          </p:nvPr>
+        </p:nvSpPr>
+        <p:spPr/>
+        <p:txBody>
+          <a:bodyPr/>
+          <a:lstStyle/>
+          <a:p>
+            <a:r>
+              <a:rPr lang="zh-CN" altLang="en-US" dirty="0"/>
+              <a:t>目标是通过</a:t>
+            </a:r>
+            <a:r>
+              <a:rPr lang="en-US" altLang="zh-CN" dirty="0"/>
+              <a:t>Web</a:t>
+            </a:r>
+            <a:r>
+              <a:rPr lang="zh-CN" altLang="en-US" dirty="0"/>
+              <a:t>应用的内容构建导航，因此也是导航建模</a:t>
+            </a:r>
+            <a:endParaRPr lang="en-US" altLang="zh-CN" dirty="0"/>
+          </a:p>
+          <a:p>
+            <a:endParaRPr lang="en-US" altLang="zh-CN" dirty="0"/>
+          </a:p>
+          <a:p>
+            <a:r>
+              <a:rPr lang="zh-CN" altLang="en-US" dirty="0"/>
+              <a:t>导航类图</a:t>
+            </a:r>
+          </a:p>
+        </p:txBody>
+      </p:sp>
+      <p:sp>
+        <p:nvSpPr>
+          <p:cNvPr id="4" name="灯片编号占位符 3"/>
+          <p:cNvSpPr>
+            <a:spLocks noGrp="1"/>
+          </p:cNvSpPr>
+          <p:nvPr>
+            <p:ph type="sldNum" sz="quarter" idx="10"/>
+          </p:nvPr>
+        </p:nvSpPr>
+        <p:spPr/>
+        <p:txBody>
+          <a:bodyPr/>
+          <a:lstStyle/>
+          <a:p>
+            <a:fld id="{A6837353-30EB-4A48-80EB-173D804AEFBD}" type="slidenum">
+              <a:rPr lang="zh-CN" altLang="en-US" smtClean="0"/>
+              <a:t>16</a:t>
+            </a:fld>
+            <a:endParaRPr lang="zh-CN" altLang="en-US"/>
+          </a:p>
+        </p:txBody>
+      </p:sp>
+    </p:spTree>
+    <p:extLst>
+      <p:ext uri="{BB962C8B-B14F-4D97-AF65-F5344CB8AC3E}">
+        <p14:creationId xmlns:p14="http://schemas.microsoft.com/office/powerpoint/2010/main" val="4236822197"/>
+      </p:ext>
+    </p:extLst>
+  </p:cSld>
+  <p:clrMapOvr>
+    <a:masterClrMapping/>
+  </p:clrMapOvr>
+</p:notes>
+</file>
+
+<file path=ppt/notesSlides/notesSlide3.xml><?xml version="1.0" encoding="utf-8"?>
+<p:notes xmlns:a="http://schemas.openxmlformats.org/drawingml/2006/main" xmlns:r="http://schemas.openxmlformats.org/officeDocument/2006/relationships" xmlns:p="http://schemas.openxmlformats.org/presentationml/2006/main">
+  <p:cSld>
+    <p:spTree>
+      <p:nvGrpSpPr>
+        <p:cNvPr id="1" name=""/>
+        <p:cNvGrpSpPr/>
+        <p:nvPr/>
+      </p:nvGrpSpPr>
+      <p:grpSpPr>
+        <a:xfrm>
+          <a:off x="0" y="0"/>
+          <a:ext cx="0" cy="0"/>
+          <a:chOff x="0" y="0"/>
+          <a:chExt cx="0" cy="0"/>
+        </a:xfrm>
+      </p:grpSpPr>
+      <p:sp>
+        <p:nvSpPr>
+          <p:cNvPr id="2" name="幻灯片图像占位符 1"/>
+          <p:cNvSpPr>
+            <a:spLocks noGrp="1" noRot="1" noChangeAspect="1"/>
+          </p:cNvSpPr>
+          <p:nvPr>
+            <p:ph type="sldImg"/>
+          </p:nvPr>
+        </p:nvSpPr>
+        <p:spPr>
+          <a:xfrm>
+            <a:off x="481013" y="1279525"/>
+            <a:ext cx="6140450" cy="3454400"/>
+          </a:xfrm>
+        </p:spPr>
+      </p:sp>
+      <p:sp>
+        <p:nvSpPr>
+          <p:cNvPr id="3" name="备注占位符 2"/>
+          <p:cNvSpPr>
+            <a:spLocks noGrp="1"/>
+          </p:cNvSpPr>
+          <p:nvPr>
+            <p:ph type="body" idx="1"/>
+          </p:nvPr>
+        </p:nvSpPr>
+        <p:spPr/>
+        <p:txBody>
+          <a:bodyPr/>
+          <a:lstStyle/>
+          <a:p>
             <a:endParaRPr lang="zh-CN" altLang="en-US" dirty="0"/>
           </a:p>
         </p:txBody>
@@ -7343,7 +7552,7 @@
           <a:p>
             <a:fld id="{EF24B2EF-EA18-4FC8-9A90-01E01C098866}" type="slidenum">
               <a:rPr lang="zh-CN" altLang="en-US" smtClean="0"/>
-              <a:t>28</a:t>
+              <a:t>27</a:t>
             </a:fld>
             <a:endParaRPr lang="zh-CN" altLang="en-US"/>
           </a:p>
@@ -10921,7 +11130,12 @@
             <p:ph type="ctrTitle"/>
           </p:nvPr>
         </p:nvSpPr>
-        <p:spPr/>
+        <p:spPr>
+          <a:xfrm>
+            <a:off x="3398400" y="3241733"/>
+            <a:ext cx="5400000" cy="925200"/>
+          </a:xfrm>
+        </p:spPr>
         <p:txBody>
           <a:bodyPr>
             <a:normAutofit/>
@@ -10980,10 +11194,2393 @@
   <p:clrMapOvr>
     <a:masterClrMapping/>
   </p:clrMapOvr>
+  <p:timing>
+    <p:tnLst>
+      <p:par>
+        <p:cTn id="1" dur="indefinite" restart="never" nodeType="tmRoot">
+          <p:childTnLst>
+            <p:seq concurrent="1" nextAc="seek">
+              <p:cTn id="2" dur="indefinite" nodeType="mainSeq">
+                <p:childTnLst>
+                  <p:par>
+                    <p:cTn id="3" fill="hold">
+                      <p:stCondLst>
+                        <p:cond delay="indefinite"/>
+                        <p:cond evt="onBegin" delay="0">
+                          <p:tn val="2"/>
+                        </p:cond>
+                      </p:stCondLst>
+                      <p:childTnLst>
+                        <p:par>
+                          <p:cTn id="4" fill="hold">
+                            <p:stCondLst>
+                              <p:cond delay="0"/>
+                            </p:stCondLst>
+                            <p:childTnLst>
+                              <p:par>
+                                <p:cTn id="5" presetID="26" presetClass="entr" presetSubtype="0" fill="hold" grpId="0" nodeType="afterEffect">
+                                  <p:stCondLst>
+                                    <p:cond delay="0"/>
+                                  </p:stCondLst>
+                                  <p:childTnLst>
+                                    <p:set>
+                                      <p:cBhvr>
+                                        <p:cTn id="6" dur="1" fill="hold">
+                                          <p:stCondLst>
+                                            <p:cond delay="0"/>
+                                          </p:stCondLst>
+                                        </p:cTn>
+                                        <p:tgtEl>
+                                          <p:spTgt spid="9"/>
+                                        </p:tgtEl>
+                                        <p:attrNameLst>
+                                          <p:attrName>style.visibility</p:attrName>
+                                        </p:attrNameLst>
+                                      </p:cBhvr>
+                                      <p:to>
+                                        <p:strVal val="visible"/>
+                                      </p:to>
+                                    </p:set>
+                                    <p:animEffect transition="in" filter="wipe(down)">
+                                      <p:cBhvr>
+                                        <p:cTn id="7" dur="580">
+                                          <p:stCondLst>
+                                            <p:cond delay="0"/>
+                                          </p:stCondLst>
+                                        </p:cTn>
+                                        <p:tgtEl>
+                                          <p:spTgt spid="9"/>
+                                        </p:tgtEl>
+                                      </p:cBhvr>
+                                    </p:animEffect>
+                                    <p:anim calcmode="lin" valueType="num">
+                                      <p:cBhvr>
+                                        <p:cTn id="8" dur="1822" tmFilter="0,0; 0.14,0.36; 0.43,0.73; 0.71,0.91; 1.0,1.0">
+                                          <p:stCondLst>
+                                            <p:cond delay="0"/>
+                                          </p:stCondLst>
+                                        </p:cTn>
+                                        <p:tgtEl>
+                                          <p:spTgt spid="9"/>
+                                        </p:tgtEl>
+                                        <p:attrNameLst>
+                                          <p:attrName>ppt_x</p:attrName>
+                                        </p:attrNameLst>
+                                      </p:cBhvr>
+                                      <p:tavLst>
+                                        <p:tav tm="0">
+                                          <p:val>
+                                            <p:strVal val="#ppt_x-0.25"/>
+                                          </p:val>
+                                        </p:tav>
+                                        <p:tav tm="100000">
+                                          <p:val>
+                                            <p:strVal val="#ppt_x"/>
+                                          </p:val>
+                                        </p:tav>
+                                      </p:tavLst>
+                                    </p:anim>
+                                    <p:anim calcmode="lin" valueType="num">
+                                      <p:cBhvr>
+                                        <p:cTn id="9" dur="664" tmFilter="0.0,0.0; 0.25,0.07; 0.50,0.2; 0.75,0.467; 1.0,1.0">
+                                          <p:stCondLst>
+                                            <p:cond delay="0"/>
+                                          </p:stCondLst>
+                                        </p:cTn>
+                                        <p:tgtEl>
+                                          <p:spTgt spid="9"/>
+                                        </p:tgtEl>
+                                        <p:attrNameLst>
+                                          <p:attrName>ppt_y</p:attrName>
+                                        </p:attrNameLst>
+                                      </p:cBhvr>
+                                      <p:tavLst>
+                                        <p:tav tm="0" fmla="#ppt_y-sin(pi*$)/3">
+                                          <p:val>
+                                            <p:fltVal val="0.5"/>
+                                          </p:val>
+                                        </p:tav>
+                                        <p:tav tm="100000">
+                                          <p:val>
+                                            <p:fltVal val="1"/>
+                                          </p:val>
+                                        </p:tav>
+                                      </p:tavLst>
+                                    </p:anim>
+                                    <p:anim calcmode="lin" valueType="num">
+                                      <p:cBhvr>
+                                        <p:cTn id="10" dur="664" tmFilter="0, 0; 0.125,0.2665; 0.25,0.4; 0.375,0.465; 0.5,0.5;  0.625,0.535; 0.75,0.6; 0.875,0.7335; 1,1">
+                                          <p:stCondLst>
+                                            <p:cond delay="664"/>
+                                          </p:stCondLst>
+                                        </p:cTn>
+                                        <p:tgtEl>
+                                          <p:spTgt spid="9"/>
+                                        </p:tgtEl>
+                                        <p:attrNameLst>
+                                          <p:attrName>ppt_y</p:attrName>
+                                        </p:attrNameLst>
+                                      </p:cBhvr>
+                                      <p:tavLst>
+                                        <p:tav tm="0" fmla="#ppt_y-sin(pi*$)/9">
+                                          <p:val>
+                                            <p:fltVal val="0"/>
+                                          </p:val>
+                                        </p:tav>
+                                        <p:tav tm="100000">
+                                          <p:val>
+                                            <p:fltVal val="1"/>
+                                          </p:val>
+                                        </p:tav>
+                                      </p:tavLst>
+                                    </p:anim>
+                                    <p:anim calcmode="lin" valueType="num">
+                                      <p:cBhvr>
+                                        <p:cTn id="11" dur="332" tmFilter="0, 0; 0.125,0.2665; 0.25,0.4; 0.375,0.465; 0.5,0.5;  0.625,0.535; 0.75,0.6; 0.875,0.7335; 1,1">
+                                          <p:stCondLst>
+                                            <p:cond delay="1324"/>
+                                          </p:stCondLst>
+                                        </p:cTn>
+                                        <p:tgtEl>
+                                          <p:spTgt spid="9"/>
+                                        </p:tgtEl>
+                                        <p:attrNameLst>
+                                          <p:attrName>ppt_y</p:attrName>
+                                        </p:attrNameLst>
+                                      </p:cBhvr>
+                                      <p:tavLst>
+                                        <p:tav tm="0" fmla="#ppt_y-sin(pi*$)/27">
+                                          <p:val>
+                                            <p:fltVal val="0"/>
+                                          </p:val>
+                                        </p:tav>
+                                        <p:tav tm="100000">
+                                          <p:val>
+                                            <p:fltVal val="1"/>
+                                          </p:val>
+                                        </p:tav>
+                                      </p:tavLst>
+                                    </p:anim>
+                                    <p:anim calcmode="lin" valueType="num">
+                                      <p:cBhvr>
+                                        <p:cTn id="12" dur="164" tmFilter="0, 0; 0.125,0.2665; 0.25,0.4; 0.375,0.465; 0.5,0.5;  0.625,0.535; 0.75,0.6; 0.875,0.7335; 1,1">
+                                          <p:stCondLst>
+                                            <p:cond delay="1656"/>
+                                          </p:stCondLst>
+                                        </p:cTn>
+                                        <p:tgtEl>
+                                          <p:spTgt spid="9"/>
+                                        </p:tgtEl>
+                                        <p:attrNameLst>
+                                          <p:attrName>ppt_y</p:attrName>
+                                        </p:attrNameLst>
+                                      </p:cBhvr>
+                                      <p:tavLst>
+                                        <p:tav tm="0" fmla="#ppt_y-sin(pi*$)/81">
+                                          <p:val>
+                                            <p:fltVal val="0"/>
+                                          </p:val>
+                                        </p:tav>
+                                        <p:tav tm="100000">
+                                          <p:val>
+                                            <p:fltVal val="1"/>
+                                          </p:val>
+                                        </p:tav>
+                                      </p:tavLst>
+                                    </p:anim>
+                                    <p:animScale>
+                                      <p:cBhvr>
+                                        <p:cTn id="13" dur="26">
+                                          <p:stCondLst>
+                                            <p:cond delay="650"/>
+                                          </p:stCondLst>
+                                        </p:cTn>
+                                        <p:tgtEl>
+                                          <p:spTgt spid="9"/>
+                                        </p:tgtEl>
+                                      </p:cBhvr>
+                                      <p:to x="100000" y="60000"/>
+                                    </p:animScale>
+                                    <p:animScale>
+                                      <p:cBhvr>
+                                        <p:cTn id="14" dur="166" decel="50000">
+                                          <p:stCondLst>
+                                            <p:cond delay="676"/>
+                                          </p:stCondLst>
+                                        </p:cTn>
+                                        <p:tgtEl>
+                                          <p:spTgt spid="9"/>
+                                        </p:tgtEl>
+                                      </p:cBhvr>
+                                      <p:to x="100000" y="100000"/>
+                                    </p:animScale>
+                                    <p:animScale>
+                                      <p:cBhvr>
+                                        <p:cTn id="15" dur="26">
+                                          <p:stCondLst>
+                                            <p:cond delay="1312"/>
+                                          </p:stCondLst>
+                                        </p:cTn>
+                                        <p:tgtEl>
+                                          <p:spTgt spid="9"/>
+                                        </p:tgtEl>
+                                      </p:cBhvr>
+                                      <p:to x="100000" y="80000"/>
+                                    </p:animScale>
+                                    <p:animScale>
+                                      <p:cBhvr>
+                                        <p:cTn id="16" dur="166" decel="50000">
+                                          <p:stCondLst>
+                                            <p:cond delay="1338"/>
+                                          </p:stCondLst>
+                                        </p:cTn>
+                                        <p:tgtEl>
+                                          <p:spTgt spid="9"/>
+                                        </p:tgtEl>
+                                      </p:cBhvr>
+                                      <p:to x="100000" y="100000"/>
+                                    </p:animScale>
+                                    <p:animScale>
+                                      <p:cBhvr>
+                                        <p:cTn id="17" dur="26">
+                                          <p:stCondLst>
+                                            <p:cond delay="1642"/>
+                                          </p:stCondLst>
+                                        </p:cTn>
+                                        <p:tgtEl>
+                                          <p:spTgt spid="9"/>
+                                        </p:tgtEl>
+                                      </p:cBhvr>
+                                      <p:to x="100000" y="90000"/>
+                                    </p:animScale>
+                                    <p:animScale>
+                                      <p:cBhvr>
+                                        <p:cTn id="18" dur="166" decel="50000">
+                                          <p:stCondLst>
+                                            <p:cond delay="1668"/>
+                                          </p:stCondLst>
+                                        </p:cTn>
+                                        <p:tgtEl>
+                                          <p:spTgt spid="9"/>
+                                        </p:tgtEl>
+                                      </p:cBhvr>
+                                      <p:to x="100000" y="100000"/>
+                                    </p:animScale>
+                                    <p:animScale>
+                                      <p:cBhvr>
+                                        <p:cTn id="19" dur="26">
+                                          <p:stCondLst>
+                                            <p:cond delay="1808"/>
+                                          </p:stCondLst>
+                                        </p:cTn>
+                                        <p:tgtEl>
+                                          <p:spTgt spid="9"/>
+                                        </p:tgtEl>
+                                      </p:cBhvr>
+                                      <p:to x="100000" y="95000"/>
+                                    </p:animScale>
+                                    <p:animScale>
+                                      <p:cBhvr>
+                                        <p:cTn id="20" dur="166" decel="50000">
+                                          <p:stCondLst>
+                                            <p:cond delay="1834"/>
+                                          </p:stCondLst>
+                                        </p:cTn>
+                                        <p:tgtEl>
+                                          <p:spTgt spid="9"/>
+                                        </p:tgtEl>
+                                      </p:cBhvr>
+                                      <p:to x="100000" y="100000"/>
+                                    </p:animScale>
+                                  </p:childTnLst>
+                                </p:cTn>
+                              </p:par>
+                            </p:childTnLst>
+                          </p:cTn>
+                        </p:par>
+                        <p:par>
+                          <p:cTn id="21" fill="hold">
+                            <p:stCondLst>
+                              <p:cond delay="2000"/>
+                            </p:stCondLst>
+                            <p:childTnLst>
+                              <p:par>
+                                <p:cTn id="22" presetID="22" presetClass="entr" presetSubtype="8" fill="hold" grpId="0" nodeType="afterEffect">
+                                  <p:stCondLst>
+                                    <p:cond delay="0"/>
+                                  </p:stCondLst>
+                                  <p:childTnLst>
+                                    <p:set>
+                                      <p:cBhvr>
+                                        <p:cTn id="23" dur="1" fill="hold">
+                                          <p:stCondLst>
+                                            <p:cond delay="0"/>
+                                          </p:stCondLst>
+                                        </p:cTn>
+                                        <p:tgtEl>
+                                          <p:spTgt spid="11">
+                                            <p:txEl>
+                                              <p:pRg st="0" end="0"/>
+                                            </p:txEl>
+                                          </p:spTgt>
+                                        </p:tgtEl>
+                                        <p:attrNameLst>
+                                          <p:attrName>style.visibility</p:attrName>
+                                        </p:attrNameLst>
+                                      </p:cBhvr>
+                                      <p:to>
+                                        <p:strVal val="visible"/>
+                                      </p:to>
+                                    </p:set>
+                                    <p:animEffect transition="in" filter="wipe(left)">
+                                      <p:cBhvr>
+                                        <p:cTn id="24" dur="1000"/>
+                                        <p:tgtEl>
+                                          <p:spTgt spid="11">
+                                            <p:txEl>
+                                              <p:pRg st="0" end="0"/>
+                                            </p:txEl>
+                                          </p:spTgt>
+                                        </p:tgtEl>
+                                      </p:cBhvr>
+                                    </p:animEffect>
+                                  </p:childTnLst>
+                                </p:cTn>
+                              </p:par>
+                            </p:childTnLst>
+                          </p:cTn>
+                        </p:par>
+                      </p:childTnLst>
+                    </p:cTn>
+                  </p:par>
+                </p:childTnLst>
+              </p:cTn>
+              <p:prevCondLst>
+                <p:cond evt="onPrev" delay="0">
+                  <p:tgtEl>
+                    <p:sldTgt/>
+                  </p:tgtEl>
+                </p:cond>
+              </p:prevCondLst>
+              <p:nextCondLst>
+                <p:cond evt="onNext" delay="0">
+                  <p:tgtEl>
+                    <p:sldTgt/>
+                  </p:tgtEl>
+                </p:cond>
+              </p:nextCondLst>
+            </p:seq>
+          </p:childTnLst>
+        </p:cTn>
+      </p:par>
+    </p:tnLst>
+    <p:bldLst>
+      <p:bldP spid="9" grpId="0"/>
+      <p:bldP spid="11" grpId="0" build="p"/>
+    </p:bldLst>
+  </p:timing>
 </p:sld>
 </file>
 
 <file path=ppt/slides/slide10.xml><?xml version="1.0" encoding="utf-8"?>
+<p:sld xmlns:a="http://schemas.openxmlformats.org/drawingml/2006/main" xmlns:r="http://schemas.openxmlformats.org/officeDocument/2006/relationships" xmlns:p="http://schemas.openxmlformats.org/presentationml/2006/main">
+  <p:cSld>
+    <p:spTree>
+      <p:nvGrpSpPr>
+        <p:cNvPr id="1" name=""/>
+        <p:cNvGrpSpPr/>
+        <p:nvPr/>
+      </p:nvGrpSpPr>
+      <p:grpSpPr>
+        <a:xfrm>
+          <a:off x="0" y="0"/>
+          <a:ext cx="0" cy="0"/>
+          <a:chOff x="0" y="0"/>
+          <a:chExt cx="0" cy="0"/>
+        </a:xfrm>
+      </p:grpSpPr>
+      <p:sp>
+        <p:nvSpPr>
+          <p:cNvPr id="5" name="矩形 4"/>
+          <p:cNvSpPr/>
+          <p:nvPr/>
+        </p:nvSpPr>
+        <p:spPr>
+          <a:xfrm>
+            <a:off x="140355" y="162886"/>
+            <a:ext cx="5488016" cy="553085"/>
+          </a:xfrm>
+          <a:prstGeom prst="rect">
+            <a:avLst/>
+          </a:prstGeom>
+        </p:spPr>
+        <p:txBody>
+          <a:bodyPr wrap="square">
+            <a:spAutoFit/>
+          </a:bodyPr>
+          <a:lstStyle/>
+          <a:p>
+            <a:r>
+              <a:rPr lang="zh-CN" altLang="en-US" sz="3000" dirty="0">
+                <a:solidFill>
+                  <a:srgbClr val="DACD57"/>
+                </a:solidFill>
+                <a:latin typeface="幼圆" panose="02010509060101010101" pitchFamily="49" charset="-122"/>
+                <a:ea typeface="幼圆" panose="02010509060101010101" pitchFamily="49" charset="-122"/>
+                <a:cs typeface="Lao UI" panose="020B0502040204020203" pitchFamily="34" charset="0"/>
+              </a:rPr>
+              <a:t>功能需求建模</a:t>
+            </a:r>
+            <a:r>
+              <a:rPr lang="zh-CN" altLang="en-US" dirty="0">
+                <a:solidFill>
+                  <a:srgbClr val="DACD57"/>
+                </a:solidFill>
+                <a:latin typeface="幼圆" panose="02010509060101010101" pitchFamily="49" charset="-122"/>
+                <a:ea typeface="幼圆" panose="02010509060101010101" pitchFamily="49" charset="-122"/>
+                <a:cs typeface="Lao UI" panose="020B0502040204020203" pitchFamily="34" charset="0"/>
+              </a:rPr>
+              <a:t>（静态）</a:t>
+            </a:r>
+            <a:r>
+              <a:rPr lang="en-US" altLang="zh-CN" sz="2000" dirty="0">
+                <a:solidFill>
+                  <a:srgbClr val="DACD57"/>
+                </a:solidFill>
+                <a:latin typeface="Impact" panose="020B0806030902050204" pitchFamily="34" charset="0"/>
+                <a:ea typeface="Tahoma" panose="020B0604030504040204" pitchFamily="34" charset="0"/>
+                <a:cs typeface="Lao UI" panose="020B0502040204020203" pitchFamily="34" charset="0"/>
+              </a:rPr>
+              <a:t> </a:t>
+            </a:r>
+            <a:endParaRPr lang="zh-CN" altLang="en-US" sz="3000" dirty="0">
+              <a:solidFill>
+                <a:srgbClr val="DACD57"/>
+              </a:solidFill>
+              <a:latin typeface="Impact" panose="020B0806030902050204" pitchFamily="34" charset="0"/>
+              <a:ea typeface="Tahoma" panose="020B0604030504040204" pitchFamily="34" charset="0"/>
+              <a:cs typeface="Lao UI" panose="020B0502040204020203" pitchFamily="34" charset="0"/>
+            </a:endParaRPr>
+          </a:p>
+        </p:txBody>
+      </p:sp>
+      <p:pic>
+        <p:nvPicPr>
+          <p:cNvPr id="3" name="图片 2"/>
+          <p:cNvPicPr>
+            <a:picLocks noChangeAspect="1"/>
+          </p:cNvPicPr>
+          <p:nvPr/>
+        </p:nvPicPr>
+        <p:blipFill>
+          <a:blip r:embed="rId3">
+            <a:extLst>
+              <a:ext uri="{28A0092B-C50C-407E-A947-70E740481C1C}">
+                <a14:useLocalDpi xmlns:a14="http://schemas.microsoft.com/office/drawing/2010/main" val="0"/>
+              </a:ext>
+            </a:extLst>
+          </a:blip>
+          <a:stretch>
+            <a:fillRect/>
+          </a:stretch>
+        </p:blipFill>
+        <p:spPr>
+          <a:xfrm>
+            <a:off x="1789594" y="846945"/>
+            <a:ext cx="8106906" cy="5544324"/>
+          </a:xfrm>
+          <a:prstGeom prst="rect">
+            <a:avLst/>
+          </a:prstGeom>
+          <a:effectLst>
+            <a:softEdge rad="31750"/>
+          </a:effectLst>
+        </p:spPr>
+      </p:pic>
+      <p:sp>
+        <p:nvSpPr>
+          <p:cNvPr id="4" name="AutoShape 2" descr="mark"/>
+          <p:cNvSpPr>
+            <a:spLocks noChangeAspect="1" noChangeArrowheads="1"/>
+          </p:cNvSpPr>
+          <p:nvPr/>
+        </p:nvSpPr>
+        <p:spPr bwMode="auto">
+          <a:xfrm>
+            <a:off x="5943600" y="3276600"/>
+            <a:ext cx="304800" cy="304800"/>
+          </a:xfrm>
+          <a:prstGeom prst="rect">
+            <a:avLst/>
+          </a:prstGeom>
+          <a:noFill/>
+          <a:extLst>
+            <a:ext uri="{909E8E84-426E-40DD-AFC4-6F175D3DCCD1}">
+              <a14:hiddenFill xmlns:a14="http://schemas.microsoft.com/office/drawing/2010/main">
+                <a:solidFill>
+                  <a:srgbClr val="FFFFFF"/>
+                </a:solidFill>
+              </a14:hiddenFill>
+            </a:ext>
+          </a:extLst>
+        </p:spPr>
+        <p:txBody>
+          <a:bodyPr vert="horz" wrap="square" lIns="91440" tIns="45720" rIns="91440" bIns="45720" numCol="1" anchor="t" anchorCtr="0" compatLnSpc="1">
+            <a:prstTxWarp prst="textNoShape">
+              <a:avLst/>
+            </a:prstTxWarp>
+          </a:bodyPr>
+          <a:lstStyle/>
+          <a:p>
+            <a:endParaRPr lang="zh-CN" altLang="en-US"/>
+          </a:p>
+        </p:txBody>
+      </p:sp>
+    </p:spTree>
+    <p:custDataLst>
+      <p:tags r:id="rId1"/>
+    </p:custDataLst>
+  </p:cSld>
+  <p:clrMapOvr>
+    <a:masterClrMapping/>
+  </p:clrMapOvr>
+</p:sld>
+</file>
+
+<file path=ppt/slides/slide11.xml><?xml version="1.0" encoding="utf-8"?>
+<p:sld xmlns:a="http://schemas.openxmlformats.org/drawingml/2006/main" xmlns:r="http://schemas.openxmlformats.org/officeDocument/2006/relationships" xmlns:p="http://schemas.openxmlformats.org/presentationml/2006/main">
+  <p:cSld>
+    <p:spTree>
+      <p:nvGrpSpPr>
+        <p:cNvPr id="1" name=""/>
+        <p:cNvGrpSpPr/>
+        <p:nvPr/>
+      </p:nvGrpSpPr>
+      <p:grpSpPr>
+        <a:xfrm>
+          <a:off x="0" y="0"/>
+          <a:ext cx="0" cy="0"/>
+          <a:chOff x="0" y="0"/>
+          <a:chExt cx="0" cy="0"/>
+        </a:xfrm>
+      </p:grpSpPr>
+      <p:sp>
+        <p:nvSpPr>
+          <p:cNvPr id="5" name="矩形 4"/>
+          <p:cNvSpPr/>
+          <p:nvPr/>
+        </p:nvSpPr>
+        <p:spPr>
+          <a:xfrm>
+            <a:off x="140355" y="162886"/>
+            <a:ext cx="5488016" cy="553085"/>
+          </a:xfrm>
+          <a:prstGeom prst="rect">
+            <a:avLst/>
+          </a:prstGeom>
+        </p:spPr>
+        <p:txBody>
+          <a:bodyPr wrap="square">
+            <a:spAutoFit/>
+          </a:bodyPr>
+          <a:lstStyle/>
+          <a:p>
+            <a:r>
+              <a:rPr lang="zh-CN" altLang="en-US" sz="3000" dirty="0">
+                <a:solidFill>
+                  <a:srgbClr val="DACD57"/>
+                </a:solidFill>
+                <a:latin typeface="幼圆" panose="02010509060101010101" pitchFamily="49" charset="-122"/>
+                <a:ea typeface="幼圆" panose="02010509060101010101" pitchFamily="49" charset="-122"/>
+                <a:cs typeface="Lao UI" panose="020B0502040204020203" pitchFamily="34" charset="0"/>
+              </a:rPr>
+              <a:t>功能需求建模</a:t>
+            </a:r>
+            <a:r>
+              <a:rPr lang="zh-CN" altLang="en-US" dirty="0">
+                <a:solidFill>
+                  <a:srgbClr val="DACD57"/>
+                </a:solidFill>
+                <a:latin typeface="幼圆" panose="02010509060101010101" pitchFamily="49" charset="-122"/>
+                <a:ea typeface="幼圆" panose="02010509060101010101" pitchFamily="49" charset="-122"/>
+                <a:cs typeface="Lao UI" panose="020B0502040204020203" pitchFamily="34" charset="0"/>
+              </a:rPr>
+              <a:t>（动态）</a:t>
+            </a:r>
+            <a:r>
+              <a:rPr lang="en-US" altLang="zh-CN" sz="2000" dirty="0">
+                <a:solidFill>
+                  <a:srgbClr val="DACD57"/>
+                </a:solidFill>
+                <a:latin typeface="Impact" panose="020B0806030902050204" pitchFamily="34" charset="0"/>
+                <a:ea typeface="Tahoma" panose="020B0604030504040204" pitchFamily="34" charset="0"/>
+                <a:cs typeface="Lao UI" panose="020B0502040204020203" pitchFamily="34" charset="0"/>
+              </a:rPr>
+              <a:t> </a:t>
+            </a:r>
+            <a:endParaRPr lang="zh-CN" altLang="en-US" sz="3000" dirty="0">
+              <a:solidFill>
+                <a:srgbClr val="DACD57"/>
+              </a:solidFill>
+              <a:latin typeface="Impact" panose="020B0806030902050204" pitchFamily="34" charset="0"/>
+              <a:ea typeface="Tahoma" panose="020B0604030504040204" pitchFamily="34" charset="0"/>
+              <a:cs typeface="Lao UI" panose="020B0502040204020203" pitchFamily="34" charset="0"/>
+            </a:endParaRPr>
+          </a:p>
+        </p:txBody>
+      </p:sp>
+      <p:sp>
+        <p:nvSpPr>
+          <p:cNvPr id="4" name="AutoShape 2" descr="mark"/>
+          <p:cNvSpPr>
+            <a:spLocks noChangeAspect="1" noChangeArrowheads="1"/>
+          </p:cNvSpPr>
+          <p:nvPr/>
+        </p:nvSpPr>
+        <p:spPr bwMode="auto">
+          <a:xfrm>
+            <a:off x="5943600" y="3276600"/>
+            <a:ext cx="304800" cy="304800"/>
+          </a:xfrm>
+          <a:prstGeom prst="rect">
+            <a:avLst/>
+          </a:prstGeom>
+          <a:noFill/>
+          <a:extLst>
+            <a:ext uri="{909E8E84-426E-40DD-AFC4-6F175D3DCCD1}">
+              <a14:hiddenFill xmlns:a14="http://schemas.microsoft.com/office/drawing/2010/main">
+                <a:solidFill>
+                  <a:srgbClr val="FFFFFF"/>
+                </a:solidFill>
+              </a14:hiddenFill>
+            </a:ext>
+          </a:extLst>
+        </p:spPr>
+        <p:txBody>
+          <a:bodyPr vert="horz" wrap="square" lIns="91440" tIns="45720" rIns="91440" bIns="45720" numCol="1" anchor="t" anchorCtr="0" compatLnSpc="1">
+            <a:prstTxWarp prst="textNoShape">
+              <a:avLst/>
+            </a:prstTxWarp>
+          </a:bodyPr>
+          <a:lstStyle/>
+          <a:p>
+            <a:endParaRPr lang="zh-CN" altLang="en-US"/>
+          </a:p>
+        </p:txBody>
+      </p:sp>
+      <p:pic>
+        <p:nvPicPr>
+          <p:cNvPr id="6" name="图片 5"/>
+          <p:cNvPicPr>
+            <a:picLocks noChangeAspect="1"/>
+          </p:cNvPicPr>
+          <p:nvPr/>
+        </p:nvPicPr>
+        <p:blipFill rotWithShape="1">
+          <a:blip r:embed="rId3">
+            <a:extLst>
+              <a:ext uri="{28A0092B-C50C-407E-A947-70E740481C1C}">
+                <a14:useLocalDpi xmlns:a14="http://schemas.microsoft.com/office/drawing/2010/main" val="0"/>
+              </a:ext>
+            </a:extLst>
+          </a:blip>
+          <a:srcRect b="52165"/>
+          <a:stretch/>
+        </p:blipFill>
+        <p:spPr>
+          <a:xfrm>
+            <a:off x="1231658" y="951322"/>
+            <a:ext cx="9204600" cy="5260156"/>
+          </a:xfrm>
+          <a:prstGeom prst="rect">
+            <a:avLst/>
+          </a:prstGeom>
+          <a:effectLst>
+            <a:softEdge rad="63500"/>
+          </a:effectLst>
+        </p:spPr>
+      </p:pic>
+    </p:spTree>
+    <p:custDataLst>
+      <p:tags r:id="rId1"/>
+    </p:custDataLst>
+    <p:extLst>
+      <p:ext uri="{BB962C8B-B14F-4D97-AF65-F5344CB8AC3E}">
+        <p14:creationId xmlns:p14="http://schemas.microsoft.com/office/powerpoint/2010/main" val="1301750082"/>
+      </p:ext>
+    </p:extLst>
+  </p:cSld>
+  <p:clrMapOvr>
+    <a:masterClrMapping/>
+  </p:clrMapOvr>
+</p:sld>
+</file>
+
+<file path=ppt/slides/slide12.xml><?xml version="1.0" encoding="utf-8"?>
+<p:sld xmlns:a="http://schemas.openxmlformats.org/drawingml/2006/main" xmlns:r="http://schemas.openxmlformats.org/officeDocument/2006/relationships" xmlns:p="http://schemas.openxmlformats.org/presentationml/2006/main">
+  <p:cSld>
+    <p:spTree>
+      <p:nvGrpSpPr>
+        <p:cNvPr id="1" name=""/>
+        <p:cNvGrpSpPr/>
+        <p:nvPr/>
+      </p:nvGrpSpPr>
+      <p:grpSpPr>
+        <a:xfrm>
+          <a:off x="0" y="0"/>
+          <a:ext cx="0" cy="0"/>
+          <a:chOff x="0" y="0"/>
+          <a:chExt cx="0" cy="0"/>
+        </a:xfrm>
+      </p:grpSpPr>
+      <p:sp>
+        <p:nvSpPr>
+          <p:cNvPr id="5" name="矩形 4"/>
+          <p:cNvSpPr/>
+          <p:nvPr/>
+        </p:nvSpPr>
+        <p:spPr>
+          <a:xfrm>
+            <a:off x="140355" y="162886"/>
+            <a:ext cx="5488016" cy="553085"/>
+          </a:xfrm>
+          <a:prstGeom prst="rect">
+            <a:avLst/>
+          </a:prstGeom>
+        </p:spPr>
+        <p:txBody>
+          <a:bodyPr wrap="square">
+            <a:spAutoFit/>
+          </a:bodyPr>
+          <a:lstStyle/>
+          <a:p>
+            <a:r>
+              <a:rPr lang="zh-CN" altLang="en-US" sz="3000" dirty="0">
+                <a:solidFill>
+                  <a:srgbClr val="DACD57"/>
+                </a:solidFill>
+                <a:latin typeface="幼圆" panose="02010509060101010101" pitchFamily="49" charset="-122"/>
+                <a:ea typeface="幼圆" panose="02010509060101010101" pitchFamily="49" charset="-122"/>
+                <a:cs typeface="Lao UI" panose="020B0502040204020203" pitchFamily="34" charset="0"/>
+              </a:rPr>
+              <a:t>功能需求建模</a:t>
+            </a:r>
+            <a:r>
+              <a:rPr lang="zh-CN" altLang="en-US" dirty="0">
+                <a:solidFill>
+                  <a:srgbClr val="DACD57"/>
+                </a:solidFill>
+                <a:latin typeface="幼圆" panose="02010509060101010101" pitchFamily="49" charset="-122"/>
+                <a:ea typeface="幼圆" panose="02010509060101010101" pitchFamily="49" charset="-122"/>
+                <a:cs typeface="Lao UI" panose="020B0502040204020203" pitchFamily="34" charset="0"/>
+              </a:rPr>
+              <a:t>（动态）</a:t>
+            </a:r>
+            <a:r>
+              <a:rPr lang="en-US" altLang="zh-CN" sz="2000" dirty="0">
+                <a:solidFill>
+                  <a:srgbClr val="DACD57"/>
+                </a:solidFill>
+                <a:latin typeface="Impact" panose="020B0806030902050204" pitchFamily="34" charset="0"/>
+                <a:ea typeface="Tahoma" panose="020B0604030504040204" pitchFamily="34" charset="0"/>
+                <a:cs typeface="Lao UI" panose="020B0502040204020203" pitchFamily="34" charset="0"/>
+              </a:rPr>
+              <a:t> </a:t>
+            </a:r>
+            <a:endParaRPr lang="zh-CN" altLang="en-US" sz="3000" dirty="0">
+              <a:solidFill>
+                <a:srgbClr val="DACD57"/>
+              </a:solidFill>
+              <a:latin typeface="Impact" panose="020B0806030902050204" pitchFamily="34" charset="0"/>
+              <a:ea typeface="Tahoma" panose="020B0604030504040204" pitchFamily="34" charset="0"/>
+              <a:cs typeface="Lao UI" panose="020B0502040204020203" pitchFamily="34" charset="0"/>
+            </a:endParaRPr>
+          </a:p>
+        </p:txBody>
+      </p:sp>
+      <p:sp>
+        <p:nvSpPr>
+          <p:cNvPr id="4" name="AutoShape 2" descr="mark"/>
+          <p:cNvSpPr>
+            <a:spLocks noChangeAspect="1" noChangeArrowheads="1"/>
+          </p:cNvSpPr>
+          <p:nvPr/>
+        </p:nvSpPr>
+        <p:spPr bwMode="auto">
+          <a:xfrm>
+            <a:off x="5943600" y="3276600"/>
+            <a:ext cx="304800" cy="304800"/>
+          </a:xfrm>
+          <a:prstGeom prst="rect">
+            <a:avLst/>
+          </a:prstGeom>
+          <a:noFill/>
+          <a:extLst>
+            <a:ext uri="{909E8E84-426E-40DD-AFC4-6F175D3DCCD1}">
+              <a14:hiddenFill xmlns:a14="http://schemas.microsoft.com/office/drawing/2010/main">
+                <a:solidFill>
+                  <a:srgbClr val="FFFFFF"/>
+                </a:solidFill>
+              </a14:hiddenFill>
+            </a:ext>
+          </a:extLst>
+        </p:spPr>
+        <p:txBody>
+          <a:bodyPr vert="horz" wrap="square" lIns="91440" tIns="45720" rIns="91440" bIns="45720" numCol="1" anchor="t" anchorCtr="0" compatLnSpc="1">
+            <a:prstTxWarp prst="textNoShape">
+              <a:avLst/>
+            </a:prstTxWarp>
+          </a:bodyPr>
+          <a:lstStyle/>
+          <a:p>
+            <a:endParaRPr lang="zh-CN" altLang="en-US"/>
+          </a:p>
+        </p:txBody>
+      </p:sp>
+      <p:pic>
+        <p:nvPicPr>
+          <p:cNvPr id="3" name="图片 2"/>
+          <p:cNvPicPr>
+            <a:picLocks noChangeAspect="1"/>
+          </p:cNvPicPr>
+          <p:nvPr/>
+        </p:nvPicPr>
+        <p:blipFill rotWithShape="1">
+          <a:blip r:embed="rId3">
+            <a:extLst>
+              <a:ext uri="{28A0092B-C50C-407E-A947-70E740481C1C}">
+                <a14:useLocalDpi xmlns:a14="http://schemas.microsoft.com/office/drawing/2010/main" val="0"/>
+              </a:ext>
+            </a:extLst>
+          </a:blip>
+          <a:srcRect t="50584"/>
+          <a:stretch/>
+        </p:blipFill>
+        <p:spPr>
+          <a:xfrm>
+            <a:off x="1476746" y="939241"/>
+            <a:ext cx="9238507" cy="5454001"/>
+          </a:xfrm>
+          <a:prstGeom prst="rect">
+            <a:avLst/>
+          </a:prstGeom>
+          <a:effectLst>
+            <a:softEdge rad="63500"/>
+          </a:effectLst>
+        </p:spPr>
+      </p:pic>
+    </p:spTree>
+    <p:custDataLst>
+      <p:tags r:id="rId1"/>
+    </p:custDataLst>
+    <p:extLst>
+      <p:ext uri="{BB962C8B-B14F-4D97-AF65-F5344CB8AC3E}">
+        <p14:creationId xmlns:p14="http://schemas.microsoft.com/office/powerpoint/2010/main" val="1099850694"/>
+      </p:ext>
+    </p:extLst>
+  </p:cSld>
+  <p:clrMapOvr>
+    <a:masterClrMapping/>
+  </p:clrMapOvr>
+</p:sld>
+</file>
+
+<file path=ppt/slides/slide13.xml><?xml version="1.0" encoding="utf-8"?>
+<p:sld xmlns:a="http://schemas.openxmlformats.org/drawingml/2006/main" xmlns:r="http://schemas.openxmlformats.org/officeDocument/2006/relationships" xmlns:p="http://schemas.openxmlformats.org/presentationml/2006/main">
+  <p:cSld>
+    <p:spTree>
+      <p:nvGrpSpPr>
+        <p:cNvPr id="1" name=""/>
+        <p:cNvGrpSpPr/>
+        <p:nvPr/>
+      </p:nvGrpSpPr>
+      <p:grpSpPr>
+        <a:xfrm>
+          <a:off x="0" y="0"/>
+          <a:ext cx="0" cy="0"/>
+          <a:chOff x="0" y="0"/>
+          <a:chExt cx="0" cy="0"/>
+        </a:xfrm>
+      </p:grpSpPr>
+      <p:sp>
+        <p:nvSpPr>
+          <p:cNvPr id="5" name="矩形 4"/>
+          <p:cNvSpPr/>
+          <p:nvPr/>
+        </p:nvSpPr>
+        <p:spPr>
+          <a:xfrm>
+            <a:off x="215770" y="162886"/>
+            <a:ext cx="5488016" cy="553998"/>
+          </a:xfrm>
+          <a:prstGeom prst="rect">
+            <a:avLst/>
+          </a:prstGeom>
+        </p:spPr>
+        <p:txBody>
+          <a:bodyPr wrap="square">
+            <a:spAutoFit/>
+          </a:bodyPr>
+          <a:lstStyle/>
+          <a:p>
+            <a:r>
+              <a:rPr lang="zh-CN" altLang="en-US" sz="3000" dirty="0">
+                <a:solidFill>
+                  <a:srgbClr val="DACD57"/>
+                </a:solidFill>
+                <a:latin typeface="幼圆" panose="02010509060101010101" pitchFamily="49" charset="-122"/>
+                <a:ea typeface="幼圆" panose="02010509060101010101" pitchFamily="49" charset="-122"/>
+                <a:cs typeface="Lao UI" panose="020B0502040204020203" pitchFamily="34" charset="0"/>
+              </a:rPr>
+              <a:t>内容建模</a:t>
+            </a:r>
+            <a:r>
+              <a:rPr lang="zh-CN" altLang="en-US" dirty="0">
+                <a:solidFill>
+                  <a:srgbClr val="DACD57"/>
+                </a:solidFill>
+                <a:latin typeface="幼圆" panose="02010509060101010101" pitchFamily="49" charset="-122"/>
+                <a:ea typeface="幼圆" panose="02010509060101010101" pitchFamily="49" charset="-122"/>
+                <a:cs typeface="Lao UI" panose="020B0502040204020203" pitchFamily="34" charset="0"/>
+              </a:rPr>
+              <a:t>（注册登录）</a:t>
+            </a:r>
+            <a:r>
+              <a:rPr lang="en-US" altLang="zh-CN" sz="3000" dirty="0">
+                <a:solidFill>
+                  <a:srgbClr val="DACD57"/>
+                </a:solidFill>
+                <a:latin typeface="Impact" panose="020B0806030902050204" pitchFamily="34" charset="0"/>
+                <a:ea typeface="Tahoma" panose="020B0604030504040204" pitchFamily="34" charset="0"/>
+                <a:cs typeface="Lao UI" panose="020B0502040204020203" pitchFamily="34" charset="0"/>
+              </a:rPr>
+              <a:t> </a:t>
+            </a:r>
+            <a:endParaRPr lang="zh-CN" altLang="en-US" sz="3000" dirty="0">
+              <a:solidFill>
+                <a:srgbClr val="DACD57"/>
+              </a:solidFill>
+              <a:latin typeface="Impact" panose="020B0806030902050204" pitchFamily="34" charset="0"/>
+              <a:ea typeface="Tahoma" panose="020B0604030504040204" pitchFamily="34" charset="0"/>
+              <a:cs typeface="Lao UI" panose="020B0502040204020203" pitchFamily="34" charset="0"/>
+            </a:endParaRPr>
+          </a:p>
+        </p:txBody>
+      </p:sp>
+      <p:sp>
+        <p:nvSpPr>
+          <p:cNvPr id="7" name="AutoShape 262"/>
+          <p:cNvSpPr>
+            <a:spLocks noChangeAspect="1" noChangeArrowheads="1" noTextEdit="1"/>
+          </p:cNvSpPr>
+          <p:nvPr/>
+        </p:nvSpPr>
+        <p:spPr bwMode="auto">
+          <a:xfrm>
+            <a:off x="10595345" y="715971"/>
+            <a:ext cx="501779" cy="5364674"/>
+          </a:xfrm>
+          <a:prstGeom prst="rect">
+            <a:avLst/>
+          </a:prstGeom>
+          <a:noFill/>
+          <a:ln>
+            <a:noFill/>
+          </a:ln>
+          <a:extLst>
+            <a:ext uri="{909E8E84-426E-40DD-AFC4-6F175D3DCCD1}">
+              <a14:hiddenFill xmlns:a14="http://schemas.microsoft.com/office/drawing/2010/main">
+                <a:solidFill>
+                  <a:srgbClr val="FFFFFF"/>
+                </a:solidFill>
+              </a14:hiddenFill>
+            </a:ext>
+            <a:ext uri="{91240B29-F687-4F45-9708-019B960494DF}">
+              <a14:hiddenLine xmlns:a14="http://schemas.microsoft.com/office/drawing/2010/main" w="9525">
+                <a:solidFill>
+                  <a:srgbClr val="000000"/>
+                </a:solidFill>
+                <a:miter lim="800000"/>
+                <a:headEnd/>
+                <a:tailEnd/>
+              </a14:hiddenLine>
+            </a:ext>
+          </a:extLst>
+        </p:spPr>
+        <p:txBody>
+          <a:bodyPr vert="horz" wrap="square" lIns="91440" tIns="45720" rIns="91440" bIns="45720" numCol="1" anchor="t" anchorCtr="0" compatLnSpc="1"/>
+          <a:lstStyle/>
+          <a:p>
+            <a:endParaRPr lang="zh-CN" altLang="en-US"/>
+          </a:p>
+        </p:txBody>
+      </p:sp>
+    </p:spTree>
+    <p:custDataLst>
+      <p:tags r:id="rId1"/>
+    </p:custDataLst>
+  </p:cSld>
+  <p:clrMapOvr>
+    <a:masterClrMapping/>
+  </p:clrMapOvr>
+</p:sld>
+</file>
+
+<file path=ppt/slides/slide14.xml><?xml version="1.0" encoding="utf-8"?>
+<p:sld xmlns:a="http://schemas.openxmlformats.org/drawingml/2006/main" xmlns:r="http://schemas.openxmlformats.org/officeDocument/2006/relationships" xmlns:p="http://schemas.openxmlformats.org/presentationml/2006/main">
+  <p:cSld>
+    <p:spTree>
+      <p:nvGrpSpPr>
+        <p:cNvPr id="1" name=""/>
+        <p:cNvGrpSpPr/>
+        <p:nvPr/>
+      </p:nvGrpSpPr>
+      <p:grpSpPr>
+        <a:xfrm>
+          <a:off x="0" y="0"/>
+          <a:ext cx="0" cy="0"/>
+          <a:chOff x="0" y="0"/>
+          <a:chExt cx="0" cy="0"/>
+        </a:xfrm>
+      </p:grpSpPr>
+      <p:sp>
+        <p:nvSpPr>
+          <p:cNvPr id="5" name="矩形 4"/>
+          <p:cNvSpPr/>
+          <p:nvPr/>
+        </p:nvSpPr>
+        <p:spPr>
+          <a:xfrm>
+            <a:off x="215770" y="162886"/>
+            <a:ext cx="5488016" cy="553998"/>
+          </a:xfrm>
+          <a:prstGeom prst="rect">
+            <a:avLst/>
+          </a:prstGeom>
+        </p:spPr>
+        <p:txBody>
+          <a:bodyPr wrap="square">
+            <a:spAutoFit/>
+          </a:bodyPr>
+          <a:lstStyle/>
+          <a:p>
+            <a:r>
+              <a:rPr lang="zh-CN" altLang="en-US" sz="3000" dirty="0">
+                <a:solidFill>
+                  <a:srgbClr val="DACD57"/>
+                </a:solidFill>
+                <a:latin typeface="幼圆" panose="02010509060101010101" pitchFamily="49" charset="-122"/>
+                <a:ea typeface="幼圆" panose="02010509060101010101" pitchFamily="49" charset="-122"/>
+                <a:cs typeface="Lao UI" panose="020B0502040204020203" pitchFamily="34" charset="0"/>
+              </a:rPr>
+              <a:t>内容建模</a:t>
+            </a:r>
+            <a:r>
+              <a:rPr lang="zh-CN" altLang="en-US" dirty="0">
+                <a:solidFill>
+                  <a:srgbClr val="DACD57"/>
+                </a:solidFill>
+                <a:latin typeface="幼圆" panose="02010509060101010101" pitchFamily="49" charset="-122"/>
+                <a:ea typeface="幼圆" panose="02010509060101010101" pitchFamily="49" charset="-122"/>
+                <a:cs typeface="Lao UI" panose="020B0502040204020203" pitchFamily="34" charset="0"/>
+              </a:rPr>
+              <a:t>（发表问题）</a:t>
+            </a:r>
+            <a:r>
+              <a:rPr lang="en-US" altLang="zh-CN" sz="3000" dirty="0">
+                <a:solidFill>
+                  <a:srgbClr val="DACD57"/>
+                </a:solidFill>
+                <a:latin typeface="Impact" panose="020B0806030902050204" pitchFamily="34" charset="0"/>
+                <a:ea typeface="Tahoma" panose="020B0604030504040204" pitchFamily="34" charset="0"/>
+                <a:cs typeface="Lao UI" panose="020B0502040204020203" pitchFamily="34" charset="0"/>
+              </a:rPr>
+              <a:t> </a:t>
+            </a:r>
+            <a:endParaRPr lang="zh-CN" altLang="en-US" sz="3000" dirty="0">
+              <a:solidFill>
+                <a:srgbClr val="DACD57"/>
+              </a:solidFill>
+              <a:latin typeface="Impact" panose="020B0806030902050204" pitchFamily="34" charset="0"/>
+              <a:ea typeface="Tahoma" panose="020B0604030504040204" pitchFamily="34" charset="0"/>
+              <a:cs typeface="Lao UI" panose="020B0502040204020203" pitchFamily="34" charset="0"/>
+            </a:endParaRPr>
+          </a:p>
+        </p:txBody>
+      </p:sp>
+      <p:sp>
+        <p:nvSpPr>
+          <p:cNvPr id="7" name="AutoShape 262"/>
+          <p:cNvSpPr>
+            <a:spLocks noChangeAspect="1" noChangeArrowheads="1" noTextEdit="1"/>
+          </p:cNvSpPr>
+          <p:nvPr/>
+        </p:nvSpPr>
+        <p:spPr bwMode="auto">
+          <a:xfrm>
+            <a:off x="10595345" y="715971"/>
+            <a:ext cx="501779" cy="5364674"/>
+          </a:xfrm>
+          <a:prstGeom prst="rect">
+            <a:avLst/>
+          </a:prstGeom>
+          <a:noFill/>
+          <a:ln>
+            <a:noFill/>
+          </a:ln>
+          <a:extLst>
+            <a:ext uri="{909E8E84-426E-40DD-AFC4-6F175D3DCCD1}">
+              <a14:hiddenFill xmlns:a14="http://schemas.microsoft.com/office/drawing/2010/main">
+                <a:solidFill>
+                  <a:srgbClr val="FFFFFF"/>
+                </a:solidFill>
+              </a14:hiddenFill>
+            </a:ext>
+            <a:ext uri="{91240B29-F687-4F45-9708-019B960494DF}">
+              <a14:hiddenLine xmlns:a14="http://schemas.microsoft.com/office/drawing/2010/main" w="9525">
+                <a:solidFill>
+                  <a:srgbClr val="000000"/>
+                </a:solidFill>
+                <a:miter lim="800000"/>
+                <a:headEnd/>
+                <a:tailEnd/>
+              </a14:hiddenLine>
+            </a:ext>
+          </a:extLst>
+        </p:spPr>
+        <p:txBody>
+          <a:bodyPr vert="horz" wrap="square" lIns="91440" tIns="45720" rIns="91440" bIns="45720" numCol="1" anchor="t" anchorCtr="0" compatLnSpc="1"/>
+          <a:lstStyle/>
+          <a:p>
+            <a:endParaRPr lang="zh-CN" altLang="en-US"/>
+          </a:p>
+        </p:txBody>
+      </p:sp>
+    </p:spTree>
+    <p:custDataLst>
+      <p:tags r:id="rId1"/>
+    </p:custDataLst>
+    <p:extLst>
+      <p:ext uri="{BB962C8B-B14F-4D97-AF65-F5344CB8AC3E}">
+        <p14:creationId xmlns:p14="http://schemas.microsoft.com/office/powerpoint/2010/main" val="533431893"/>
+      </p:ext>
+    </p:extLst>
+  </p:cSld>
+  <p:clrMapOvr>
+    <a:masterClrMapping/>
+  </p:clrMapOvr>
+</p:sld>
+</file>
+
+<file path=ppt/slides/slide15.xml><?xml version="1.0" encoding="utf-8"?>
+<p:sld xmlns:a="http://schemas.openxmlformats.org/drawingml/2006/main" xmlns:r="http://schemas.openxmlformats.org/officeDocument/2006/relationships" xmlns:p="http://schemas.openxmlformats.org/presentationml/2006/main">
+  <p:cSld>
+    <p:spTree>
+      <p:nvGrpSpPr>
+        <p:cNvPr id="1" name=""/>
+        <p:cNvGrpSpPr/>
+        <p:nvPr/>
+      </p:nvGrpSpPr>
+      <p:grpSpPr>
+        <a:xfrm>
+          <a:off x="0" y="0"/>
+          <a:ext cx="0" cy="0"/>
+          <a:chOff x="0" y="0"/>
+          <a:chExt cx="0" cy="0"/>
+        </a:xfrm>
+      </p:grpSpPr>
+      <p:sp>
+        <p:nvSpPr>
+          <p:cNvPr id="5" name="矩形 4"/>
+          <p:cNvSpPr/>
+          <p:nvPr/>
+        </p:nvSpPr>
+        <p:spPr>
+          <a:xfrm>
+            <a:off x="215770" y="162886"/>
+            <a:ext cx="5488016" cy="553998"/>
+          </a:xfrm>
+          <a:prstGeom prst="rect">
+            <a:avLst/>
+          </a:prstGeom>
+        </p:spPr>
+        <p:txBody>
+          <a:bodyPr wrap="square">
+            <a:spAutoFit/>
+          </a:bodyPr>
+          <a:lstStyle/>
+          <a:p>
+            <a:r>
+              <a:rPr lang="zh-CN" altLang="en-US" sz="3000" dirty="0">
+                <a:solidFill>
+                  <a:srgbClr val="DACD57"/>
+                </a:solidFill>
+                <a:latin typeface="幼圆" panose="02010509060101010101" pitchFamily="49" charset="-122"/>
+                <a:ea typeface="幼圆" panose="02010509060101010101" pitchFamily="49" charset="-122"/>
+                <a:cs typeface="Lao UI" panose="020B0502040204020203" pitchFamily="34" charset="0"/>
+              </a:rPr>
+              <a:t>内容建模</a:t>
+            </a:r>
+            <a:r>
+              <a:rPr lang="zh-CN" altLang="en-US" dirty="0">
+                <a:solidFill>
+                  <a:srgbClr val="DACD57"/>
+                </a:solidFill>
+                <a:latin typeface="幼圆" panose="02010509060101010101" pitchFamily="49" charset="-122"/>
+                <a:ea typeface="幼圆" panose="02010509060101010101" pitchFamily="49" charset="-122"/>
+                <a:cs typeface="Lao UI" panose="020B0502040204020203" pitchFamily="34" charset="0"/>
+              </a:rPr>
+              <a:t>（站内信）</a:t>
+            </a:r>
+            <a:r>
+              <a:rPr lang="en-US" altLang="zh-CN" sz="3000" dirty="0">
+                <a:solidFill>
+                  <a:srgbClr val="DACD57"/>
+                </a:solidFill>
+                <a:latin typeface="Impact" panose="020B0806030902050204" pitchFamily="34" charset="0"/>
+                <a:ea typeface="Tahoma" panose="020B0604030504040204" pitchFamily="34" charset="0"/>
+                <a:cs typeface="Lao UI" panose="020B0502040204020203" pitchFamily="34" charset="0"/>
+              </a:rPr>
+              <a:t> </a:t>
+            </a:r>
+            <a:endParaRPr lang="zh-CN" altLang="en-US" sz="3000" dirty="0">
+              <a:solidFill>
+                <a:srgbClr val="DACD57"/>
+              </a:solidFill>
+              <a:latin typeface="Impact" panose="020B0806030902050204" pitchFamily="34" charset="0"/>
+              <a:ea typeface="Tahoma" panose="020B0604030504040204" pitchFamily="34" charset="0"/>
+              <a:cs typeface="Lao UI" panose="020B0502040204020203" pitchFamily="34" charset="0"/>
+            </a:endParaRPr>
+          </a:p>
+        </p:txBody>
+      </p:sp>
+      <p:sp>
+        <p:nvSpPr>
+          <p:cNvPr id="7" name="AutoShape 262"/>
+          <p:cNvSpPr>
+            <a:spLocks noChangeAspect="1" noChangeArrowheads="1" noTextEdit="1"/>
+          </p:cNvSpPr>
+          <p:nvPr/>
+        </p:nvSpPr>
+        <p:spPr bwMode="auto">
+          <a:xfrm>
+            <a:off x="10595345" y="715971"/>
+            <a:ext cx="501779" cy="5364674"/>
+          </a:xfrm>
+          <a:prstGeom prst="rect">
+            <a:avLst/>
+          </a:prstGeom>
+          <a:noFill/>
+          <a:ln>
+            <a:noFill/>
+          </a:ln>
+          <a:extLst>
+            <a:ext uri="{909E8E84-426E-40DD-AFC4-6F175D3DCCD1}">
+              <a14:hiddenFill xmlns:a14="http://schemas.microsoft.com/office/drawing/2010/main">
+                <a:solidFill>
+                  <a:srgbClr val="FFFFFF"/>
+                </a:solidFill>
+              </a14:hiddenFill>
+            </a:ext>
+            <a:ext uri="{91240B29-F687-4F45-9708-019B960494DF}">
+              <a14:hiddenLine xmlns:a14="http://schemas.microsoft.com/office/drawing/2010/main" w="9525">
+                <a:solidFill>
+                  <a:srgbClr val="000000"/>
+                </a:solidFill>
+                <a:miter lim="800000"/>
+                <a:headEnd/>
+                <a:tailEnd/>
+              </a14:hiddenLine>
+            </a:ext>
+          </a:extLst>
+        </p:spPr>
+        <p:txBody>
+          <a:bodyPr vert="horz" wrap="square" lIns="91440" tIns="45720" rIns="91440" bIns="45720" numCol="1" anchor="t" anchorCtr="0" compatLnSpc="1"/>
+          <a:lstStyle/>
+          <a:p>
+            <a:endParaRPr lang="zh-CN" altLang="en-US"/>
+          </a:p>
+        </p:txBody>
+      </p:sp>
+    </p:spTree>
+    <p:custDataLst>
+      <p:tags r:id="rId1"/>
+    </p:custDataLst>
+    <p:extLst>
+      <p:ext uri="{BB962C8B-B14F-4D97-AF65-F5344CB8AC3E}">
+        <p14:creationId xmlns:p14="http://schemas.microsoft.com/office/powerpoint/2010/main" val="892126484"/>
+      </p:ext>
+    </p:extLst>
+  </p:cSld>
+  <p:clrMapOvr>
+    <a:masterClrMapping/>
+  </p:clrMapOvr>
+</p:sld>
+</file>
+
+<file path=ppt/slides/slide16.xml><?xml version="1.0" encoding="utf-8"?>
+<p:sld xmlns:a="http://schemas.openxmlformats.org/drawingml/2006/main" xmlns:r="http://schemas.openxmlformats.org/officeDocument/2006/relationships" xmlns:p="http://schemas.openxmlformats.org/presentationml/2006/main">
+  <p:cSld>
+    <p:spTree>
+      <p:nvGrpSpPr>
+        <p:cNvPr id="1" name=""/>
+        <p:cNvGrpSpPr/>
+        <p:nvPr/>
+      </p:nvGrpSpPr>
+      <p:grpSpPr>
+        <a:xfrm>
+          <a:off x="0" y="0"/>
+          <a:ext cx="0" cy="0"/>
+          <a:chOff x="0" y="0"/>
+          <a:chExt cx="0" cy="0"/>
+        </a:xfrm>
+      </p:grpSpPr>
+      <p:sp>
+        <p:nvSpPr>
+          <p:cNvPr id="5" name="矩形 4"/>
+          <p:cNvSpPr/>
+          <p:nvPr/>
+        </p:nvSpPr>
+        <p:spPr>
+          <a:xfrm>
+            <a:off x="215770" y="162886"/>
+            <a:ext cx="5488016" cy="553085"/>
+          </a:xfrm>
+          <a:prstGeom prst="rect">
+            <a:avLst/>
+          </a:prstGeom>
+        </p:spPr>
+        <p:txBody>
+          <a:bodyPr wrap="square">
+            <a:spAutoFit/>
+          </a:bodyPr>
+          <a:lstStyle/>
+          <a:p>
+            <a:r>
+              <a:rPr lang="zh-CN" altLang="en-US" sz="3000" dirty="0">
+                <a:solidFill>
+                  <a:srgbClr val="DACD57"/>
+                </a:solidFill>
+                <a:latin typeface="幼圆" panose="02010509060101010101" pitchFamily="49" charset="-122"/>
+                <a:ea typeface="幼圆" panose="02010509060101010101" pitchFamily="49" charset="-122"/>
+                <a:cs typeface="Lao UI" panose="020B0502040204020203" pitchFamily="34" charset="0"/>
+              </a:rPr>
+              <a:t>超文本建模</a:t>
+            </a:r>
+            <a:r>
+              <a:rPr lang="en-US" altLang="zh-CN" sz="3000" dirty="0">
+                <a:solidFill>
+                  <a:srgbClr val="DACD57"/>
+                </a:solidFill>
+                <a:latin typeface="Impact" panose="020B0806030902050204" pitchFamily="34" charset="0"/>
+                <a:ea typeface="Tahoma" panose="020B0604030504040204" pitchFamily="34" charset="0"/>
+                <a:cs typeface="Lao UI" panose="020B0502040204020203" pitchFamily="34" charset="0"/>
+              </a:rPr>
+              <a:t> </a:t>
+            </a:r>
+            <a:endParaRPr lang="zh-CN" altLang="en-US" sz="3000" dirty="0">
+              <a:solidFill>
+                <a:srgbClr val="DACD57"/>
+              </a:solidFill>
+              <a:latin typeface="Impact" panose="020B0806030902050204" pitchFamily="34" charset="0"/>
+              <a:ea typeface="Tahoma" panose="020B0604030504040204" pitchFamily="34" charset="0"/>
+              <a:cs typeface="Lao UI" panose="020B0502040204020203" pitchFamily="34" charset="0"/>
+            </a:endParaRPr>
+          </a:p>
+        </p:txBody>
+      </p:sp>
+      <p:sp>
+        <p:nvSpPr>
+          <p:cNvPr id="7" name="AutoShape 262"/>
+          <p:cNvSpPr>
+            <a:spLocks noChangeAspect="1" noChangeArrowheads="1" noTextEdit="1"/>
+          </p:cNvSpPr>
+          <p:nvPr/>
+        </p:nvSpPr>
+        <p:spPr bwMode="auto">
+          <a:xfrm>
+            <a:off x="10595345" y="715971"/>
+            <a:ext cx="501779" cy="5364674"/>
+          </a:xfrm>
+          <a:prstGeom prst="rect">
+            <a:avLst/>
+          </a:prstGeom>
+          <a:noFill/>
+          <a:ln>
+            <a:noFill/>
+          </a:ln>
+          <a:extLst>
+            <a:ext uri="{909E8E84-426E-40DD-AFC4-6F175D3DCCD1}">
+              <a14:hiddenFill xmlns:a14="http://schemas.microsoft.com/office/drawing/2010/main">
+                <a:solidFill>
+                  <a:srgbClr val="FFFFFF"/>
+                </a:solidFill>
+              </a14:hiddenFill>
+            </a:ext>
+            <a:ext uri="{91240B29-F687-4F45-9708-019B960494DF}">
+              <a14:hiddenLine xmlns:a14="http://schemas.microsoft.com/office/drawing/2010/main" w="9525">
+                <a:solidFill>
+                  <a:srgbClr val="000000"/>
+                </a:solidFill>
+                <a:miter lim="800000"/>
+                <a:headEnd/>
+                <a:tailEnd/>
+              </a14:hiddenLine>
+            </a:ext>
+          </a:extLst>
+        </p:spPr>
+        <p:txBody>
+          <a:bodyPr vert="horz" wrap="square" lIns="91440" tIns="45720" rIns="91440" bIns="45720" numCol="1" anchor="t" anchorCtr="0" compatLnSpc="1"/>
+          <a:lstStyle/>
+          <a:p>
+            <a:endParaRPr lang="zh-CN" altLang="en-US"/>
+          </a:p>
+        </p:txBody>
+      </p:sp>
+      <p:pic>
+        <p:nvPicPr>
+          <p:cNvPr id="4" name="图片 3"/>
+          <p:cNvPicPr>
+            <a:picLocks noChangeAspect="1"/>
+          </p:cNvPicPr>
+          <p:nvPr/>
+        </p:nvPicPr>
+        <p:blipFill>
+          <a:blip r:embed="rId4"/>
+          <a:stretch>
+            <a:fillRect/>
+          </a:stretch>
+        </p:blipFill>
+        <p:spPr>
+          <a:xfrm>
+            <a:off x="2425572" y="162886"/>
+            <a:ext cx="8882575" cy="6435877"/>
+          </a:xfrm>
+          <a:prstGeom prst="rect">
+            <a:avLst/>
+          </a:prstGeom>
+          <a:effectLst>
+            <a:softEdge rad="63500"/>
+          </a:effectLst>
+        </p:spPr>
+      </p:pic>
+    </p:spTree>
+    <p:custDataLst>
+      <p:tags r:id="rId1"/>
+    </p:custDataLst>
+    <p:extLst>
+      <p:ext uri="{BB962C8B-B14F-4D97-AF65-F5344CB8AC3E}">
+        <p14:creationId xmlns:p14="http://schemas.microsoft.com/office/powerpoint/2010/main" val="3983498105"/>
+      </p:ext>
+    </p:extLst>
+  </p:cSld>
+  <p:clrMapOvr>
+    <a:masterClrMapping/>
+  </p:clrMapOvr>
+</p:sld>
+</file>
+
+<file path=ppt/slides/slide17.xml><?xml version="1.0" encoding="utf-8"?>
+<p:sld xmlns:a="http://schemas.openxmlformats.org/drawingml/2006/main" xmlns:r="http://schemas.openxmlformats.org/officeDocument/2006/relationships" xmlns:p="http://schemas.openxmlformats.org/presentationml/2006/main">
+  <p:cSld>
+    <p:spTree>
+      <p:nvGrpSpPr>
+        <p:cNvPr id="1" name=""/>
+        <p:cNvGrpSpPr/>
+        <p:nvPr/>
+      </p:nvGrpSpPr>
+      <p:grpSpPr>
+        <a:xfrm>
+          <a:off x="0" y="0"/>
+          <a:ext cx="0" cy="0"/>
+          <a:chOff x="0" y="0"/>
+          <a:chExt cx="0" cy="0"/>
+        </a:xfrm>
+      </p:grpSpPr>
+      <p:sp>
+        <p:nvSpPr>
+          <p:cNvPr id="5" name="矩形 4"/>
+          <p:cNvSpPr/>
+          <p:nvPr/>
+        </p:nvSpPr>
+        <p:spPr>
+          <a:xfrm>
+            <a:off x="2053267" y="6201894"/>
+            <a:ext cx="5488016" cy="461665"/>
+          </a:xfrm>
+          <a:prstGeom prst="rect">
+            <a:avLst/>
+          </a:prstGeom>
+        </p:spPr>
+        <p:txBody>
+          <a:bodyPr wrap="square">
+            <a:spAutoFit/>
+          </a:bodyPr>
+          <a:lstStyle/>
+          <a:p>
+            <a:r>
+              <a:rPr lang="zh-CN" altLang="en-US" sz="2400" dirty="0">
+                <a:solidFill>
+                  <a:srgbClr val="DACD57"/>
+                </a:solidFill>
+                <a:latin typeface="黑体" panose="02010609060101010101" pitchFamily="49" charset="-122"/>
+                <a:ea typeface="黑体" panose="02010609060101010101" pitchFamily="49" charset="-122"/>
+                <a:cs typeface="Lao UI" panose="020B0502040204020203" pitchFamily="34" charset="0"/>
+              </a:rPr>
+              <a:t>首页问题广场</a:t>
+            </a:r>
+          </a:p>
+        </p:txBody>
+      </p:sp>
+      <p:sp>
+        <p:nvSpPr>
+          <p:cNvPr id="7" name="AutoShape 262"/>
+          <p:cNvSpPr>
+            <a:spLocks noChangeAspect="1" noChangeArrowheads="1" noTextEdit="1"/>
+          </p:cNvSpPr>
+          <p:nvPr/>
+        </p:nvSpPr>
+        <p:spPr bwMode="auto">
+          <a:xfrm>
+            <a:off x="10595345" y="715971"/>
+            <a:ext cx="501779" cy="5364674"/>
+          </a:xfrm>
+          <a:prstGeom prst="rect">
+            <a:avLst/>
+          </a:prstGeom>
+          <a:noFill/>
+          <a:ln>
+            <a:noFill/>
+          </a:ln>
+          <a:extLst>
+            <a:ext uri="{909E8E84-426E-40DD-AFC4-6F175D3DCCD1}">
+              <a14:hiddenFill xmlns:a14="http://schemas.microsoft.com/office/drawing/2010/main">
+                <a:solidFill>
+                  <a:srgbClr val="FFFFFF"/>
+                </a:solidFill>
+              </a14:hiddenFill>
+            </a:ext>
+            <a:ext uri="{91240B29-F687-4F45-9708-019B960494DF}">
+              <a14:hiddenLine xmlns:a14="http://schemas.microsoft.com/office/drawing/2010/main" w="9525">
+                <a:solidFill>
+                  <a:srgbClr val="000000"/>
+                </a:solidFill>
+                <a:miter lim="800000"/>
+                <a:headEnd/>
+                <a:tailEnd/>
+              </a14:hiddenLine>
+            </a:ext>
+          </a:extLst>
+        </p:spPr>
+        <p:txBody>
+          <a:bodyPr vert="horz" wrap="square" lIns="91440" tIns="45720" rIns="91440" bIns="45720" numCol="1" anchor="t" anchorCtr="0" compatLnSpc="1"/>
+          <a:lstStyle/>
+          <a:p>
+            <a:endParaRPr lang="zh-CN" altLang="en-US"/>
+          </a:p>
+        </p:txBody>
+      </p:sp>
+      <p:pic>
+        <p:nvPicPr>
+          <p:cNvPr id="2" name="图片 1"/>
+          <p:cNvPicPr>
+            <a:picLocks noChangeAspect="1"/>
+          </p:cNvPicPr>
+          <p:nvPr/>
+        </p:nvPicPr>
+        <p:blipFill>
+          <a:blip r:embed="rId3"/>
+          <a:stretch>
+            <a:fillRect/>
+          </a:stretch>
+        </p:blipFill>
+        <p:spPr>
+          <a:xfrm>
+            <a:off x="1157578" y="715971"/>
+            <a:ext cx="3786679" cy="5485923"/>
+          </a:xfrm>
+          <a:prstGeom prst="rect">
+            <a:avLst/>
+          </a:prstGeom>
+          <a:effectLst>
+            <a:softEdge rad="63500"/>
+          </a:effectLst>
+        </p:spPr>
+      </p:pic>
+      <p:sp>
+        <p:nvSpPr>
+          <p:cNvPr id="6" name="矩形 5"/>
+          <p:cNvSpPr/>
+          <p:nvPr/>
+        </p:nvSpPr>
+        <p:spPr>
+          <a:xfrm>
+            <a:off x="2224166" y="346639"/>
+            <a:ext cx="2720092" cy="369332"/>
+          </a:xfrm>
+          <a:prstGeom prst="rect">
+            <a:avLst/>
+          </a:prstGeom>
+        </p:spPr>
+        <p:txBody>
+          <a:bodyPr wrap="square">
+            <a:spAutoFit/>
+          </a:bodyPr>
+          <a:lstStyle/>
+          <a:p>
+            <a:r>
+              <a:rPr lang="zh-CN" altLang="en-US" dirty="0">
+                <a:solidFill>
+                  <a:srgbClr val="DACD57"/>
+                </a:solidFill>
+                <a:latin typeface="+mn-ea"/>
+                <a:cs typeface="Lao UI" panose="020B0502040204020203" pitchFamily="34" charset="0"/>
+              </a:rPr>
+              <a:t>（移动端页面适应）</a:t>
+            </a:r>
+          </a:p>
+        </p:txBody>
+      </p:sp>
+      <p:sp>
+        <p:nvSpPr>
+          <p:cNvPr id="3" name="箭头: 右 2"/>
+          <p:cNvSpPr/>
+          <p:nvPr/>
+        </p:nvSpPr>
+        <p:spPr>
+          <a:xfrm>
+            <a:off x="5703786" y="2770892"/>
+            <a:ext cx="1408670" cy="703375"/>
+          </a:xfrm>
+          <a:prstGeom prst="rightArrow">
+            <a:avLst/>
+          </a:prstGeom>
+        </p:spPr>
+        <p:style>
+          <a:lnRef idx="1">
+            <a:schemeClr val="accent2"/>
+          </a:lnRef>
+          <a:fillRef idx="2">
+            <a:schemeClr val="accent2"/>
+          </a:fillRef>
+          <a:effectRef idx="1">
+            <a:schemeClr val="accent2"/>
+          </a:effectRef>
+          <a:fontRef idx="minor">
+            <a:schemeClr val="dk1"/>
+          </a:fontRef>
+        </p:style>
+        <p:txBody>
+          <a:bodyPr rot="0" spcFirstLastPara="0" vertOverflow="overflow" horzOverflow="overflow" vert="horz" wrap="square" lIns="91440" tIns="45720" rIns="91440" bIns="45720" numCol="1" spcCol="0" rtlCol="0" fromWordArt="0" anchor="ctr" anchorCtr="0" forceAA="0" compatLnSpc="1">
+            <a:prstTxWarp prst="textNoShape">
+              <a:avLst/>
+            </a:prstTxWarp>
+            <a:noAutofit/>
+          </a:bodyPr>
+          <a:lstStyle/>
+          <a:p>
+            <a:pPr algn="ctr"/>
+            <a:endParaRPr lang="zh-CN" altLang="en-US" b="1">
+              <a:ln w="22225">
+                <a:solidFill>
+                  <a:schemeClr val="accent2"/>
+                </a:solidFill>
+                <a:prstDash val="solid"/>
+              </a:ln>
+              <a:solidFill>
+                <a:schemeClr val="accent2">
+                  <a:lumMod val="40000"/>
+                  <a:lumOff val="60000"/>
+                </a:schemeClr>
+              </a:solidFill>
+            </a:endParaRPr>
+          </a:p>
+        </p:txBody>
+      </p:sp>
+      <p:pic>
+        <p:nvPicPr>
+          <p:cNvPr id="8" name="图片 7"/>
+          <p:cNvPicPr>
+            <a:picLocks noChangeAspect="1"/>
+          </p:cNvPicPr>
+          <p:nvPr/>
+        </p:nvPicPr>
+        <p:blipFill>
+          <a:blip r:embed="rId4">
+            <a:extLst>
+              <a:ext uri="{28A0092B-C50C-407E-A947-70E740481C1C}">
+                <a14:useLocalDpi xmlns:a14="http://schemas.microsoft.com/office/drawing/2010/main" val="0"/>
+              </a:ext>
+            </a:extLst>
+          </a:blip>
+          <a:stretch>
+            <a:fillRect/>
+          </a:stretch>
+        </p:blipFill>
+        <p:spPr>
+          <a:xfrm>
+            <a:off x="7970109" y="715971"/>
+            <a:ext cx="3127016" cy="5523224"/>
+          </a:xfrm>
+          <a:prstGeom prst="rect">
+            <a:avLst/>
+          </a:prstGeom>
+          <a:effectLst>
+            <a:softEdge rad="31750"/>
+          </a:effectLst>
+        </p:spPr>
+      </p:pic>
+      <p:sp>
+        <p:nvSpPr>
+          <p:cNvPr id="10" name="矩形 9"/>
+          <p:cNvSpPr/>
+          <p:nvPr/>
+        </p:nvSpPr>
+        <p:spPr>
+          <a:xfrm>
+            <a:off x="306909" y="226471"/>
+            <a:ext cx="5488016" cy="553085"/>
+          </a:xfrm>
+          <a:prstGeom prst="rect">
+            <a:avLst/>
+          </a:prstGeom>
+        </p:spPr>
+        <p:txBody>
+          <a:bodyPr wrap="square">
+            <a:spAutoFit/>
+          </a:bodyPr>
+          <a:lstStyle/>
+          <a:p>
+            <a:r>
+              <a:rPr lang="zh-CN" altLang="en-US" sz="3000" dirty="0">
+                <a:solidFill>
+                  <a:srgbClr val="DACD57"/>
+                </a:solidFill>
+                <a:latin typeface="幼圆" panose="02010509060101010101" pitchFamily="49" charset="-122"/>
+                <a:ea typeface="幼圆" panose="02010509060101010101" pitchFamily="49" charset="-122"/>
+                <a:cs typeface="Lao UI" panose="020B0502040204020203" pitchFamily="34" charset="0"/>
+              </a:rPr>
+              <a:t>适应性建模</a:t>
+            </a:r>
+            <a:r>
+              <a:rPr lang="en-US" altLang="zh-CN" sz="3000" dirty="0">
+                <a:solidFill>
+                  <a:srgbClr val="DACD57"/>
+                </a:solidFill>
+                <a:latin typeface="Impact" panose="020B0806030902050204" pitchFamily="34" charset="0"/>
+                <a:ea typeface="Tahoma" panose="020B0604030504040204" pitchFamily="34" charset="0"/>
+                <a:cs typeface="Lao UI" panose="020B0502040204020203" pitchFamily="34" charset="0"/>
+              </a:rPr>
+              <a:t> </a:t>
+            </a:r>
+            <a:endParaRPr lang="zh-CN" altLang="en-US" sz="3000" dirty="0">
+              <a:solidFill>
+                <a:srgbClr val="DACD57"/>
+              </a:solidFill>
+              <a:latin typeface="Impact" panose="020B0806030902050204" pitchFamily="34" charset="0"/>
+              <a:ea typeface="Tahoma" panose="020B0604030504040204" pitchFamily="34" charset="0"/>
+              <a:cs typeface="Lao UI" panose="020B0502040204020203" pitchFamily="34" charset="0"/>
+            </a:endParaRPr>
+          </a:p>
+        </p:txBody>
+      </p:sp>
+    </p:spTree>
+    <p:custDataLst>
+      <p:tags r:id="rId1"/>
+    </p:custDataLst>
+    <p:extLst>
+      <p:ext uri="{BB962C8B-B14F-4D97-AF65-F5344CB8AC3E}">
+        <p14:creationId xmlns:p14="http://schemas.microsoft.com/office/powerpoint/2010/main" val="3426821584"/>
+      </p:ext>
+    </p:extLst>
+  </p:cSld>
+  <p:clrMapOvr>
+    <a:masterClrMapping/>
+  </p:clrMapOvr>
+  <p:timing>
+    <p:tnLst>
+      <p:par>
+        <p:cTn id="1" dur="indefinite" restart="never" nodeType="tmRoot">
+          <p:childTnLst>
+            <p:seq concurrent="1" nextAc="seek">
+              <p:cTn id="2" dur="indefinite" nodeType="mainSeq">
+                <p:childTnLst>
+                  <p:par>
+                    <p:cTn id="3" fill="hold">
+                      <p:stCondLst>
+                        <p:cond delay="indefinite"/>
+                      </p:stCondLst>
+                      <p:childTnLst>
+                        <p:par>
+                          <p:cTn id="4" fill="hold">
+                            <p:stCondLst>
+                              <p:cond delay="0"/>
+                            </p:stCondLst>
+                            <p:childTnLst>
+                              <p:par>
+                                <p:cTn id="5" presetID="22" presetClass="entr" presetSubtype="8" fill="hold" grpId="0" nodeType="clickEffect">
+                                  <p:stCondLst>
+                                    <p:cond delay="0"/>
+                                  </p:stCondLst>
+                                  <p:childTnLst>
+                                    <p:set>
+                                      <p:cBhvr>
+                                        <p:cTn id="6" dur="1" fill="hold">
+                                          <p:stCondLst>
+                                            <p:cond delay="0"/>
+                                          </p:stCondLst>
+                                        </p:cTn>
+                                        <p:tgtEl>
+                                          <p:spTgt spid="3"/>
+                                        </p:tgtEl>
+                                        <p:attrNameLst>
+                                          <p:attrName>style.visibility</p:attrName>
+                                        </p:attrNameLst>
+                                      </p:cBhvr>
+                                      <p:to>
+                                        <p:strVal val="visible"/>
+                                      </p:to>
+                                    </p:set>
+                                    <p:animEffect transition="in" filter="wipe(left)">
+                                      <p:cBhvr>
+                                        <p:cTn id="7" dur="500"/>
+                                        <p:tgtEl>
+                                          <p:spTgt spid="3"/>
+                                        </p:tgtEl>
+                                      </p:cBhvr>
+                                    </p:animEffect>
+                                  </p:childTnLst>
+                                </p:cTn>
+                              </p:par>
+                            </p:childTnLst>
+                          </p:cTn>
+                        </p:par>
+                        <p:par>
+                          <p:cTn id="8" fill="hold">
+                            <p:stCondLst>
+                              <p:cond delay="500"/>
+                            </p:stCondLst>
+                            <p:childTnLst>
+                              <p:par>
+                                <p:cTn id="9" presetID="22" presetClass="entr" presetSubtype="8" fill="hold" nodeType="afterEffect">
+                                  <p:stCondLst>
+                                    <p:cond delay="0"/>
+                                  </p:stCondLst>
+                                  <p:childTnLst>
+                                    <p:set>
+                                      <p:cBhvr>
+                                        <p:cTn id="10" dur="1" fill="hold">
+                                          <p:stCondLst>
+                                            <p:cond delay="0"/>
+                                          </p:stCondLst>
+                                        </p:cTn>
+                                        <p:tgtEl>
+                                          <p:spTgt spid="8"/>
+                                        </p:tgtEl>
+                                        <p:attrNameLst>
+                                          <p:attrName>style.visibility</p:attrName>
+                                        </p:attrNameLst>
+                                      </p:cBhvr>
+                                      <p:to>
+                                        <p:strVal val="visible"/>
+                                      </p:to>
+                                    </p:set>
+                                    <p:animEffect transition="in" filter="wipe(left)">
+                                      <p:cBhvr>
+                                        <p:cTn id="11" dur="500"/>
+                                        <p:tgtEl>
+                                          <p:spTgt spid="8"/>
+                                        </p:tgtEl>
+                                      </p:cBhvr>
+                                    </p:animEffect>
+                                  </p:childTnLst>
+                                </p:cTn>
+                              </p:par>
+                            </p:childTnLst>
+                          </p:cTn>
+                        </p:par>
+                      </p:childTnLst>
+                    </p:cTn>
+                  </p:par>
+                </p:childTnLst>
+              </p:cTn>
+              <p:prevCondLst>
+                <p:cond evt="onPrev" delay="0">
+                  <p:tgtEl>
+                    <p:sldTgt/>
+                  </p:tgtEl>
+                </p:cond>
+              </p:prevCondLst>
+              <p:nextCondLst>
+                <p:cond evt="onNext" delay="0">
+                  <p:tgtEl>
+                    <p:sldTgt/>
+                  </p:tgtEl>
+                </p:cond>
+              </p:nextCondLst>
+            </p:seq>
+          </p:childTnLst>
+        </p:cTn>
+      </p:par>
+    </p:tnLst>
+    <p:bldLst>
+      <p:bldP spid="3" grpId="0" animBg="1"/>
+    </p:bldLst>
+  </p:timing>
+</p:sld>
+</file>
+
+<file path=ppt/slides/slide18.xml><?xml version="1.0" encoding="utf-8"?>
+<p:sld xmlns:a="http://schemas.openxmlformats.org/drawingml/2006/main" xmlns:r="http://schemas.openxmlformats.org/officeDocument/2006/relationships" xmlns:p="http://schemas.openxmlformats.org/presentationml/2006/main">
+  <p:cSld>
+    <p:spTree>
+      <p:nvGrpSpPr>
+        <p:cNvPr id="1" name=""/>
+        <p:cNvGrpSpPr/>
+        <p:nvPr/>
+      </p:nvGrpSpPr>
+      <p:grpSpPr>
+        <a:xfrm>
+          <a:off x="0" y="0"/>
+          <a:ext cx="0" cy="0"/>
+          <a:chOff x="0" y="0"/>
+          <a:chExt cx="0" cy="0"/>
+        </a:xfrm>
+      </p:grpSpPr>
+      <p:sp>
+        <p:nvSpPr>
+          <p:cNvPr id="5" name="矩形 4"/>
+          <p:cNvSpPr/>
+          <p:nvPr/>
+        </p:nvSpPr>
+        <p:spPr>
+          <a:xfrm>
+            <a:off x="2053267" y="6201894"/>
+            <a:ext cx="5488016" cy="461665"/>
+          </a:xfrm>
+          <a:prstGeom prst="rect">
+            <a:avLst/>
+          </a:prstGeom>
+        </p:spPr>
+        <p:txBody>
+          <a:bodyPr wrap="square">
+            <a:spAutoFit/>
+          </a:bodyPr>
+          <a:lstStyle/>
+          <a:p>
+            <a:r>
+              <a:rPr lang="zh-CN" altLang="en-US" sz="2400" dirty="0">
+                <a:solidFill>
+                  <a:srgbClr val="DACD57"/>
+                </a:solidFill>
+                <a:latin typeface="黑体" panose="02010609060101010101" pitchFamily="49" charset="-122"/>
+                <a:ea typeface="黑体" panose="02010609060101010101" pitchFamily="49" charset="-122"/>
+                <a:cs typeface="Lao UI" panose="020B0502040204020203" pitchFamily="34" charset="0"/>
+              </a:rPr>
+              <a:t>问题内容页面</a:t>
+            </a:r>
+          </a:p>
+        </p:txBody>
+      </p:sp>
+      <p:sp>
+        <p:nvSpPr>
+          <p:cNvPr id="7" name="AutoShape 262"/>
+          <p:cNvSpPr>
+            <a:spLocks noChangeAspect="1" noChangeArrowheads="1" noTextEdit="1"/>
+          </p:cNvSpPr>
+          <p:nvPr/>
+        </p:nvSpPr>
+        <p:spPr bwMode="auto">
+          <a:xfrm>
+            <a:off x="10595345" y="715971"/>
+            <a:ext cx="501779" cy="5364674"/>
+          </a:xfrm>
+          <a:prstGeom prst="rect">
+            <a:avLst/>
+          </a:prstGeom>
+          <a:noFill/>
+          <a:ln>
+            <a:noFill/>
+          </a:ln>
+          <a:extLst>
+            <a:ext uri="{909E8E84-426E-40DD-AFC4-6F175D3DCCD1}">
+              <a14:hiddenFill xmlns:a14="http://schemas.microsoft.com/office/drawing/2010/main">
+                <a:solidFill>
+                  <a:srgbClr val="FFFFFF"/>
+                </a:solidFill>
+              </a14:hiddenFill>
+            </a:ext>
+            <a:ext uri="{91240B29-F687-4F45-9708-019B960494DF}">
+              <a14:hiddenLine xmlns:a14="http://schemas.microsoft.com/office/drawing/2010/main" w="9525">
+                <a:solidFill>
+                  <a:srgbClr val="000000"/>
+                </a:solidFill>
+                <a:miter lim="800000"/>
+                <a:headEnd/>
+                <a:tailEnd/>
+              </a14:hiddenLine>
+            </a:ext>
+          </a:extLst>
+        </p:spPr>
+        <p:txBody>
+          <a:bodyPr vert="horz" wrap="square" lIns="91440" tIns="45720" rIns="91440" bIns="45720" numCol="1" anchor="t" anchorCtr="0" compatLnSpc="1"/>
+          <a:lstStyle/>
+          <a:p>
+            <a:endParaRPr lang="zh-CN" altLang="en-US"/>
+          </a:p>
+        </p:txBody>
+      </p:sp>
+      <p:sp>
+        <p:nvSpPr>
+          <p:cNvPr id="6" name="矩形 5"/>
+          <p:cNvSpPr/>
+          <p:nvPr/>
+        </p:nvSpPr>
+        <p:spPr>
+          <a:xfrm>
+            <a:off x="2224166" y="346639"/>
+            <a:ext cx="2720092" cy="369332"/>
+          </a:xfrm>
+          <a:prstGeom prst="rect">
+            <a:avLst/>
+          </a:prstGeom>
+        </p:spPr>
+        <p:txBody>
+          <a:bodyPr wrap="square">
+            <a:spAutoFit/>
+          </a:bodyPr>
+          <a:lstStyle/>
+          <a:p>
+            <a:r>
+              <a:rPr lang="zh-CN" altLang="en-US" dirty="0">
+                <a:solidFill>
+                  <a:srgbClr val="DACD57"/>
+                </a:solidFill>
+                <a:latin typeface="+mn-ea"/>
+                <a:cs typeface="Lao UI" panose="020B0502040204020203" pitchFamily="34" charset="0"/>
+              </a:rPr>
+              <a:t>（移动端页面适应）</a:t>
+            </a:r>
+          </a:p>
+        </p:txBody>
+      </p:sp>
+      <p:sp>
+        <p:nvSpPr>
+          <p:cNvPr id="3" name="箭头: 右 2"/>
+          <p:cNvSpPr/>
+          <p:nvPr/>
+        </p:nvSpPr>
+        <p:spPr>
+          <a:xfrm>
+            <a:off x="5703786" y="2770892"/>
+            <a:ext cx="1408670" cy="703375"/>
+          </a:xfrm>
+          <a:prstGeom prst="rightArrow">
+            <a:avLst/>
+          </a:prstGeom>
+        </p:spPr>
+        <p:style>
+          <a:lnRef idx="1">
+            <a:schemeClr val="accent2"/>
+          </a:lnRef>
+          <a:fillRef idx="2">
+            <a:schemeClr val="accent2"/>
+          </a:fillRef>
+          <a:effectRef idx="1">
+            <a:schemeClr val="accent2"/>
+          </a:effectRef>
+          <a:fontRef idx="minor">
+            <a:schemeClr val="dk1"/>
+          </a:fontRef>
+        </p:style>
+        <p:txBody>
+          <a:bodyPr rot="0" spcFirstLastPara="0" vertOverflow="overflow" horzOverflow="overflow" vert="horz" wrap="square" lIns="91440" tIns="45720" rIns="91440" bIns="45720" numCol="1" spcCol="0" rtlCol="0" fromWordArt="0" anchor="ctr" anchorCtr="0" forceAA="0" compatLnSpc="1">
+            <a:prstTxWarp prst="textNoShape">
+              <a:avLst/>
+            </a:prstTxWarp>
+            <a:noAutofit/>
+          </a:bodyPr>
+          <a:lstStyle/>
+          <a:p>
+            <a:pPr algn="ctr"/>
+            <a:endParaRPr lang="zh-CN" altLang="en-US" b="1">
+              <a:ln w="22225">
+                <a:solidFill>
+                  <a:schemeClr val="accent2"/>
+                </a:solidFill>
+                <a:prstDash val="solid"/>
+              </a:ln>
+              <a:solidFill>
+                <a:schemeClr val="accent2">
+                  <a:lumMod val="40000"/>
+                  <a:lumOff val="60000"/>
+                </a:schemeClr>
+              </a:solidFill>
+            </a:endParaRPr>
+          </a:p>
+        </p:txBody>
+      </p:sp>
+      <p:pic>
+        <p:nvPicPr>
+          <p:cNvPr id="8" name="图片 7"/>
+          <p:cNvPicPr>
+            <a:picLocks noChangeAspect="1"/>
+          </p:cNvPicPr>
+          <p:nvPr/>
+        </p:nvPicPr>
+        <p:blipFill>
+          <a:blip r:embed="rId3">
+            <a:extLst>
+              <a:ext uri="{28A0092B-C50C-407E-A947-70E740481C1C}">
+                <a14:useLocalDpi xmlns:a14="http://schemas.microsoft.com/office/drawing/2010/main" val="0"/>
+              </a:ext>
+            </a:extLst>
+          </a:blip>
+          <a:stretch>
+            <a:fillRect/>
+          </a:stretch>
+        </p:blipFill>
+        <p:spPr>
+          <a:xfrm>
+            <a:off x="7976054" y="715971"/>
+            <a:ext cx="3115126" cy="5523224"/>
+          </a:xfrm>
+          <a:prstGeom prst="rect">
+            <a:avLst/>
+          </a:prstGeom>
+          <a:effectLst>
+            <a:softEdge rad="31750"/>
+          </a:effectLst>
+        </p:spPr>
+      </p:pic>
+      <p:sp>
+        <p:nvSpPr>
+          <p:cNvPr id="10" name="矩形 9"/>
+          <p:cNvSpPr/>
+          <p:nvPr/>
+        </p:nvSpPr>
+        <p:spPr>
+          <a:xfrm>
+            <a:off x="306909" y="226471"/>
+            <a:ext cx="5488016" cy="553085"/>
+          </a:xfrm>
+          <a:prstGeom prst="rect">
+            <a:avLst/>
+          </a:prstGeom>
+        </p:spPr>
+        <p:txBody>
+          <a:bodyPr wrap="square">
+            <a:spAutoFit/>
+          </a:bodyPr>
+          <a:lstStyle/>
+          <a:p>
+            <a:r>
+              <a:rPr lang="zh-CN" altLang="en-US" sz="3000" dirty="0">
+                <a:solidFill>
+                  <a:srgbClr val="DACD57"/>
+                </a:solidFill>
+                <a:latin typeface="幼圆" panose="02010509060101010101" pitchFamily="49" charset="-122"/>
+                <a:ea typeface="幼圆" panose="02010509060101010101" pitchFamily="49" charset="-122"/>
+                <a:cs typeface="Lao UI" panose="020B0502040204020203" pitchFamily="34" charset="0"/>
+              </a:rPr>
+              <a:t>适应性建模</a:t>
+            </a:r>
+            <a:r>
+              <a:rPr lang="en-US" altLang="zh-CN" sz="3000" dirty="0">
+                <a:solidFill>
+                  <a:srgbClr val="DACD57"/>
+                </a:solidFill>
+                <a:latin typeface="Impact" panose="020B0806030902050204" pitchFamily="34" charset="0"/>
+                <a:ea typeface="Tahoma" panose="020B0604030504040204" pitchFamily="34" charset="0"/>
+                <a:cs typeface="Lao UI" panose="020B0502040204020203" pitchFamily="34" charset="0"/>
+              </a:rPr>
+              <a:t> </a:t>
+            </a:r>
+            <a:endParaRPr lang="zh-CN" altLang="en-US" sz="3000" dirty="0">
+              <a:solidFill>
+                <a:srgbClr val="DACD57"/>
+              </a:solidFill>
+              <a:latin typeface="Impact" panose="020B0806030902050204" pitchFamily="34" charset="0"/>
+              <a:ea typeface="Tahoma" panose="020B0604030504040204" pitchFamily="34" charset="0"/>
+              <a:cs typeface="Lao UI" panose="020B0502040204020203" pitchFamily="34" charset="0"/>
+            </a:endParaRPr>
+          </a:p>
+        </p:txBody>
+      </p:sp>
+      <p:pic>
+        <p:nvPicPr>
+          <p:cNvPr id="4" name="图片 3"/>
+          <p:cNvPicPr>
+            <a:picLocks noChangeAspect="1"/>
+          </p:cNvPicPr>
+          <p:nvPr/>
+        </p:nvPicPr>
+        <p:blipFill>
+          <a:blip r:embed="rId4"/>
+          <a:stretch>
+            <a:fillRect/>
+          </a:stretch>
+        </p:blipFill>
+        <p:spPr>
+          <a:xfrm>
+            <a:off x="1203488" y="791930"/>
+            <a:ext cx="3636700" cy="5364674"/>
+          </a:xfrm>
+          <a:prstGeom prst="rect">
+            <a:avLst/>
+          </a:prstGeom>
+          <a:effectLst>
+            <a:softEdge rad="31750"/>
+          </a:effectLst>
+        </p:spPr>
+      </p:pic>
+    </p:spTree>
+    <p:custDataLst>
+      <p:tags r:id="rId1"/>
+    </p:custDataLst>
+    <p:extLst>
+      <p:ext uri="{BB962C8B-B14F-4D97-AF65-F5344CB8AC3E}">
+        <p14:creationId xmlns:p14="http://schemas.microsoft.com/office/powerpoint/2010/main" val="3196754435"/>
+      </p:ext>
+    </p:extLst>
+  </p:cSld>
+  <p:clrMapOvr>
+    <a:masterClrMapping/>
+  </p:clrMapOvr>
+  <p:timing>
+    <p:tnLst>
+      <p:par>
+        <p:cTn id="1" dur="indefinite" restart="never" nodeType="tmRoot">
+          <p:childTnLst>
+            <p:seq concurrent="1" nextAc="seek">
+              <p:cTn id="2" dur="indefinite" nodeType="mainSeq">
+                <p:childTnLst>
+                  <p:par>
+                    <p:cTn id="3" fill="hold">
+                      <p:stCondLst>
+                        <p:cond delay="indefinite"/>
+                      </p:stCondLst>
+                      <p:childTnLst>
+                        <p:par>
+                          <p:cTn id="4" fill="hold">
+                            <p:stCondLst>
+                              <p:cond delay="0"/>
+                            </p:stCondLst>
+                            <p:childTnLst>
+                              <p:par>
+                                <p:cTn id="5" presetID="22" presetClass="entr" presetSubtype="8" fill="hold" grpId="0" nodeType="clickEffect">
+                                  <p:stCondLst>
+                                    <p:cond delay="0"/>
+                                  </p:stCondLst>
+                                  <p:childTnLst>
+                                    <p:set>
+                                      <p:cBhvr>
+                                        <p:cTn id="6" dur="1" fill="hold">
+                                          <p:stCondLst>
+                                            <p:cond delay="0"/>
+                                          </p:stCondLst>
+                                        </p:cTn>
+                                        <p:tgtEl>
+                                          <p:spTgt spid="3"/>
+                                        </p:tgtEl>
+                                        <p:attrNameLst>
+                                          <p:attrName>style.visibility</p:attrName>
+                                        </p:attrNameLst>
+                                      </p:cBhvr>
+                                      <p:to>
+                                        <p:strVal val="visible"/>
+                                      </p:to>
+                                    </p:set>
+                                    <p:animEffect transition="in" filter="wipe(left)">
+                                      <p:cBhvr>
+                                        <p:cTn id="7" dur="500"/>
+                                        <p:tgtEl>
+                                          <p:spTgt spid="3"/>
+                                        </p:tgtEl>
+                                      </p:cBhvr>
+                                    </p:animEffect>
+                                  </p:childTnLst>
+                                </p:cTn>
+                              </p:par>
+                            </p:childTnLst>
+                          </p:cTn>
+                        </p:par>
+                        <p:par>
+                          <p:cTn id="8" fill="hold">
+                            <p:stCondLst>
+                              <p:cond delay="500"/>
+                            </p:stCondLst>
+                            <p:childTnLst>
+                              <p:par>
+                                <p:cTn id="9" presetID="22" presetClass="entr" presetSubtype="8" fill="hold" nodeType="afterEffect">
+                                  <p:stCondLst>
+                                    <p:cond delay="0"/>
+                                  </p:stCondLst>
+                                  <p:childTnLst>
+                                    <p:set>
+                                      <p:cBhvr>
+                                        <p:cTn id="10" dur="1" fill="hold">
+                                          <p:stCondLst>
+                                            <p:cond delay="0"/>
+                                          </p:stCondLst>
+                                        </p:cTn>
+                                        <p:tgtEl>
+                                          <p:spTgt spid="8"/>
+                                        </p:tgtEl>
+                                        <p:attrNameLst>
+                                          <p:attrName>style.visibility</p:attrName>
+                                        </p:attrNameLst>
+                                      </p:cBhvr>
+                                      <p:to>
+                                        <p:strVal val="visible"/>
+                                      </p:to>
+                                    </p:set>
+                                    <p:animEffect transition="in" filter="wipe(left)">
+                                      <p:cBhvr>
+                                        <p:cTn id="11" dur="500"/>
+                                        <p:tgtEl>
+                                          <p:spTgt spid="8"/>
+                                        </p:tgtEl>
+                                      </p:cBhvr>
+                                    </p:animEffect>
+                                  </p:childTnLst>
+                                </p:cTn>
+                              </p:par>
+                            </p:childTnLst>
+                          </p:cTn>
+                        </p:par>
+                      </p:childTnLst>
+                    </p:cTn>
+                  </p:par>
+                </p:childTnLst>
+              </p:cTn>
+              <p:prevCondLst>
+                <p:cond evt="onPrev" delay="0">
+                  <p:tgtEl>
+                    <p:sldTgt/>
+                  </p:tgtEl>
+                </p:cond>
+              </p:prevCondLst>
+              <p:nextCondLst>
+                <p:cond evt="onNext" delay="0">
+                  <p:tgtEl>
+                    <p:sldTgt/>
+                  </p:tgtEl>
+                </p:cond>
+              </p:nextCondLst>
+            </p:seq>
+          </p:childTnLst>
+        </p:cTn>
+      </p:par>
+    </p:tnLst>
+    <p:bldLst>
+      <p:bldP spid="3" grpId="0" animBg="1"/>
+    </p:bldLst>
+  </p:timing>
+</p:sld>
+</file>
+
+<file path=ppt/slides/slide19.xml><?xml version="1.0" encoding="utf-8"?>
 <p:sld xmlns:a="http://schemas.openxmlformats.org/drawingml/2006/main" xmlns:r="http://schemas.openxmlformats.org/officeDocument/2006/relationships" xmlns:p="http://schemas.openxmlformats.org/presentationml/2006/main">
   <p:cSld>
     <p:spTree>
@@ -11204,7 +13801,7 @@
                 </a:solidFill>
                 <a:latin typeface="Impact" panose="020B0806030902050204" pitchFamily="34" charset="0"/>
               </a:rPr>
-              <a:t>02</a:t>
+              <a:t>03</a:t>
             </a:r>
             <a:endParaRPr lang="zh-CN" altLang="en-US" sz="7200" dirty="0">
               <a:solidFill>
@@ -11249,7 +13846,7 @@
                 <a:latin typeface="幼圆" panose="02010509060101010101" pitchFamily="49" charset="-122"/>
                 <a:ea typeface="幼圆" panose="02010509060101010101" pitchFamily="49" charset="-122"/>
               </a:rPr>
-              <a:t>应用建模</a:t>
+              <a:t>架构设计</a:t>
             </a:r>
           </a:p>
         </p:txBody>
@@ -11258,1374 +13855,6 @@
     <p:custDataLst>
       <p:tags r:id="rId1"/>
     </p:custDataLst>
-  </p:cSld>
-  <p:clrMapOvr>
-    <a:masterClrMapping/>
-  </p:clrMapOvr>
-</p:sld>
-</file>
-
-<file path=ppt/slides/slide11.xml><?xml version="1.0" encoding="utf-8"?>
-<p:sld xmlns:a="http://schemas.openxmlformats.org/drawingml/2006/main" xmlns:r="http://schemas.openxmlformats.org/officeDocument/2006/relationships" xmlns:p="http://schemas.openxmlformats.org/presentationml/2006/main">
-  <p:cSld>
-    <p:spTree>
-      <p:nvGrpSpPr>
-        <p:cNvPr id="1" name=""/>
-        <p:cNvGrpSpPr/>
-        <p:nvPr/>
-      </p:nvGrpSpPr>
-      <p:grpSpPr>
-        <a:xfrm>
-          <a:off x="0" y="0"/>
-          <a:ext cx="0" cy="0"/>
-          <a:chOff x="0" y="0"/>
-          <a:chExt cx="0" cy="0"/>
-        </a:xfrm>
-      </p:grpSpPr>
-      <p:sp>
-        <p:nvSpPr>
-          <p:cNvPr id="5" name="矩形 4"/>
-          <p:cNvSpPr/>
-          <p:nvPr/>
-        </p:nvSpPr>
-        <p:spPr>
-          <a:xfrm>
-            <a:off x="140355" y="162886"/>
-            <a:ext cx="5488016" cy="553085"/>
-          </a:xfrm>
-          <a:prstGeom prst="rect">
-            <a:avLst/>
-          </a:prstGeom>
-        </p:spPr>
-        <p:txBody>
-          <a:bodyPr wrap="square">
-            <a:spAutoFit/>
-          </a:bodyPr>
-          <a:lstStyle/>
-          <a:p>
-            <a:r>
-              <a:rPr lang="zh-CN" altLang="en-US" sz="3000" dirty="0">
-                <a:solidFill>
-                  <a:srgbClr val="DACD57"/>
-                </a:solidFill>
-                <a:latin typeface="幼圆" panose="02010509060101010101" pitchFamily="49" charset="-122"/>
-                <a:ea typeface="幼圆" panose="02010509060101010101" pitchFamily="49" charset="-122"/>
-                <a:cs typeface="Lao UI" panose="020B0502040204020203" pitchFamily="34" charset="0"/>
-              </a:rPr>
-              <a:t>功能需求建模</a:t>
-            </a:r>
-            <a:r>
-              <a:rPr lang="zh-CN" altLang="en-US" dirty="0">
-                <a:solidFill>
-                  <a:srgbClr val="DACD57"/>
-                </a:solidFill>
-                <a:latin typeface="幼圆" panose="02010509060101010101" pitchFamily="49" charset="-122"/>
-                <a:ea typeface="幼圆" panose="02010509060101010101" pitchFamily="49" charset="-122"/>
-                <a:cs typeface="Lao UI" panose="020B0502040204020203" pitchFamily="34" charset="0"/>
-              </a:rPr>
-              <a:t>（静态）</a:t>
-            </a:r>
-            <a:r>
-              <a:rPr lang="en-US" altLang="zh-CN" sz="2000" dirty="0">
-                <a:solidFill>
-                  <a:srgbClr val="DACD57"/>
-                </a:solidFill>
-                <a:latin typeface="Impact" panose="020B0806030902050204" pitchFamily="34" charset="0"/>
-                <a:ea typeface="Tahoma" panose="020B0604030504040204" pitchFamily="34" charset="0"/>
-                <a:cs typeface="Lao UI" panose="020B0502040204020203" pitchFamily="34" charset="0"/>
-              </a:rPr>
-              <a:t> </a:t>
-            </a:r>
-            <a:endParaRPr lang="zh-CN" altLang="en-US" sz="3000" dirty="0">
-              <a:solidFill>
-                <a:srgbClr val="DACD57"/>
-              </a:solidFill>
-              <a:latin typeface="Impact" panose="020B0806030902050204" pitchFamily="34" charset="0"/>
-              <a:ea typeface="Tahoma" panose="020B0604030504040204" pitchFamily="34" charset="0"/>
-              <a:cs typeface="Lao UI" panose="020B0502040204020203" pitchFamily="34" charset="0"/>
-            </a:endParaRPr>
-          </a:p>
-        </p:txBody>
-      </p:sp>
-      <p:pic>
-        <p:nvPicPr>
-          <p:cNvPr id="3" name="图片 2"/>
-          <p:cNvPicPr>
-            <a:picLocks noChangeAspect="1"/>
-          </p:cNvPicPr>
-          <p:nvPr/>
-        </p:nvPicPr>
-        <p:blipFill>
-          <a:blip r:embed="rId3">
-            <a:extLst>
-              <a:ext uri="{28A0092B-C50C-407E-A947-70E740481C1C}">
-                <a14:useLocalDpi xmlns:a14="http://schemas.microsoft.com/office/drawing/2010/main" val="0"/>
-              </a:ext>
-            </a:extLst>
-          </a:blip>
-          <a:stretch>
-            <a:fillRect/>
-          </a:stretch>
-        </p:blipFill>
-        <p:spPr>
-          <a:xfrm>
-            <a:off x="1789594" y="846945"/>
-            <a:ext cx="8106906" cy="5544324"/>
-          </a:xfrm>
-          <a:prstGeom prst="rect">
-            <a:avLst/>
-          </a:prstGeom>
-          <a:effectLst>
-            <a:softEdge rad="31750"/>
-          </a:effectLst>
-        </p:spPr>
-      </p:pic>
-      <p:sp>
-        <p:nvSpPr>
-          <p:cNvPr id="4" name="AutoShape 2" descr="mark"/>
-          <p:cNvSpPr>
-            <a:spLocks noChangeAspect="1" noChangeArrowheads="1"/>
-          </p:cNvSpPr>
-          <p:nvPr/>
-        </p:nvSpPr>
-        <p:spPr bwMode="auto">
-          <a:xfrm>
-            <a:off x="5943600" y="3276600"/>
-            <a:ext cx="304800" cy="304800"/>
-          </a:xfrm>
-          <a:prstGeom prst="rect">
-            <a:avLst/>
-          </a:prstGeom>
-          <a:noFill/>
-          <a:extLst>
-            <a:ext uri="{909E8E84-426E-40DD-AFC4-6F175D3DCCD1}">
-              <a14:hiddenFill xmlns:a14="http://schemas.microsoft.com/office/drawing/2010/main">
-                <a:solidFill>
-                  <a:srgbClr val="FFFFFF"/>
-                </a:solidFill>
-              </a14:hiddenFill>
-            </a:ext>
-          </a:extLst>
-        </p:spPr>
-        <p:txBody>
-          <a:bodyPr vert="horz" wrap="square" lIns="91440" tIns="45720" rIns="91440" bIns="45720" numCol="1" anchor="t" anchorCtr="0" compatLnSpc="1">
-            <a:prstTxWarp prst="textNoShape">
-              <a:avLst/>
-            </a:prstTxWarp>
-          </a:bodyPr>
-          <a:lstStyle/>
-          <a:p>
-            <a:endParaRPr lang="zh-CN" altLang="en-US"/>
-          </a:p>
-        </p:txBody>
-      </p:sp>
-    </p:spTree>
-    <p:custDataLst>
-      <p:tags r:id="rId1"/>
-    </p:custDataLst>
-  </p:cSld>
-  <p:clrMapOvr>
-    <a:masterClrMapping/>
-  </p:clrMapOvr>
-</p:sld>
-</file>
-
-<file path=ppt/slides/slide12.xml><?xml version="1.0" encoding="utf-8"?>
-<p:sld xmlns:a="http://schemas.openxmlformats.org/drawingml/2006/main" xmlns:r="http://schemas.openxmlformats.org/officeDocument/2006/relationships" xmlns:p="http://schemas.openxmlformats.org/presentationml/2006/main">
-  <p:cSld>
-    <p:spTree>
-      <p:nvGrpSpPr>
-        <p:cNvPr id="1" name=""/>
-        <p:cNvGrpSpPr/>
-        <p:nvPr/>
-      </p:nvGrpSpPr>
-      <p:grpSpPr>
-        <a:xfrm>
-          <a:off x="0" y="0"/>
-          <a:ext cx="0" cy="0"/>
-          <a:chOff x="0" y="0"/>
-          <a:chExt cx="0" cy="0"/>
-        </a:xfrm>
-      </p:grpSpPr>
-      <p:sp>
-        <p:nvSpPr>
-          <p:cNvPr id="5" name="矩形 4"/>
-          <p:cNvSpPr/>
-          <p:nvPr/>
-        </p:nvSpPr>
-        <p:spPr>
-          <a:xfrm>
-            <a:off x="140355" y="162886"/>
-            <a:ext cx="5488016" cy="553085"/>
-          </a:xfrm>
-          <a:prstGeom prst="rect">
-            <a:avLst/>
-          </a:prstGeom>
-        </p:spPr>
-        <p:txBody>
-          <a:bodyPr wrap="square">
-            <a:spAutoFit/>
-          </a:bodyPr>
-          <a:lstStyle/>
-          <a:p>
-            <a:r>
-              <a:rPr lang="zh-CN" altLang="en-US" sz="3000" dirty="0">
-                <a:solidFill>
-                  <a:srgbClr val="DACD57"/>
-                </a:solidFill>
-                <a:latin typeface="幼圆" panose="02010509060101010101" pitchFamily="49" charset="-122"/>
-                <a:ea typeface="幼圆" panose="02010509060101010101" pitchFamily="49" charset="-122"/>
-                <a:cs typeface="Lao UI" panose="020B0502040204020203" pitchFamily="34" charset="0"/>
-              </a:rPr>
-              <a:t>功能需求建模</a:t>
-            </a:r>
-            <a:r>
-              <a:rPr lang="zh-CN" altLang="en-US" dirty="0">
-                <a:solidFill>
-                  <a:srgbClr val="DACD57"/>
-                </a:solidFill>
-                <a:latin typeface="幼圆" panose="02010509060101010101" pitchFamily="49" charset="-122"/>
-                <a:ea typeface="幼圆" panose="02010509060101010101" pitchFamily="49" charset="-122"/>
-                <a:cs typeface="Lao UI" panose="020B0502040204020203" pitchFamily="34" charset="0"/>
-              </a:rPr>
-              <a:t>（动态）</a:t>
-            </a:r>
-            <a:r>
-              <a:rPr lang="en-US" altLang="zh-CN" sz="2000" dirty="0">
-                <a:solidFill>
-                  <a:srgbClr val="DACD57"/>
-                </a:solidFill>
-                <a:latin typeface="Impact" panose="020B0806030902050204" pitchFamily="34" charset="0"/>
-                <a:ea typeface="Tahoma" panose="020B0604030504040204" pitchFamily="34" charset="0"/>
-                <a:cs typeface="Lao UI" panose="020B0502040204020203" pitchFamily="34" charset="0"/>
-              </a:rPr>
-              <a:t> </a:t>
-            </a:r>
-            <a:endParaRPr lang="zh-CN" altLang="en-US" sz="3000" dirty="0">
-              <a:solidFill>
-                <a:srgbClr val="DACD57"/>
-              </a:solidFill>
-              <a:latin typeface="Impact" panose="020B0806030902050204" pitchFamily="34" charset="0"/>
-              <a:ea typeface="Tahoma" panose="020B0604030504040204" pitchFamily="34" charset="0"/>
-              <a:cs typeface="Lao UI" panose="020B0502040204020203" pitchFamily="34" charset="0"/>
-            </a:endParaRPr>
-          </a:p>
-        </p:txBody>
-      </p:sp>
-      <p:sp>
-        <p:nvSpPr>
-          <p:cNvPr id="4" name="AutoShape 2" descr="mark"/>
-          <p:cNvSpPr>
-            <a:spLocks noChangeAspect="1" noChangeArrowheads="1"/>
-          </p:cNvSpPr>
-          <p:nvPr/>
-        </p:nvSpPr>
-        <p:spPr bwMode="auto">
-          <a:xfrm>
-            <a:off x="5943600" y="3276600"/>
-            <a:ext cx="304800" cy="304800"/>
-          </a:xfrm>
-          <a:prstGeom prst="rect">
-            <a:avLst/>
-          </a:prstGeom>
-          <a:noFill/>
-          <a:extLst>
-            <a:ext uri="{909E8E84-426E-40DD-AFC4-6F175D3DCCD1}">
-              <a14:hiddenFill xmlns:a14="http://schemas.microsoft.com/office/drawing/2010/main">
-                <a:solidFill>
-                  <a:srgbClr val="FFFFFF"/>
-                </a:solidFill>
-              </a14:hiddenFill>
-            </a:ext>
-          </a:extLst>
-        </p:spPr>
-        <p:txBody>
-          <a:bodyPr vert="horz" wrap="square" lIns="91440" tIns="45720" rIns="91440" bIns="45720" numCol="1" anchor="t" anchorCtr="0" compatLnSpc="1">
-            <a:prstTxWarp prst="textNoShape">
-              <a:avLst/>
-            </a:prstTxWarp>
-          </a:bodyPr>
-          <a:lstStyle/>
-          <a:p>
-            <a:endParaRPr lang="zh-CN" altLang="en-US"/>
-          </a:p>
-        </p:txBody>
-      </p:sp>
-      <p:pic>
-        <p:nvPicPr>
-          <p:cNvPr id="6" name="图片 5"/>
-          <p:cNvPicPr>
-            <a:picLocks noChangeAspect="1"/>
-          </p:cNvPicPr>
-          <p:nvPr/>
-        </p:nvPicPr>
-        <p:blipFill rotWithShape="1">
-          <a:blip r:embed="rId3">
-            <a:extLst>
-              <a:ext uri="{28A0092B-C50C-407E-A947-70E740481C1C}">
-                <a14:useLocalDpi xmlns:a14="http://schemas.microsoft.com/office/drawing/2010/main" val="0"/>
-              </a:ext>
-            </a:extLst>
-          </a:blip>
-          <a:srcRect b="52165"/>
-          <a:stretch/>
-        </p:blipFill>
-        <p:spPr>
-          <a:xfrm>
-            <a:off x="1231658" y="951322"/>
-            <a:ext cx="9204600" cy="5260156"/>
-          </a:xfrm>
-          <a:prstGeom prst="rect">
-            <a:avLst/>
-          </a:prstGeom>
-          <a:effectLst>
-            <a:softEdge rad="63500"/>
-          </a:effectLst>
-        </p:spPr>
-      </p:pic>
-    </p:spTree>
-    <p:custDataLst>
-      <p:tags r:id="rId1"/>
-    </p:custDataLst>
-    <p:extLst>
-      <p:ext uri="{BB962C8B-B14F-4D97-AF65-F5344CB8AC3E}">
-        <p14:creationId xmlns:p14="http://schemas.microsoft.com/office/powerpoint/2010/main" val="1301750082"/>
-      </p:ext>
-    </p:extLst>
-  </p:cSld>
-  <p:clrMapOvr>
-    <a:masterClrMapping/>
-  </p:clrMapOvr>
-</p:sld>
-</file>
-
-<file path=ppt/slides/slide13.xml><?xml version="1.0" encoding="utf-8"?>
-<p:sld xmlns:a="http://schemas.openxmlformats.org/drawingml/2006/main" xmlns:r="http://schemas.openxmlformats.org/officeDocument/2006/relationships" xmlns:p="http://schemas.openxmlformats.org/presentationml/2006/main">
-  <p:cSld>
-    <p:spTree>
-      <p:nvGrpSpPr>
-        <p:cNvPr id="1" name=""/>
-        <p:cNvGrpSpPr/>
-        <p:nvPr/>
-      </p:nvGrpSpPr>
-      <p:grpSpPr>
-        <a:xfrm>
-          <a:off x="0" y="0"/>
-          <a:ext cx="0" cy="0"/>
-          <a:chOff x="0" y="0"/>
-          <a:chExt cx="0" cy="0"/>
-        </a:xfrm>
-      </p:grpSpPr>
-      <p:sp>
-        <p:nvSpPr>
-          <p:cNvPr id="5" name="矩形 4"/>
-          <p:cNvSpPr/>
-          <p:nvPr/>
-        </p:nvSpPr>
-        <p:spPr>
-          <a:xfrm>
-            <a:off x="140355" y="162886"/>
-            <a:ext cx="5488016" cy="553085"/>
-          </a:xfrm>
-          <a:prstGeom prst="rect">
-            <a:avLst/>
-          </a:prstGeom>
-        </p:spPr>
-        <p:txBody>
-          <a:bodyPr wrap="square">
-            <a:spAutoFit/>
-          </a:bodyPr>
-          <a:lstStyle/>
-          <a:p>
-            <a:r>
-              <a:rPr lang="zh-CN" altLang="en-US" sz="3000" dirty="0">
-                <a:solidFill>
-                  <a:srgbClr val="DACD57"/>
-                </a:solidFill>
-                <a:latin typeface="幼圆" panose="02010509060101010101" pitchFamily="49" charset="-122"/>
-                <a:ea typeface="幼圆" panose="02010509060101010101" pitchFamily="49" charset="-122"/>
-                <a:cs typeface="Lao UI" panose="020B0502040204020203" pitchFamily="34" charset="0"/>
-              </a:rPr>
-              <a:t>功能需求建模</a:t>
-            </a:r>
-            <a:r>
-              <a:rPr lang="zh-CN" altLang="en-US" dirty="0">
-                <a:solidFill>
-                  <a:srgbClr val="DACD57"/>
-                </a:solidFill>
-                <a:latin typeface="幼圆" panose="02010509060101010101" pitchFamily="49" charset="-122"/>
-                <a:ea typeface="幼圆" panose="02010509060101010101" pitchFamily="49" charset="-122"/>
-                <a:cs typeface="Lao UI" panose="020B0502040204020203" pitchFamily="34" charset="0"/>
-              </a:rPr>
-              <a:t>（动态）</a:t>
-            </a:r>
-            <a:r>
-              <a:rPr lang="en-US" altLang="zh-CN" sz="2000" dirty="0">
-                <a:solidFill>
-                  <a:srgbClr val="DACD57"/>
-                </a:solidFill>
-                <a:latin typeface="Impact" panose="020B0806030902050204" pitchFamily="34" charset="0"/>
-                <a:ea typeface="Tahoma" panose="020B0604030504040204" pitchFamily="34" charset="0"/>
-                <a:cs typeface="Lao UI" panose="020B0502040204020203" pitchFamily="34" charset="0"/>
-              </a:rPr>
-              <a:t> </a:t>
-            </a:r>
-            <a:endParaRPr lang="zh-CN" altLang="en-US" sz="3000" dirty="0">
-              <a:solidFill>
-                <a:srgbClr val="DACD57"/>
-              </a:solidFill>
-              <a:latin typeface="Impact" panose="020B0806030902050204" pitchFamily="34" charset="0"/>
-              <a:ea typeface="Tahoma" panose="020B0604030504040204" pitchFamily="34" charset="0"/>
-              <a:cs typeface="Lao UI" panose="020B0502040204020203" pitchFamily="34" charset="0"/>
-            </a:endParaRPr>
-          </a:p>
-        </p:txBody>
-      </p:sp>
-      <p:sp>
-        <p:nvSpPr>
-          <p:cNvPr id="4" name="AutoShape 2" descr="mark"/>
-          <p:cNvSpPr>
-            <a:spLocks noChangeAspect="1" noChangeArrowheads="1"/>
-          </p:cNvSpPr>
-          <p:nvPr/>
-        </p:nvSpPr>
-        <p:spPr bwMode="auto">
-          <a:xfrm>
-            <a:off x="5943600" y="3276600"/>
-            <a:ext cx="304800" cy="304800"/>
-          </a:xfrm>
-          <a:prstGeom prst="rect">
-            <a:avLst/>
-          </a:prstGeom>
-          <a:noFill/>
-          <a:extLst>
-            <a:ext uri="{909E8E84-426E-40DD-AFC4-6F175D3DCCD1}">
-              <a14:hiddenFill xmlns:a14="http://schemas.microsoft.com/office/drawing/2010/main">
-                <a:solidFill>
-                  <a:srgbClr val="FFFFFF"/>
-                </a:solidFill>
-              </a14:hiddenFill>
-            </a:ext>
-          </a:extLst>
-        </p:spPr>
-        <p:txBody>
-          <a:bodyPr vert="horz" wrap="square" lIns="91440" tIns="45720" rIns="91440" bIns="45720" numCol="1" anchor="t" anchorCtr="0" compatLnSpc="1">
-            <a:prstTxWarp prst="textNoShape">
-              <a:avLst/>
-            </a:prstTxWarp>
-          </a:bodyPr>
-          <a:lstStyle/>
-          <a:p>
-            <a:endParaRPr lang="zh-CN" altLang="en-US"/>
-          </a:p>
-        </p:txBody>
-      </p:sp>
-      <p:pic>
-        <p:nvPicPr>
-          <p:cNvPr id="3" name="图片 2"/>
-          <p:cNvPicPr>
-            <a:picLocks noChangeAspect="1"/>
-          </p:cNvPicPr>
-          <p:nvPr/>
-        </p:nvPicPr>
-        <p:blipFill rotWithShape="1">
-          <a:blip r:embed="rId3">
-            <a:extLst>
-              <a:ext uri="{28A0092B-C50C-407E-A947-70E740481C1C}">
-                <a14:useLocalDpi xmlns:a14="http://schemas.microsoft.com/office/drawing/2010/main" val="0"/>
-              </a:ext>
-            </a:extLst>
-          </a:blip>
-          <a:srcRect t="50584"/>
-          <a:stretch/>
-        </p:blipFill>
-        <p:spPr>
-          <a:xfrm>
-            <a:off x="1476746" y="939241"/>
-            <a:ext cx="9238507" cy="5454001"/>
-          </a:xfrm>
-          <a:prstGeom prst="rect">
-            <a:avLst/>
-          </a:prstGeom>
-          <a:effectLst>
-            <a:softEdge rad="63500"/>
-          </a:effectLst>
-        </p:spPr>
-      </p:pic>
-    </p:spTree>
-    <p:custDataLst>
-      <p:tags r:id="rId1"/>
-    </p:custDataLst>
-    <p:extLst>
-      <p:ext uri="{BB962C8B-B14F-4D97-AF65-F5344CB8AC3E}">
-        <p14:creationId xmlns:p14="http://schemas.microsoft.com/office/powerpoint/2010/main" val="1099850694"/>
-      </p:ext>
-    </p:extLst>
-  </p:cSld>
-  <p:clrMapOvr>
-    <a:masterClrMapping/>
-  </p:clrMapOvr>
-</p:sld>
-</file>
-
-<file path=ppt/slides/slide14.xml><?xml version="1.0" encoding="utf-8"?>
-<p:sld xmlns:a="http://schemas.openxmlformats.org/drawingml/2006/main" xmlns:r="http://schemas.openxmlformats.org/officeDocument/2006/relationships" xmlns:p="http://schemas.openxmlformats.org/presentationml/2006/main">
-  <p:cSld>
-    <p:spTree>
-      <p:nvGrpSpPr>
-        <p:cNvPr id="1" name=""/>
-        <p:cNvGrpSpPr/>
-        <p:nvPr/>
-      </p:nvGrpSpPr>
-      <p:grpSpPr>
-        <a:xfrm>
-          <a:off x="0" y="0"/>
-          <a:ext cx="0" cy="0"/>
-          <a:chOff x="0" y="0"/>
-          <a:chExt cx="0" cy="0"/>
-        </a:xfrm>
-      </p:grpSpPr>
-      <p:sp>
-        <p:nvSpPr>
-          <p:cNvPr id="5" name="矩形 4"/>
-          <p:cNvSpPr/>
-          <p:nvPr/>
-        </p:nvSpPr>
-        <p:spPr>
-          <a:xfrm>
-            <a:off x="215770" y="162886"/>
-            <a:ext cx="5488016" cy="553998"/>
-          </a:xfrm>
-          <a:prstGeom prst="rect">
-            <a:avLst/>
-          </a:prstGeom>
-        </p:spPr>
-        <p:txBody>
-          <a:bodyPr wrap="square">
-            <a:spAutoFit/>
-          </a:bodyPr>
-          <a:lstStyle/>
-          <a:p>
-            <a:r>
-              <a:rPr lang="zh-CN" altLang="en-US" sz="3000" dirty="0">
-                <a:solidFill>
-                  <a:srgbClr val="DACD57"/>
-                </a:solidFill>
-                <a:latin typeface="幼圆" panose="02010509060101010101" pitchFamily="49" charset="-122"/>
-                <a:ea typeface="幼圆" panose="02010509060101010101" pitchFamily="49" charset="-122"/>
-                <a:cs typeface="Lao UI" panose="020B0502040204020203" pitchFamily="34" charset="0"/>
-              </a:rPr>
-              <a:t>内容建模</a:t>
-            </a:r>
-            <a:r>
-              <a:rPr lang="zh-CN" altLang="en-US" dirty="0">
-                <a:solidFill>
-                  <a:srgbClr val="DACD57"/>
-                </a:solidFill>
-                <a:latin typeface="幼圆" panose="02010509060101010101" pitchFamily="49" charset="-122"/>
-                <a:ea typeface="幼圆" panose="02010509060101010101" pitchFamily="49" charset="-122"/>
-                <a:cs typeface="Lao UI" panose="020B0502040204020203" pitchFamily="34" charset="0"/>
-              </a:rPr>
-              <a:t>（注册登录）</a:t>
-            </a:r>
-            <a:r>
-              <a:rPr lang="en-US" altLang="zh-CN" sz="3000" dirty="0">
-                <a:solidFill>
-                  <a:srgbClr val="DACD57"/>
-                </a:solidFill>
-                <a:latin typeface="Impact" panose="020B0806030902050204" pitchFamily="34" charset="0"/>
-                <a:ea typeface="Tahoma" panose="020B0604030504040204" pitchFamily="34" charset="0"/>
-                <a:cs typeface="Lao UI" panose="020B0502040204020203" pitchFamily="34" charset="0"/>
-              </a:rPr>
-              <a:t> </a:t>
-            </a:r>
-            <a:endParaRPr lang="zh-CN" altLang="en-US" sz="3000" dirty="0">
-              <a:solidFill>
-                <a:srgbClr val="DACD57"/>
-              </a:solidFill>
-              <a:latin typeface="Impact" panose="020B0806030902050204" pitchFamily="34" charset="0"/>
-              <a:ea typeface="Tahoma" panose="020B0604030504040204" pitchFamily="34" charset="0"/>
-              <a:cs typeface="Lao UI" panose="020B0502040204020203" pitchFamily="34" charset="0"/>
-            </a:endParaRPr>
-          </a:p>
-        </p:txBody>
-      </p:sp>
-      <p:sp>
-        <p:nvSpPr>
-          <p:cNvPr id="7" name="AutoShape 262"/>
-          <p:cNvSpPr>
-            <a:spLocks noChangeAspect="1" noChangeArrowheads="1" noTextEdit="1"/>
-          </p:cNvSpPr>
-          <p:nvPr/>
-        </p:nvSpPr>
-        <p:spPr bwMode="auto">
-          <a:xfrm>
-            <a:off x="10595345" y="715971"/>
-            <a:ext cx="501779" cy="5364674"/>
-          </a:xfrm>
-          <a:prstGeom prst="rect">
-            <a:avLst/>
-          </a:prstGeom>
-          <a:noFill/>
-          <a:ln>
-            <a:noFill/>
-          </a:ln>
-          <a:extLst>
-            <a:ext uri="{909E8E84-426E-40DD-AFC4-6F175D3DCCD1}">
-              <a14:hiddenFill xmlns:a14="http://schemas.microsoft.com/office/drawing/2010/main">
-                <a:solidFill>
-                  <a:srgbClr val="FFFFFF"/>
-                </a:solidFill>
-              </a14:hiddenFill>
-            </a:ext>
-            <a:ext uri="{91240B29-F687-4F45-9708-019B960494DF}">
-              <a14:hiddenLine xmlns:a14="http://schemas.microsoft.com/office/drawing/2010/main" w="9525">
-                <a:solidFill>
-                  <a:srgbClr val="000000"/>
-                </a:solidFill>
-                <a:miter lim="800000"/>
-                <a:headEnd/>
-                <a:tailEnd/>
-              </a14:hiddenLine>
-            </a:ext>
-          </a:extLst>
-        </p:spPr>
-        <p:txBody>
-          <a:bodyPr vert="horz" wrap="square" lIns="91440" tIns="45720" rIns="91440" bIns="45720" numCol="1" anchor="t" anchorCtr="0" compatLnSpc="1"/>
-          <a:lstStyle/>
-          <a:p>
-            <a:endParaRPr lang="zh-CN" altLang="en-US"/>
-          </a:p>
-        </p:txBody>
-      </p:sp>
-    </p:spTree>
-    <p:custDataLst>
-      <p:tags r:id="rId1"/>
-    </p:custDataLst>
-  </p:cSld>
-  <p:clrMapOvr>
-    <a:masterClrMapping/>
-  </p:clrMapOvr>
-</p:sld>
-</file>
-
-<file path=ppt/slides/slide15.xml><?xml version="1.0" encoding="utf-8"?>
-<p:sld xmlns:a="http://schemas.openxmlformats.org/drawingml/2006/main" xmlns:r="http://schemas.openxmlformats.org/officeDocument/2006/relationships" xmlns:p="http://schemas.openxmlformats.org/presentationml/2006/main">
-  <p:cSld>
-    <p:spTree>
-      <p:nvGrpSpPr>
-        <p:cNvPr id="1" name=""/>
-        <p:cNvGrpSpPr/>
-        <p:nvPr/>
-      </p:nvGrpSpPr>
-      <p:grpSpPr>
-        <a:xfrm>
-          <a:off x="0" y="0"/>
-          <a:ext cx="0" cy="0"/>
-          <a:chOff x="0" y="0"/>
-          <a:chExt cx="0" cy="0"/>
-        </a:xfrm>
-      </p:grpSpPr>
-      <p:sp>
-        <p:nvSpPr>
-          <p:cNvPr id="5" name="矩形 4"/>
-          <p:cNvSpPr/>
-          <p:nvPr/>
-        </p:nvSpPr>
-        <p:spPr>
-          <a:xfrm>
-            <a:off x="215770" y="162886"/>
-            <a:ext cx="5488016" cy="553998"/>
-          </a:xfrm>
-          <a:prstGeom prst="rect">
-            <a:avLst/>
-          </a:prstGeom>
-        </p:spPr>
-        <p:txBody>
-          <a:bodyPr wrap="square">
-            <a:spAutoFit/>
-          </a:bodyPr>
-          <a:lstStyle/>
-          <a:p>
-            <a:r>
-              <a:rPr lang="zh-CN" altLang="en-US" sz="3000" dirty="0">
-                <a:solidFill>
-                  <a:srgbClr val="DACD57"/>
-                </a:solidFill>
-                <a:latin typeface="幼圆" panose="02010509060101010101" pitchFamily="49" charset="-122"/>
-                <a:ea typeface="幼圆" panose="02010509060101010101" pitchFamily="49" charset="-122"/>
-                <a:cs typeface="Lao UI" panose="020B0502040204020203" pitchFamily="34" charset="0"/>
-              </a:rPr>
-              <a:t>内容建模</a:t>
-            </a:r>
-            <a:r>
-              <a:rPr lang="zh-CN" altLang="en-US" dirty="0">
-                <a:solidFill>
-                  <a:srgbClr val="DACD57"/>
-                </a:solidFill>
-                <a:latin typeface="幼圆" panose="02010509060101010101" pitchFamily="49" charset="-122"/>
-                <a:ea typeface="幼圆" panose="02010509060101010101" pitchFamily="49" charset="-122"/>
-                <a:cs typeface="Lao UI" panose="020B0502040204020203" pitchFamily="34" charset="0"/>
-              </a:rPr>
-              <a:t>（发表问题）</a:t>
-            </a:r>
-            <a:r>
-              <a:rPr lang="en-US" altLang="zh-CN" sz="3000" dirty="0">
-                <a:solidFill>
-                  <a:srgbClr val="DACD57"/>
-                </a:solidFill>
-                <a:latin typeface="Impact" panose="020B0806030902050204" pitchFamily="34" charset="0"/>
-                <a:ea typeface="Tahoma" panose="020B0604030504040204" pitchFamily="34" charset="0"/>
-                <a:cs typeface="Lao UI" panose="020B0502040204020203" pitchFamily="34" charset="0"/>
-              </a:rPr>
-              <a:t> </a:t>
-            </a:r>
-            <a:endParaRPr lang="zh-CN" altLang="en-US" sz="3000" dirty="0">
-              <a:solidFill>
-                <a:srgbClr val="DACD57"/>
-              </a:solidFill>
-              <a:latin typeface="Impact" panose="020B0806030902050204" pitchFamily="34" charset="0"/>
-              <a:ea typeface="Tahoma" panose="020B0604030504040204" pitchFamily="34" charset="0"/>
-              <a:cs typeface="Lao UI" panose="020B0502040204020203" pitchFamily="34" charset="0"/>
-            </a:endParaRPr>
-          </a:p>
-        </p:txBody>
-      </p:sp>
-      <p:sp>
-        <p:nvSpPr>
-          <p:cNvPr id="7" name="AutoShape 262"/>
-          <p:cNvSpPr>
-            <a:spLocks noChangeAspect="1" noChangeArrowheads="1" noTextEdit="1"/>
-          </p:cNvSpPr>
-          <p:nvPr/>
-        </p:nvSpPr>
-        <p:spPr bwMode="auto">
-          <a:xfrm>
-            <a:off x="10595345" y="715971"/>
-            <a:ext cx="501779" cy="5364674"/>
-          </a:xfrm>
-          <a:prstGeom prst="rect">
-            <a:avLst/>
-          </a:prstGeom>
-          <a:noFill/>
-          <a:ln>
-            <a:noFill/>
-          </a:ln>
-          <a:extLst>
-            <a:ext uri="{909E8E84-426E-40DD-AFC4-6F175D3DCCD1}">
-              <a14:hiddenFill xmlns:a14="http://schemas.microsoft.com/office/drawing/2010/main">
-                <a:solidFill>
-                  <a:srgbClr val="FFFFFF"/>
-                </a:solidFill>
-              </a14:hiddenFill>
-            </a:ext>
-            <a:ext uri="{91240B29-F687-4F45-9708-019B960494DF}">
-              <a14:hiddenLine xmlns:a14="http://schemas.microsoft.com/office/drawing/2010/main" w="9525">
-                <a:solidFill>
-                  <a:srgbClr val="000000"/>
-                </a:solidFill>
-                <a:miter lim="800000"/>
-                <a:headEnd/>
-                <a:tailEnd/>
-              </a14:hiddenLine>
-            </a:ext>
-          </a:extLst>
-        </p:spPr>
-        <p:txBody>
-          <a:bodyPr vert="horz" wrap="square" lIns="91440" tIns="45720" rIns="91440" bIns="45720" numCol="1" anchor="t" anchorCtr="0" compatLnSpc="1"/>
-          <a:lstStyle/>
-          <a:p>
-            <a:endParaRPr lang="zh-CN" altLang="en-US"/>
-          </a:p>
-        </p:txBody>
-      </p:sp>
-    </p:spTree>
-    <p:custDataLst>
-      <p:tags r:id="rId1"/>
-    </p:custDataLst>
-    <p:extLst>
-      <p:ext uri="{BB962C8B-B14F-4D97-AF65-F5344CB8AC3E}">
-        <p14:creationId xmlns:p14="http://schemas.microsoft.com/office/powerpoint/2010/main" val="533431893"/>
-      </p:ext>
-    </p:extLst>
-  </p:cSld>
-  <p:clrMapOvr>
-    <a:masterClrMapping/>
-  </p:clrMapOvr>
-</p:sld>
-</file>
-
-<file path=ppt/slides/slide16.xml><?xml version="1.0" encoding="utf-8"?>
-<p:sld xmlns:a="http://schemas.openxmlformats.org/drawingml/2006/main" xmlns:r="http://schemas.openxmlformats.org/officeDocument/2006/relationships" xmlns:p="http://schemas.openxmlformats.org/presentationml/2006/main">
-  <p:cSld>
-    <p:spTree>
-      <p:nvGrpSpPr>
-        <p:cNvPr id="1" name=""/>
-        <p:cNvGrpSpPr/>
-        <p:nvPr/>
-      </p:nvGrpSpPr>
-      <p:grpSpPr>
-        <a:xfrm>
-          <a:off x="0" y="0"/>
-          <a:ext cx="0" cy="0"/>
-          <a:chOff x="0" y="0"/>
-          <a:chExt cx="0" cy="0"/>
-        </a:xfrm>
-      </p:grpSpPr>
-      <p:sp>
-        <p:nvSpPr>
-          <p:cNvPr id="5" name="矩形 4"/>
-          <p:cNvSpPr/>
-          <p:nvPr/>
-        </p:nvSpPr>
-        <p:spPr>
-          <a:xfrm>
-            <a:off x="215770" y="162886"/>
-            <a:ext cx="5488016" cy="553998"/>
-          </a:xfrm>
-          <a:prstGeom prst="rect">
-            <a:avLst/>
-          </a:prstGeom>
-        </p:spPr>
-        <p:txBody>
-          <a:bodyPr wrap="square">
-            <a:spAutoFit/>
-          </a:bodyPr>
-          <a:lstStyle/>
-          <a:p>
-            <a:r>
-              <a:rPr lang="zh-CN" altLang="en-US" sz="3000" dirty="0">
-                <a:solidFill>
-                  <a:srgbClr val="DACD57"/>
-                </a:solidFill>
-                <a:latin typeface="幼圆" panose="02010509060101010101" pitchFamily="49" charset="-122"/>
-                <a:ea typeface="幼圆" panose="02010509060101010101" pitchFamily="49" charset="-122"/>
-                <a:cs typeface="Lao UI" panose="020B0502040204020203" pitchFamily="34" charset="0"/>
-              </a:rPr>
-              <a:t>内容建模</a:t>
-            </a:r>
-            <a:r>
-              <a:rPr lang="zh-CN" altLang="en-US" dirty="0">
-                <a:solidFill>
-                  <a:srgbClr val="DACD57"/>
-                </a:solidFill>
-                <a:latin typeface="幼圆" panose="02010509060101010101" pitchFamily="49" charset="-122"/>
-                <a:ea typeface="幼圆" panose="02010509060101010101" pitchFamily="49" charset="-122"/>
-                <a:cs typeface="Lao UI" panose="020B0502040204020203" pitchFamily="34" charset="0"/>
-              </a:rPr>
-              <a:t>（站内信）</a:t>
-            </a:r>
-            <a:r>
-              <a:rPr lang="en-US" altLang="zh-CN" sz="3000" dirty="0">
-                <a:solidFill>
-                  <a:srgbClr val="DACD57"/>
-                </a:solidFill>
-                <a:latin typeface="Impact" panose="020B0806030902050204" pitchFamily="34" charset="0"/>
-                <a:ea typeface="Tahoma" panose="020B0604030504040204" pitchFamily="34" charset="0"/>
-                <a:cs typeface="Lao UI" panose="020B0502040204020203" pitchFamily="34" charset="0"/>
-              </a:rPr>
-              <a:t> </a:t>
-            </a:r>
-            <a:endParaRPr lang="zh-CN" altLang="en-US" sz="3000" dirty="0">
-              <a:solidFill>
-                <a:srgbClr val="DACD57"/>
-              </a:solidFill>
-              <a:latin typeface="Impact" panose="020B0806030902050204" pitchFamily="34" charset="0"/>
-              <a:ea typeface="Tahoma" panose="020B0604030504040204" pitchFamily="34" charset="0"/>
-              <a:cs typeface="Lao UI" panose="020B0502040204020203" pitchFamily="34" charset="0"/>
-            </a:endParaRPr>
-          </a:p>
-        </p:txBody>
-      </p:sp>
-      <p:sp>
-        <p:nvSpPr>
-          <p:cNvPr id="7" name="AutoShape 262"/>
-          <p:cNvSpPr>
-            <a:spLocks noChangeAspect="1" noChangeArrowheads="1" noTextEdit="1"/>
-          </p:cNvSpPr>
-          <p:nvPr/>
-        </p:nvSpPr>
-        <p:spPr bwMode="auto">
-          <a:xfrm>
-            <a:off x="10595345" y="715971"/>
-            <a:ext cx="501779" cy="5364674"/>
-          </a:xfrm>
-          <a:prstGeom prst="rect">
-            <a:avLst/>
-          </a:prstGeom>
-          <a:noFill/>
-          <a:ln>
-            <a:noFill/>
-          </a:ln>
-          <a:extLst>
-            <a:ext uri="{909E8E84-426E-40DD-AFC4-6F175D3DCCD1}">
-              <a14:hiddenFill xmlns:a14="http://schemas.microsoft.com/office/drawing/2010/main">
-                <a:solidFill>
-                  <a:srgbClr val="FFFFFF"/>
-                </a:solidFill>
-              </a14:hiddenFill>
-            </a:ext>
-            <a:ext uri="{91240B29-F687-4F45-9708-019B960494DF}">
-              <a14:hiddenLine xmlns:a14="http://schemas.microsoft.com/office/drawing/2010/main" w="9525">
-                <a:solidFill>
-                  <a:srgbClr val="000000"/>
-                </a:solidFill>
-                <a:miter lim="800000"/>
-                <a:headEnd/>
-                <a:tailEnd/>
-              </a14:hiddenLine>
-            </a:ext>
-          </a:extLst>
-        </p:spPr>
-        <p:txBody>
-          <a:bodyPr vert="horz" wrap="square" lIns="91440" tIns="45720" rIns="91440" bIns="45720" numCol="1" anchor="t" anchorCtr="0" compatLnSpc="1"/>
-          <a:lstStyle/>
-          <a:p>
-            <a:endParaRPr lang="zh-CN" altLang="en-US"/>
-          </a:p>
-        </p:txBody>
-      </p:sp>
-    </p:spTree>
-    <p:custDataLst>
-      <p:tags r:id="rId1"/>
-    </p:custDataLst>
-    <p:extLst>
-      <p:ext uri="{BB962C8B-B14F-4D97-AF65-F5344CB8AC3E}">
-        <p14:creationId xmlns:p14="http://schemas.microsoft.com/office/powerpoint/2010/main" val="892126484"/>
-      </p:ext>
-    </p:extLst>
-  </p:cSld>
-  <p:clrMapOvr>
-    <a:masterClrMapping/>
-  </p:clrMapOvr>
-</p:sld>
-</file>
-
-<file path=ppt/slides/slide17.xml><?xml version="1.0" encoding="utf-8"?>
-<p:sld xmlns:a="http://schemas.openxmlformats.org/drawingml/2006/main" xmlns:r="http://schemas.openxmlformats.org/officeDocument/2006/relationships" xmlns:p="http://schemas.openxmlformats.org/presentationml/2006/main">
-  <p:cSld>
-    <p:spTree>
-      <p:nvGrpSpPr>
-        <p:cNvPr id="1" name=""/>
-        <p:cNvGrpSpPr/>
-        <p:nvPr/>
-      </p:nvGrpSpPr>
-      <p:grpSpPr>
-        <a:xfrm>
-          <a:off x="0" y="0"/>
-          <a:ext cx="0" cy="0"/>
-          <a:chOff x="0" y="0"/>
-          <a:chExt cx="0" cy="0"/>
-        </a:xfrm>
-      </p:grpSpPr>
-      <p:sp>
-        <p:nvSpPr>
-          <p:cNvPr id="5" name="矩形 4"/>
-          <p:cNvSpPr/>
-          <p:nvPr/>
-        </p:nvSpPr>
-        <p:spPr>
-          <a:xfrm>
-            <a:off x="215770" y="162886"/>
-            <a:ext cx="5488016" cy="553085"/>
-          </a:xfrm>
-          <a:prstGeom prst="rect">
-            <a:avLst/>
-          </a:prstGeom>
-        </p:spPr>
-        <p:txBody>
-          <a:bodyPr wrap="square">
-            <a:spAutoFit/>
-          </a:bodyPr>
-          <a:lstStyle/>
-          <a:p>
-            <a:r>
-              <a:rPr lang="zh-CN" altLang="en-US" sz="3000" dirty="0">
-                <a:solidFill>
-                  <a:srgbClr val="DACD57"/>
-                </a:solidFill>
-                <a:latin typeface="幼圆" panose="02010509060101010101" pitchFamily="49" charset="-122"/>
-                <a:ea typeface="幼圆" panose="02010509060101010101" pitchFamily="49" charset="-122"/>
-                <a:cs typeface="Lao UI" panose="020B0502040204020203" pitchFamily="34" charset="0"/>
-              </a:rPr>
-              <a:t>超文本建模</a:t>
-            </a:r>
-            <a:r>
-              <a:rPr lang="en-US" altLang="zh-CN" sz="3000" dirty="0">
-                <a:solidFill>
-                  <a:srgbClr val="DACD57"/>
-                </a:solidFill>
-                <a:latin typeface="Impact" panose="020B0806030902050204" pitchFamily="34" charset="0"/>
-                <a:ea typeface="Tahoma" panose="020B0604030504040204" pitchFamily="34" charset="0"/>
-                <a:cs typeface="Lao UI" panose="020B0502040204020203" pitchFamily="34" charset="0"/>
-              </a:rPr>
-              <a:t> </a:t>
-            </a:r>
-            <a:endParaRPr lang="zh-CN" altLang="en-US" sz="3000" dirty="0">
-              <a:solidFill>
-                <a:srgbClr val="DACD57"/>
-              </a:solidFill>
-              <a:latin typeface="Impact" panose="020B0806030902050204" pitchFamily="34" charset="0"/>
-              <a:ea typeface="Tahoma" panose="020B0604030504040204" pitchFamily="34" charset="0"/>
-              <a:cs typeface="Lao UI" panose="020B0502040204020203" pitchFamily="34" charset="0"/>
-            </a:endParaRPr>
-          </a:p>
-        </p:txBody>
-      </p:sp>
-      <p:sp>
-        <p:nvSpPr>
-          <p:cNvPr id="7" name="AutoShape 262"/>
-          <p:cNvSpPr>
-            <a:spLocks noChangeAspect="1" noChangeArrowheads="1" noTextEdit="1"/>
-          </p:cNvSpPr>
-          <p:nvPr/>
-        </p:nvSpPr>
-        <p:spPr bwMode="auto">
-          <a:xfrm>
-            <a:off x="10595345" y="715971"/>
-            <a:ext cx="501779" cy="5364674"/>
-          </a:xfrm>
-          <a:prstGeom prst="rect">
-            <a:avLst/>
-          </a:prstGeom>
-          <a:noFill/>
-          <a:ln>
-            <a:noFill/>
-          </a:ln>
-          <a:extLst>
-            <a:ext uri="{909E8E84-426E-40DD-AFC4-6F175D3DCCD1}">
-              <a14:hiddenFill xmlns:a14="http://schemas.microsoft.com/office/drawing/2010/main">
-                <a:solidFill>
-                  <a:srgbClr val="FFFFFF"/>
-                </a:solidFill>
-              </a14:hiddenFill>
-            </a:ext>
-            <a:ext uri="{91240B29-F687-4F45-9708-019B960494DF}">
-              <a14:hiddenLine xmlns:a14="http://schemas.microsoft.com/office/drawing/2010/main" w="9525">
-                <a:solidFill>
-                  <a:srgbClr val="000000"/>
-                </a:solidFill>
-                <a:miter lim="800000"/>
-                <a:headEnd/>
-                <a:tailEnd/>
-              </a14:hiddenLine>
-            </a:ext>
-          </a:extLst>
-        </p:spPr>
-        <p:txBody>
-          <a:bodyPr vert="horz" wrap="square" lIns="91440" tIns="45720" rIns="91440" bIns="45720" numCol="1" anchor="t" anchorCtr="0" compatLnSpc="1"/>
-          <a:lstStyle/>
-          <a:p>
-            <a:endParaRPr lang="zh-CN" altLang="en-US"/>
-          </a:p>
-        </p:txBody>
-      </p:sp>
-      <p:pic>
-        <p:nvPicPr>
-          <p:cNvPr id="4" name="图片 3"/>
-          <p:cNvPicPr>
-            <a:picLocks noChangeAspect="1"/>
-          </p:cNvPicPr>
-          <p:nvPr/>
-        </p:nvPicPr>
-        <p:blipFill>
-          <a:blip r:embed="rId3"/>
-          <a:stretch>
-            <a:fillRect/>
-          </a:stretch>
-        </p:blipFill>
-        <p:spPr>
-          <a:xfrm>
-            <a:off x="2425572" y="162886"/>
-            <a:ext cx="8882575" cy="6435877"/>
-          </a:xfrm>
-          <a:prstGeom prst="rect">
-            <a:avLst/>
-          </a:prstGeom>
-          <a:effectLst>
-            <a:softEdge rad="63500"/>
-          </a:effectLst>
-        </p:spPr>
-      </p:pic>
-    </p:spTree>
-    <p:custDataLst>
-      <p:tags r:id="rId1"/>
-    </p:custDataLst>
-    <p:extLst>
-      <p:ext uri="{BB962C8B-B14F-4D97-AF65-F5344CB8AC3E}">
-        <p14:creationId xmlns:p14="http://schemas.microsoft.com/office/powerpoint/2010/main" val="3983498105"/>
-      </p:ext>
-    </p:extLst>
-  </p:cSld>
-  <p:clrMapOvr>
-    <a:masterClrMapping/>
-  </p:clrMapOvr>
-</p:sld>
-</file>
-
-<file path=ppt/slides/slide18.xml><?xml version="1.0" encoding="utf-8"?>
-<p:sld xmlns:a="http://schemas.openxmlformats.org/drawingml/2006/main" xmlns:r="http://schemas.openxmlformats.org/officeDocument/2006/relationships" xmlns:p="http://schemas.openxmlformats.org/presentationml/2006/main">
-  <p:cSld>
-    <p:spTree>
-      <p:nvGrpSpPr>
-        <p:cNvPr id="1" name=""/>
-        <p:cNvGrpSpPr/>
-        <p:nvPr/>
-      </p:nvGrpSpPr>
-      <p:grpSpPr>
-        <a:xfrm>
-          <a:off x="0" y="0"/>
-          <a:ext cx="0" cy="0"/>
-          <a:chOff x="0" y="0"/>
-          <a:chExt cx="0" cy="0"/>
-        </a:xfrm>
-      </p:grpSpPr>
-      <p:sp>
-        <p:nvSpPr>
-          <p:cNvPr id="5" name="矩形 4"/>
-          <p:cNvSpPr/>
-          <p:nvPr/>
-        </p:nvSpPr>
-        <p:spPr>
-          <a:xfrm>
-            <a:off x="215770" y="162886"/>
-            <a:ext cx="5488016" cy="553085"/>
-          </a:xfrm>
-          <a:prstGeom prst="rect">
-            <a:avLst/>
-          </a:prstGeom>
-        </p:spPr>
-        <p:txBody>
-          <a:bodyPr wrap="square">
-            <a:spAutoFit/>
-          </a:bodyPr>
-          <a:lstStyle/>
-          <a:p>
-            <a:r>
-              <a:rPr lang="zh-CN" altLang="en-US" sz="3000" dirty="0">
-                <a:solidFill>
-                  <a:srgbClr val="DACD57"/>
-                </a:solidFill>
-                <a:latin typeface="幼圆" panose="02010509060101010101" pitchFamily="49" charset="-122"/>
-                <a:ea typeface="幼圆" panose="02010509060101010101" pitchFamily="49" charset="-122"/>
-                <a:cs typeface="Lao UI" panose="020B0502040204020203" pitchFamily="34" charset="0"/>
-              </a:rPr>
-              <a:t>适应性建模</a:t>
-            </a:r>
-            <a:r>
-              <a:rPr lang="en-US" altLang="zh-CN" sz="3000" dirty="0">
-                <a:solidFill>
-                  <a:srgbClr val="DACD57"/>
-                </a:solidFill>
-                <a:latin typeface="Impact" panose="020B0806030902050204" pitchFamily="34" charset="0"/>
-                <a:ea typeface="Tahoma" panose="020B0604030504040204" pitchFamily="34" charset="0"/>
-                <a:cs typeface="Lao UI" panose="020B0502040204020203" pitchFamily="34" charset="0"/>
-              </a:rPr>
-              <a:t> </a:t>
-            </a:r>
-            <a:endParaRPr lang="zh-CN" altLang="en-US" sz="3000" dirty="0">
-              <a:solidFill>
-                <a:srgbClr val="DACD57"/>
-              </a:solidFill>
-              <a:latin typeface="Impact" panose="020B0806030902050204" pitchFamily="34" charset="0"/>
-              <a:ea typeface="Tahoma" panose="020B0604030504040204" pitchFamily="34" charset="0"/>
-              <a:cs typeface="Lao UI" panose="020B0502040204020203" pitchFamily="34" charset="0"/>
-            </a:endParaRPr>
-          </a:p>
-        </p:txBody>
-      </p:sp>
-      <p:sp>
-        <p:nvSpPr>
-          <p:cNvPr id="7" name="AutoShape 262"/>
-          <p:cNvSpPr>
-            <a:spLocks noChangeAspect="1" noChangeArrowheads="1" noTextEdit="1"/>
-          </p:cNvSpPr>
-          <p:nvPr/>
-        </p:nvSpPr>
-        <p:spPr bwMode="auto">
-          <a:xfrm>
-            <a:off x="10595345" y="715971"/>
-            <a:ext cx="501779" cy="5364674"/>
-          </a:xfrm>
-          <a:prstGeom prst="rect">
-            <a:avLst/>
-          </a:prstGeom>
-          <a:noFill/>
-          <a:ln>
-            <a:noFill/>
-          </a:ln>
-          <a:extLst>
-            <a:ext uri="{909E8E84-426E-40DD-AFC4-6F175D3DCCD1}">
-              <a14:hiddenFill xmlns:a14="http://schemas.microsoft.com/office/drawing/2010/main">
-                <a:solidFill>
-                  <a:srgbClr val="FFFFFF"/>
-                </a:solidFill>
-              </a14:hiddenFill>
-            </a:ext>
-            <a:ext uri="{91240B29-F687-4F45-9708-019B960494DF}">
-              <a14:hiddenLine xmlns:a14="http://schemas.microsoft.com/office/drawing/2010/main" w="9525">
-                <a:solidFill>
-                  <a:srgbClr val="000000"/>
-                </a:solidFill>
-                <a:miter lim="800000"/>
-                <a:headEnd/>
-                <a:tailEnd/>
-              </a14:hiddenLine>
-            </a:ext>
-          </a:extLst>
-        </p:spPr>
-        <p:txBody>
-          <a:bodyPr vert="horz" wrap="square" lIns="91440" tIns="45720" rIns="91440" bIns="45720" numCol="1" anchor="t" anchorCtr="0" compatLnSpc="1"/>
-          <a:lstStyle/>
-          <a:p>
-            <a:endParaRPr lang="zh-CN" altLang="en-US"/>
-          </a:p>
-        </p:txBody>
-      </p:sp>
-    </p:spTree>
-    <p:custDataLst>
-      <p:tags r:id="rId1"/>
-    </p:custDataLst>
-    <p:extLst>
-      <p:ext uri="{BB962C8B-B14F-4D97-AF65-F5344CB8AC3E}">
-        <p14:creationId xmlns:p14="http://schemas.microsoft.com/office/powerpoint/2010/main" val="3426821584"/>
-      </p:ext>
-    </p:extLst>
-  </p:cSld>
-  <p:clrMapOvr>
-    <a:masterClrMapping/>
-  </p:clrMapOvr>
-</p:sld>
-</file>
-
-<file path=ppt/slides/slide19.xml><?xml version="1.0" encoding="utf-8"?>
-<p:sld xmlns:a="http://schemas.openxmlformats.org/drawingml/2006/main" xmlns:r="http://schemas.openxmlformats.org/officeDocument/2006/relationships" xmlns:p="http://schemas.openxmlformats.org/presentationml/2006/main">
-  <p:cSld>
-    <p:spTree>
-      <p:nvGrpSpPr>
-        <p:cNvPr id="1" name=""/>
-        <p:cNvGrpSpPr/>
-        <p:nvPr/>
-      </p:nvGrpSpPr>
-      <p:grpSpPr>
-        <a:xfrm>
-          <a:off x="0" y="0"/>
-          <a:ext cx="0" cy="0"/>
-          <a:chOff x="0" y="0"/>
-          <a:chExt cx="0" cy="0"/>
-        </a:xfrm>
-      </p:grpSpPr>
-      <p:sp>
-        <p:nvSpPr>
-          <p:cNvPr id="5" name="矩形 4"/>
-          <p:cNvSpPr/>
-          <p:nvPr/>
-        </p:nvSpPr>
-        <p:spPr>
-          <a:xfrm>
-            <a:off x="215770" y="162886"/>
-            <a:ext cx="5488016" cy="553085"/>
-          </a:xfrm>
-          <a:prstGeom prst="rect">
-            <a:avLst/>
-          </a:prstGeom>
-        </p:spPr>
-        <p:txBody>
-          <a:bodyPr wrap="square">
-            <a:spAutoFit/>
-          </a:bodyPr>
-          <a:lstStyle/>
-          <a:p>
-            <a:r>
-              <a:rPr lang="zh-CN" altLang="en-US" sz="3000" dirty="0">
-                <a:solidFill>
-                  <a:srgbClr val="DACD57"/>
-                </a:solidFill>
-                <a:latin typeface="幼圆" panose="02010509060101010101" pitchFamily="49" charset="-122"/>
-                <a:ea typeface="幼圆" panose="02010509060101010101" pitchFamily="49" charset="-122"/>
-                <a:cs typeface="Lao UI" panose="020B0502040204020203" pitchFamily="34" charset="0"/>
-              </a:rPr>
-              <a:t>适应性建模</a:t>
-            </a:r>
-            <a:r>
-              <a:rPr lang="en-US" altLang="zh-CN" sz="3000" dirty="0">
-                <a:solidFill>
-                  <a:srgbClr val="DACD57"/>
-                </a:solidFill>
-                <a:latin typeface="Impact" panose="020B0806030902050204" pitchFamily="34" charset="0"/>
-                <a:ea typeface="Tahoma" panose="020B0604030504040204" pitchFamily="34" charset="0"/>
-                <a:cs typeface="Lao UI" panose="020B0502040204020203" pitchFamily="34" charset="0"/>
-              </a:rPr>
-              <a:t> </a:t>
-            </a:r>
-            <a:endParaRPr lang="zh-CN" altLang="en-US" sz="3000" dirty="0">
-              <a:solidFill>
-                <a:srgbClr val="DACD57"/>
-              </a:solidFill>
-              <a:latin typeface="Impact" panose="020B0806030902050204" pitchFamily="34" charset="0"/>
-              <a:ea typeface="Tahoma" panose="020B0604030504040204" pitchFamily="34" charset="0"/>
-              <a:cs typeface="Lao UI" panose="020B0502040204020203" pitchFamily="34" charset="0"/>
-            </a:endParaRPr>
-          </a:p>
-        </p:txBody>
-      </p:sp>
-      <p:sp>
-        <p:nvSpPr>
-          <p:cNvPr id="7" name="AutoShape 262"/>
-          <p:cNvSpPr>
-            <a:spLocks noChangeAspect="1" noChangeArrowheads="1" noTextEdit="1"/>
-          </p:cNvSpPr>
-          <p:nvPr/>
-        </p:nvSpPr>
-        <p:spPr bwMode="auto">
-          <a:xfrm>
-            <a:off x="10595345" y="715971"/>
-            <a:ext cx="501779" cy="5364674"/>
-          </a:xfrm>
-          <a:prstGeom prst="rect">
-            <a:avLst/>
-          </a:prstGeom>
-          <a:noFill/>
-          <a:ln>
-            <a:noFill/>
-          </a:ln>
-          <a:extLst>
-            <a:ext uri="{909E8E84-426E-40DD-AFC4-6F175D3DCCD1}">
-              <a14:hiddenFill xmlns:a14="http://schemas.microsoft.com/office/drawing/2010/main">
-                <a:solidFill>
-                  <a:srgbClr val="FFFFFF"/>
-                </a:solidFill>
-              </a14:hiddenFill>
-            </a:ext>
-            <a:ext uri="{91240B29-F687-4F45-9708-019B960494DF}">
-              <a14:hiddenLine xmlns:a14="http://schemas.microsoft.com/office/drawing/2010/main" w="9525">
-                <a:solidFill>
-                  <a:srgbClr val="000000"/>
-                </a:solidFill>
-                <a:miter lim="800000"/>
-                <a:headEnd/>
-                <a:tailEnd/>
-              </a14:hiddenLine>
-            </a:ext>
-          </a:extLst>
-        </p:spPr>
-        <p:txBody>
-          <a:bodyPr vert="horz" wrap="square" lIns="91440" tIns="45720" rIns="91440" bIns="45720" numCol="1" anchor="t" anchorCtr="0" compatLnSpc="1"/>
-          <a:lstStyle/>
-          <a:p>
-            <a:endParaRPr lang="zh-CN" altLang="en-US"/>
-          </a:p>
-        </p:txBody>
-      </p:sp>
-    </p:spTree>
-    <p:custDataLst>
-      <p:tags r:id="rId1"/>
-    </p:custDataLst>
-    <p:extLst>
-      <p:ext uri="{BB962C8B-B14F-4D97-AF65-F5344CB8AC3E}">
-        <p14:creationId xmlns:p14="http://schemas.microsoft.com/office/powerpoint/2010/main" val="2828648367"/>
-      </p:ext>
-    </p:extLst>
   </p:cSld>
   <p:clrMapOvr>
     <a:masterClrMapping/>
@@ -13883,292 +15112,1431 @@
   <p:clrMapOvr>
     <a:masterClrMapping/>
   </p:clrMapOvr>
+  <p:timing>
+    <p:tnLst>
+      <p:par>
+        <p:cTn id="1" dur="indefinite" restart="never" nodeType="tmRoot">
+          <p:childTnLst>
+            <p:seq concurrent="1" nextAc="seek">
+              <p:cTn id="2" dur="indefinite" nodeType="mainSeq">
+                <p:childTnLst>
+                  <p:par>
+                    <p:cTn id="3" fill="hold">
+                      <p:stCondLst>
+                        <p:cond delay="indefinite"/>
+                        <p:cond evt="onBegin" delay="0">
+                          <p:tn val="2"/>
+                        </p:cond>
+                      </p:stCondLst>
+                      <p:childTnLst>
+                        <p:par>
+                          <p:cTn id="4" fill="hold">
+                            <p:stCondLst>
+                              <p:cond delay="0"/>
+                            </p:stCondLst>
+                            <p:childTnLst>
+                              <p:par>
+                                <p:cTn id="5" presetID="2" presetClass="entr" presetSubtype="8" fill="hold" grpId="0" nodeType="withEffect">
+                                  <p:stCondLst>
+                                    <p:cond delay="0"/>
+                                  </p:stCondLst>
+                                  <p:childTnLst>
+                                    <p:set>
+                                      <p:cBhvr>
+                                        <p:cTn id="6" dur="1" fill="hold">
+                                          <p:stCondLst>
+                                            <p:cond delay="0"/>
+                                          </p:stCondLst>
+                                        </p:cTn>
+                                        <p:tgtEl>
+                                          <p:spTgt spid="16"/>
+                                        </p:tgtEl>
+                                        <p:attrNameLst>
+                                          <p:attrName>style.visibility</p:attrName>
+                                        </p:attrNameLst>
+                                      </p:cBhvr>
+                                      <p:to>
+                                        <p:strVal val="visible"/>
+                                      </p:to>
+                                    </p:set>
+                                    <p:anim calcmode="lin" valueType="num">
+                                      <p:cBhvr additive="base">
+                                        <p:cTn id="7" dur="200" fill="hold"/>
+                                        <p:tgtEl>
+                                          <p:spTgt spid="16"/>
+                                        </p:tgtEl>
+                                        <p:attrNameLst>
+                                          <p:attrName>ppt_x</p:attrName>
+                                        </p:attrNameLst>
+                                      </p:cBhvr>
+                                      <p:tavLst>
+                                        <p:tav tm="0">
+                                          <p:val>
+                                            <p:strVal val="0-#ppt_w/2"/>
+                                          </p:val>
+                                        </p:tav>
+                                        <p:tav tm="100000">
+                                          <p:val>
+                                            <p:strVal val="#ppt_x"/>
+                                          </p:val>
+                                        </p:tav>
+                                      </p:tavLst>
+                                    </p:anim>
+                                    <p:anim calcmode="lin" valueType="num">
+                                      <p:cBhvr additive="base">
+                                        <p:cTn id="8" dur="200" fill="hold"/>
+                                        <p:tgtEl>
+                                          <p:spTgt spid="16"/>
+                                        </p:tgtEl>
+                                        <p:attrNameLst>
+                                          <p:attrName>ppt_y</p:attrName>
+                                        </p:attrNameLst>
+                                      </p:cBhvr>
+                                      <p:tavLst>
+                                        <p:tav tm="0">
+                                          <p:val>
+                                            <p:strVal val="#ppt_y"/>
+                                          </p:val>
+                                        </p:tav>
+                                        <p:tav tm="100000">
+                                          <p:val>
+                                            <p:strVal val="#ppt_y"/>
+                                          </p:val>
+                                        </p:tav>
+                                      </p:tavLst>
+                                    </p:anim>
+                                  </p:childTnLst>
+                                </p:cTn>
+                              </p:par>
+                              <p:par>
+                                <p:cTn id="9" presetID="2" presetClass="entr" presetSubtype="8" fill="hold" grpId="0" nodeType="withEffect">
+                                  <p:stCondLst>
+                                    <p:cond delay="0"/>
+                                  </p:stCondLst>
+                                  <p:childTnLst>
+                                    <p:set>
+                                      <p:cBhvr>
+                                        <p:cTn id="10" dur="1" fill="hold">
+                                          <p:stCondLst>
+                                            <p:cond delay="0"/>
+                                          </p:stCondLst>
+                                        </p:cTn>
+                                        <p:tgtEl>
+                                          <p:spTgt spid="12"/>
+                                        </p:tgtEl>
+                                        <p:attrNameLst>
+                                          <p:attrName>style.visibility</p:attrName>
+                                        </p:attrNameLst>
+                                      </p:cBhvr>
+                                      <p:to>
+                                        <p:strVal val="visible"/>
+                                      </p:to>
+                                    </p:set>
+                                    <p:anim calcmode="lin" valueType="num">
+                                      <p:cBhvr additive="base">
+                                        <p:cTn id="11" dur="200" fill="hold"/>
+                                        <p:tgtEl>
+                                          <p:spTgt spid="12"/>
+                                        </p:tgtEl>
+                                        <p:attrNameLst>
+                                          <p:attrName>ppt_x</p:attrName>
+                                        </p:attrNameLst>
+                                      </p:cBhvr>
+                                      <p:tavLst>
+                                        <p:tav tm="0">
+                                          <p:val>
+                                            <p:strVal val="0-#ppt_w/2"/>
+                                          </p:val>
+                                        </p:tav>
+                                        <p:tav tm="100000">
+                                          <p:val>
+                                            <p:strVal val="#ppt_x"/>
+                                          </p:val>
+                                        </p:tav>
+                                      </p:tavLst>
+                                    </p:anim>
+                                    <p:anim calcmode="lin" valueType="num">
+                                      <p:cBhvr additive="base">
+                                        <p:cTn id="12" dur="200" fill="hold"/>
+                                        <p:tgtEl>
+                                          <p:spTgt spid="12"/>
+                                        </p:tgtEl>
+                                        <p:attrNameLst>
+                                          <p:attrName>ppt_y</p:attrName>
+                                        </p:attrNameLst>
+                                      </p:cBhvr>
+                                      <p:tavLst>
+                                        <p:tav tm="0">
+                                          <p:val>
+                                            <p:strVal val="#ppt_y"/>
+                                          </p:val>
+                                        </p:tav>
+                                        <p:tav tm="100000">
+                                          <p:val>
+                                            <p:strVal val="#ppt_y"/>
+                                          </p:val>
+                                        </p:tav>
+                                      </p:tavLst>
+                                    </p:anim>
+                                  </p:childTnLst>
+                                </p:cTn>
+                              </p:par>
+                              <p:par>
+                                <p:cTn id="13" presetID="2" presetClass="entr" presetSubtype="8" fill="hold" grpId="0" nodeType="withEffect">
+                                  <p:stCondLst>
+                                    <p:cond delay="0"/>
+                                  </p:stCondLst>
+                                  <p:childTnLst>
+                                    <p:set>
+                                      <p:cBhvr>
+                                        <p:cTn id="14" dur="1" fill="hold">
+                                          <p:stCondLst>
+                                            <p:cond delay="0"/>
+                                          </p:stCondLst>
+                                        </p:cTn>
+                                        <p:tgtEl>
+                                          <p:spTgt spid="20"/>
+                                        </p:tgtEl>
+                                        <p:attrNameLst>
+                                          <p:attrName>style.visibility</p:attrName>
+                                        </p:attrNameLst>
+                                      </p:cBhvr>
+                                      <p:to>
+                                        <p:strVal val="visible"/>
+                                      </p:to>
+                                    </p:set>
+                                    <p:anim calcmode="lin" valueType="num">
+                                      <p:cBhvr additive="base">
+                                        <p:cTn id="15" dur="200" fill="hold"/>
+                                        <p:tgtEl>
+                                          <p:spTgt spid="20"/>
+                                        </p:tgtEl>
+                                        <p:attrNameLst>
+                                          <p:attrName>ppt_x</p:attrName>
+                                        </p:attrNameLst>
+                                      </p:cBhvr>
+                                      <p:tavLst>
+                                        <p:tav tm="0">
+                                          <p:val>
+                                            <p:strVal val="0-#ppt_w/2"/>
+                                          </p:val>
+                                        </p:tav>
+                                        <p:tav tm="100000">
+                                          <p:val>
+                                            <p:strVal val="#ppt_x"/>
+                                          </p:val>
+                                        </p:tav>
+                                      </p:tavLst>
+                                    </p:anim>
+                                    <p:anim calcmode="lin" valueType="num">
+                                      <p:cBhvr additive="base">
+                                        <p:cTn id="16" dur="200" fill="hold"/>
+                                        <p:tgtEl>
+                                          <p:spTgt spid="20"/>
+                                        </p:tgtEl>
+                                        <p:attrNameLst>
+                                          <p:attrName>ppt_y</p:attrName>
+                                        </p:attrNameLst>
+                                      </p:cBhvr>
+                                      <p:tavLst>
+                                        <p:tav tm="0">
+                                          <p:val>
+                                            <p:strVal val="#ppt_y"/>
+                                          </p:val>
+                                        </p:tav>
+                                        <p:tav tm="100000">
+                                          <p:val>
+                                            <p:strVal val="#ppt_y"/>
+                                          </p:val>
+                                        </p:tav>
+                                      </p:tavLst>
+                                    </p:anim>
+                                  </p:childTnLst>
+                                </p:cTn>
+                              </p:par>
+                              <p:par>
+                                <p:cTn id="17" presetID="2" presetClass="entr" presetSubtype="8" fill="hold" grpId="0" nodeType="withEffect">
+                                  <p:stCondLst>
+                                    <p:cond delay="0"/>
+                                  </p:stCondLst>
+                                  <p:childTnLst>
+                                    <p:set>
+                                      <p:cBhvr>
+                                        <p:cTn id="18" dur="1" fill="hold">
+                                          <p:stCondLst>
+                                            <p:cond delay="0"/>
+                                          </p:stCondLst>
+                                        </p:cTn>
+                                        <p:tgtEl>
+                                          <p:spTgt spid="24"/>
+                                        </p:tgtEl>
+                                        <p:attrNameLst>
+                                          <p:attrName>style.visibility</p:attrName>
+                                        </p:attrNameLst>
+                                      </p:cBhvr>
+                                      <p:to>
+                                        <p:strVal val="visible"/>
+                                      </p:to>
+                                    </p:set>
+                                    <p:anim calcmode="lin" valueType="num">
+                                      <p:cBhvr additive="base">
+                                        <p:cTn id="19" dur="200" fill="hold"/>
+                                        <p:tgtEl>
+                                          <p:spTgt spid="24"/>
+                                        </p:tgtEl>
+                                        <p:attrNameLst>
+                                          <p:attrName>ppt_x</p:attrName>
+                                        </p:attrNameLst>
+                                      </p:cBhvr>
+                                      <p:tavLst>
+                                        <p:tav tm="0">
+                                          <p:val>
+                                            <p:strVal val="0-#ppt_w/2"/>
+                                          </p:val>
+                                        </p:tav>
+                                        <p:tav tm="100000">
+                                          <p:val>
+                                            <p:strVal val="#ppt_x"/>
+                                          </p:val>
+                                        </p:tav>
+                                      </p:tavLst>
+                                    </p:anim>
+                                    <p:anim calcmode="lin" valueType="num">
+                                      <p:cBhvr additive="base">
+                                        <p:cTn id="20" dur="200" fill="hold"/>
+                                        <p:tgtEl>
+                                          <p:spTgt spid="24"/>
+                                        </p:tgtEl>
+                                        <p:attrNameLst>
+                                          <p:attrName>ppt_y</p:attrName>
+                                        </p:attrNameLst>
+                                      </p:cBhvr>
+                                      <p:tavLst>
+                                        <p:tav tm="0">
+                                          <p:val>
+                                            <p:strVal val="#ppt_y"/>
+                                          </p:val>
+                                        </p:tav>
+                                        <p:tav tm="100000">
+                                          <p:val>
+                                            <p:strVal val="#ppt_y"/>
+                                          </p:val>
+                                        </p:tav>
+                                      </p:tavLst>
+                                    </p:anim>
+                                  </p:childTnLst>
+                                </p:cTn>
+                              </p:par>
+                            </p:childTnLst>
+                          </p:cTn>
+                        </p:par>
+                        <p:par>
+                          <p:cTn id="21" fill="hold">
+                            <p:stCondLst>
+                              <p:cond delay="200"/>
+                            </p:stCondLst>
+                            <p:childTnLst>
+                              <p:par>
+                                <p:cTn id="22" presetID="2" presetClass="entr" presetSubtype="8" fill="hold" grpId="0" nodeType="afterEffect">
+                                  <p:stCondLst>
+                                    <p:cond delay="0"/>
+                                  </p:stCondLst>
+                                  <p:childTnLst>
+                                    <p:set>
+                                      <p:cBhvr>
+                                        <p:cTn id="23" dur="1" fill="hold">
+                                          <p:stCondLst>
+                                            <p:cond delay="0"/>
+                                          </p:stCondLst>
+                                        </p:cTn>
+                                        <p:tgtEl>
+                                          <p:spTgt spid="17"/>
+                                        </p:tgtEl>
+                                        <p:attrNameLst>
+                                          <p:attrName>style.visibility</p:attrName>
+                                        </p:attrNameLst>
+                                      </p:cBhvr>
+                                      <p:to>
+                                        <p:strVal val="visible"/>
+                                      </p:to>
+                                    </p:set>
+                                    <p:anim calcmode="lin" valueType="num">
+                                      <p:cBhvr additive="base">
+                                        <p:cTn id="24" dur="200" fill="hold"/>
+                                        <p:tgtEl>
+                                          <p:spTgt spid="17"/>
+                                        </p:tgtEl>
+                                        <p:attrNameLst>
+                                          <p:attrName>ppt_x</p:attrName>
+                                        </p:attrNameLst>
+                                      </p:cBhvr>
+                                      <p:tavLst>
+                                        <p:tav tm="0">
+                                          <p:val>
+                                            <p:strVal val="0-#ppt_w/2"/>
+                                          </p:val>
+                                        </p:tav>
+                                        <p:tav tm="100000">
+                                          <p:val>
+                                            <p:strVal val="#ppt_x"/>
+                                          </p:val>
+                                        </p:tav>
+                                      </p:tavLst>
+                                    </p:anim>
+                                    <p:anim calcmode="lin" valueType="num">
+                                      <p:cBhvr additive="base">
+                                        <p:cTn id="25" dur="200" fill="hold"/>
+                                        <p:tgtEl>
+                                          <p:spTgt spid="17"/>
+                                        </p:tgtEl>
+                                        <p:attrNameLst>
+                                          <p:attrName>ppt_y</p:attrName>
+                                        </p:attrNameLst>
+                                      </p:cBhvr>
+                                      <p:tavLst>
+                                        <p:tav tm="0">
+                                          <p:val>
+                                            <p:strVal val="#ppt_y"/>
+                                          </p:val>
+                                        </p:tav>
+                                        <p:tav tm="100000">
+                                          <p:val>
+                                            <p:strVal val="#ppt_y"/>
+                                          </p:val>
+                                        </p:tav>
+                                      </p:tavLst>
+                                    </p:anim>
+                                  </p:childTnLst>
+                                </p:cTn>
+                              </p:par>
+                              <p:par>
+                                <p:cTn id="26" presetID="2" presetClass="entr" presetSubtype="8" fill="hold" grpId="0" nodeType="withEffect">
+                                  <p:stCondLst>
+                                    <p:cond delay="0"/>
+                                  </p:stCondLst>
+                                  <p:childTnLst>
+                                    <p:set>
+                                      <p:cBhvr>
+                                        <p:cTn id="27" dur="1" fill="hold">
+                                          <p:stCondLst>
+                                            <p:cond delay="0"/>
+                                          </p:stCondLst>
+                                        </p:cTn>
+                                        <p:tgtEl>
+                                          <p:spTgt spid="21"/>
+                                        </p:tgtEl>
+                                        <p:attrNameLst>
+                                          <p:attrName>style.visibility</p:attrName>
+                                        </p:attrNameLst>
+                                      </p:cBhvr>
+                                      <p:to>
+                                        <p:strVal val="visible"/>
+                                      </p:to>
+                                    </p:set>
+                                    <p:anim calcmode="lin" valueType="num">
+                                      <p:cBhvr additive="base">
+                                        <p:cTn id="28" dur="200" fill="hold"/>
+                                        <p:tgtEl>
+                                          <p:spTgt spid="21"/>
+                                        </p:tgtEl>
+                                        <p:attrNameLst>
+                                          <p:attrName>ppt_x</p:attrName>
+                                        </p:attrNameLst>
+                                      </p:cBhvr>
+                                      <p:tavLst>
+                                        <p:tav tm="0">
+                                          <p:val>
+                                            <p:strVal val="0-#ppt_w/2"/>
+                                          </p:val>
+                                        </p:tav>
+                                        <p:tav tm="100000">
+                                          <p:val>
+                                            <p:strVal val="#ppt_x"/>
+                                          </p:val>
+                                        </p:tav>
+                                      </p:tavLst>
+                                    </p:anim>
+                                    <p:anim calcmode="lin" valueType="num">
+                                      <p:cBhvr additive="base">
+                                        <p:cTn id="29" dur="200" fill="hold"/>
+                                        <p:tgtEl>
+                                          <p:spTgt spid="21"/>
+                                        </p:tgtEl>
+                                        <p:attrNameLst>
+                                          <p:attrName>ppt_y</p:attrName>
+                                        </p:attrNameLst>
+                                      </p:cBhvr>
+                                      <p:tavLst>
+                                        <p:tav tm="0">
+                                          <p:val>
+                                            <p:strVal val="#ppt_y"/>
+                                          </p:val>
+                                        </p:tav>
+                                        <p:tav tm="100000">
+                                          <p:val>
+                                            <p:strVal val="#ppt_y"/>
+                                          </p:val>
+                                        </p:tav>
+                                      </p:tavLst>
+                                    </p:anim>
+                                  </p:childTnLst>
+                                </p:cTn>
+                              </p:par>
+                              <p:par>
+                                <p:cTn id="30" presetID="2" presetClass="entr" presetSubtype="8" fill="hold" grpId="0" nodeType="withEffect">
+                                  <p:stCondLst>
+                                    <p:cond delay="0"/>
+                                  </p:stCondLst>
+                                  <p:childTnLst>
+                                    <p:set>
+                                      <p:cBhvr>
+                                        <p:cTn id="31" dur="1" fill="hold">
+                                          <p:stCondLst>
+                                            <p:cond delay="0"/>
+                                          </p:stCondLst>
+                                        </p:cTn>
+                                        <p:tgtEl>
+                                          <p:spTgt spid="25"/>
+                                        </p:tgtEl>
+                                        <p:attrNameLst>
+                                          <p:attrName>style.visibility</p:attrName>
+                                        </p:attrNameLst>
+                                      </p:cBhvr>
+                                      <p:to>
+                                        <p:strVal val="visible"/>
+                                      </p:to>
+                                    </p:set>
+                                    <p:anim calcmode="lin" valueType="num">
+                                      <p:cBhvr additive="base">
+                                        <p:cTn id="32" dur="200" fill="hold"/>
+                                        <p:tgtEl>
+                                          <p:spTgt spid="25"/>
+                                        </p:tgtEl>
+                                        <p:attrNameLst>
+                                          <p:attrName>ppt_x</p:attrName>
+                                        </p:attrNameLst>
+                                      </p:cBhvr>
+                                      <p:tavLst>
+                                        <p:tav tm="0">
+                                          <p:val>
+                                            <p:strVal val="0-#ppt_w/2"/>
+                                          </p:val>
+                                        </p:tav>
+                                        <p:tav tm="100000">
+                                          <p:val>
+                                            <p:strVal val="#ppt_x"/>
+                                          </p:val>
+                                        </p:tav>
+                                      </p:tavLst>
+                                    </p:anim>
+                                    <p:anim calcmode="lin" valueType="num">
+                                      <p:cBhvr additive="base">
+                                        <p:cTn id="33" dur="200" fill="hold"/>
+                                        <p:tgtEl>
+                                          <p:spTgt spid="25"/>
+                                        </p:tgtEl>
+                                        <p:attrNameLst>
+                                          <p:attrName>ppt_y</p:attrName>
+                                        </p:attrNameLst>
+                                      </p:cBhvr>
+                                      <p:tavLst>
+                                        <p:tav tm="0">
+                                          <p:val>
+                                            <p:strVal val="#ppt_y"/>
+                                          </p:val>
+                                        </p:tav>
+                                        <p:tav tm="100000">
+                                          <p:val>
+                                            <p:strVal val="#ppt_y"/>
+                                          </p:val>
+                                        </p:tav>
+                                      </p:tavLst>
+                                    </p:anim>
+                                  </p:childTnLst>
+                                </p:cTn>
+                              </p:par>
+                            </p:childTnLst>
+                          </p:cTn>
+                        </p:par>
+                        <p:par>
+                          <p:cTn id="34" fill="hold">
+                            <p:stCondLst>
+                              <p:cond delay="400"/>
+                            </p:stCondLst>
+                            <p:childTnLst>
+                              <p:par>
+                                <p:cTn id="35" presetID="2" presetClass="entr" presetSubtype="8" fill="hold" grpId="0" nodeType="afterEffect">
+                                  <p:stCondLst>
+                                    <p:cond delay="0"/>
+                                  </p:stCondLst>
+                                  <p:childTnLst>
+                                    <p:set>
+                                      <p:cBhvr>
+                                        <p:cTn id="36" dur="1" fill="hold">
+                                          <p:stCondLst>
+                                            <p:cond delay="0"/>
+                                          </p:stCondLst>
+                                        </p:cTn>
+                                        <p:tgtEl>
+                                          <p:spTgt spid="18"/>
+                                        </p:tgtEl>
+                                        <p:attrNameLst>
+                                          <p:attrName>style.visibility</p:attrName>
+                                        </p:attrNameLst>
+                                      </p:cBhvr>
+                                      <p:to>
+                                        <p:strVal val="visible"/>
+                                      </p:to>
+                                    </p:set>
+                                    <p:anim calcmode="lin" valueType="num">
+                                      <p:cBhvr additive="base">
+                                        <p:cTn id="37" dur="200" fill="hold"/>
+                                        <p:tgtEl>
+                                          <p:spTgt spid="18"/>
+                                        </p:tgtEl>
+                                        <p:attrNameLst>
+                                          <p:attrName>ppt_x</p:attrName>
+                                        </p:attrNameLst>
+                                      </p:cBhvr>
+                                      <p:tavLst>
+                                        <p:tav tm="0">
+                                          <p:val>
+                                            <p:strVal val="0-#ppt_w/2"/>
+                                          </p:val>
+                                        </p:tav>
+                                        <p:tav tm="100000">
+                                          <p:val>
+                                            <p:strVal val="#ppt_x"/>
+                                          </p:val>
+                                        </p:tav>
+                                      </p:tavLst>
+                                    </p:anim>
+                                    <p:anim calcmode="lin" valueType="num">
+                                      <p:cBhvr additive="base">
+                                        <p:cTn id="38" dur="200" fill="hold"/>
+                                        <p:tgtEl>
+                                          <p:spTgt spid="18"/>
+                                        </p:tgtEl>
+                                        <p:attrNameLst>
+                                          <p:attrName>ppt_y</p:attrName>
+                                        </p:attrNameLst>
+                                      </p:cBhvr>
+                                      <p:tavLst>
+                                        <p:tav tm="0">
+                                          <p:val>
+                                            <p:strVal val="#ppt_y"/>
+                                          </p:val>
+                                        </p:tav>
+                                        <p:tav tm="100000">
+                                          <p:val>
+                                            <p:strVal val="#ppt_y"/>
+                                          </p:val>
+                                        </p:tav>
+                                      </p:tavLst>
+                                    </p:anim>
+                                  </p:childTnLst>
+                                </p:cTn>
+                              </p:par>
+                              <p:par>
+                                <p:cTn id="39" presetID="2" presetClass="entr" presetSubtype="8" fill="hold" grpId="0" nodeType="withEffect">
+                                  <p:stCondLst>
+                                    <p:cond delay="0"/>
+                                  </p:stCondLst>
+                                  <p:childTnLst>
+                                    <p:set>
+                                      <p:cBhvr>
+                                        <p:cTn id="40" dur="1" fill="hold">
+                                          <p:stCondLst>
+                                            <p:cond delay="0"/>
+                                          </p:stCondLst>
+                                        </p:cTn>
+                                        <p:tgtEl>
+                                          <p:spTgt spid="22"/>
+                                        </p:tgtEl>
+                                        <p:attrNameLst>
+                                          <p:attrName>style.visibility</p:attrName>
+                                        </p:attrNameLst>
+                                      </p:cBhvr>
+                                      <p:to>
+                                        <p:strVal val="visible"/>
+                                      </p:to>
+                                    </p:set>
+                                    <p:anim calcmode="lin" valueType="num">
+                                      <p:cBhvr additive="base">
+                                        <p:cTn id="41" dur="200" fill="hold"/>
+                                        <p:tgtEl>
+                                          <p:spTgt spid="22"/>
+                                        </p:tgtEl>
+                                        <p:attrNameLst>
+                                          <p:attrName>ppt_x</p:attrName>
+                                        </p:attrNameLst>
+                                      </p:cBhvr>
+                                      <p:tavLst>
+                                        <p:tav tm="0">
+                                          <p:val>
+                                            <p:strVal val="0-#ppt_w/2"/>
+                                          </p:val>
+                                        </p:tav>
+                                        <p:tav tm="100000">
+                                          <p:val>
+                                            <p:strVal val="#ppt_x"/>
+                                          </p:val>
+                                        </p:tav>
+                                      </p:tavLst>
+                                    </p:anim>
+                                    <p:anim calcmode="lin" valueType="num">
+                                      <p:cBhvr additive="base">
+                                        <p:cTn id="42" dur="200" fill="hold"/>
+                                        <p:tgtEl>
+                                          <p:spTgt spid="22"/>
+                                        </p:tgtEl>
+                                        <p:attrNameLst>
+                                          <p:attrName>ppt_y</p:attrName>
+                                        </p:attrNameLst>
+                                      </p:cBhvr>
+                                      <p:tavLst>
+                                        <p:tav tm="0">
+                                          <p:val>
+                                            <p:strVal val="#ppt_y"/>
+                                          </p:val>
+                                        </p:tav>
+                                        <p:tav tm="100000">
+                                          <p:val>
+                                            <p:strVal val="#ppt_y"/>
+                                          </p:val>
+                                        </p:tav>
+                                      </p:tavLst>
+                                    </p:anim>
+                                  </p:childTnLst>
+                                </p:cTn>
+                              </p:par>
+                              <p:par>
+                                <p:cTn id="43" presetID="2" presetClass="entr" presetSubtype="8" fill="hold" grpId="0" nodeType="withEffect">
+                                  <p:stCondLst>
+                                    <p:cond delay="0"/>
+                                  </p:stCondLst>
+                                  <p:childTnLst>
+                                    <p:set>
+                                      <p:cBhvr>
+                                        <p:cTn id="44" dur="1" fill="hold">
+                                          <p:stCondLst>
+                                            <p:cond delay="0"/>
+                                          </p:stCondLst>
+                                        </p:cTn>
+                                        <p:tgtEl>
+                                          <p:spTgt spid="26"/>
+                                        </p:tgtEl>
+                                        <p:attrNameLst>
+                                          <p:attrName>style.visibility</p:attrName>
+                                        </p:attrNameLst>
+                                      </p:cBhvr>
+                                      <p:to>
+                                        <p:strVal val="visible"/>
+                                      </p:to>
+                                    </p:set>
+                                    <p:anim calcmode="lin" valueType="num">
+                                      <p:cBhvr additive="base">
+                                        <p:cTn id="45" dur="200" fill="hold"/>
+                                        <p:tgtEl>
+                                          <p:spTgt spid="26"/>
+                                        </p:tgtEl>
+                                        <p:attrNameLst>
+                                          <p:attrName>ppt_x</p:attrName>
+                                        </p:attrNameLst>
+                                      </p:cBhvr>
+                                      <p:tavLst>
+                                        <p:tav tm="0">
+                                          <p:val>
+                                            <p:strVal val="0-#ppt_w/2"/>
+                                          </p:val>
+                                        </p:tav>
+                                        <p:tav tm="100000">
+                                          <p:val>
+                                            <p:strVal val="#ppt_x"/>
+                                          </p:val>
+                                        </p:tav>
+                                      </p:tavLst>
+                                    </p:anim>
+                                    <p:anim calcmode="lin" valueType="num">
+                                      <p:cBhvr additive="base">
+                                        <p:cTn id="46" dur="200" fill="hold"/>
+                                        <p:tgtEl>
+                                          <p:spTgt spid="26"/>
+                                        </p:tgtEl>
+                                        <p:attrNameLst>
+                                          <p:attrName>ppt_y</p:attrName>
+                                        </p:attrNameLst>
+                                      </p:cBhvr>
+                                      <p:tavLst>
+                                        <p:tav tm="0">
+                                          <p:val>
+                                            <p:strVal val="#ppt_y"/>
+                                          </p:val>
+                                        </p:tav>
+                                        <p:tav tm="100000">
+                                          <p:val>
+                                            <p:strVal val="#ppt_y"/>
+                                          </p:val>
+                                        </p:tav>
+                                      </p:tavLst>
+                                    </p:anim>
+                                  </p:childTnLst>
+                                </p:cTn>
+                              </p:par>
+                            </p:childTnLst>
+                          </p:cTn>
+                        </p:par>
+                        <p:par>
+                          <p:cTn id="47" fill="hold">
+                            <p:stCondLst>
+                              <p:cond delay="600"/>
+                            </p:stCondLst>
+                            <p:childTnLst>
+                              <p:par>
+                                <p:cTn id="48" presetID="2" presetClass="entr" presetSubtype="8" fill="hold" grpId="0" nodeType="afterEffect">
+                                  <p:stCondLst>
+                                    <p:cond delay="0"/>
+                                  </p:stCondLst>
+                                  <p:childTnLst>
+                                    <p:set>
+                                      <p:cBhvr>
+                                        <p:cTn id="49" dur="1" fill="hold">
+                                          <p:stCondLst>
+                                            <p:cond delay="0"/>
+                                          </p:stCondLst>
+                                        </p:cTn>
+                                        <p:tgtEl>
+                                          <p:spTgt spid="19"/>
+                                        </p:tgtEl>
+                                        <p:attrNameLst>
+                                          <p:attrName>style.visibility</p:attrName>
+                                        </p:attrNameLst>
+                                      </p:cBhvr>
+                                      <p:to>
+                                        <p:strVal val="visible"/>
+                                      </p:to>
+                                    </p:set>
+                                    <p:anim calcmode="lin" valueType="num">
+                                      <p:cBhvr additive="base">
+                                        <p:cTn id="50" dur="200" fill="hold"/>
+                                        <p:tgtEl>
+                                          <p:spTgt spid="19"/>
+                                        </p:tgtEl>
+                                        <p:attrNameLst>
+                                          <p:attrName>ppt_x</p:attrName>
+                                        </p:attrNameLst>
+                                      </p:cBhvr>
+                                      <p:tavLst>
+                                        <p:tav tm="0">
+                                          <p:val>
+                                            <p:strVal val="0-#ppt_w/2"/>
+                                          </p:val>
+                                        </p:tav>
+                                        <p:tav tm="100000">
+                                          <p:val>
+                                            <p:strVal val="#ppt_x"/>
+                                          </p:val>
+                                        </p:tav>
+                                      </p:tavLst>
+                                    </p:anim>
+                                    <p:anim calcmode="lin" valueType="num">
+                                      <p:cBhvr additive="base">
+                                        <p:cTn id="51" dur="200" fill="hold"/>
+                                        <p:tgtEl>
+                                          <p:spTgt spid="19"/>
+                                        </p:tgtEl>
+                                        <p:attrNameLst>
+                                          <p:attrName>ppt_y</p:attrName>
+                                        </p:attrNameLst>
+                                      </p:cBhvr>
+                                      <p:tavLst>
+                                        <p:tav tm="0">
+                                          <p:val>
+                                            <p:strVal val="#ppt_y"/>
+                                          </p:val>
+                                        </p:tav>
+                                        <p:tav tm="100000">
+                                          <p:val>
+                                            <p:strVal val="#ppt_y"/>
+                                          </p:val>
+                                        </p:tav>
+                                      </p:tavLst>
+                                    </p:anim>
+                                  </p:childTnLst>
+                                </p:cTn>
+                              </p:par>
+                              <p:par>
+                                <p:cTn id="52" presetID="2" presetClass="entr" presetSubtype="8" fill="hold" grpId="0" nodeType="withEffect">
+                                  <p:stCondLst>
+                                    <p:cond delay="0"/>
+                                  </p:stCondLst>
+                                  <p:childTnLst>
+                                    <p:set>
+                                      <p:cBhvr>
+                                        <p:cTn id="53" dur="1" fill="hold">
+                                          <p:stCondLst>
+                                            <p:cond delay="0"/>
+                                          </p:stCondLst>
+                                        </p:cTn>
+                                        <p:tgtEl>
+                                          <p:spTgt spid="15"/>
+                                        </p:tgtEl>
+                                        <p:attrNameLst>
+                                          <p:attrName>style.visibility</p:attrName>
+                                        </p:attrNameLst>
+                                      </p:cBhvr>
+                                      <p:to>
+                                        <p:strVal val="visible"/>
+                                      </p:to>
+                                    </p:set>
+                                    <p:anim calcmode="lin" valueType="num">
+                                      <p:cBhvr additive="base">
+                                        <p:cTn id="54" dur="200" fill="hold"/>
+                                        <p:tgtEl>
+                                          <p:spTgt spid="15"/>
+                                        </p:tgtEl>
+                                        <p:attrNameLst>
+                                          <p:attrName>ppt_x</p:attrName>
+                                        </p:attrNameLst>
+                                      </p:cBhvr>
+                                      <p:tavLst>
+                                        <p:tav tm="0">
+                                          <p:val>
+                                            <p:strVal val="0-#ppt_w/2"/>
+                                          </p:val>
+                                        </p:tav>
+                                        <p:tav tm="100000">
+                                          <p:val>
+                                            <p:strVal val="#ppt_x"/>
+                                          </p:val>
+                                        </p:tav>
+                                      </p:tavLst>
+                                    </p:anim>
+                                    <p:anim calcmode="lin" valueType="num">
+                                      <p:cBhvr additive="base">
+                                        <p:cTn id="55" dur="200" fill="hold"/>
+                                        <p:tgtEl>
+                                          <p:spTgt spid="15"/>
+                                        </p:tgtEl>
+                                        <p:attrNameLst>
+                                          <p:attrName>ppt_y</p:attrName>
+                                        </p:attrNameLst>
+                                      </p:cBhvr>
+                                      <p:tavLst>
+                                        <p:tav tm="0">
+                                          <p:val>
+                                            <p:strVal val="#ppt_y"/>
+                                          </p:val>
+                                        </p:tav>
+                                        <p:tav tm="100000">
+                                          <p:val>
+                                            <p:strVal val="#ppt_y"/>
+                                          </p:val>
+                                        </p:tav>
+                                      </p:tavLst>
+                                    </p:anim>
+                                  </p:childTnLst>
+                                </p:cTn>
+                              </p:par>
+                              <p:par>
+                                <p:cTn id="56" presetID="2" presetClass="entr" presetSubtype="8" fill="hold" grpId="0" nodeType="withEffect">
+                                  <p:stCondLst>
+                                    <p:cond delay="0"/>
+                                  </p:stCondLst>
+                                  <p:childTnLst>
+                                    <p:set>
+                                      <p:cBhvr>
+                                        <p:cTn id="57" dur="1" fill="hold">
+                                          <p:stCondLst>
+                                            <p:cond delay="0"/>
+                                          </p:stCondLst>
+                                        </p:cTn>
+                                        <p:tgtEl>
+                                          <p:spTgt spid="23"/>
+                                        </p:tgtEl>
+                                        <p:attrNameLst>
+                                          <p:attrName>style.visibility</p:attrName>
+                                        </p:attrNameLst>
+                                      </p:cBhvr>
+                                      <p:to>
+                                        <p:strVal val="visible"/>
+                                      </p:to>
+                                    </p:set>
+                                    <p:anim calcmode="lin" valueType="num">
+                                      <p:cBhvr additive="base">
+                                        <p:cTn id="58" dur="200" fill="hold"/>
+                                        <p:tgtEl>
+                                          <p:spTgt spid="23"/>
+                                        </p:tgtEl>
+                                        <p:attrNameLst>
+                                          <p:attrName>ppt_x</p:attrName>
+                                        </p:attrNameLst>
+                                      </p:cBhvr>
+                                      <p:tavLst>
+                                        <p:tav tm="0">
+                                          <p:val>
+                                            <p:strVal val="0-#ppt_w/2"/>
+                                          </p:val>
+                                        </p:tav>
+                                        <p:tav tm="100000">
+                                          <p:val>
+                                            <p:strVal val="#ppt_x"/>
+                                          </p:val>
+                                        </p:tav>
+                                      </p:tavLst>
+                                    </p:anim>
+                                    <p:anim calcmode="lin" valueType="num">
+                                      <p:cBhvr additive="base">
+                                        <p:cTn id="59" dur="200" fill="hold"/>
+                                        <p:tgtEl>
+                                          <p:spTgt spid="23"/>
+                                        </p:tgtEl>
+                                        <p:attrNameLst>
+                                          <p:attrName>ppt_y</p:attrName>
+                                        </p:attrNameLst>
+                                      </p:cBhvr>
+                                      <p:tavLst>
+                                        <p:tav tm="0">
+                                          <p:val>
+                                            <p:strVal val="#ppt_y"/>
+                                          </p:val>
+                                        </p:tav>
+                                        <p:tav tm="100000">
+                                          <p:val>
+                                            <p:strVal val="#ppt_y"/>
+                                          </p:val>
+                                        </p:tav>
+                                      </p:tavLst>
+                                    </p:anim>
+                                  </p:childTnLst>
+                                </p:cTn>
+                              </p:par>
+                              <p:par>
+                                <p:cTn id="60" presetID="2" presetClass="entr" presetSubtype="8" fill="hold" grpId="0" nodeType="withEffect">
+                                  <p:stCondLst>
+                                    <p:cond delay="0"/>
+                                  </p:stCondLst>
+                                  <p:childTnLst>
+                                    <p:set>
+                                      <p:cBhvr>
+                                        <p:cTn id="61" dur="1" fill="hold">
+                                          <p:stCondLst>
+                                            <p:cond delay="0"/>
+                                          </p:stCondLst>
+                                        </p:cTn>
+                                        <p:tgtEl>
+                                          <p:spTgt spid="27"/>
+                                        </p:tgtEl>
+                                        <p:attrNameLst>
+                                          <p:attrName>style.visibility</p:attrName>
+                                        </p:attrNameLst>
+                                      </p:cBhvr>
+                                      <p:to>
+                                        <p:strVal val="visible"/>
+                                      </p:to>
+                                    </p:set>
+                                    <p:anim calcmode="lin" valueType="num">
+                                      <p:cBhvr additive="base">
+                                        <p:cTn id="62" dur="200" fill="hold"/>
+                                        <p:tgtEl>
+                                          <p:spTgt spid="27"/>
+                                        </p:tgtEl>
+                                        <p:attrNameLst>
+                                          <p:attrName>ppt_x</p:attrName>
+                                        </p:attrNameLst>
+                                      </p:cBhvr>
+                                      <p:tavLst>
+                                        <p:tav tm="0">
+                                          <p:val>
+                                            <p:strVal val="0-#ppt_w/2"/>
+                                          </p:val>
+                                        </p:tav>
+                                        <p:tav tm="100000">
+                                          <p:val>
+                                            <p:strVal val="#ppt_x"/>
+                                          </p:val>
+                                        </p:tav>
+                                      </p:tavLst>
+                                    </p:anim>
+                                    <p:anim calcmode="lin" valueType="num">
+                                      <p:cBhvr additive="base">
+                                        <p:cTn id="63" dur="200" fill="hold"/>
+                                        <p:tgtEl>
+                                          <p:spTgt spid="27"/>
+                                        </p:tgtEl>
+                                        <p:attrNameLst>
+                                          <p:attrName>ppt_y</p:attrName>
+                                        </p:attrNameLst>
+                                      </p:cBhvr>
+                                      <p:tavLst>
+                                        <p:tav tm="0">
+                                          <p:val>
+                                            <p:strVal val="#ppt_y"/>
+                                          </p:val>
+                                        </p:tav>
+                                        <p:tav tm="100000">
+                                          <p:val>
+                                            <p:strVal val="#ppt_y"/>
+                                          </p:val>
+                                        </p:tav>
+                                      </p:tavLst>
+                                    </p:anim>
+                                  </p:childTnLst>
+                                </p:cTn>
+                              </p:par>
+                            </p:childTnLst>
+                          </p:cTn>
+                        </p:par>
+                        <p:par>
+                          <p:cTn id="64" fill="hold">
+                            <p:stCondLst>
+                              <p:cond delay="800"/>
+                            </p:stCondLst>
+                            <p:childTnLst>
+                              <p:par>
+                                <p:cTn id="65" presetID="2" presetClass="entr" presetSubtype="8" fill="hold" grpId="0" nodeType="afterEffect">
+                                  <p:stCondLst>
+                                    <p:cond delay="0"/>
+                                  </p:stCondLst>
+                                  <p:childTnLst>
+                                    <p:set>
+                                      <p:cBhvr>
+                                        <p:cTn id="66" dur="1" fill="hold">
+                                          <p:stCondLst>
+                                            <p:cond delay="0"/>
+                                          </p:stCondLst>
+                                        </p:cTn>
+                                        <p:tgtEl>
+                                          <p:spTgt spid="30"/>
+                                        </p:tgtEl>
+                                        <p:attrNameLst>
+                                          <p:attrName>style.visibility</p:attrName>
+                                        </p:attrNameLst>
+                                      </p:cBhvr>
+                                      <p:to>
+                                        <p:strVal val="visible"/>
+                                      </p:to>
+                                    </p:set>
+                                    <p:anim calcmode="lin" valueType="num">
+                                      <p:cBhvr additive="base">
+                                        <p:cTn id="67" dur="200" fill="hold"/>
+                                        <p:tgtEl>
+                                          <p:spTgt spid="30"/>
+                                        </p:tgtEl>
+                                        <p:attrNameLst>
+                                          <p:attrName>ppt_x</p:attrName>
+                                        </p:attrNameLst>
+                                      </p:cBhvr>
+                                      <p:tavLst>
+                                        <p:tav tm="0">
+                                          <p:val>
+                                            <p:strVal val="0-#ppt_w/2"/>
+                                          </p:val>
+                                        </p:tav>
+                                        <p:tav tm="100000">
+                                          <p:val>
+                                            <p:strVal val="#ppt_x"/>
+                                          </p:val>
+                                        </p:tav>
+                                      </p:tavLst>
+                                    </p:anim>
+                                    <p:anim calcmode="lin" valueType="num">
+                                      <p:cBhvr additive="base">
+                                        <p:cTn id="68" dur="200" fill="hold"/>
+                                        <p:tgtEl>
+                                          <p:spTgt spid="30"/>
+                                        </p:tgtEl>
+                                        <p:attrNameLst>
+                                          <p:attrName>ppt_y</p:attrName>
+                                        </p:attrNameLst>
+                                      </p:cBhvr>
+                                      <p:tavLst>
+                                        <p:tav tm="0">
+                                          <p:val>
+                                            <p:strVal val="#ppt_y"/>
+                                          </p:val>
+                                        </p:tav>
+                                        <p:tav tm="100000">
+                                          <p:val>
+                                            <p:strVal val="#ppt_y"/>
+                                          </p:val>
+                                        </p:tav>
+                                      </p:tavLst>
+                                    </p:anim>
+                                  </p:childTnLst>
+                                </p:cTn>
+                              </p:par>
+                              <p:par>
+                                <p:cTn id="69" presetID="2" presetClass="entr" presetSubtype="8" fill="hold" grpId="0" nodeType="withEffect">
+                                  <p:stCondLst>
+                                    <p:cond delay="0"/>
+                                  </p:stCondLst>
+                                  <p:childTnLst>
+                                    <p:set>
+                                      <p:cBhvr>
+                                        <p:cTn id="70" dur="1" fill="hold">
+                                          <p:stCondLst>
+                                            <p:cond delay="0"/>
+                                          </p:stCondLst>
+                                        </p:cTn>
+                                        <p:tgtEl>
+                                          <p:spTgt spid="31"/>
+                                        </p:tgtEl>
+                                        <p:attrNameLst>
+                                          <p:attrName>style.visibility</p:attrName>
+                                        </p:attrNameLst>
+                                      </p:cBhvr>
+                                      <p:to>
+                                        <p:strVal val="visible"/>
+                                      </p:to>
+                                    </p:set>
+                                    <p:anim calcmode="lin" valueType="num">
+                                      <p:cBhvr additive="base">
+                                        <p:cTn id="71" dur="200" fill="hold"/>
+                                        <p:tgtEl>
+                                          <p:spTgt spid="31"/>
+                                        </p:tgtEl>
+                                        <p:attrNameLst>
+                                          <p:attrName>ppt_x</p:attrName>
+                                        </p:attrNameLst>
+                                      </p:cBhvr>
+                                      <p:tavLst>
+                                        <p:tav tm="0">
+                                          <p:val>
+                                            <p:strVal val="0-#ppt_w/2"/>
+                                          </p:val>
+                                        </p:tav>
+                                        <p:tav tm="100000">
+                                          <p:val>
+                                            <p:strVal val="#ppt_x"/>
+                                          </p:val>
+                                        </p:tav>
+                                      </p:tavLst>
+                                    </p:anim>
+                                    <p:anim calcmode="lin" valueType="num">
+                                      <p:cBhvr additive="base">
+                                        <p:cTn id="72" dur="200" fill="hold"/>
+                                        <p:tgtEl>
+                                          <p:spTgt spid="31"/>
+                                        </p:tgtEl>
+                                        <p:attrNameLst>
+                                          <p:attrName>ppt_y</p:attrName>
+                                        </p:attrNameLst>
+                                      </p:cBhvr>
+                                      <p:tavLst>
+                                        <p:tav tm="0">
+                                          <p:val>
+                                            <p:strVal val="#ppt_y"/>
+                                          </p:val>
+                                        </p:tav>
+                                        <p:tav tm="100000">
+                                          <p:val>
+                                            <p:strVal val="#ppt_y"/>
+                                          </p:val>
+                                        </p:tav>
+                                      </p:tavLst>
+                                    </p:anim>
+                                  </p:childTnLst>
+                                </p:cTn>
+                              </p:par>
+                              <p:par>
+                                <p:cTn id="73" presetID="2" presetClass="entr" presetSubtype="8" fill="hold" grpId="0" nodeType="withEffect">
+                                  <p:stCondLst>
+                                    <p:cond delay="0"/>
+                                  </p:stCondLst>
+                                  <p:childTnLst>
+                                    <p:set>
+                                      <p:cBhvr>
+                                        <p:cTn id="74" dur="1" fill="hold">
+                                          <p:stCondLst>
+                                            <p:cond delay="0"/>
+                                          </p:stCondLst>
+                                        </p:cTn>
+                                        <p:tgtEl>
+                                          <p:spTgt spid="32"/>
+                                        </p:tgtEl>
+                                        <p:attrNameLst>
+                                          <p:attrName>style.visibility</p:attrName>
+                                        </p:attrNameLst>
+                                      </p:cBhvr>
+                                      <p:to>
+                                        <p:strVal val="visible"/>
+                                      </p:to>
+                                    </p:set>
+                                    <p:anim calcmode="lin" valueType="num">
+                                      <p:cBhvr additive="base">
+                                        <p:cTn id="75" dur="200" fill="hold"/>
+                                        <p:tgtEl>
+                                          <p:spTgt spid="32"/>
+                                        </p:tgtEl>
+                                        <p:attrNameLst>
+                                          <p:attrName>ppt_x</p:attrName>
+                                        </p:attrNameLst>
+                                      </p:cBhvr>
+                                      <p:tavLst>
+                                        <p:tav tm="0">
+                                          <p:val>
+                                            <p:strVal val="0-#ppt_w/2"/>
+                                          </p:val>
+                                        </p:tav>
+                                        <p:tav tm="100000">
+                                          <p:val>
+                                            <p:strVal val="#ppt_x"/>
+                                          </p:val>
+                                        </p:tav>
+                                      </p:tavLst>
+                                    </p:anim>
+                                    <p:anim calcmode="lin" valueType="num">
+                                      <p:cBhvr additive="base">
+                                        <p:cTn id="76" dur="200" fill="hold"/>
+                                        <p:tgtEl>
+                                          <p:spTgt spid="32"/>
+                                        </p:tgtEl>
+                                        <p:attrNameLst>
+                                          <p:attrName>ppt_y</p:attrName>
+                                        </p:attrNameLst>
+                                      </p:cBhvr>
+                                      <p:tavLst>
+                                        <p:tav tm="0">
+                                          <p:val>
+                                            <p:strVal val="#ppt_y"/>
+                                          </p:val>
+                                        </p:tav>
+                                        <p:tav tm="100000">
+                                          <p:val>
+                                            <p:strVal val="#ppt_y"/>
+                                          </p:val>
+                                        </p:tav>
+                                      </p:tavLst>
+                                    </p:anim>
+                                  </p:childTnLst>
+                                </p:cTn>
+                              </p:par>
+                              <p:par>
+                                <p:cTn id="77" presetID="2" presetClass="entr" presetSubtype="8" fill="hold" grpId="0" nodeType="withEffect">
+                                  <p:stCondLst>
+                                    <p:cond delay="0"/>
+                                  </p:stCondLst>
+                                  <p:childTnLst>
+                                    <p:set>
+                                      <p:cBhvr>
+                                        <p:cTn id="78" dur="1" fill="hold">
+                                          <p:stCondLst>
+                                            <p:cond delay="0"/>
+                                          </p:stCondLst>
+                                        </p:cTn>
+                                        <p:tgtEl>
+                                          <p:spTgt spid="33"/>
+                                        </p:tgtEl>
+                                        <p:attrNameLst>
+                                          <p:attrName>style.visibility</p:attrName>
+                                        </p:attrNameLst>
+                                      </p:cBhvr>
+                                      <p:to>
+                                        <p:strVal val="visible"/>
+                                      </p:to>
+                                    </p:set>
+                                    <p:anim calcmode="lin" valueType="num">
+                                      <p:cBhvr additive="base">
+                                        <p:cTn id="79" dur="200" fill="hold"/>
+                                        <p:tgtEl>
+                                          <p:spTgt spid="33"/>
+                                        </p:tgtEl>
+                                        <p:attrNameLst>
+                                          <p:attrName>ppt_x</p:attrName>
+                                        </p:attrNameLst>
+                                      </p:cBhvr>
+                                      <p:tavLst>
+                                        <p:tav tm="0">
+                                          <p:val>
+                                            <p:strVal val="0-#ppt_w/2"/>
+                                          </p:val>
+                                        </p:tav>
+                                        <p:tav tm="100000">
+                                          <p:val>
+                                            <p:strVal val="#ppt_x"/>
+                                          </p:val>
+                                        </p:tav>
+                                      </p:tavLst>
+                                    </p:anim>
+                                    <p:anim calcmode="lin" valueType="num">
+                                      <p:cBhvr additive="base">
+                                        <p:cTn id="80" dur="200" fill="hold"/>
+                                        <p:tgtEl>
+                                          <p:spTgt spid="33"/>
+                                        </p:tgtEl>
+                                        <p:attrNameLst>
+                                          <p:attrName>ppt_y</p:attrName>
+                                        </p:attrNameLst>
+                                      </p:cBhvr>
+                                      <p:tavLst>
+                                        <p:tav tm="0">
+                                          <p:val>
+                                            <p:strVal val="#ppt_y"/>
+                                          </p:val>
+                                        </p:tav>
+                                        <p:tav tm="100000">
+                                          <p:val>
+                                            <p:strVal val="#ppt_y"/>
+                                          </p:val>
+                                        </p:tav>
+                                      </p:tavLst>
+                                    </p:anim>
+                                  </p:childTnLst>
+                                </p:cTn>
+                              </p:par>
+                            </p:childTnLst>
+                          </p:cTn>
+                        </p:par>
+                      </p:childTnLst>
+                    </p:cTn>
+                  </p:par>
+                </p:childTnLst>
+              </p:cTn>
+              <p:prevCondLst>
+                <p:cond evt="onPrev" delay="0">
+                  <p:tgtEl>
+                    <p:sldTgt/>
+                  </p:tgtEl>
+                </p:cond>
+              </p:prevCondLst>
+              <p:nextCondLst>
+                <p:cond evt="onNext" delay="0">
+                  <p:tgtEl>
+                    <p:sldTgt/>
+                  </p:tgtEl>
+                </p:cond>
+              </p:nextCondLst>
+            </p:seq>
+          </p:childTnLst>
+        </p:cTn>
+      </p:par>
+    </p:tnLst>
+    <p:bldLst>
+      <p:bldP spid="17" grpId="0" animBg="1"/>
+      <p:bldP spid="18" grpId="0" animBg="1"/>
+      <p:bldP spid="19" grpId="0" animBg="1"/>
+      <p:bldP spid="16" grpId="0" animBg="1"/>
+      <p:bldP spid="12" grpId="0"/>
+      <p:bldP spid="15" grpId="0"/>
+      <p:bldP spid="20" grpId="0"/>
+      <p:bldP spid="21" grpId="0"/>
+      <p:bldP spid="22" grpId="0"/>
+      <p:bldP spid="23" grpId="0"/>
+      <p:bldP spid="24" grpId="0" animBg="1"/>
+      <p:bldP spid="25" grpId="0" animBg="1"/>
+      <p:bldP spid="26" grpId="0" animBg="1"/>
+      <p:bldP spid="27" grpId="0" animBg="1"/>
+      <p:bldP spid="30" grpId="0" animBg="1"/>
+      <p:bldP spid="31" grpId="0"/>
+      <p:bldP spid="32" grpId="0"/>
+      <p:bldP spid="33" grpId="0" animBg="1"/>
+    </p:bldLst>
+  </p:timing>
 </p:sld>
 </file>
 
 <file path=ppt/slides/slide20.xml><?xml version="1.0" encoding="utf-8"?>
-<p:sld xmlns:a="http://schemas.openxmlformats.org/drawingml/2006/main" xmlns:r="http://schemas.openxmlformats.org/officeDocument/2006/relationships" xmlns:p="http://schemas.openxmlformats.org/presentationml/2006/main">
-  <p:cSld>
-    <p:spTree>
-      <p:nvGrpSpPr>
-        <p:cNvPr id="1" name=""/>
-        <p:cNvGrpSpPr/>
-        <p:nvPr/>
-      </p:nvGrpSpPr>
-      <p:grpSpPr>
-        <a:xfrm>
-          <a:off x="0" y="0"/>
-          <a:ext cx="0" cy="0"/>
-          <a:chOff x="0" y="0"/>
-          <a:chExt cx="0" cy="0"/>
-        </a:xfrm>
-      </p:grpSpPr>
-      <p:sp>
-        <p:nvSpPr>
-          <p:cNvPr id="9" name="矩形 2"/>
-          <p:cNvSpPr/>
-          <p:nvPr/>
-        </p:nvSpPr>
-        <p:spPr>
-          <a:xfrm>
-            <a:off x="4813526" y="104774"/>
-            <a:ext cx="2564948" cy="2143125"/>
-          </a:xfrm>
-          <a:custGeom>
-            <a:avLst/>
-            <a:gdLst>
-              <a:gd name="connsiteX0" fmla="*/ 0 w 2762250"/>
-              <a:gd name="connsiteY0" fmla="*/ 0 h 2466975"/>
-              <a:gd name="connsiteX1" fmla="*/ 2762250 w 2762250"/>
-              <a:gd name="connsiteY1" fmla="*/ 0 h 2466975"/>
-              <a:gd name="connsiteX2" fmla="*/ 2762250 w 2762250"/>
-              <a:gd name="connsiteY2" fmla="*/ 2466975 h 2466975"/>
-              <a:gd name="connsiteX3" fmla="*/ 0 w 2762250"/>
-              <a:gd name="connsiteY3" fmla="*/ 2466975 h 2466975"/>
-              <a:gd name="connsiteX4" fmla="*/ 0 w 2762250"/>
-              <a:gd name="connsiteY4" fmla="*/ 0 h 2466975"/>
-              <a:gd name="connsiteX0-1" fmla="*/ 0 w 2762250"/>
-              <a:gd name="connsiteY0-2" fmla="*/ 0 h 2476500"/>
-              <a:gd name="connsiteX1-3" fmla="*/ 2762250 w 2762250"/>
-              <a:gd name="connsiteY1-4" fmla="*/ 0 h 2476500"/>
-              <a:gd name="connsiteX2-5" fmla="*/ 2762250 w 2762250"/>
-              <a:gd name="connsiteY2-6" fmla="*/ 2466975 h 2476500"/>
-              <a:gd name="connsiteX3-7" fmla="*/ 1428750 w 2762250"/>
-              <a:gd name="connsiteY3-8" fmla="*/ 2476500 h 2476500"/>
-              <a:gd name="connsiteX4-9" fmla="*/ 0 w 2762250"/>
-              <a:gd name="connsiteY4-10" fmla="*/ 2466975 h 2476500"/>
-              <a:gd name="connsiteX5" fmla="*/ 0 w 2762250"/>
-              <a:gd name="connsiteY5" fmla="*/ 0 h 2476500"/>
-              <a:gd name="connsiteX0-11" fmla="*/ 0 w 2762250"/>
-              <a:gd name="connsiteY0-12" fmla="*/ 0 h 2895600"/>
-              <a:gd name="connsiteX1-13" fmla="*/ 2762250 w 2762250"/>
-              <a:gd name="connsiteY1-14" fmla="*/ 0 h 2895600"/>
-              <a:gd name="connsiteX2-15" fmla="*/ 2762250 w 2762250"/>
-              <a:gd name="connsiteY2-16" fmla="*/ 2466975 h 2895600"/>
-              <a:gd name="connsiteX3-17" fmla="*/ 1428750 w 2762250"/>
-              <a:gd name="connsiteY3-18" fmla="*/ 2895600 h 2895600"/>
-              <a:gd name="connsiteX4-19" fmla="*/ 0 w 2762250"/>
-              <a:gd name="connsiteY4-20" fmla="*/ 2466975 h 2895600"/>
-              <a:gd name="connsiteX5-21" fmla="*/ 0 w 2762250"/>
-              <a:gd name="connsiteY5-22" fmla="*/ 0 h 2895600"/>
-              <a:gd name="connsiteX0-23" fmla="*/ 0 w 2762250"/>
-              <a:gd name="connsiteY0-24" fmla="*/ 0 h 2895600"/>
-              <a:gd name="connsiteX1-25" fmla="*/ 2762250 w 2762250"/>
-              <a:gd name="connsiteY1-26" fmla="*/ 0 h 2895600"/>
-              <a:gd name="connsiteX2-27" fmla="*/ 2762250 w 2762250"/>
-              <a:gd name="connsiteY2-28" fmla="*/ 2466975 h 2895600"/>
-              <a:gd name="connsiteX3-29" fmla="*/ 1356946 w 2762250"/>
-              <a:gd name="connsiteY3-30" fmla="*/ 2895600 h 2895600"/>
-              <a:gd name="connsiteX4-31" fmla="*/ 0 w 2762250"/>
-              <a:gd name="connsiteY4-32" fmla="*/ 2466975 h 2895600"/>
-              <a:gd name="connsiteX5-33" fmla="*/ 0 w 2762250"/>
-              <a:gd name="connsiteY5-34" fmla="*/ 0 h 2895600"/>
-              <a:gd name="connsiteX0-35" fmla="*/ 0 w 2762250"/>
-              <a:gd name="connsiteY0-36" fmla="*/ 0 h 2895600"/>
-              <a:gd name="connsiteX1-37" fmla="*/ 2762250 w 2762250"/>
-              <a:gd name="connsiteY1-38" fmla="*/ 0 h 2895600"/>
-              <a:gd name="connsiteX2-39" fmla="*/ 2762250 w 2762250"/>
-              <a:gd name="connsiteY2-40" fmla="*/ 2466975 h 2895600"/>
-              <a:gd name="connsiteX3-41" fmla="*/ 1397977 w 2762250"/>
-              <a:gd name="connsiteY3-42" fmla="*/ 2895600 h 2895600"/>
-              <a:gd name="connsiteX4-43" fmla="*/ 0 w 2762250"/>
-              <a:gd name="connsiteY4-44" fmla="*/ 2466975 h 2895600"/>
-              <a:gd name="connsiteX5-45" fmla="*/ 0 w 2762250"/>
-              <a:gd name="connsiteY5-46" fmla="*/ 0 h 2895600"/>
-              <a:gd name="connsiteX0-47" fmla="*/ 0 w 2762250"/>
-              <a:gd name="connsiteY0-48" fmla="*/ 0 h 2895600"/>
-              <a:gd name="connsiteX1-49" fmla="*/ 2762250 w 2762250"/>
-              <a:gd name="connsiteY1-50" fmla="*/ 0 h 2895600"/>
-              <a:gd name="connsiteX2-51" fmla="*/ 2762250 w 2762250"/>
-              <a:gd name="connsiteY2-52" fmla="*/ 2466975 h 2895600"/>
-              <a:gd name="connsiteX3-53" fmla="*/ 1377461 w 2762250"/>
-              <a:gd name="connsiteY3-54" fmla="*/ 2895600 h 2895600"/>
-              <a:gd name="connsiteX4-55" fmla="*/ 0 w 2762250"/>
-              <a:gd name="connsiteY4-56" fmla="*/ 2466975 h 2895600"/>
-              <a:gd name="connsiteX5-57" fmla="*/ 0 w 2762250"/>
-              <a:gd name="connsiteY5-58" fmla="*/ 0 h 2895600"/>
-            </a:gdLst>
-            <a:ahLst/>
-            <a:cxnLst>
-              <a:cxn ang="0">
-                <a:pos x="connsiteX0-1" y="connsiteY0-2"/>
-              </a:cxn>
-              <a:cxn ang="0">
-                <a:pos x="connsiteX1-3" y="connsiteY1-4"/>
-              </a:cxn>
-              <a:cxn ang="0">
-                <a:pos x="connsiteX2-5" y="connsiteY2-6"/>
-              </a:cxn>
-              <a:cxn ang="0">
-                <a:pos x="connsiteX3-7" y="connsiteY3-8"/>
-              </a:cxn>
-              <a:cxn ang="0">
-                <a:pos x="connsiteX4-9" y="connsiteY4-10"/>
-              </a:cxn>
-              <a:cxn ang="0">
-                <a:pos x="connsiteX5-21" y="connsiteY5-22"/>
-              </a:cxn>
-            </a:cxnLst>
-            <a:rect l="l" t="t" r="r" b="b"/>
-            <a:pathLst>
-              <a:path w="2762250" h="2895600">
-                <a:moveTo>
-                  <a:pt x="0" y="0"/>
-                </a:moveTo>
-                <a:lnTo>
-                  <a:pt x="2762250" y="0"/>
-                </a:lnTo>
-                <a:lnTo>
-                  <a:pt x="2762250" y="2466975"/>
-                </a:lnTo>
-                <a:lnTo>
-                  <a:pt x="1377461" y="2895600"/>
-                </a:lnTo>
-                <a:lnTo>
-                  <a:pt x="0" y="2466975"/>
-                </a:lnTo>
-                <a:lnTo>
-                  <a:pt x="0" y="0"/>
-                </a:lnTo>
-                <a:close/>
-              </a:path>
-            </a:pathLst>
-          </a:custGeom>
-          <a:noFill/>
-          <a:ln w="15875">
-            <a:solidFill>
-              <a:schemeClr val="tx1">
-                <a:lumMod val="85000"/>
-                <a:lumOff val="15000"/>
-              </a:schemeClr>
-            </a:solidFill>
-            <a:prstDash val="dash"/>
-          </a:ln>
-        </p:spPr>
-        <p:style>
-          <a:lnRef idx="2">
-            <a:schemeClr val="accent1">
-              <a:shade val="50000"/>
-            </a:schemeClr>
-          </a:lnRef>
-          <a:fillRef idx="1">
-            <a:schemeClr val="accent1"/>
-          </a:fillRef>
-          <a:effectRef idx="0">
-            <a:schemeClr val="accent1"/>
-          </a:effectRef>
-          <a:fontRef idx="minor">
-            <a:schemeClr val="lt1"/>
-          </a:fontRef>
-        </p:style>
-        <p:txBody>
-          <a:bodyPr rtlCol="0" anchor="ctr"/>
-          <a:lstStyle/>
-          <a:p>
-            <a:pPr algn="ctr"/>
-            <a:endParaRPr lang="zh-CN" altLang="en-US">
-              <a:solidFill>
-                <a:schemeClr val="tx1">
-                  <a:lumMod val="85000"/>
-                  <a:lumOff val="15000"/>
-                </a:schemeClr>
-              </a:solidFill>
-            </a:endParaRPr>
-          </a:p>
-        </p:txBody>
-      </p:sp>
-      <p:sp>
-        <p:nvSpPr>
-          <p:cNvPr id="6" name="文本框 5"/>
-          <p:cNvSpPr txBox="1"/>
-          <p:nvPr/>
-        </p:nvSpPr>
-        <p:spPr>
-          <a:xfrm>
-            <a:off x="5565775" y="539115"/>
-            <a:ext cx="1160780" cy="1198880"/>
-          </a:xfrm>
-          <a:prstGeom prst="rect">
-            <a:avLst/>
-          </a:prstGeom>
-          <a:noFill/>
-        </p:spPr>
-        <p:txBody>
-          <a:bodyPr wrap="square" rtlCol="0">
-            <a:spAutoFit/>
-          </a:bodyPr>
-          <a:lstStyle/>
-          <a:p>
-            <a:pPr algn="ctr"/>
-            <a:r>
-              <a:rPr lang="en-US" altLang="zh-CN" sz="7200" dirty="0">
-                <a:solidFill>
-                  <a:schemeClr val="bg1"/>
-                </a:solidFill>
-                <a:latin typeface="Impact" panose="020B0806030902050204" pitchFamily="34" charset="0"/>
-              </a:rPr>
-              <a:t>03</a:t>
-            </a:r>
-            <a:endParaRPr lang="zh-CN" altLang="en-US" sz="7200" dirty="0">
-              <a:solidFill>
-                <a:schemeClr val="bg1"/>
-              </a:solidFill>
-              <a:latin typeface="Impact" panose="020B0806030902050204" pitchFamily="34" charset="0"/>
-            </a:endParaRPr>
-          </a:p>
-        </p:txBody>
-      </p:sp>
-      <p:sp>
-        <p:nvSpPr>
-          <p:cNvPr id="14" name="标题 13"/>
-          <p:cNvSpPr>
-            <a:spLocks noGrp="1"/>
-          </p:cNvSpPr>
-          <p:nvPr>
-            <p:ph type="title"/>
-          </p:nvPr>
-        </p:nvSpPr>
-        <p:spPr>
-          <a:xfrm>
-            <a:off x="2784763" y="4006800"/>
-            <a:ext cx="6710400" cy="583200"/>
-          </a:xfrm>
-          <a:solidFill>
-            <a:srgbClr val="DACD57"/>
-          </a:solidFill>
-        </p:spPr>
-        <p:txBody>
-          <a:bodyPr/>
-          <a:lstStyle/>
-          <a:p>
-            <a:r>
-              <a:rPr lang="zh-CN" altLang="en-US" sz="3200" dirty="0">
-                <a:solidFill>
-                  <a:schemeClr val="tx1">
-                    <a:lumMod val="85000"/>
-                    <a:lumOff val="15000"/>
-                  </a:schemeClr>
-                </a:solidFill>
-                <a:latin typeface="幼圆" panose="02010509060101010101" pitchFamily="49" charset="-122"/>
-                <a:ea typeface="幼圆" panose="02010509060101010101" pitchFamily="49" charset="-122"/>
-              </a:rPr>
-              <a:t>架构设计</a:t>
-            </a:r>
-          </a:p>
-        </p:txBody>
-      </p:sp>
-    </p:spTree>
-    <p:custDataLst>
-      <p:tags r:id="rId1"/>
-    </p:custDataLst>
-  </p:cSld>
-  <p:clrMapOvr>
-    <a:masterClrMapping/>
-  </p:clrMapOvr>
-</p:sld>
-</file>
-
-<file path=ppt/slides/slide21.xml><?xml version="1.0" encoding="utf-8"?>
 <p:sld xmlns:a="http://schemas.openxmlformats.org/drawingml/2006/main" xmlns:r="http://schemas.openxmlformats.org/officeDocument/2006/relationships" xmlns:p="http://schemas.openxmlformats.org/presentationml/2006/main">
   <p:cSld>
     <p:spTree>
@@ -14278,26 +16646,35 @@
       </p:sp>
       <p:pic>
         <p:nvPicPr>
-          <p:cNvPr id="2" name="图片 1" descr="Web分层架构图"/>
+          <p:cNvPr id="2" name="图片 1"/>
           <p:cNvPicPr>
             <a:picLocks noChangeAspect="1"/>
           </p:cNvPicPr>
           <p:nvPr/>
         </p:nvPicPr>
         <p:blipFill>
-          <a:blip r:embed="rId3"/>
+          <a:blip r:embed="rId3">
+            <a:extLst>
+              <a:ext uri="{28A0092B-C50C-407E-A947-70E740481C1C}">
+                <a14:useLocalDpi xmlns:a14="http://schemas.microsoft.com/office/drawing/2010/main" val="0"/>
+              </a:ext>
+            </a:extLst>
+          </a:blip>
           <a:stretch>
             <a:fillRect/>
           </a:stretch>
         </p:blipFill>
         <p:spPr>
           <a:xfrm>
-            <a:off x="2360289" y="-37707"/>
-            <a:ext cx="7043420" cy="6413500"/>
+            <a:off x="2905760" y="524827"/>
+            <a:ext cx="6289040" cy="5728538"/>
           </a:xfrm>
           <a:prstGeom prst="rect">
             <a:avLst/>
           </a:prstGeom>
+          <a:effectLst>
+            <a:softEdge rad="63500"/>
+          </a:effectLst>
         </p:spPr>
       </p:pic>
     </p:spTree>
@@ -14311,7 +16688,7 @@
 </p:sld>
 </file>
 
-<file path=ppt/slides/slide22.xml><?xml version="1.0" encoding="utf-8"?>
+<file path=ppt/slides/slide21.xml><?xml version="1.0" encoding="utf-8"?>
 <p:sld xmlns:a="http://schemas.openxmlformats.org/drawingml/2006/main" xmlns:r="http://schemas.openxmlformats.org/officeDocument/2006/relationships" xmlns:p="http://schemas.openxmlformats.org/presentationml/2006/main">
   <p:cSld>
     <p:spTree>
@@ -14430,7 +16807,7 @@
 </p:sld>
 </file>
 
-<file path=ppt/slides/slide23.xml><?xml version="1.0" encoding="utf-8"?>
+<file path=ppt/slides/slide22.xml><?xml version="1.0" encoding="utf-8"?>
 <p:sld xmlns:a="http://schemas.openxmlformats.org/drawingml/2006/main" xmlns:r="http://schemas.openxmlformats.org/officeDocument/2006/relationships" xmlns:p="http://schemas.openxmlformats.org/presentationml/2006/main">
   <p:cSld>
     <p:spTree>
@@ -14712,7 +17089,7 @@
 </p:sld>
 </file>
 
-<file path=ppt/slides/slide24.xml><?xml version="1.0" encoding="utf-8"?>
+<file path=ppt/slides/slide23.xml><?xml version="1.0" encoding="utf-8"?>
 <p:sld xmlns:a="http://schemas.openxmlformats.org/drawingml/2006/main" xmlns:r="http://schemas.openxmlformats.org/officeDocument/2006/relationships" xmlns:p="http://schemas.openxmlformats.org/presentationml/2006/main">
   <p:cSld>
     <p:spTree>
@@ -14836,7 +17213,7 @@
 </p:sld>
 </file>
 
-<file path=ppt/slides/slide25.xml><?xml version="1.0" encoding="utf-8"?>
+<file path=ppt/slides/slide24.xml><?xml version="1.0" encoding="utf-8"?>
 <p:sld xmlns:a="http://schemas.openxmlformats.org/drawingml/2006/main" xmlns:r="http://schemas.openxmlformats.org/officeDocument/2006/relationships" xmlns:p="http://schemas.openxmlformats.org/presentationml/2006/main">
   <p:cSld>
     <p:spTree>
@@ -14960,7 +17337,7 @@
 </p:sld>
 </file>
 
-<file path=ppt/slides/slide26.xml><?xml version="1.0" encoding="utf-8"?>
+<file path=ppt/slides/slide25.xml><?xml version="1.0" encoding="utf-8"?>
 <p:sld xmlns:a="http://schemas.openxmlformats.org/drawingml/2006/main" xmlns:r="http://schemas.openxmlformats.org/officeDocument/2006/relationships" xmlns:p="http://schemas.openxmlformats.org/presentationml/2006/main">
   <p:cSld>
     <p:spTree>
@@ -15247,7 +17624,7 @@
 </p:sld>
 </file>
 
-<file path=ppt/slides/slide27.xml><?xml version="1.0" encoding="utf-8"?>
+<file path=ppt/slides/slide26.xml><?xml version="1.0" encoding="utf-8"?>
 <p:sld xmlns:a="http://schemas.openxmlformats.org/drawingml/2006/main" xmlns:r="http://schemas.openxmlformats.org/officeDocument/2006/relationships" xmlns:p="http://schemas.openxmlformats.org/presentationml/2006/main">
   <p:cSld>
     <p:spTree>
@@ -15328,7 +17705,7 @@
 </p:sld>
 </file>
 
-<file path=ppt/slides/slide28.xml><?xml version="1.0" encoding="utf-8"?>
+<file path=ppt/slides/slide27.xml><?xml version="1.0" encoding="utf-8"?>
 <p:sld xmlns:a="http://schemas.openxmlformats.org/drawingml/2006/main" xmlns:r="http://schemas.openxmlformats.org/officeDocument/2006/relationships" xmlns:p="http://schemas.openxmlformats.org/presentationml/2006/main">
   <p:cSld>
     <p:spTree>
@@ -21366,1520 +23743,6 @@
 </file>
 
 <file path=ppt/slides/slide8.xml><?xml version="1.0" encoding="utf-8"?>
-<p:sld xmlns:a="http://schemas.openxmlformats.org/drawingml/2006/main" xmlns:r="http://schemas.openxmlformats.org/officeDocument/2006/relationships" xmlns:p="http://schemas.openxmlformats.org/presentationml/2006/main" show="0">
-  <p:cSld>
-    <p:spTree>
-      <p:nvGrpSpPr>
-        <p:cNvPr id="1" name=""/>
-        <p:cNvGrpSpPr/>
-        <p:nvPr/>
-      </p:nvGrpSpPr>
-      <p:grpSpPr>
-        <a:xfrm>
-          <a:off x="0" y="0"/>
-          <a:ext cx="0" cy="0"/>
-          <a:chOff x="0" y="0"/>
-          <a:chExt cx="0" cy="0"/>
-        </a:xfrm>
-      </p:grpSpPr>
-      <p:sp>
-        <p:nvSpPr>
-          <p:cNvPr id="28" name="矩形 27"/>
-          <p:cNvSpPr/>
-          <p:nvPr/>
-        </p:nvSpPr>
-        <p:spPr>
-          <a:xfrm>
-            <a:off x="7610475" y="4640170"/>
-            <a:ext cx="2771775" cy="2219326"/>
-          </a:xfrm>
-          <a:prstGeom prst="rect">
-            <a:avLst/>
-          </a:prstGeom>
-          <a:solidFill>
-            <a:srgbClr val="DACD57"/>
-          </a:solidFill>
-          <a:ln>
-            <a:noFill/>
-          </a:ln>
-        </p:spPr>
-        <p:style>
-          <a:lnRef idx="2">
-            <a:schemeClr val="accent1">
-              <a:shade val="50000"/>
-            </a:schemeClr>
-          </a:lnRef>
-          <a:fillRef idx="1">
-            <a:schemeClr val="accent1"/>
-          </a:fillRef>
-          <a:effectRef idx="0">
-            <a:schemeClr val="accent1"/>
-          </a:effectRef>
-          <a:fontRef idx="minor">
-            <a:schemeClr val="lt1"/>
-          </a:fontRef>
-        </p:style>
-        <p:txBody>
-          <a:bodyPr rtlCol="0" anchor="ctr"/>
-          <a:lstStyle/>
-          <a:p>
-            <a:pPr algn="ctr"/>
-            <a:endParaRPr lang="zh-CN" altLang="en-US"/>
-          </a:p>
-        </p:txBody>
-      </p:sp>
-      <p:sp>
-        <p:nvSpPr>
-          <p:cNvPr id="27" name="矩形 26"/>
-          <p:cNvSpPr/>
-          <p:nvPr/>
-        </p:nvSpPr>
-        <p:spPr>
-          <a:xfrm>
-            <a:off x="7610475" y="2326020"/>
-            <a:ext cx="2771775" cy="2219326"/>
-          </a:xfrm>
-          <a:prstGeom prst="rect">
-            <a:avLst/>
-          </a:prstGeom>
-          <a:solidFill>
-            <a:srgbClr val="DACD57"/>
-          </a:solidFill>
-          <a:ln>
-            <a:noFill/>
-          </a:ln>
-        </p:spPr>
-        <p:style>
-          <a:lnRef idx="2">
-            <a:schemeClr val="accent1">
-              <a:shade val="50000"/>
-            </a:schemeClr>
-          </a:lnRef>
-          <a:fillRef idx="1">
-            <a:schemeClr val="accent1"/>
-          </a:fillRef>
-          <a:effectRef idx="0">
-            <a:schemeClr val="accent1"/>
-          </a:effectRef>
-          <a:fontRef idx="minor">
-            <a:schemeClr val="lt1"/>
-          </a:fontRef>
-        </p:style>
-        <p:txBody>
-          <a:bodyPr rtlCol="0" anchor="ctr"/>
-          <a:lstStyle/>
-          <a:p>
-            <a:pPr algn="ctr"/>
-            <a:endParaRPr lang="zh-CN" altLang="en-US"/>
-          </a:p>
-        </p:txBody>
-      </p:sp>
-      <p:sp>
-        <p:nvSpPr>
-          <p:cNvPr id="4" name="矩形 3"/>
-          <p:cNvSpPr/>
-          <p:nvPr/>
-        </p:nvSpPr>
-        <p:spPr>
-          <a:xfrm>
-            <a:off x="7610475" y="0"/>
-            <a:ext cx="2771775" cy="2219326"/>
-          </a:xfrm>
-          <a:prstGeom prst="rect">
-            <a:avLst/>
-          </a:prstGeom>
-          <a:solidFill>
-            <a:srgbClr val="DACD57"/>
-          </a:solidFill>
-          <a:ln>
-            <a:noFill/>
-          </a:ln>
-        </p:spPr>
-        <p:style>
-          <a:lnRef idx="2">
-            <a:schemeClr val="accent1">
-              <a:shade val="50000"/>
-            </a:schemeClr>
-          </a:lnRef>
-          <a:fillRef idx="1">
-            <a:schemeClr val="accent1"/>
-          </a:fillRef>
-          <a:effectRef idx="0">
-            <a:schemeClr val="accent1"/>
-          </a:effectRef>
-          <a:fontRef idx="minor">
-            <a:schemeClr val="lt1"/>
-          </a:fontRef>
-        </p:style>
-        <p:txBody>
-          <a:bodyPr rtlCol="0" anchor="ctr"/>
-          <a:lstStyle/>
-          <a:p>
-            <a:pPr algn="ctr"/>
-            <a:endParaRPr lang="zh-CN" altLang="en-US"/>
-          </a:p>
-        </p:txBody>
-      </p:sp>
-      <p:grpSp>
-        <p:nvGrpSpPr>
-          <p:cNvPr id="13" name="组合 12"/>
-          <p:cNvGrpSpPr/>
-          <p:nvPr/>
-        </p:nvGrpSpPr>
-        <p:grpSpPr>
-          <a:xfrm>
-            <a:off x="8569366" y="654215"/>
-            <a:ext cx="852721" cy="850766"/>
-            <a:chOff x="3272771" y="4374377"/>
-            <a:chExt cx="472326" cy="471243"/>
-          </a:xfrm>
-        </p:grpSpPr>
-        <p:sp>
-          <p:nvSpPr>
-            <p:cNvPr id="5" name="Oval 75"/>
-            <p:cNvSpPr>
-              <a:spLocks noChangeArrowheads="1"/>
-            </p:cNvSpPr>
-            <p:nvPr/>
-          </p:nvSpPr>
-          <p:spPr bwMode="auto">
-            <a:xfrm>
-              <a:off x="3478602" y="4476209"/>
-              <a:ext cx="61749" cy="61749"/>
-            </a:xfrm>
-            <a:prstGeom prst="ellipse">
-              <a:avLst/>
-            </a:prstGeom>
-            <a:noFill/>
-            <a:ln w="30163" cap="rnd">
-              <a:solidFill>
-                <a:srgbClr val="FFFFFF"/>
-              </a:solidFill>
-              <a:prstDash val="solid"/>
-              <a:round/>
-            </a:ln>
-            <a:extLst>
-              <a:ext uri="{909E8E84-426E-40DD-AFC4-6F175D3DCCD1}">
-                <a14:hiddenFill xmlns:a14="http://schemas.microsoft.com/office/drawing/2010/main">
-                  <a:solidFill>
-                    <a:srgbClr val="FFFFFF"/>
-                  </a:solidFill>
-                </a14:hiddenFill>
-              </a:ext>
-            </a:extLst>
-          </p:spPr>
-          <p:txBody>
-            <a:bodyPr vert="horz" wrap="square" lIns="91440" tIns="45720" rIns="91440" bIns="45720" numCol="1" anchor="t" anchorCtr="0" compatLnSpc="1"/>
-            <a:lstStyle/>
-            <a:p>
-              <a:endParaRPr lang="zh-CN" altLang="en-US"/>
-            </a:p>
-          </p:txBody>
-        </p:sp>
-        <p:sp>
-          <p:nvSpPr>
-            <p:cNvPr id="6" name="Freeform 76"/>
-            <p:cNvSpPr/>
-            <p:nvPr/>
-          </p:nvSpPr>
-          <p:spPr bwMode="auto">
-            <a:xfrm>
-              <a:off x="3396270" y="4394960"/>
-              <a:ext cx="225330" cy="307662"/>
-            </a:xfrm>
-            <a:custGeom>
-              <a:avLst/>
-              <a:gdLst>
-                <a:gd name="T0" fmla="*/ 63 w 88"/>
-                <a:gd name="T1" fmla="*/ 84 h 120"/>
-                <a:gd name="T2" fmla="*/ 44 w 88"/>
-                <a:gd name="T3" fmla="*/ 120 h 120"/>
-                <a:gd name="T4" fmla="*/ 26 w 88"/>
-                <a:gd name="T5" fmla="*/ 84 h 120"/>
-                <a:gd name="T6" fmla="*/ 0 w 88"/>
-                <a:gd name="T7" fmla="*/ 44 h 120"/>
-                <a:gd name="T8" fmla="*/ 44 w 88"/>
-                <a:gd name="T9" fmla="*/ 0 h 120"/>
-                <a:gd name="T10" fmla="*/ 88 w 88"/>
-                <a:gd name="T11" fmla="*/ 44 h 120"/>
-                <a:gd name="T12" fmla="*/ 63 w 88"/>
-                <a:gd name="T13" fmla="*/ 84 h 120"/>
-              </a:gdLst>
-              <a:ahLst/>
-              <a:cxnLst>
-                <a:cxn ang="0">
-                  <a:pos x="T0" y="T1"/>
-                </a:cxn>
-                <a:cxn ang="0">
-                  <a:pos x="T2" y="T3"/>
-                </a:cxn>
-                <a:cxn ang="0">
-                  <a:pos x="T4" y="T5"/>
-                </a:cxn>
-                <a:cxn ang="0">
-                  <a:pos x="T6" y="T7"/>
-                </a:cxn>
-                <a:cxn ang="0">
-                  <a:pos x="T8" y="T9"/>
-                </a:cxn>
-                <a:cxn ang="0">
-                  <a:pos x="T10" y="T11"/>
-                </a:cxn>
-                <a:cxn ang="0">
-                  <a:pos x="T12" y="T13"/>
-                </a:cxn>
-              </a:cxnLst>
-              <a:rect l="0" t="0" r="r" b="b"/>
-              <a:pathLst>
-                <a:path w="88" h="120">
-                  <a:moveTo>
-                    <a:pt x="63" y="84"/>
-                  </a:moveTo>
-                  <a:cubicBezTo>
-                    <a:pt x="44" y="120"/>
-                    <a:pt x="44" y="120"/>
-                    <a:pt x="44" y="120"/>
-                  </a:cubicBezTo>
-                  <a:cubicBezTo>
-                    <a:pt x="26" y="84"/>
-                    <a:pt x="26" y="84"/>
-                    <a:pt x="26" y="84"/>
-                  </a:cubicBezTo>
-                  <a:cubicBezTo>
-                    <a:pt x="11" y="77"/>
-                    <a:pt x="0" y="61"/>
-                    <a:pt x="0" y="44"/>
-                  </a:cubicBezTo>
-                  <a:cubicBezTo>
-                    <a:pt x="0" y="20"/>
-                    <a:pt x="20" y="0"/>
-                    <a:pt x="44" y="0"/>
-                  </a:cubicBezTo>
-                  <a:cubicBezTo>
-                    <a:pt x="68" y="0"/>
-                    <a:pt x="88" y="20"/>
-                    <a:pt x="88" y="44"/>
-                  </a:cubicBezTo>
-                  <a:cubicBezTo>
-                    <a:pt x="88" y="61"/>
-                    <a:pt x="78" y="77"/>
-                    <a:pt x="63" y="84"/>
-                  </a:cubicBezTo>
-                  <a:close/>
-                </a:path>
-              </a:pathLst>
-            </a:custGeom>
-            <a:noFill/>
-            <a:ln w="30163" cap="rnd">
-              <a:solidFill>
-                <a:srgbClr val="FFFFFF"/>
-              </a:solidFill>
-              <a:prstDash val="solid"/>
-              <a:round/>
-            </a:ln>
-            <a:extLst>
-              <a:ext uri="{909E8E84-426E-40DD-AFC4-6F175D3DCCD1}">
-                <a14:hiddenFill xmlns:a14="http://schemas.microsoft.com/office/drawing/2010/main">
-                  <a:solidFill>
-                    <a:srgbClr val="FFFFFF"/>
-                  </a:solidFill>
-                </a14:hiddenFill>
-              </a:ext>
-            </a:extLst>
-          </p:spPr>
-          <p:txBody>
-            <a:bodyPr vert="horz" wrap="square" lIns="91440" tIns="45720" rIns="91440" bIns="45720" numCol="1" anchor="t" anchorCtr="0" compatLnSpc="1"/>
-            <a:lstStyle/>
-            <a:p>
-              <a:endParaRPr lang="zh-CN" altLang="en-US"/>
-            </a:p>
-          </p:txBody>
-        </p:sp>
-        <p:sp>
-          <p:nvSpPr>
-            <p:cNvPr id="7" name="Line 77"/>
-            <p:cNvSpPr>
-              <a:spLocks noChangeShapeType="1"/>
-            </p:cNvSpPr>
-            <p:nvPr/>
-          </p:nvSpPr>
-          <p:spPr bwMode="auto">
-            <a:xfrm>
-              <a:off x="3437436" y="4374377"/>
-              <a:ext cx="0" cy="0"/>
-            </a:xfrm>
-            <a:prstGeom prst="line">
-              <a:avLst/>
-            </a:prstGeom>
-            <a:noFill/>
-            <a:ln w="30163" cap="rnd">
-              <a:solidFill>
-                <a:srgbClr val="FFFFFF"/>
-              </a:solidFill>
-              <a:prstDash val="solid"/>
-              <a:round/>
-            </a:ln>
-            <a:extLst>
-              <a:ext uri="{909E8E84-426E-40DD-AFC4-6F175D3DCCD1}">
-                <a14:hiddenFill xmlns:a14="http://schemas.microsoft.com/office/drawing/2010/main">
-                  <a:noFill/>
-                </a14:hiddenFill>
-              </a:ext>
-            </a:extLst>
-          </p:spPr>
-          <p:txBody>
-            <a:bodyPr vert="horz" wrap="square" lIns="91440" tIns="45720" rIns="91440" bIns="45720" numCol="1" anchor="t" anchorCtr="0" compatLnSpc="1"/>
-            <a:lstStyle/>
-            <a:p>
-              <a:endParaRPr lang="zh-CN" altLang="en-US"/>
-            </a:p>
-          </p:txBody>
-        </p:sp>
-        <p:sp>
-          <p:nvSpPr>
-            <p:cNvPr id="8" name="Freeform 78"/>
-            <p:cNvSpPr/>
-            <p:nvPr/>
-          </p:nvSpPr>
-          <p:spPr bwMode="auto">
-            <a:xfrm>
-              <a:off x="3272771" y="4374377"/>
-              <a:ext cx="472326" cy="471243"/>
-            </a:xfrm>
-            <a:custGeom>
-              <a:avLst/>
-              <a:gdLst>
-                <a:gd name="T0" fmla="*/ 152 w 436"/>
-                <a:gd name="T1" fmla="*/ 0 h 435"/>
-                <a:gd name="T2" fmla="*/ 0 w 436"/>
-                <a:gd name="T3" fmla="*/ 38 h 435"/>
-                <a:gd name="T4" fmla="*/ 0 w 436"/>
-                <a:gd name="T5" fmla="*/ 397 h 435"/>
-                <a:gd name="T6" fmla="*/ 152 w 436"/>
-                <a:gd name="T7" fmla="*/ 359 h 435"/>
-                <a:gd name="T8" fmla="*/ 284 w 436"/>
-                <a:gd name="T9" fmla="*/ 435 h 435"/>
-                <a:gd name="T10" fmla="*/ 436 w 436"/>
-                <a:gd name="T11" fmla="*/ 397 h 435"/>
-                <a:gd name="T12" fmla="*/ 436 w 436"/>
-                <a:gd name="T13" fmla="*/ 38 h 435"/>
-                <a:gd name="T14" fmla="*/ 308 w 436"/>
-                <a:gd name="T15" fmla="*/ 68 h 435"/>
-              </a:gdLst>
-              <a:ahLst/>
-              <a:cxnLst>
-                <a:cxn ang="0">
-                  <a:pos x="T0" y="T1"/>
-                </a:cxn>
-                <a:cxn ang="0">
-                  <a:pos x="T2" y="T3"/>
-                </a:cxn>
-                <a:cxn ang="0">
-                  <a:pos x="T4" y="T5"/>
-                </a:cxn>
-                <a:cxn ang="0">
-                  <a:pos x="T6" y="T7"/>
-                </a:cxn>
-                <a:cxn ang="0">
-                  <a:pos x="T8" y="T9"/>
-                </a:cxn>
-                <a:cxn ang="0">
-                  <a:pos x="T10" y="T11"/>
-                </a:cxn>
-                <a:cxn ang="0">
-                  <a:pos x="T12" y="T13"/>
-                </a:cxn>
-                <a:cxn ang="0">
-                  <a:pos x="T14" y="T15"/>
-                </a:cxn>
-              </a:cxnLst>
-              <a:rect l="0" t="0" r="r" b="b"/>
-              <a:pathLst>
-                <a:path w="436" h="435">
-                  <a:moveTo>
-                    <a:pt x="152" y="0"/>
-                  </a:moveTo>
-                  <a:lnTo>
-                    <a:pt x="0" y="38"/>
-                  </a:lnTo>
-                  <a:lnTo>
-                    <a:pt x="0" y="397"/>
-                  </a:lnTo>
-                  <a:lnTo>
-                    <a:pt x="152" y="359"/>
-                  </a:lnTo>
-                  <a:lnTo>
-                    <a:pt x="284" y="435"/>
-                  </a:lnTo>
-                  <a:lnTo>
-                    <a:pt x="436" y="397"/>
-                  </a:lnTo>
-                  <a:lnTo>
-                    <a:pt x="436" y="38"/>
-                  </a:lnTo>
-                  <a:lnTo>
-                    <a:pt x="308" y="68"/>
-                  </a:lnTo>
-                </a:path>
-              </a:pathLst>
-            </a:custGeom>
-            <a:noFill/>
-            <a:ln w="30163" cap="rnd">
-              <a:solidFill>
-                <a:srgbClr val="FFFFFF"/>
-              </a:solidFill>
-              <a:prstDash val="solid"/>
-              <a:round/>
-            </a:ln>
-            <a:extLst>
-              <a:ext uri="{909E8E84-426E-40DD-AFC4-6F175D3DCCD1}">
-                <a14:hiddenFill xmlns:a14="http://schemas.microsoft.com/office/drawing/2010/main">
-                  <a:solidFill>
-                    <a:srgbClr val="FFFFFF"/>
-                  </a:solidFill>
-                </a14:hiddenFill>
-              </a:ext>
-            </a:extLst>
-          </p:spPr>
-          <p:txBody>
-            <a:bodyPr vert="horz" wrap="square" lIns="91440" tIns="45720" rIns="91440" bIns="45720" numCol="1" anchor="t" anchorCtr="0" compatLnSpc="1"/>
-            <a:lstStyle/>
-            <a:p>
-              <a:endParaRPr lang="zh-CN" altLang="en-US"/>
-            </a:p>
-          </p:txBody>
-        </p:sp>
-        <p:sp>
-          <p:nvSpPr>
-            <p:cNvPr id="9" name="Line 79"/>
-            <p:cNvSpPr>
-              <a:spLocks noChangeShapeType="1"/>
-            </p:cNvSpPr>
-            <p:nvPr/>
-          </p:nvSpPr>
-          <p:spPr bwMode="auto">
-            <a:xfrm flipV="1">
-              <a:off x="3580434" y="4594290"/>
-              <a:ext cx="0" cy="251330"/>
-            </a:xfrm>
-            <a:prstGeom prst="line">
-              <a:avLst/>
-            </a:prstGeom>
-            <a:noFill/>
-            <a:ln w="30163" cap="rnd">
-              <a:solidFill>
-                <a:srgbClr val="FFFFFF"/>
-              </a:solidFill>
-              <a:prstDash val="solid"/>
-              <a:round/>
-            </a:ln>
-            <a:extLst>
-              <a:ext uri="{909E8E84-426E-40DD-AFC4-6F175D3DCCD1}">
-                <a14:hiddenFill xmlns:a14="http://schemas.microsoft.com/office/drawing/2010/main">
-                  <a:noFill/>
-                </a14:hiddenFill>
-              </a:ext>
-            </a:extLst>
-          </p:spPr>
-          <p:txBody>
-            <a:bodyPr vert="horz" wrap="square" lIns="91440" tIns="45720" rIns="91440" bIns="45720" numCol="1" anchor="t" anchorCtr="0" compatLnSpc="1"/>
-            <a:lstStyle/>
-            <a:p>
-              <a:endParaRPr lang="zh-CN" altLang="en-US"/>
-            </a:p>
-          </p:txBody>
-        </p:sp>
-        <p:sp>
-          <p:nvSpPr>
-            <p:cNvPr id="10" name="Line 80"/>
-            <p:cNvSpPr>
-              <a:spLocks noChangeShapeType="1"/>
-            </p:cNvSpPr>
-            <p:nvPr/>
-          </p:nvSpPr>
-          <p:spPr bwMode="auto">
-            <a:xfrm flipV="1">
-              <a:off x="3437436" y="4374377"/>
-              <a:ext cx="0" cy="45499"/>
-            </a:xfrm>
-            <a:prstGeom prst="line">
-              <a:avLst/>
-            </a:prstGeom>
-            <a:noFill/>
-            <a:ln w="30163" cap="rnd">
-              <a:solidFill>
-                <a:srgbClr val="FFFFFF"/>
-              </a:solidFill>
-              <a:prstDash val="solid"/>
-              <a:round/>
-            </a:ln>
-            <a:extLst>
-              <a:ext uri="{909E8E84-426E-40DD-AFC4-6F175D3DCCD1}">
-                <a14:hiddenFill xmlns:a14="http://schemas.microsoft.com/office/drawing/2010/main">
-                  <a:noFill/>
-                </a14:hiddenFill>
-              </a:ext>
-            </a:extLst>
-          </p:spPr>
-          <p:txBody>
-            <a:bodyPr vert="horz" wrap="square" lIns="91440" tIns="45720" rIns="91440" bIns="45720" numCol="1" anchor="t" anchorCtr="0" compatLnSpc="1"/>
-            <a:lstStyle/>
-            <a:p>
-              <a:endParaRPr lang="zh-CN" altLang="en-US"/>
-            </a:p>
-          </p:txBody>
-        </p:sp>
-        <p:sp>
-          <p:nvSpPr>
-            <p:cNvPr id="11" name="Line 81"/>
-            <p:cNvSpPr>
-              <a:spLocks noChangeShapeType="1"/>
-            </p:cNvSpPr>
-            <p:nvPr/>
-          </p:nvSpPr>
-          <p:spPr bwMode="auto">
-            <a:xfrm flipV="1">
-              <a:off x="3437436" y="4594290"/>
-              <a:ext cx="0" cy="168998"/>
-            </a:xfrm>
-            <a:prstGeom prst="line">
-              <a:avLst/>
-            </a:prstGeom>
-            <a:noFill/>
-            <a:ln w="30163" cap="rnd">
-              <a:solidFill>
-                <a:srgbClr val="FFFFFF"/>
-              </a:solidFill>
-              <a:prstDash val="solid"/>
-              <a:round/>
-            </a:ln>
-            <a:extLst>
-              <a:ext uri="{909E8E84-426E-40DD-AFC4-6F175D3DCCD1}">
-                <a14:hiddenFill xmlns:a14="http://schemas.microsoft.com/office/drawing/2010/main">
-                  <a:noFill/>
-                </a14:hiddenFill>
-              </a:ext>
-            </a:extLst>
-          </p:spPr>
-          <p:txBody>
-            <a:bodyPr vert="horz" wrap="square" lIns="91440" tIns="45720" rIns="91440" bIns="45720" numCol="1" anchor="t" anchorCtr="0" compatLnSpc="1"/>
-            <a:lstStyle/>
-            <a:p>
-              <a:endParaRPr lang="zh-CN" altLang="en-US"/>
-            </a:p>
-          </p:txBody>
-        </p:sp>
-        <p:sp>
-          <p:nvSpPr>
-            <p:cNvPr id="12" name="Line 82"/>
-            <p:cNvSpPr>
-              <a:spLocks noChangeShapeType="1"/>
-            </p:cNvSpPr>
-            <p:nvPr/>
-          </p:nvSpPr>
-          <p:spPr bwMode="auto">
-            <a:xfrm flipH="1" flipV="1">
-              <a:off x="3437436" y="4374377"/>
-              <a:ext cx="43333" cy="22750"/>
-            </a:xfrm>
-            <a:prstGeom prst="line">
-              <a:avLst/>
-            </a:prstGeom>
-            <a:noFill/>
-            <a:ln w="30163" cap="rnd">
-              <a:solidFill>
-                <a:srgbClr val="FFFFFF"/>
-              </a:solidFill>
-              <a:prstDash val="solid"/>
-              <a:round/>
-            </a:ln>
-            <a:extLst>
-              <a:ext uri="{909E8E84-426E-40DD-AFC4-6F175D3DCCD1}">
-                <a14:hiddenFill xmlns:a14="http://schemas.microsoft.com/office/drawing/2010/main">
-                  <a:noFill/>
-                </a14:hiddenFill>
-              </a:ext>
-            </a:extLst>
-          </p:spPr>
-          <p:txBody>
-            <a:bodyPr vert="horz" wrap="square" lIns="91440" tIns="45720" rIns="91440" bIns="45720" numCol="1" anchor="t" anchorCtr="0" compatLnSpc="1"/>
-            <a:lstStyle/>
-            <a:p>
-              <a:endParaRPr lang="zh-CN" altLang="en-US"/>
-            </a:p>
-          </p:txBody>
-        </p:sp>
-      </p:grpSp>
-      <p:grpSp>
-        <p:nvGrpSpPr>
-          <p:cNvPr id="22" name="组合 21"/>
-          <p:cNvGrpSpPr/>
-          <p:nvPr/>
-        </p:nvGrpSpPr>
-        <p:grpSpPr>
-          <a:xfrm>
-            <a:off x="8551824" y="3008223"/>
-            <a:ext cx="889074" cy="887035"/>
-            <a:chOff x="852640" y="4374377"/>
-            <a:chExt cx="472326" cy="471243"/>
-          </a:xfrm>
-        </p:grpSpPr>
-        <p:sp>
-          <p:nvSpPr>
-            <p:cNvPr id="14" name="Oval 69"/>
-            <p:cNvSpPr>
-              <a:spLocks noChangeArrowheads="1"/>
-            </p:cNvSpPr>
-            <p:nvPr/>
-          </p:nvSpPr>
-          <p:spPr bwMode="auto">
-            <a:xfrm>
-              <a:off x="852640" y="4374377"/>
-              <a:ext cx="472326" cy="471243"/>
-            </a:xfrm>
-            <a:prstGeom prst="ellipse">
-              <a:avLst/>
-            </a:prstGeom>
-            <a:noFill/>
-            <a:ln w="30163" cap="rnd">
-              <a:solidFill>
-                <a:srgbClr val="FFFFFF"/>
-              </a:solidFill>
-              <a:prstDash val="solid"/>
-              <a:round/>
-            </a:ln>
-            <a:extLst>
-              <a:ext uri="{909E8E84-426E-40DD-AFC4-6F175D3DCCD1}">
-                <a14:hiddenFill xmlns:a14="http://schemas.microsoft.com/office/drawing/2010/main">
-                  <a:solidFill>
-                    <a:srgbClr val="FFFFFF"/>
-                  </a:solidFill>
-                </a14:hiddenFill>
-              </a:ext>
-            </a:extLst>
-          </p:spPr>
-          <p:txBody>
-            <a:bodyPr vert="horz" wrap="square" lIns="91440" tIns="45720" rIns="91440" bIns="45720" numCol="1" anchor="t" anchorCtr="0" compatLnSpc="1"/>
-            <a:lstStyle/>
-            <a:p>
-              <a:endParaRPr lang="zh-CN" altLang="en-US"/>
-            </a:p>
-          </p:txBody>
-        </p:sp>
-        <p:sp>
-          <p:nvSpPr>
-            <p:cNvPr id="15" name="Freeform 70"/>
-            <p:cNvSpPr/>
-            <p:nvPr/>
-          </p:nvSpPr>
-          <p:spPr bwMode="auto">
-            <a:xfrm>
-              <a:off x="955555" y="4517375"/>
-              <a:ext cx="225330" cy="225330"/>
-            </a:xfrm>
-            <a:custGeom>
-              <a:avLst/>
-              <a:gdLst>
-                <a:gd name="T0" fmla="*/ 139 w 208"/>
-                <a:gd name="T1" fmla="*/ 208 h 208"/>
-                <a:gd name="T2" fmla="*/ 104 w 208"/>
-                <a:gd name="T3" fmla="*/ 104 h 208"/>
-                <a:gd name="T4" fmla="*/ 0 w 208"/>
-                <a:gd name="T5" fmla="*/ 69 h 208"/>
-                <a:gd name="T6" fmla="*/ 208 w 208"/>
-                <a:gd name="T7" fmla="*/ 0 h 208"/>
-                <a:gd name="T8" fmla="*/ 139 w 208"/>
-                <a:gd name="T9" fmla="*/ 208 h 208"/>
-              </a:gdLst>
-              <a:ahLst/>
-              <a:cxnLst>
-                <a:cxn ang="0">
-                  <a:pos x="T0" y="T1"/>
-                </a:cxn>
-                <a:cxn ang="0">
-                  <a:pos x="T2" y="T3"/>
-                </a:cxn>
-                <a:cxn ang="0">
-                  <a:pos x="T4" y="T5"/>
-                </a:cxn>
-                <a:cxn ang="0">
-                  <a:pos x="T6" y="T7"/>
-                </a:cxn>
-                <a:cxn ang="0">
-                  <a:pos x="T8" y="T9"/>
-                </a:cxn>
-              </a:cxnLst>
-              <a:rect l="0" t="0" r="r" b="b"/>
-              <a:pathLst>
-                <a:path w="208" h="208">
-                  <a:moveTo>
-                    <a:pt x="139" y="208"/>
-                  </a:moveTo>
-                  <a:lnTo>
-                    <a:pt x="104" y="104"/>
-                  </a:lnTo>
-                  <a:lnTo>
-                    <a:pt x="0" y="69"/>
-                  </a:lnTo>
-                  <a:lnTo>
-                    <a:pt x="208" y="0"/>
-                  </a:lnTo>
-                  <a:lnTo>
-                    <a:pt x="139" y="208"/>
-                  </a:lnTo>
-                  <a:close/>
-                </a:path>
-              </a:pathLst>
-            </a:custGeom>
-            <a:noFill/>
-            <a:ln w="30163" cap="rnd">
-              <a:solidFill>
-                <a:srgbClr val="FFFFFF"/>
-              </a:solidFill>
-              <a:prstDash val="solid"/>
-              <a:round/>
-            </a:ln>
-            <a:extLst>
-              <a:ext uri="{909E8E84-426E-40DD-AFC4-6F175D3DCCD1}">
-                <a14:hiddenFill xmlns:a14="http://schemas.microsoft.com/office/drawing/2010/main">
-                  <a:solidFill>
-                    <a:srgbClr val="FFFFFF"/>
-                  </a:solidFill>
-                </a14:hiddenFill>
-              </a:ext>
-            </a:extLst>
-          </p:spPr>
-          <p:txBody>
-            <a:bodyPr vert="horz" wrap="square" lIns="91440" tIns="45720" rIns="91440" bIns="45720" numCol="1" anchor="t" anchorCtr="0" compatLnSpc="1"/>
-            <a:lstStyle/>
-            <a:p>
-              <a:endParaRPr lang="zh-CN" altLang="en-US"/>
-            </a:p>
-          </p:txBody>
-        </p:sp>
-      </p:grpSp>
-      <p:grpSp>
-        <p:nvGrpSpPr>
-          <p:cNvPr id="23" name="组合 22"/>
-          <p:cNvGrpSpPr/>
-          <p:nvPr/>
-        </p:nvGrpSpPr>
-        <p:grpSpPr>
-          <a:xfrm>
-            <a:off x="8586445" y="5339916"/>
-            <a:ext cx="819831" cy="819833"/>
-            <a:chOff x="2062706" y="5583359"/>
-            <a:chExt cx="472326" cy="472327"/>
-          </a:xfrm>
-        </p:grpSpPr>
-        <p:sp>
-          <p:nvSpPr>
-            <p:cNvPr id="16" name="Freeform 96"/>
-            <p:cNvSpPr/>
-            <p:nvPr/>
-          </p:nvSpPr>
-          <p:spPr bwMode="auto">
-            <a:xfrm>
-              <a:off x="2268536" y="5583359"/>
-              <a:ext cx="60666" cy="51999"/>
-            </a:xfrm>
-            <a:custGeom>
-              <a:avLst/>
-              <a:gdLst>
-                <a:gd name="T0" fmla="*/ 24 w 24"/>
-                <a:gd name="T1" fmla="*/ 20 h 20"/>
-                <a:gd name="T2" fmla="*/ 24 w 24"/>
-                <a:gd name="T3" fmla="*/ 12 h 20"/>
-                <a:gd name="T4" fmla="*/ 12 w 24"/>
-                <a:gd name="T5" fmla="*/ 0 h 20"/>
-                <a:gd name="T6" fmla="*/ 0 w 24"/>
-                <a:gd name="T7" fmla="*/ 12 h 20"/>
-                <a:gd name="T8" fmla="*/ 0 w 24"/>
-                <a:gd name="T9" fmla="*/ 20 h 20"/>
-              </a:gdLst>
-              <a:ahLst/>
-              <a:cxnLst>
-                <a:cxn ang="0">
-                  <a:pos x="T0" y="T1"/>
-                </a:cxn>
-                <a:cxn ang="0">
-                  <a:pos x="T2" y="T3"/>
-                </a:cxn>
-                <a:cxn ang="0">
-                  <a:pos x="T4" y="T5"/>
-                </a:cxn>
-                <a:cxn ang="0">
-                  <a:pos x="T6" y="T7"/>
-                </a:cxn>
-                <a:cxn ang="0">
-                  <a:pos x="T8" y="T9"/>
-                </a:cxn>
-              </a:cxnLst>
-              <a:rect l="0" t="0" r="r" b="b"/>
-              <a:pathLst>
-                <a:path w="24" h="20">
-                  <a:moveTo>
-                    <a:pt x="24" y="20"/>
-                  </a:moveTo>
-                  <a:cubicBezTo>
-                    <a:pt x="24" y="12"/>
-                    <a:pt x="24" y="12"/>
-                    <a:pt x="24" y="12"/>
-                  </a:cubicBezTo>
-                  <a:cubicBezTo>
-                    <a:pt x="24" y="5"/>
-                    <a:pt x="19" y="0"/>
-                    <a:pt x="12" y="0"/>
-                  </a:cubicBezTo>
-                  <a:cubicBezTo>
-                    <a:pt x="6" y="0"/>
-                    <a:pt x="0" y="5"/>
-                    <a:pt x="0" y="12"/>
-                  </a:cubicBezTo>
-                  <a:cubicBezTo>
-                    <a:pt x="0" y="20"/>
-                    <a:pt x="0" y="20"/>
-                    <a:pt x="0" y="20"/>
-                  </a:cubicBezTo>
-                </a:path>
-              </a:pathLst>
-            </a:custGeom>
-            <a:noFill/>
-            <a:ln w="30163" cap="rnd">
-              <a:solidFill>
-                <a:srgbClr val="FFFFFF"/>
-              </a:solidFill>
-              <a:prstDash val="solid"/>
-              <a:round/>
-            </a:ln>
-            <a:extLst>
-              <a:ext uri="{909E8E84-426E-40DD-AFC4-6F175D3DCCD1}">
-                <a14:hiddenFill xmlns:a14="http://schemas.microsoft.com/office/drawing/2010/main">
-                  <a:solidFill>
-                    <a:srgbClr val="FFFFFF"/>
-                  </a:solidFill>
-                </a14:hiddenFill>
-              </a:ext>
-            </a:extLst>
-          </p:spPr>
-          <p:txBody>
-            <a:bodyPr vert="horz" wrap="square" lIns="91440" tIns="45720" rIns="91440" bIns="45720" numCol="1" anchor="t" anchorCtr="0" compatLnSpc="1"/>
-            <a:lstStyle/>
-            <a:p>
-              <a:endParaRPr lang="zh-CN" altLang="en-US"/>
-            </a:p>
-          </p:txBody>
-        </p:sp>
-        <p:sp>
-          <p:nvSpPr>
-            <p:cNvPr id="17" name="Line 97"/>
-            <p:cNvSpPr>
-              <a:spLocks noChangeShapeType="1"/>
-            </p:cNvSpPr>
-            <p:nvPr/>
-          </p:nvSpPr>
-          <p:spPr bwMode="auto">
-            <a:xfrm>
-              <a:off x="2268536" y="5748024"/>
-              <a:ext cx="0" cy="41166"/>
-            </a:xfrm>
-            <a:prstGeom prst="line">
-              <a:avLst/>
-            </a:prstGeom>
-            <a:noFill/>
-            <a:ln w="30163" cap="rnd">
-              <a:solidFill>
-                <a:srgbClr val="FFFFFF"/>
-              </a:solidFill>
-              <a:prstDash val="solid"/>
-              <a:round/>
-            </a:ln>
-            <a:extLst>
-              <a:ext uri="{909E8E84-426E-40DD-AFC4-6F175D3DCCD1}">
-                <a14:hiddenFill xmlns:a14="http://schemas.microsoft.com/office/drawing/2010/main">
-                  <a:noFill/>
-                </a14:hiddenFill>
-              </a:ext>
-            </a:extLst>
-          </p:spPr>
-          <p:txBody>
-            <a:bodyPr vert="horz" wrap="square" lIns="91440" tIns="45720" rIns="91440" bIns="45720" numCol="1" anchor="t" anchorCtr="0" compatLnSpc="1"/>
-            <a:lstStyle/>
-            <a:p>
-              <a:endParaRPr lang="zh-CN" altLang="en-US"/>
-            </a:p>
-          </p:txBody>
-        </p:sp>
-        <p:sp>
-          <p:nvSpPr>
-            <p:cNvPr id="18" name="Line 98"/>
-            <p:cNvSpPr>
-              <a:spLocks noChangeShapeType="1"/>
-            </p:cNvSpPr>
-            <p:nvPr/>
-          </p:nvSpPr>
-          <p:spPr bwMode="auto">
-            <a:xfrm flipV="1">
-              <a:off x="2329202" y="5748024"/>
-              <a:ext cx="0" cy="41166"/>
-            </a:xfrm>
-            <a:prstGeom prst="line">
-              <a:avLst/>
-            </a:prstGeom>
-            <a:noFill/>
-            <a:ln w="30163" cap="rnd">
-              <a:solidFill>
-                <a:srgbClr val="FFFFFF"/>
-              </a:solidFill>
-              <a:prstDash val="solid"/>
-              <a:round/>
-            </a:ln>
-            <a:extLst>
-              <a:ext uri="{909E8E84-426E-40DD-AFC4-6F175D3DCCD1}">
-                <a14:hiddenFill xmlns:a14="http://schemas.microsoft.com/office/drawing/2010/main">
-                  <a:noFill/>
-                </a14:hiddenFill>
-              </a:ext>
-            </a:extLst>
-          </p:spPr>
-          <p:txBody>
-            <a:bodyPr vert="horz" wrap="square" lIns="91440" tIns="45720" rIns="91440" bIns="45720" numCol="1" anchor="t" anchorCtr="0" compatLnSpc="1"/>
-            <a:lstStyle/>
-            <a:p>
-              <a:endParaRPr lang="zh-CN" altLang="en-US"/>
-            </a:p>
-          </p:txBody>
-        </p:sp>
-        <p:sp>
-          <p:nvSpPr>
-            <p:cNvPr id="19" name="Freeform 99"/>
-            <p:cNvSpPr/>
-            <p:nvPr/>
-          </p:nvSpPr>
-          <p:spPr bwMode="auto">
-            <a:xfrm>
-              <a:off x="2268536" y="5891022"/>
-              <a:ext cx="60666" cy="164664"/>
-            </a:xfrm>
-            <a:custGeom>
-              <a:avLst/>
-              <a:gdLst>
-                <a:gd name="T0" fmla="*/ 0 w 56"/>
-                <a:gd name="T1" fmla="*/ 0 h 152"/>
-                <a:gd name="T2" fmla="*/ 0 w 56"/>
-                <a:gd name="T3" fmla="*/ 152 h 152"/>
-                <a:gd name="T4" fmla="*/ 56 w 56"/>
-                <a:gd name="T5" fmla="*/ 152 h 152"/>
-                <a:gd name="T6" fmla="*/ 56 w 56"/>
-                <a:gd name="T7" fmla="*/ 0 h 152"/>
-              </a:gdLst>
-              <a:ahLst/>
-              <a:cxnLst>
-                <a:cxn ang="0">
-                  <a:pos x="T0" y="T1"/>
-                </a:cxn>
-                <a:cxn ang="0">
-                  <a:pos x="T2" y="T3"/>
-                </a:cxn>
-                <a:cxn ang="0">
-                  <a:pos x="T4" y="T5"/>
-                </a:cxn>
-                <a:cxn ang="0">
-                  <a:pos x="T6" y="T7"/>
-                </a:cxn>
-              </a:cxnLst>
-              <a:rect l="0" t="0" r="r" b="b"/>
-              <a:pathLst>
-                <a:path w="56" h="152">
-                  <a:moveTo>
-                    <a:pt x="0" y="0"/>
-                  </a:moveTo>
-                  <a:lnTo>
-                    <a:pt x="0" y="152"/>
-                  </a:lnTo>
-                  <a:lnTo>
-                    <a:pt x="56" y="152"/>
-                  </a:lnTo>
-                  <a:lnTo>
-                    <a:pt x="56" y="0"/>
-                  </a:lnTo>
-                </a:path>
-              </a:pathLst>
-            </a:custGeom>
-            <a:noFill/>
-            <a:ln w="30163" cap="rnd">
-              <a:solidFill>
-                <a:srgbClr val="FFFFFF"/>
-              </a:solidFill>
-              <a:prstDash val="solid"/>
-              <a:round/>
-            </a:ln>
-            <a:extLst>
-              <a:ext uri="{909E8E84-426E-40DD-AFC4-6F175D3DCCD1}">
-                <a14:hiddenFill xmlns:a14="http://schemas.microsoft.com/office/drawing/2010/main">
-                  <a:solidFill>
-                    <a:srgbClr val="FFFFFF"/>
-                  </a:solidFill>
-                </a14:hiddenFill>
-              </a:ext>
-            </a:extLst>
-          </p:spPr>
-          <p:txBody>
-            <a:bodyPr vert="horz" wrap="square" lIns="91440" tIns="45720" rIns="91440" bIns="45720" numCol="1" anchor="t" anchorCtr="0" compatLnSpc="1"/>
-            <a:lstStyle/>
-            <a:p>
-              <a:endParaRPr lang="zh-CN" altLang="en-US"/>
-            </a:p>
-          </p:txBody>
-        </p:sp>
-        <p:sp>
-          <p:nvSpPr>
-            <p:cNvPr id="20" name="Freeform 100"/>
-            <p:cNvSpPr/>
-            <p:nvPr/>
-          </p:nvSpPr>
-          <p:spPr bwMode="auto">
-            <a:xfrm>
-              <a:off x="2103872" y="5645108"/>
-              <a:ext cx="431160" cy="102915"/>
-            </a:xfrm>
-            <a:custGeom>
-              <a:avLst/>
-              <a:gdLst>
-                <a:gd name="T0" fmla="*/ 327 w 398"/>
-                <a:gd name="T1" fmla="*/ 95 h 95"/>
-                <a:gd name="T2" fmla="*/ 0 w 398"/>
-                <a:gd name="T3" fmla="*/ 95 h 95"/>
-                <a:gd name="T4" fmla="*/ 19 w 398"/>
-                <a:gd name="T5" fmla="*/ 47 h 95"/>
-                <a:gd name="T6" fmla="*/ 0 w 398"/>
-                <a:gd name="T7" fmla="*/ 0 h 95"/>
-                <a:gd name="T8" fmla="*/ 327 w 398"/>
-                <a:gd name="T9" fmla="*/ 0 h 95"/>
-                <a:gd name="T10" fmla="*/ 398 w 398"/>
-                <a:gd name="T11" fmla="*/ 47 h 95"/>
-                <a:gd name="T12" fmla="*/ 327 w 398"/>
-                <a:gd name="T13" fmla="*/ 95 h 95"/>
-              </a:gdLst>
-              <a:ahLst/>
-              <a:cxnLst>
-                <a:cxn ang="0">
-                  <a:pos x="T0" y="T1"/>
-                </a:cxn>
-                <a:cxn ang="0">
-                  <a:pos x="T2" y="T3"/>
-                </a:cxn>
-                <a:cxn ang="0">
-                  <a:pos x="T4" y="T5"/>
-                </a:cxn>
-                <a:cxn ang="0">
-                  <a:pos x="T6" y="T7"/>
-                </a:cxn>
-                <a:cxn ang="0">
-                  <a:pos x="T8" y="T9"/>
-                </a:cxn>
-                <a:cxn ang="0">
-                  <a:pos x="T10" y="T11"/>
-                </a:cxn>
-                <a:cxn ang="0">
-                  <a:pos x="T12" y="T13"/>
-                </a:cxn>
-              </a:cxnLst>
-              <a:rect l="0" t="0" r="r" b="b"/>
-              <a:pathLst>
-                <a:path w="398" h="95">
-                  <a:moveTo>
-                    <a:pt x="327" y="95"/>
-                  </a:moveTo>
-                  <a:lnTo>
-                    <a:pt x="0" y="95"/>
-                  </a:lnTo>
-                  <a:lnTo>
-                    <a:pt x="19" y="47"/>
-                  </a:lnTo>
-                  <a:lnTo>
-                    <a:pt x="0" y="0"/>
-                  </a:lnTo>
-                  <a:lnTo>
-                    <a:pt x="327" y="0"/>
-                  </a:lnTo>
-                  <a:lnTo>
-                    <a:pt x="398" y="47"/>
-                  </a:lnTo>
-                  <a:lnTo>
-                    <a:pt x="327" y="95"/>
-                  </a:lnTo>
-                  <a:close/>
-                </a:path>
-              </a:pathLst>
-            </a:custGeom>
-            <a:noFill/>
-            <a:ln w="30163" cap="rnd">
-              <a:solidFill>
-                <a:srgbClr val="FFFFFF"/>
-              </a:solidFill>
-              <a:prstDash val="solid"/>
-              <a:round/>
-            </a:ln>
-            <a:extLst>
-              <a:ext uri="{909E8E84-426E-40DD-AFC4-6F175D3DCCD1}">
-                <a14:hiddenFill xmlns:a14="http://schemas.microsoft.com/office/drawing/2010/main">
-                  <a:solidFill>
-                    <a:srgbClr val="FFFFFF"/>
-                  </a:solidFill>
-                </a14:hiddenFill>
-              </a:ext>
-            </a:extLst>
-          </p:spPr>
-          <p:txBody>
-            <a:bodyPr vert="horz" wrap="square" lIns="91440" tIns="45720" rIns="91440" bIns="45720" numCol="1" anchor="t" anchorCtr="0" compatLnSpc="1"/>
-            <a:lstStyle/>
-            <a:p>
-              <a:endParaRPr lang="zh-CN" altLang="en-US"/>
-            </a:p>
-          </p:txBody>
-        </p:sp>
-        <p:sp>
-          <p:nvSpPr>
-            <p:cNvPr id="21" name="Freeform 101"/>
-            <p:cNvSpPr/>
-            <p:nvPr/>
-          </p:nvSpPr>
-          <p:spPr bwMode="auto">
-            <a:xfrm>
-              <a:off x="2062706" y="5789190"/>
-              <a:ext cx="431160" cy="101832"/>
-            </a:xfrm>
-            <a:custGeom>
-              <a:avLst/>
-              <a:gdLst>
-                <a:gd name="T0" fmla="*/ 71 w 398"/>
-                <a:gd name="T1" fmla="*/ 0 h 94"/>
-                <a:gd name="T2" fmla="*/ 398 w 398"/>
-                <a:gd name="T3" fmla="*/ 0 h 94"/>
-                <a:gd name="T4" fmla="*/ 379 w 398"/>
-                <a:gd name="T5" fmla="*/ 47 h 94"/>
-                <a:gd name="T6" fmla="*/ 398 w 398"/>
-                <a:gd name="T7" fmla="*/ 94 h 94"/>
-                <a:gd name="T8" fmla="*/ 71 w 398"/>
-                <a:gd name="T9" fmla="*/ 94 h 94"/>
-                <a:gd name="T10" fmla="*/ 0 w 398"/>
-                <a:gd name="T11" fmla="*/ 47 h 94"/>
-                <a:gd name="T12" fmla="*/ 71 w 398"/>
-                <a:gd name="T13" fmla="*/ 0 h 94"/>
-              </a:gdLst>
-              <a:ahLst/>
-              <a:cxnLst>
-                <a:cxn ang="0">
-                  <a:pos x="T0" y="T1"/>
-                </a:cxn>
-                <a:cxn ang="0">
-                  <a:pos x="T2" y="T3"/>
-                </a:cxn>
-                <a:cxn ang="0">
-                  <a:pos x="T4" y="T5"/>
-                </a:cxn>
-                <a:cxn ang="0">
-                  <a:pos x="T6" y="T7"/>
-                </a:cxn>
-                <a:cxn ang="0">
-                  <a:pos x="T8" y="T9"/>
-                </a:cxn>
-                <a:cxn ang="0">
-                  <a:pos x="T10" y="T11"/>
-                </a:cxn>
-                <a:cxn ang="0">
-                  <a:pos x="T12" y="T13"/>
-                </a:cxn>
-              </a:cxnLst>
-              <a:rect l="0" t="0" r="r" b="b"/>
-              <a:pathLst>
-                <a:path w="398" h="94">
-                  <a:moveTo>
-                    <a:pt x="71" y="0"/>
-                  </a:moveTo>
-                  <a:lnTo>
-                    <a:pt x="398" y="0"/>
-                  </a:lnTo>
-                  <a:lnTo>
-                    <a:pt x="379" y="47"/>
-                  </a:lnTo>
-                  <a:lnTo>
-                    <a:pt x="398" y="94"/>
-                  </a:lnTo>
-                  <a:lnTo>
-                    <a:pt x="71" y="94"/>
-                  </a:lnTo>
-                  <a:lnTo>
-                    <a:pt x="0" y="47"/>
-                  </a:lnTo>
-                  <a:lnTo>
-                    <a:pt x="71" y="0"/>
-                  </a:lnTo>
-                  <a:close/>
-                </a:path>
-              </a:pathLst>
-            </a:custGeom>
-            <a:noFill/>
-            <a:ln w="30163" cap="rnd">
-              <a:solidFill>
-                <a:srgbClr val="FFFFFF"/>
-              </a:solidFill>
-              <a:prstDash val="solid"/>
-              <a:round/>
-            </a:ln>
-            <a:extLst>
-              <a:ext uri="{909E8E84-426E-40DD-AFC4-6F175D3DCCD1}">
-                <a14:hiddenFill xmlns:a14="http://schemas.microsoft.com/office/drawing/2010/main">
-                  <a:solidFill>
-                    <a:srgbClr val="FFFFFF"/>
-                  </a:solidFill>
-                </a14:hiddenFill>
-              </a:ext>
-            </a:extLst>
-          </p:spPr>
-          <p:txBody>
-            <a:bodyPr vert="horz" wrap="square" lIns="91440" tIns="45720" rIns="91440" bIns="45720" numCol="1" anchor="t" anchorCtr="0" compatLnSpc="1"/>
-            <a:lstStyle/>
-            <a:p>
-              <a:endParaRPr lang="zh-CN" altLang="en-US"/>
-            </a:p>
-          </p:txBody>
-        </p:sp>
-      </p:grpSp>
-      <p:sp>
-        <p:nvSpPr>
-          <p:cNvPr id="29" name="矩形 28"/>
-          <p:cNvSpPr/>
-          <p:nvPr/>
-        </p:nvSpPr>
-        <p:spPr>
-          <a:xfrm>
-            <a:off x="411942" y="2307223"/>
-            <a:ext cx="4607733" cy="553085"/>
-          </a:xfrm>
-          <a:prstGeom prst="rect">
-            <a:avLst/>
-          </a:prstGeom>
-        </p:spPr>
-        <p:txBody>
-          <a:bodyPr wrap="square">
-            <a:spAutoFit/>
-          </a:bodyPr>
-          <a:lstStyle/>
-          <a:p>
-            <a:r>
-              <a:rPr lang="zh-CN" altLang="en-US" sz="3000">
-                <a:solidFill>
-                  <a:srgbClr val="DACD57"/>
-                </a:solidFill>
-                <a:latin typeface="幼圆" panose="02010509060101010101" pitchFamily="49" charset="-122"/>
-                <a:ea typeface="幼圆" panose="02010509060101010101" pitchFamily="49" charset="-122"/>
-                <a:cs typeface="Lao UI" panose="020B0502040204020203" pitchFamily="34" charset="0"/>
-              </a:rPr>
-              <a:t>项目建议</a:t>
-            </a:r>
-          </a:p>
-        </p:txBody>
-      </p:sp>
-      <p:sp>
-        <p:nvSpPr>
-          <p:cNvPr id="30" name="矩形 29"/>
-          <p:cNvSpPr/>
-          <p:nvPr/>
-        </p:nvSpPr>
-        <p:spPr>
-          <a:xfrm>
-            <a:off x="411941" y="3093899"/>
-            <a:ext cx="5503083" cy="3138170"/>
-          </a:xfrm>
-          <a:prstGeom prst="rect">
-            <a:avLst/>
-          </a:prstGeom>
-        </p:spPr>
-        <p:txBody>
-          <a:bodyPr wrap="square">
-            <a:spAutoFit/>
-          </a:bodyPr>
-          <a:lstStyle/>
-          <a:p>
-            <a:r>
-              <a:rPr lang="en-US" altLang="zh-CN">
-                <a:solidFill>
-                  <a:schemeClr val="bg1"/>
-                </a:solidFill>
-                <a:latin typeface="幼圆" panose="02010509060101010101" pitchFamily="49" charset="-122"/>
-                <a:ea typeface="幼圆" panose="02010509060101010101" pitchFamily="49" charset="-122"/>
-                <a:cs typeface="Lao UI" panose="020B0502040204020203" pitchFamily="34" charset="0"/>
-              </a:rPr>
-              <a:t>    1.项目意图打造一个所有人互相交流经验、知识和见解的社区，因此要尽可能地提高最大同时访问人数和最大同时搜索人数，这就需要服务器要足够强大。</a:t>
-            </a:r>
-          </a:p>
-          <a:p>
-            <a:r>
-              <a:rPr lang="en-US" altLang="zh-CN">
-                <a:solidFill>
-                  <a:schemeClr val="bg1"/>
-                </a:solidFill>
-                <a:latin typeface="幼圆" panose="02010509060101010101" pitchFamily="49" charset="-122"/>
-                <a:ea typeface="幼圆" panose="02010509060101010101" pitchFamily="49" charset="-122"/>
-                <a:cs typeface="Lao UI" panose="020B0502040204020203" pitchFamily="34" charset="0"/>
-              </a:rPr>
-              <a:t>    2.细节要把握好，当一个用户进行问题搜寻时，回答页面的展示应该遵从点赞数逆向排序。每个用户都可以就一个问题和其他人进行站内信交流；而首页的回答排版应遵循时间第一重要，热度第二重要，点赞数第三重要的原则，被踩超过10次的回答自动删除。消息的推送应当及时，后台程序应当注重算法，用户提出的问题得到回答后，1分钟内就得对用户传递出此信息，站内邮件通知同样也要限制在1分钟内。</a:t>
-            </a:r>
-          </a:p>
-        </p:txBody>
-      </p:sp>
-      <p:sp>
-        <p:nvSpPr>
-          <p:cNvPr id="31" name="矩形 30"/>
-          <p:cNvSpPr/>
-          <p:nvPr/>
-        </p:nvSpPr>
-        <p:spPr>
-          <a:xfrm>
-            <a:off x="10462571" y="0"/>
-            <a:ext cx="125170" cy="2219326"/>
-          </a:xfrm>
-          <a:prstGeom prst="rect">
-            <a:avLst/>
-          </a:prstGeom>
-          <a:solidFill>
-            <a:srgbClr val="DACD57"/>
-          </a:solidFill>
-          <a:ln>
-            <a:noFill/>
-          </a:ln>
-        </p:spPr>
-        <p:style>
-          <a:lnRef idx="2">
-            <a:schemeClr val="accent1">
-              <a:shade val="50000"/>
-            </a:schemeClr>
-          </a:lnRef>
-          <a:fillRef idx="1">
-            <a:schemeClr val="accent1"/>
-          </a:fillRef>
-          <a:effectRef idx="0">
-            <a:schemeClr val="accent1"/>
-          </a:effectRef>
-          <a:fontRef idx="minor">
-            <a:schemeClr val="lt1"/>
-          </a:fontRef>
-        </p:style>
-        <p:txBody>
-          <a:bodyPr rtlCol="0" anchor="ctr"/>
-          <a:lstStyle/>
-          <a:p>
-            <a:pPr algn="ctr"/>
-            <a:endParaRPr lang="zh-CN" altLang="en-US"/>
-          </a:p>
-        </p:txBody>
-      </p:sp>
-      <p:sp>
-        <p:nvSpPr>
-          <p:cNvPr id="32" name="矩形 31"/>
-          <p:cNvSpPr/>
-          <p:nvPr/>
-        </p:nvSpPr>
-        <p:spPr>
-          <a:xfrm>
-            <a:off x="10462571" y="2307167"/>
-            <a:ext cx="125170" cy="2219326"/>
-          </a:xfrm>
-          <a:prstGeom prst="rect">
-            <a:avLst/>
-          </a:prstGeom>
-          <a:solidFill>
-            <a:srgbClr val="DACD57"/>
-          </a:solidFill>
-          <a:ln>
-            <a:noFill/>
-          </a:ln>
-        </p:spPr>
-        <p:style>
-          <a:lnRef idx="2">
-            <a:schemeClr val="accent1">
-              <a:shade val="50000"/>
-            </a:schemeClr>
-          </a:lnRef>
-          <a:fillRef idx="1">
-            <a:schemeClr val="accent1"/>
-          </a:fillRef>
-          <a:effectRef idx="0">
-            <a:schemeClr val="accent1"/>
-          </a:effectRef>
-          <a:fontRef idx="minor">
-            <a:schemeClr val="lt1"/>
-          </a:fontRef>
-        </p:style>
-        <p:txBody>
-          <a:bodyPr rtlCol="0" anchor="ctr"/>
-          <a:lstStyle/>
-          <a:p>
-            <a:pPr algn="ctr"/>
-            <a:endParaRPr lang="zh-CN" altLang="en-US"/>
-          </a:p>
-        </p:txBody>
-      </p:sp>
-      <p:sp>
-        <p:nvSpPr>
-          <p:cNvPr id="33" name="矩形 32"/>
-          <p:cNvSpPr/>
-          <p:nvPr/>
-        </p:nvSpPr>
-        <p:spPr>
-          <a:xfrm>
-            <a:off x="10462571" y="4640170"/>
-            <a:ext cx="125170" cy="2219326"/>
-          </a:xfrm>
-          <a:prstGeom prst="rect">
-            <a:avLst/>
-          </a:prstGeom>
-          <a:solidFill>
-            <a:srgbClr val="DACD57"/>
-          </a:solidFill>
-          <a:ln>
-            <a:noFill/>
-          </a:ln>
-        </p:spPr>
-        <p:style>
-          <a:lnRef idx="2">
-            <a:schemeClr val="accent1">
-              <a:shade val="50000"/>
-            </a:schemeClr>
-          </a:lnRef>
-          <a:fillRef idx="1">
-            <a:schemeClr val="accent1"/>
-          </a:fillRef>
-          <a:effectRef idx="0">
-            <a:schemeClr val="accent1"/>
-          </a:effectRef>
-          <a:fontRef idx="minor">
-            <a:schemeClr val="lt1"/>
-          </a:fontRef>
-        </p:style>
-        <p:txBody>
-          <a:bodyPr rtlCol="0" anchor="ctr"/>
-          <a:lstStyle/>
-          <a:p>
-            <a:pPr algn="ctr"/>
-            <a:endParaRPr lang="zh-CN" altLang="en-US"/>
-          </a:p>
-        </p:txBody>
-      </p:sp>
-    </p:spTree>
-    <p:custDataLst>
-      <p:tags r:id="rId1"/>
-    </p:custDataLst>
-  </p:cSld>
-  <p:clrMapOvr>
-    <a:masterClrMapping/>
-  </p:clrMapOvr>
-</p:sld>
-</file>
-
-<file path=ppt/slides/slide9.xml><?xml version="1.0" encoding="utf-8"?>
 <p:sld xmlns:a="http://schemas.openxmlformats.org/drawingml/2006/main" xmlns:r="http://schemas.openxmlformats.org/officeDocument/2006/relationships" xmlns:p="http://schemas.openxmlformats.org/presentationml/2006/main">
   <p:cSld>
     <p:spTree>
@@ -22969,6 +23832,288 @@
 </p:sld>
 </file>
 
+<file path=ppt/slides/slide9.xml><?xml version="1.0" encoding="utf-8"?>
+<p:sld xmlns:a="http://schemas.openxmlformats.org/drawingml/2006/main" xmlns:r="http://schemas.openxmlformats.org/officeDocument/2006/relationships" xmlns:p="http://schemas.openxmlformats.org/presentationml/2006/main">
+  <p:cSld>
+    <p:spTree>
+      <p:nvGrpSpPr>
+        <p:cNvPr id="1" name=""/>
+        <p:cNvGrpSpPr/>
+        <p:nvPr/>
+      </p:nvGrpSpPr>
+      <p:grpSpPr>
+        <a:xfrm>
+          <a:off x="0" y="0"/>
+          <a:ext cx="0" cy="0"/>
+          <a:chOff x="0" y="0"/>
+          <a:chExt cx="0" cy="0"/>
+        </a:xfrm>
+      </p:grpSpPr>
+      <p:sp>
+        <p:nvSpPr>
+          <p:cNvPr id="9" name="矩形 2"/>
+          <p:cNvSpPr/>
+          <p:nvPr/>
+        </p:nvSpPr>
+        <p:spPr>
+          <a:xfrm>
+            <a:off x="4813526" y="104774"/>
+            <a:ext cx="2564948" cy="2143125"/>
+          </a:xfrm>
+          <a:custGeom>
+            <a:avLst/>
+            <a:gdLst>
+              <a:gd name="connsiteX0" fmla="*/ 0 w 2762250"/>
+              <a:gd name="connsiteY0" fmla="*/ 0 h 2466975"/>
+              <a:gd name="connsiteX1" fmla="*/ 2762250 w 2762250"/>
+              <a:gd name="connsiteY1" fmla="*/ 0 h 2466975"/>
+              <a:gd name="connsiteX2" fmla="*/ 2762250 w 2762250"/>
+              <a:gd name="connsiteY2" fmla="*/ 2466975 h 2466975"/>
+              <a:gd name="connsiteX3" fmla="*/ 0 w 2762250"/>
+              <a:gd name="connsiteY3" fmla="*/ 2466975 h 2466975"/>
+              <a:gd name="connsiteX4" fmla="*/ 0 w 2762250"/>
+              <a:gd name="connsiteY4" fmla="*/ 0 h 2466975"/>
+              <a:gd name="connsiteX0-1" fmla="*/ 0 w 2762250"/>
+              <a:gd name="connsiteY0-2" fmla="*/ 0 h 2476500"/>
+              <a:gd name="connsiteX1-3" fmla="*/ 2762250 w 2762250"/>
+              <a:gd name="connsiteY1-4" fmla="*/ 0 h 2476500"/>
+              <a:gd name="connsiteX2-5" fmla="*/ 2762250 w 2762250"/>
+              <a:gd name="connsiteY2-6" fmla="*/ 2466975 h 2476500"/>
+              <a:gd name="connsiteX3-7" fmla="*/ 1428750 w 2762250"/>
+              <a:gd name="connsiteY3-8" fmla="*/ 2476500 h 2476500"/>
+              <a:gd name="connsiteX4-9" fmla="*/ 0 w 2762250"/>
+              <a:gd name="connsiteY4-10" fmla="*/ 2466975 h 2476500"/>
+              <a:gd name="connsiteX5" fmla="*/ 0 w 2762250"/>
+              <a:gd name="connsiteY5" fmla="*/ 0 h 2476500"/>
+              <a:gd name="connsiteX0-11" fmla="*/ 0 w 2762250"/>
+              <a:gd name="connsiteY0-12" fmla="*/ 0 h 2895600"/>
+              <a:gd name="connsiteX1-13" fmla="*/ 2762250 w 2762250"/>
+              <a:gd name="connsiteY1-14" fmla="*/ 0 h 2895600"/>
+              <a:gd name="connsiteX2-15" fmla="*/ 2762250 w 2762250"/>
+              <a:gd name="connsiteY2-16" fmla="*/ 2466975 h 2895600"/>
+              <a:gd name="connsiteX3-17" fmla="*/ 1428750 w 2762250"/>
+              <a:gd name="connsiteY3-18" fmla="*/ 2895600 h 2895600"/>
+              <a:gd name="connsiteX4-19" fmla="*/ 0 w 2762250"/>
+              <a:gd name="connsiteY4-20" fmla="*/ 2466975 h 2895600"/>
+              <a:gd name="connsiteX5-21" fmla="*/ 0 w 2762250"/>
+              <a:gd name="connsiteY5-22" fmla="*/ 0 h 2895600"/>
+              <a:gd name="connsiteX0-23" fmla="*/ 0 w 2762250"/>
+              <a:gd name="connsiteY0-24" fmla="*/ 0 h 2895600"/>
+              <a:gd name="connsiteX1-25" fmla="*/ 2762250 w 2762250"/>
+              <a:gd name="connsiteY1-26" fmla="*/ 0 h 2895600"/>
+              <a:gd name="connsiteX2-27" fmla="*/ 2762250 w 2762250"/>
+              <a:gd name="connsiteY2-28" fmla="*/ 2466975 h 2895600"/>
+              <a:gd name="connsiteX3-29" fmla="*/ 1356946 w 2762250"/>
+              <a:gd name="connsiteY3-30" fmla="*/ 2895600 h 2895600"/>
+              <a:gd name="connsiteX4-31" fmla="*/ 0 w 2762250"/>
+              <a:gd name="connsiteY4-32" fmla="*/ 2466975 h 2895600"/>
+              <a:gd name="connsiteX5-33" fmla="*/ 0 w 2762250"/>
+              <a:gd name="connsiteY5-34" fmla="*/ 0 h 2895600"/>
+              <a:gd name="connsiteX0-35" fmla="*/ 0 w 2762250"/>
+              <a:gd name="connsiteY0-36" fmla="*/ 0 h 2895600"/>
+              <a:gd name="connsiteX1-37" fmla="*/ 2762250 w 2762250"/>
+              <a:gd name="connsiteY1-38" fmla="*/ 0 h 2895600"/>
+              <a:gd name="connsiteX2-39" fmla="*/ 2762250 w 2762250"/>
+              <a:gd name="connsiteY2-40" fmla="*/ 2466975 h 2895600"/>
+              <a:gd name="connsiteX3-41" fmla="*/ 1397977 w 2762250"/>
+              <a:gd name="connsiteY3-42" fmla="*/ 2895600 h 2895600"/>
+              <a:gd name="connsiteX4-43" fmla="*/ 0 w 2762250"/>
+              <a:gd name="connsiteY4-44" fmla="*/ 2466975 h 2895600"/>
+              <a:gd name="connsiteX5-45" fmla="*/ 0 w 2762250"/>
+              <a:gd name="connsiteY5-46" fmla="*/ 0 h 2895600"/>
+              <a:gd name="connsiteX0-47" fmla="*/ 0 w 2762250"/>
+              <a:gd name="connsiteY0-48" fmla="*/ 0 h 2895600"/>
+              <a:gd name="connsiteX1-49" fmla="*/ 2762250 w 2762250"/>
+              <a:gd name="connsiteY1-50" fmla="*/ 0 h 2895600"/>
+              <a:gd name="connsiteX2-51" fmla="*/ 2762250 w 2762250"/>
+              <a:gd name="connsiteY2-52" fmla="*/ 2466975 h 2895600"/>
+              <a:gd name="connsiteX3-53" fmla="*/ 1377461 w 2762250"/>
+              <a:gd name="connsiteY3-54" fmla="*/ 2895600 h 2895600"/>
+              <a:gd name="connsiteX4-55" fmla="*/ 0 w 2762250"/>
+              <a:gd name="connsiteY4-56" fmla="*/ 2466975 h 2895600"/>
+              <a:gd name="connsiteX5-57" fmla="*/ 0 w 2762250"/>
+              <a:gd name="connsiteY5-58" fmla="*/ 0 h 2895600"/>
+            </a:gdLst>
+            <a:ahLst/>
+            <a:cxnLst>
+              <a:cxn ang="0">
+                <a:pos x="connsiteX0-1" y="connsiteY0-2"/>
+              </a:cxn>
+              <a:cxn ang="0">
+                <a:pos x="connsiteX1-3" y="connsiteY1-4"/>
+              </a:cxn>
+              <a:cxn ang="0">
+                <a:pos x="connsiteX2-5" y="connsiteY2-6"/>
+              </a:cxn>
+              <a:cxn ang="0">
+                <a:pos x="connsiteX3-7" y="connsiteY3-8"/>
+              </a:cxn>
+              <a:cxn ang="0">
+                <a:pos x="connsiteX4-9" y="connsiteY4-10"/>
+              </a:cxn>
+              <a:cxn ang="0">
+                <a:pos x="connsiteX5-21" y="connsiteY5-22"/>
+              </a:cxn>
+            </a:cxnLst>
+            <a:rect l="l" t="t" r="r" b="b"/>
+            <a:pathLst>
+              <a:path w="2762250" h="2895600">
+                <a:moveTo>
+                  <a:pt x="0" y="0"/>
+                </a:moveTo>
+                <a:lnTo>
+                  <a:pt x="2762250" y="0"/>
+                </a:lnTo>
+                <a:lnTo>
+                  <a:pt x="2762250" y="2466975"/>
+                </a:lnTo>
+                <a:lnTo>
+                  <a:pt x="1377461" y="2895600"/>
+                </a:lnTo>
+                <a:lnTo>
+                  <a:pt x="0" y="2466975"/>
+                </a:lnTo>
+                <a:lnTo>
+                  <a:pt x="0" y="0"/>
+                </a:lnTo>
+                <a:close/>
+              </a:path>
+            </a:pathLst>
+          </a:custGeom>
+          <a:noFill/>
+          <a:ln w="15875">
+            <a:solidFill>
+              <a:schemeClr val="tx1">
+                <a:lumMod val="85000"/>
+                <a:lumOff val="15000"/>
+              </a:schemeClr>
+            </a:solidFill>
+            <a:prstDash val="dash"/>
+          </a:ln>
+        </p:spPr>
+        <p:style>
+          <a:lnRef idx="2">
+            <a:schemeClr val="accent1">
+              <a:shade val="50000"/>
+            </a:schemeClr>
+          </a:lnRef>
+          <a:fillRef idx="1">
+            <a:schemeClr val="accent1"/>
+          </a:fillRef>
+          <a:effectRef idx="0">
+            <a:schemeClr val="accent1"/>
+          </a:effectRef>
+          <a:fontRef idx="minor">
+            <a:schemeClr val="lt1"/>
+          </a:fontRef>
+        </p:style>
+        <p:txBody>
+          <a:bodyPr rtlCol="0" anchor="ctr"/>
+          <a:lstStyle/>
+          <a:p>
+            <a:pPr algn="ctr"/>
+            <a:endParaRPr lang="zh-CN" altLang="en-US">
+              <a:solidFill>
+                <a:schemeClr val="tx1">
+                  <a:lumMod val="85000"/>
+                  <a:lumOff val="15000"/>
+                </a:schemeClr>
+              </a:solidFill>
+            </a:endParaRPr>
+          </a:p>
+        </p:txBody>
+      </p:sp>
+      <p:sp>
+        <p:nvSpPr>
+          <p:cNvPr id="6" name="文本框 5"/>
+          <p:cNvSpPr txBox="1"/>
+          <p:nvPr/>
+        </p:nvSpPr>
+        <p:spPr>
+          <a:xfrm>
+            <a:off x="5565775" y="539115"/>
+            <a:ext cx="1160780" cy="1198880"/>
+          </a:xfrm>
+          <a:prstGeom prst="rect">
+            <a:avLst/>
+          </a:prstGeom>
+          <a:noFill/>
+        </p:spPr>
+        <p:txBody>
+          <a:bodyPr wrap="square" rtlCol="0">
+            <a:spAutoFit/>
+          </a:bodyPr>
+          <a:lstStyle/>
+          <a:p>
+            <a:pPr algn="ctr"/>
+            <a:r>
+              <a:rPr lang="en-US" altLang="zh-CN" sz="7200" dirty="0">
+                <a:solidFill>
+                  <a:schemeClr val="bg1"/>
+                </a:solidFill>
+                <a:latin typeface="Impact" panose="020B0806030902050204" pitchFamily="34" charset="0"/>
+              </a:rPr>
+              <a:t>02</a:t>
+            </a:r>
+            <a:endParaRPr lang="zh-CN" altLang="en-US" sz="7200" dirty="0">
+              <a:solidFill>
+                <a:schemeClr val="bg1"/>
+              </a:solidFill>
+              <a:latin typeface="Impact" panose="020B0806030902050204" pitchFamily="34" charset="0"/>
+            </a:endParaRPr>
+          </a:p>
+        </p:txBody>
+      </p:sp>
+      <p:sp>
+        <p:nvSpPr>
+          <p:cNvPr id="14" name="标题 13"/>
+          <p:cNvSpPr>
+            <a:spLocks noGrp="1"/>
+          </p:cNvSpPr>
+          <p:nvPr>
+            <p:ph type="title"/>
+          </p:nvPr>
+        </p:nvSpPr>
+        <p:spPr>
+          <a:xfrm>
+            <a:off x="2784763" y="4006800"/>
+            <a:ext cx="6710400" cy="583200"/>
+          </a:xfrm>
+          <a:solidFill>
+            <a:srgbClr val="DACD57"/>
+          </a:solidFill>
+        </p:spPr>
+        <p:txBody>
+          <a:bodyPr/>
+          <a:lstStyle/>
+          <a:p>
+            <a:r>
+              <a:rPr lang="zh-CN" altLang="en-US" sz="3200" dirty="0">
+                <a:solidFill>
+                  <a:schemeClr val="tx1">
+                    <a:lumMod val="85000"/>
+                    <a:lumOff val="15000"/>
+                  </a:schemeClr>
+                </a:solidFill>
+                <a:latin typeface="幼圆" panose="02010509060101010101" pitchFamily="49" charset="-122"/>
+                <a:ea typeface="幼圆" panose="02010509060101010101" pitchFamily="49" charset="-122"/>
+              </a:rPr>
+              <a:t>应用建模</a:t>
+            </a:r>
+          </a:p>
+        </p:txBody>
+      </p:sp>
+    </p:spTree>
+    <p:custDataLst>
+      <p:tags r:id="rId1"/>
+    </p:custDataLst>
+  </p:cSld>
+  <p:clrMapOvr>
+    <a:masterClrMapping/>
+  </p:clrMapOvr>
+</p:sld>
+</file>
+
 <file path=ppt/tags/tag1.xml><?xml version="1.0" encoding="utf-8"?>
 <p:tagLst xmlns:a="http://schemas.openxmlformats.org/drawingml/2006/main" xmlns:r="http://schemas.openxmlformats.org/officeDocument/2006/relationships" xmlns:p="http://schemas.openxmlformats.org/presentationml/2006/main">
   <p:tag name="KSO_WM_TAG_VERSION" val="1.0"/>
@@ -23008,10 +24153,10 @@
   <p:tag name="KSO_WM_TEMPLATE_CATEGORY" val="basetag"/>
   <p:tag name="KSO_WM_TEMPLATE_INDEX" val="20161350"/>
   <p:tag name="KSO_WM_TAG_VERSION" val="1.0"/>
-  <p:tag name="KSO_WM_SLIDE_ID" val="basetag20161350_6"/>
-  <p:tag name="KSO_WM_SLIDE_INDEX" val="6"/>
+  <p:tag name="KSO_WM_SLIDE_ID" val="basetag20161350_3"/>
+  <p:tag name="KSO_WM_SLIDE_INDEX" val="3"/>
   <p:tag name="KSO_WM_SLIDE_ITEM_CNT" val="0"/>
-  <p:tag name="KSO_WM_SLIDE_TYPE" val="text"/>
+  <p:tag name="KSO_WM_SLIDE_TYPE" val="sectionTitle"/>
   <p:tag name="KSO_WM_BEAUTIFY_FLAG" val="#wm#"/>
 </p:tagLst>
 </file>
@@ -23021,10 +24166,10 @@
   <p:tag name="KSO_WM_TEMPLATE_CATEGORY" val="basetag"/>
   <p:tag name="KSO_WM_TEMPLATE_INDEX" val="20161350"/>
   <p:tag name="KSO_WM_TAG_VERSION" val="1.0"/>
-  <p:tag name="KSO_WM_SLIDE_ID" val="basetag20161350_3"/>
-  <p:tag name="KSO_WM_SLIDE_INDEX" val="3"/>
+  <p:tag name="KSO_WM_SLIDE_ID" val="basetag20161350_4"/>
+  <p:tag name="KSO_WM_SLIDE_INDEX" val="4"/>
   <p:tag name="KSO_WM_SLIDE_ITEM_CNT" val="0"/>
-  <p:tag name="KSO_WM_SLIDE_TYPE" val="sectionTitle"/>
+  <p:tag name="KSO_WM_SLIDE_TYPE" val="text"/>
   <p:tag name="KSO_WM_BEAUTIFY_FLAG" val="#wm#"/>
 </p:tagLst>
 </file>
@@ -23146,10 +24291,10 @@
   <p:tag name="KSO_WM_TEMPLATE_CATEGORY" val="basetag"/>
   <p:tag name="KSO_WM_TEMPLATE_INDEX" val="20161350"/>
   <p:tag name="KSO_WM_TAG_VERSION" val="1.0"/>
-  <p:tag name="KSO_WM_SLIDE_ID" val="basetag20161350_4"/>
-  <p:tag name="KSO_WM_SLIDE_INDEX" val="4"/>
+  <p:tag name="KSO_WM_SLIDE_ID" val="basetag20161350_3"/>
+  <p:tag name="KSO_WM_SLIDE_INDEX" val="3"/>
   <p:tag name="KSO_WM_SLIDE_ITEM_CNT" val="0"/>
-  <p:tag name="KSO_WM_SLIDE_TYPE" val="text"/>
+  <p:tag name="KSO_WM_SLIDE_TYPE" val="sectionTitle"/>
   <p:tag name="KSO_WM_BEAUTIFY_FLAG" val="#wm#"/>
 </p:tagLst>
 </file>
@@ -23159,10 +24304,10 @@
   <p:tag name="KSO_WM_TEMPLATE_CATEGORY" val="basetag"/>
   <p:tag name="KSO_WM_TEMPLATE_INDEX" val="20161350"/>
   <p:tag name="KSO_WM_TAG_VERSION" val="1.0"/>
-  <p:tag name="KSO_WM_SLIDE_ID" val="basetag20161350_3"/>
-  <p:tag name="KSO_WM_SLIDE_INDEX" val="3"/>
+  <p:tag name="KSO_WM_SLIDE_ID" val="basetag20161350_4"/>
+  <p:tag name="KSO_WM_SLIDE_INDEX" val="4"/>
   <p:tag name="KSO_WM_SLIDE_ITEM_CNT" val="0"/>
-  <p:tag name="KSO_WM_SLIDE_TYPE" val="sectionTitle"/>
+  <p:tag name="KSO_WM_SLIDE_TYPE" val="text"/>
   <p:tag name="KSO_WM_BEAUTIFY_FLAG" val="#wm#"/>
 </p:tagLst>
 </file>
@@ -23185,10 +24330,10 @@
   <p:tag name="KSO_WM_TEMPLATE_CATEGORY" val="basetag"/>
   <p:tag name="KSO_WM_TEMPLATE_INDEX" val="20161350"/>
   <p:tag name="KSO_WM_TAG_VERSION" val="1.0"/>
-  <p:tag name="KSO_WM_SLIDE_ID" val="basetag20161350_4"/>
-  <p:tag name="KSO_WM_SLIDE_INDEX" val="4"/>
+  <p:tag name="KSO_WM_SLIDE_ID" val="basetag20161350_3"/>
+  <p:tag name="KSO_WM_SLIDE_INDEX" val="3"/>
   <p:tag name="KSO_WM_SLIDE_ITEM_CNT" val="0"/>
-  <p:tag name="KSO_WM_SLIDE_TYPE" val="text"/>
+  <p:tag name="KSO_WM_SLIDE_TYPE" val="sectionTitle"/>
   <p:tag name="KSO_WM_BEAUTIFY_FLAG" val="#wm#"/>
 </p:tagLst>
 </file>
@@ -23198,10 +24343,10 @@
   <p:tag name="KSO_WM_TEMPLATE_CATEGORY" val="basetag"/>
   <p:tag name="KSO_WM_TEMPLATE_INDEX" val="20161350"/>
   <p:tag name="KSO_WM_TAG_VERSION" val="1.0"/>
-  <p:tag name="KSO_WM_SLIDE_ID" val="basetag20161350_3"/>
-  <p:tag name="KSO_WM_SLIDE_INDEX" val="3"/>
+  <p:tag name="KSO_WM_SLIDE_ID" val="basetag20161350_4"/>
+  <p:tag name="KSO_WM_SLIDE_INDEX" val="4"/>
   <p:tag name="KSO_WM_SLIDE_ITEM_CNT" val="0"/>
-  <p:tag name="KSO_WM_SLIDE_TYPE" val="sectionTitle"/>
+  <p:tag name="KSO_WM_SLIDE_TYPE" val="text"/>
   <p:tag name="KSO_WM_BEAUTIFY_FLAG" val="#wm#"/>
 </p:tagLst>
 </file>
@@ -23224,10 +24369,10 @@
   <p:tag name="KSO_WM_TEMPLATE_CATEGORY" val="basetag"/>
   <p:tag name="KSO_WM_TEMPLATE_INDEX" val="20161350"/>
   <p:tag name="KSO_WM_TAG_VERSION" val="1.0"/>
-  <p:tag name="KSO_WM_SLIDE_ID" val="basetag20161350_4"/>
-  <p:tag name="KSO_WM_SLIDE_INDEX" val="4"/>
+  <p:tag name="KSO_WM_SLIDE_ID" val="basetag20161350_3"/>
+  <p:tag name="KSO_WM_SLIDE_INDEX" val="3"/>
   <p:tag name="KSO_WM_SLIDE_ITEM_CNT" val="0"/>
-  <p:tag name="KSO_WM_SLIDE_TYPE" val="text"/>
+  <p:tag name="KSO_WM_SLIDE_TYPE" val="sectionTitle"/>
   <p:tag name="KSO_WM_BEAUTIFY_FLAG" val="#wm#"/>
 </p:tagLst>
 </file>
@@ -23237,10 +24382,10 @@
   <p:tag name="KSO_WM_TEMPLATE_CATEGORY" val="basetag"/>
   <p:tag name="KSO_WM_TEMPLATE_INDEX" val="20161350"/>
   <p:tag name="KSO_WM_TAG_VERSION" val="1.0"/>
-  <p:tag name="KSO_WM_SLIDE_ID" val="basetag20161350_3"/>
-  <p:tag name="KSO_WM_SLIDE_INDEX" val="3"/>
+  <p:tag name="KSO_WM_SLIDE_ID" val="basetag20161350_4"/>
+  <p:tag name="KSO_WM_SLIDE_INDEX" val="4"/>
   <p:tag name="KSO_WM_SLIDE_ITEM_CNT" val="0"/>
-  <p:tag name="KSO_WM_SLIDE_TYPE" val="sectionTitle"/>
+  <p:tag name="KSO_WM_SLIDE_TYPE" val="text"/>
   <p:tag name="KSO_WM_BEAUTIFY_FLAG" val="#wm#"/>
 </p:tagLst>
 </file>
@@ -23256,19 +24401,6 @@
 </file>
 
 <file path=ppt/tags/tag30.xml><?xml version="1.0" encoding="utf-8"?>
-<p:tagLst xmlns:a="http://schemas.openxmlformats.org/drawingml/2006/main" xmlns:r="http://schemas.openxmlformats.org/officeDocument/2006/relationships" xmlns:p="http://schemas.openxmlformats.org/presentationml/2006/main">
-  <p:tag name="KSO_WM_TEMPLATE_CATEGORY" val="basetag"/>
-  <p:tag name="KSO_WM_TEMPLATE_INDEX" val="20161350"/>
-  <p:tag name="KSO_WM_TAG_VERSION" val="1.0"/>
-  <p:tag name="KSO_WM_SLIDE_ID" val="basetag20161350_4"/>
-  <p:tag name="KSO_WM_SLIDE_INDEX" val="4"/>
-  <p:tag name="KSO_WM_SLIDE_ITEM_CNT" val="0"/>
-  <p:tag name="KSO_WM_SLIDE_TYPE" val="text"/>
-  <p:tag name="KSO_WM_BEAUTIFY_FLAG" val="#wm#"/>
-</p:tagLst>
-</file>
-
-<file path=ppt/tags/tag31.xml><?xml version="1.0" encoding="utf-8"?>
 <p:tagLst xmlns:a="http://schemas.openxmlformats.org/drawingml/2006/main" xmlns:r="http://schemas.openxmlformats.org/officeDocument/2006/relationships" xmlns:p="http://schemas.openxmlformats.org/presentationml/2006/main">
   <p:tag name="KSO_WM_TEMPLATE_CATEGORY" val="basetag"/>
   <p:tag name="KSO_WM_TEMPLATE_INDEX" val="20161350"/>

--- a/Tasks/Task10/高子峰组-知否演示ppt.pptx
+++ b/Tasks/Task10/高子峰组-知否演示ppt.pptx
@@ -20015,35 +20015,26 @@
       </p:sp>
       <p:pic>
         <p:nvPicPr>
-          <p:cNvPr id="2" name="图片 1"/>
+          <p:cNvPr id="3" name="图片 2" descr="Web分层架构图"/>
           <p:cNvPicPr>
             <a:picLocks noChangeAspect="1"/>
           </p:cNvPicPr>
           <p:nvPr/>
         </p:nvPicPr>
         <p:blipFill>
-          <a:blip r:embed="rId1">
-            <a:extLst>
-              <a:ext uri="{28A0092B-C50C-407E-A947-70E740481C1C}">
-                <a14:useLocalDpi xmlns:a14="http://schemas.microsoft.com/office/drawing/2010/main" val="0"/>
-              </a:ext>
-            </a:extLst>
-          </a:blip>
+          <a:blip r:embed="rId1"/>
           <a:stretch>
             <a:fillRect/>
           </a:stretch>
         </p:blipFill>
         <p:spPr>
           <a:xfrm>
-            <a:off x="2905760" y="524827"/>
-            <a:ext cx="6289040" cy="5728538"/>
+            <a:off x="3230245" y="521335"/>
+            <a:ext cx="5730875" cy="5814695"/>
           </a:xfrm>
           <a:prstGeom prst="rect">
             <a:avLst/>
           </a:prstGeom>
-          <a:effectLst>
-            <a:softEdge rad="63500"/>
-          </a:effectLst>
         </p:spPr>
       </p:pic>
     </p:spTree>

--- a/Tasks/Task10/高子峰组-知否演示ppt.pptx
+++ b/Tasks/Task10/高子峰组-知否演示ppt.pptx
@@ -22,25 +22,23 @@
     <p:sldId id="300" r:id="rId14"/>
     <p:sldId id="301" r:id="rId15"/>
     <p:sldId id="286" r:id="rId16"/>
-    <p:sldId id="302" r:id="rId18"/>
-    <p:sldId id="303" r:id="rId19"/>
-    <p:sldId id="294" r:id="rId20"/>
-    <p:sldId id="295" r:id="rId21"/>
-    <p:sldId id="305" r:id="rId22"/>
-    <p:sldId id="287" r:id="rId23"/>
-    <p:sldId id="290" r:id="rId24"/>
-    <p:sldId id="292" r:id="rId25"/>
-    <p:sldId id="291" r:id="rId26"/>
-    <p:sldId id="296" r:id="rId27"/>
-    <p:sldId id="317" r:id="rId28"/>
-    <p:sldId id="318" r:id="rId29"/>
-    <p:sldId id="319" r:id="rId30"/>
-    <p:sldId id="321" r:id="rId31"/>
-    <p:sldId id="320" r:id="rId32"/>
-    <p:sldId id="298" r:id="rId33"/>
-    <p:sldId id="299" r:id="rId34"/>
-    <p:sldId id="322" r:id="rId35"/>
-    <p:sldId id="278" r:id="rId36"/>
+    <p:sldId id="294" r:id="rId18"/>
+    <p:sldId id="295" r:id="rId19"/>
+    <p:sldId id="305" r:id="rId20"/>
+    <p:sldId id="287" r:id="rId21"/>
+    <p:sldId id="290" r:id="rId22"/>
+    <p:sldId id="292" r:id="rId23"/>
+    <p:sldId id="291" r:id="rId24"/>
+    <p:sldId id="296" r:id="rId25"/>
+    <p:sldId id="317" r:id="rId26"/>
+    <p:sldId id="318" r:id="rId27"/>
+    <p:sldId id="319" r:id="rId28"/>
+    <p:sldId id="321" r:id="rId29"/>
+    <p:sldId id="320" r:id="rId30"/>
+    <p:sldId id="298" r:id="rId31"/>
+    <p:sldId id="299" r:id="rId32"/>
+    <p:sldId id="322" r:id="rId33"/>
+    <p:sldId id="278" r:id="rId34"/>
   </p:sldIdLst>
   <p:sldSz cx="12192000" cy="6858000"/>
   <p:notesSz cx="7103745" cy="10234295"/>
@@ -7429,6 +7427,54 @@
         <p:cNvGrpSpPr/>
         <p:nvPr/>
       </p:nvGrpSpPr>
+      <p:grpSpPr/>
+      <p:sp>
+        <p:nvSpPr>
+          <p:cNvPr id="2" name="幻灯片图像占位符 1"/>
+          <p:cNvSpPr/>
+          <p:nvPr>
+            <p:ph type="sldImg" idx="2"/>
+          </p:nvPr>
+        </p:nvSpPr>
+        <p:spPr/>
+      </p:sp>
+      <p:sp>
+        <p:nvSpPr>
+          <p:cNvPr id="3" name="文本占位符 2"/>
+          <p:cNvSpPr/>
+          <p:nvPr>
+            <p:ph type="body" idx="3"/>
+          </p:nvPr>
+        </p:nvSpPr>
+        <p:spPr/>
+        <p:txBody>
+          <a:bodyPr/>
+          <a:p>
+            <a:r>
+              <a:rPr lang="en-US" altLang="zh-CN"/>
+              <a:t>bootstrap</a:t>
+            </a:r>
+            <a:endParaRPr lang="en-US" altLang="zh-CN"/>
+          </a:p>
+        </p:txBody>
+      </p:sp>
+    </p:spTree>
+  </p:cSld>
+  <p:clrMapOvr>
+    <a:masterClrMapping/>
+  </p:clrMapOvr>
+</p:notes>
+</file>
+
+<file path=ppt/notesSlides/notesSlide4.xml><?xml version="1.0" encoding="utf-8"?>
+<p:notes xmlns:a="http://schemas.openxmlformats.org/drawingml/2006/main" xmlns:r="http://schemas.openxmlformats.org/officeDocument/2006/relationships" xmlns:p="http://schemas.openxmlformats.org/presentationml/2006/main">
+  <p:cSld>
+    <p:spTree>
+      <p:nvGrpSpPr>
+        <p:cNvPr id="1" name=""/>
+        <p:cNvGrpSpPr/>
+        <p:nvPr/>
+      </p:nvGrpSpPr>
       <p:grpSpPr>
         <a:xfrm>
           <a:off x="0" y="0"/>
@@ -15535,9 +15581,33 @@
           </a:p>
         </p:txBody>
       </p:sp>
+      <p:pic>
+        <p:nvPicPr>
+          <p:cNvPr id="2" name="图片 1" descr="注册登录"/>
+          <p:cNvPicPr>
+            <a:picLocks noChangeAspect="1"/>
+          </p:cNvPicPr>
+          <p:nvPr/>
+        </p:nvPicPr>
+        <p:blipFill>
+          <a:blip r:embed="rId1"/>
+          <a:stretch>
+            <a:fillRect/>
+          </a:stretch>
+        </p:blipFill>
+        <p:spPr>
+          <a:xfrm>
+            <a:off x="2118360" y="716915"/>
+            <a:ext cx="7200265" cy="5855335"/>
+          </a:xfrm>
+          <a:prstGeom prst="rect">
+            <a:avLst/>
+          </a:prstGeom>
+        </p:spPr>
+      </p:pic>
     </p:spTree>
     <p:custDataLst>
-      <p:tags r:id="rId1"/>
+      <p:tags r:id="rId2"/>
     </p:custDataLst>
   </p:cSld>
   <p:clrMapOvr>
@@ -15572,7 +15642,7 @@
         <p:spPr>
           <a:xfrm>
             <a:off x="215770" y="162886"/>
-            <a:ext cx="5488016" cy="553998"/>
+            <a:ext cx="5488016" cy="553085"/>
           </a:xfrm>
           <a:prstGeom prst="rect">
             <a:avLst/>
@@ -15593,18 +15663,7 @@
                 <a:ea typeface="幼圆" panose="02010509060101010101" pitchFamily="49" charset="-122"/>
                 <a:cs typeface="Lao UI" panose="020B0502040204020203" pitchFamily="34" charset="0"/>
               </a:rPr>
-              <a:t>内容建模</a:t>
-            </a:r>
-            <a:r>
-              <a:rPr lang="zh-CN" altLang="en-US" dirty="0">
-                <a:solidFill>
-                  <a:srgbClr val="DACD57"/>
-                </a:solidFill>
-                <a:latin typeface="幼圆" panose="02010509060101010101" pitchFamily="49" charset="-122"/>
-                <a:ea typeface="幼圆" panose="02010509060101010101" pitchFamily="49" charset="-122"/>
-                <a:cs typeface="Lao UI" panose="020B0502040204020203" pitchFamily="34" charset="0"/>
-              </a:rPr>
-              <a:t>（发表问题）</a:t>
+              <a:t>超文本建模</a:t>
             </a:r>
             <a:r>
               <a:rPr lang="en-US" altLang="zh-CN" sz="3000" dirty="0">
@@ -15676,277 +15735,6 @@
           </a:p>
         </p:txBody>
       </p:sp>
-    </p:spTree>
-    <p:custDataLst>
-      <p:tags r:id="rId1"/>
-    </p:custDataLst>
-  </p:cSld>
-  <p:clrMapOvr>
-    <a:masterClrMapping/>
-  </p:clrMapOvr>
-</p:sld>
-</file>
-
-<file path=ppt/slides/slide15.xml><?xml version="1.0" encoding="utf-8"?>
-<p:sld xmlns:a="http://schemas.openxmlformats.org/drawingml/2006/main" xmlns:r="http://schemas.openxmlformats.org/officeDocument/2006/relationships" xmlns:p="http://schemas.openxmlformats.org/presentationml/2006/main">
-  <p:cSld>
-    <p:spTree>
-      <p:nvGrpSpPr>
-        <p:cNvPr id="1" name=""/>
-        <p:cNvGrpSpPr/>
-        <p:nvPr/>
-      </p:nvGrpSpPr>
-      <p:grpSpPr>
-        <a:xfrm>
-          <a:off x="0" y="0"/>
-          <a:ext cx="0" cy="0"/>
-          <a:chOff x="0" y="0"/>
-          <a:chExt cx="0" cy="0"/>
-        </a:xfrm>
-      </p:grpSpPr>
-      <p:sp>
-        <p:nvSpPr>
-          <p:cNvPr id="5" name="矩形 4"/>
-          <p:cNvSpPr/>
-          <p:nvPr/>
-        </p:nvSpPr>
-        <p:spPr>
-          <a:xfrm>
-            <a:off x="215770" y="162886"/>
-            <a:ext cx="5488016" cy="553998"/>
-          </a:xfrm>
-          <a:prstGeom prst="rect">
-            <a:avLst/>
-          </a:prstGeom>
-        </p:spPr>
-        <p:txBody>
-          <a:bodyPr wrap="square">
-            <a:spAutoFit/>
-          </a:bodyPr>
-          <a:lstStyle/>
-          <a:p>
-            <a:r>
-              <a:rPr lang="zh-CN" altLang="en-US" sz="3000" dirty="0">
-                <a:solidFill>
-                  <a:srgbClr val="DACD57"/>
-                </a:solidFill>
-                <a:latin typeface="幼圆" panose="02010509060101010101" pitchFamily="49" charset="-122"/>
-                <a:ea typeface="幼圆" panose="02010509060101010101" pitchFamily="49" charset="-122"/>
-                <a:cs typeface="Lao UI" panose="020B0502040204020203" pitchFamily="34" charset="0"/>
-              </a:rPr>
-              <a:t>内容建模</a:t>
-            </a:r>
-            <a:r>
-              <a:rPr lang="zh-CN" altLang="en-US" dirty="0">
-                <a:solidFill>
-                  <a:srgbClr val="DACD57"/>
-                </a:solidFill>
-                <a:latin typeface="幼圆" panose="02010509060101010101" pitchFamily="49" charset="-122"/>
-                <a:ea typeface="幼圆" panose="02010509060101010101" pitchFamily="49" charset="-122"/>
-                <a:cs typeface="Lao UI" panose="020B0502040204020203" pitchFamily="34" charset="0"/>
-              </a:rPr>
-              <a:t>（站内信）</a:t>
-            </a:r>
-            <a:r>
-              <a:rPr lang="en-US" altLang="zh-CN" sz="3000" dirty="0">
-                <a:solidFill>
-                  <a:srgbClr val="DACD57"/>
-                </a:solidFill>
-                <a:latin typeface="Impact" panose="020B0806030902050204" pitchFamily="34" charset="0"/>
-                <a:ea typeface="Tahoma" panose="020B0604030504040204" pitchFamily="34" charset="0"/>
-                <a:cs typeface="Lao UI" panose="020B0502040204020203" pitchFamily="34" charset="0"/>
-              </a:rPr>
-              <a:t> </a:t>
-            </a:r>
-            <a:endParaRPr lang="zh-CN" altLang="en-US" sz="3000" dirty="0">
-              <a:solidFill>
-                <a:srgbClr val="DACD57"/>
-              </a:solidFill>
-              <a:latin typeface="Impact" panose="020B0806030902050204" pitchFamily="34" charset="0"/>
-              <a:ea typeface="Tahoma" panose="020B0604030504040204" pitchFamily="34" charset="0"/>
-              <a:cs typeface="Lao UI" panose="020B0502040204020203" pitchFamily="34" charset="0"/>
-            </a:endParaRPr>
-          </a:p>
-        </p:txBody>
-      </p:sp>
-      <p:sp>
-        <p:nvSpPr>
-          <p:cNvPr id="7" name="AutoShape 262"/>
-          <p:cNvSpPr>
-            <a:spLocks noChangeAspect="1" noChangeArrowheads="1" noTextEdit="1"/>
-          </p:cNvSpPr>
-          <p:nvPr/>
-        </p:nvSpPr>
-        <p:spPr bwMode="auto">
-          <a:xfrm>
-            <a:off x="10595345" y="715971"/>
-            <a:ext cx="501779" cy="5364674"/>
-          </a:xfrm>
-          <a:prstGeom prst="rect">
-            <a:avLst/>
-          </a:prstGeom>
-          <a:noFill/>
-          <a:ln>
-            <a:noFill/>
-          </a:ln>
-          <a:extLst>
-            <a:ext uri="{909E8E84-426E-40DD-AFC4-6F175D3DCCD1}">
-              <a14:hiddenFill xmlns:a14="http://schemas.microsoft.com/office/drawing/2010/main">
-                <a:solidFill>
-                  <a:srgbClr val="FFFFFF"/>
-                </a:solidFill>
-              </a14:hiddenFill>
-            </a:ext>
-            <a:ext uri="{91240B29-F687-4F45-9708-019B960494DF}">
-              <a14:hiddenLine xmlns:a14="http://schemas.microsoft.com/office/drawing/2010/main" w="9525">
-                <a:solidFill>
-                  <a:srgbClr val="000000"/>
-                </a:solidFill>
-                <a:miter lim="800000"/>
-                <a:headEnd/>
-                <a:tailEnd/>
-              </a14:hiddenLine>
-            </a:ext>
-          </a:extLst>
-        </p:spPr>
-        <p:txBody>
-          <a:bodyPr vert="horz" wrap="square" lIns="91440" tIns="45720" rIns="91440" bIns="45720" numCol="1" anchor="t" anchorCtr="0" compatLnSpc="1"/>
-          <a:lstStyle/>
-          <a:p>
-            <a:endParaRPr lang="zh-CN" altLang="en-US"/>
-          </a:p>
-        </p:txBody>
-      </p:sp>
-    </p:spTree>
-    <p:custDataLst>
-      <p:tags r:id="rId1"/>
-    </p:custDataLst>
-  </p:cSld>
-  <p:clrMapOvr>
-    <a:masterClrMapping/>
-  </p:clrMapOvr>
-</p:sld>
-</file>
-
-<file path=ppt/slides/slide16.xml><?xml version="1.0" encoding="utf-8"?>
-<p:sld xmlns:a="http://schemas.openxmlformats.org/drawingml/2006/main" xmlns:r="http://schemas.openxmlformats.org/officeDocument/2006/relationships" xmlns:p="http://schemas.openxmlformats.org/presentationml/2006/main">
-  <p:cSld>
-    <p:spTree>
-      <p:nvGrpSpPr>
-        <p:cNvPr id="1" name=""/>
-        <p:cNvGrpSpPr/>
-        <p:nvPr/>
-      </p:nvGrpSpPr>
-      <p:grpSpPr>
-        <a:xfrm>
-          <a:off x="0" y="0"/>
-          <a:ext cx="0" cy="0"/>
-          <a:chOff x="0" y="0"/>
-          <a:chExt cx="0" cy="0"/>
-        </a:xfrm>
-      </p:grpSpPr>
-      <p:sp>
-        <p:nvSpPr>
-          <p:cNvPr id="5" name="矩形 4"/>
-          <p:cNvSpPr/>
-          <p:nvPr/>
-        </p:nvSpPr>
-        <p:spPr>
-          <a:xfrm>
-            <a:off x="215770" y="162886"/>
-            <a:ext cx="5488016" cy="553085"/>
-          </a:xfrm>
-          <a:prstGeom prst="rect">
-            <a:avLst/>
-          </a:prstGeom>
-        </p:spPr>
-        <p:txBody>
-          <a:bodyPr wrap="square">
-            <a:spAutoFit/>
-          </a:bodyPr>
-          <a:lstStyle/>
-          <a:p>
-            <a:r>
-              <a:rPr lang="zh-CN" altLang="en-US" sz="3000" dirty="0">
-                <a:solidFill>
-                  <a:srgbClr val="DACD57"/>
-                </a:solidFill>
-                <a:latin typeface="幼圆" panose="02010509060101010101" pitchFamily="49" charset="-122"/>
-                <a:ea typeface="幼圆" panose="02010509060101010101" pitchFamily="49" charset="-122"/>
-                <a:cs typeface="Lao UI" panose="020B0502040204020203" pitchFamily="34" charset="0"/>
-              </a:rPr>
-              <a:t>超文本建模</a:t>
-            </a:r>
-            <a:r>
-              <a:rPr lang="en-US" altLang="zh-CN" sz="3000" dirty="0">
-                <a:solidFill>
-                  <a:srgbClr val="DACD57"/>
-                </a:solidFill>
-                <a:latin typeface="Impact" panose="020B0806030902050204" pitchFamily="34" charset="0"/>
-                <a:ea typeface="Tahoma" panose="020B0604030504040204" pitchFamily="34" charset="0"/>
-                <a:cs typeface="Lao UI" panose="020B0502040204020203" pitchFamily="34" charset="0"/>
-              </a:rPr>
-              <a:t> </a:t>
-            </a:r>
-            <a:endParaRPr lang="zh-CN" altLang="en-US" sz="3000" dirty="0">
-              <a:solidFill>
-                <a:srgbClr val="DACD57"/>
-              </a:solidFill>
-              <a:latin typeface="Impact" panose="020B0806030902050204" pitchFamily="34" charset="0"/>
-              <a:ea typeface="Tahoma" panose="020B0604030504040204" pitchFamily="34" charset="0"/>
-              <a:cs typeface="Lao UI" panose="020B0502040204020203" pitchFamily="34" charset="0"/>
-            </a:endParaRPr>
-          </a:p>
-        </p:txBody>
-      </p:sp>
-      <p:sp>
-        <p:nvSpPr>
-          <p:cNvPr id="7" name="AutoShape 262"/>
-          <p:cNvSpPr>
-            <a:spLocks noChangeAspect="1" noChangeArrowheads="1" noTextEdit="1"/>
-          </p:cNvSpPr>
-          <p:nvPr/>
-        </p:nvSpPr>
-        <p:spPr bwMode="auto">
-          <a:xfrm>
-            <a:off x="10595345" y="715971"/>
-            <a:ext cx="501779" cy="5364674"/>
-          </a:xfrm>
-          <a:prstGeom prst="rect">
-            <a:avLst/>
-          </a:prstGeom>
-          <a:noFill/>
-          <a:ln>
-            <a:noFill/>
-          </a:ln>
-          <a:extLst>
-            <a:ext uri="{909E8E84-426E-40DD-AFC4-6F175D3DCCD1}">
-              <a14:hiddenFill xmlns:a14="http://schemas.microsoft.com/office/drawing/2010/main">
-                <a:solidFill>
-                  <a:srgbClr val="FFFFFF"/>
-                </a:solidFill>
-              </a14:hiddenFill>
-            </a:ext>
-            <a:ext uri="{91240B29-F687-4F45-9708-019B960494DF}">
-              <a14:hiddenLine xmlns:a14="http://schemas.microsoft.com/office/drawing/2010/main" w="9525">
-                <a:solidFill>
-                  <a:srgbClr val="000000"/>
-                </a:solidFill>
-                <a:miter lim="800000"/>
-                <a:headEnd/>
-                <a:tailEnd/>
-              </a14:hiddenLine>
-            </a:ext>
-          </a:extLst>
-        </p:spPr>
-        <p:txBody>
-          <a:bodyPr vert="horz" wrap="square" lIns="91440" tIns="45720" rIns="91440" bIns="45720" numCol="1" anchor="t" anchorCtr="0" compatLnSpc="1"/>
-          <a:lstStyle/>
-          <a:p>
-            <a:endParaRPr lang="zh-CN" altLang="en-US"/>
-          </a:p>
-        </p:txBody>
-      </p:sp>
       <p:pic>
         <p:nvPicPr>
           <p:cNvPr id="4" name="图片 3"/>
@@ -15985,7 +15773,7 @@
 </p:sld>
 </file>
 
-<file path=ppt/slides/slide17.xml><?xml version="1.0" encoding="utf-8"?>
+<file path=ppt/slides/slide15.xml><?xml version="1.0" encoding="utf-8"?>
 <p:sld xmlns:a="http://schemas.openxmlformats.org/drawingml/2006/main" xmlns:r="http://schemas.openxmlformats.org/officeDocument/2006/relationships" xmlns:p="http://schemas.openxmlformats.org/presentationml/2006/main">
   <p:cSld>
     <p:spTree>
@@ -16442,7 +16230,7 @@
 </p:sld>
 </file>
 
-<file path=ppt/slides/slide18.xml><?xml version="1.0" encoding="utf-8"?>
+<file path=ppt/slides/slide16.xml><?xml version="1.0" encoding="utf-8"?>
 <p:sld xmlns:a="http://schemas.openxmlformats.org/drawingml/2006/main" xmlns:r="http://schemas.openxmlformats.org/officeDocument/2006/relationships" xmlns:p="http://schemas.openxmlformats.org/presentationml/2006/main">
   <p:cSld>
     <p:spTree>
@@ -16899,7 +16687,7 @@
 </p:sld>
 </file>
 
-<file path=ppt/slides/slide19.xml><?xml version="1.0" encoding="utf-8"?>
+<file path=ppt/slides/slide17.xml><?xml version="1.0" encoding="utf-8"?>
 <p:sld xmlns:a="http://schemas.openxmlformats.org/drawingml/2006/main" xmlns:r="http://schemas.openxmlformats.org/officeDocument/2006/relationships" xmlns:p="http://schemas.openxmlformats.org/presentationml/2006/main">
   <p:cSld>
     <p:spTree>
@@ -17191,6 +16979,1890 @@
 </p:sld>
 </file>
 
+<file path=ppt/slides/slide18.xml><?xml version="1.0" encoding="utf-8"?>
+<p:sld xmlns:a="http://schemas.openxmlformats.org/drawingml/2006/main" xmlns:r="http://schemas.openxmlformats.org/officeDocument/2006/relationships" xmlns:p="http://schemas.openxmlformats.org/presentationml/2006/main">
+  <p:cSld>
+    <p:spTree>
+      <p:nvGrpSpPr>
+        <p:cNvPr id="1" name=""/>
+        <p:cNvGrpSpPr/>
+        <p:nvPr/>
+      </p:nvGrpSpPr>
+      <p:grpSpPr>
+        <a:xfrm>
+          <a:off x="0" y="0"/>
+          <a:ext cx="0" cy="0"/>
+          <a:chOff x="0" y="0"/>
+          <a:chExt cx="0" cy="0"/>
+        </a:xfrm>
+      </p:grpSpPr>
+      <p:sp>
+        <p:nvSpPr>
+          <p:cNvPr id="5" name="矩形 4"/>
+          <p:cNvSpPr/>
+          <p:nvPr/>
+        </p:nvSpPr>
+        <p:spPr>
+          <a:xfrm>
+            <a:off x="168635" y="191770"/>
+            <a:ext cx="5488016" cy="553085"/>
+          </a:xfrm>
+          <a:prstGeom prst="rect">
+            <a:avLst/>
+          </a:prstGeom>
+        </p:spPr>
+        <p:txBody>
+          <a:bodyPr wrap="square">
+            <a:spAutoFit/>
+          </a:bodyPr>
+          <a:lstStyle/>
+          <a:p>
+            <a:r>
+              <a:rPr lang="zh-CN" altLang="en-US" sz="3000" dirty="0">
+                <a:solidFill>
+                  <a:srgbClr val="DACD57"/>
+                </a:solidFill>
+                <a:latin typeface="幼圆" panose="02010509060101010101" pitchFamily="49" charset="-122"/>
+                <a:ea typeface="幼圆" panose="02010509060101010101" pitchFamily="49" charset="-122"/>
+                <a:cs typeface="Lao UI" panose="020B0502040204020203" pitchFamily="34" charset="0"/>
+              </a:rPr>
+              <a:t>架构设计</a:t>
+            </a:r>
+            <a:endParaRPr lang="zh-CN" altLang="en-US" sz="3000" dirty="0">
+              <a:solidFill>
+                <a:srgbClr val="DACD57"/>
+              </a:solidFill>
+              <a:latin typeface="Impact" panose="020B0806030902050204" pitchFamily="34" charset="0"/>
+              <a:ea typeface="Tahoma" panose="020B0604030504040204" pitchFamily="34" charset="0"/>
+              <a:cs typeface="Lao UI" panose="020B0502040204020203" pitchFamily="34" charset="0"/>
+            </a:endParaRPr>
+          </a:p>
+        </p:txBody>
+      </p:sp>
+      <p:sp>
+        <p:nvSpPr>
+          <p:cNvPr id="7" name="AutoShape 262"/>
+          <p:cNvSpPr>
+            <a:spLocks noChangeAspect="1" noChangeArrowheads="1" noTextEdit="1"/>
+          </p:cNvSpPr>
+          <p:nvPr/>
+        </p:nvSpPr>
+        <p:spPr bwMode="auto">
+          <a:xfrm>
+            <a:off x="10585185" y="710256"/>
+            <a:ext cx="501779" cy="5364674"/>
+          </a:xfrm>
+          <a:prstGeom prst="rect">
+            <a:avLst/>
+          </a:prstGeom>
+          <a:noFill/>
+          <a:ln>
+            <a:noFill/>
+          </a:ln>
+          <a:extLst>
+            <a:ext uri="{909E8E84-426E-40DD-AFC4-6F175D3DCCD1}">
+              <a14:hiddenFill xmlns:a14="http://schemas.microsoft.com/office/drawing/2010/main">
+                <a:solidFill>
+                  <a:srgbClr val="FFFFFF"/>
+                </a:solidFill>
+              </a14:hiddenFill>
+            </a:ext>
+            <a:ext uri="{91240B29-F687-4F45-9708-019B960494DF}">
+              <a14:hiddenLine xmlns:a14="http://schemas.microsoft.com/office/drawing/2010/main" w="9525">
+                <a:solidFill>
+                  <a:srgbClr val="000000"/>
+                </a:solidFill>
+                <a:miter lim="800000"/>
+                <a:headEnd/>
+                <a:tailEnd/>
+              </a14:hiddenLine>
+            </a:ext>
+          </a:extLst>
+        </p:spPr>
+        <p:txBody>
+          <a:bodyPr vert="horz" wrap="square" lIns="91440" tIns="45720" rIns="91440" bIns="45720" numCol="1" anchor="t" anchorCtr="0" compatLnSpc="1"/>
+          <a:lstStyle/>
+          <a:p>
+            <a:endParaRPr lang="zh-CN" altLang="en-US"/>
+          </a:p>
+        </p:txBody>
+      </p:sp>
+      <p:pic>
+        <p:nvPicPr>
+          <p:cNvPr id="3" name="图片 2" descr="Web分层架构图"/>
+          <p:cNvPicPr>
+            <a:picLocks noChangeAspect="1"/>
+          </p:cNvPicPr>
+          <p:nvPr/>
+        </p:nvPicPr>
+        <p:blipFill>
+          <a:blip r:embed="rId1"/>
+          <a:stretch>
+            <a:fillRect/>
+          </a:stretch>
+        </p:blipFill>
+        <p:spPr>
+          <a:xfrm>
+            <a:off x="863600" y="744855"/>
+            <a:ext cx="5874385" cy="5960110"/>
+          </a:xfrm>
+          <a:prstGeom prst="rect">
+            <a:avLst/>
+          </a:prstGeom>
+        </p:spPr>
+      </p:pic>
+      <p:sp>
+        <p:nvSpPr>
+          <p:cNvPr id="2" name="文本框 1"/>
+          <p:cNvSpPr txBox="1"/>
+          <p:nvPr/>
+        </p:nvSpPr>
+        <p:spPr>
+          <a:xfrm>
+            <a:off x="6932295" y="4321810"/>
+            <a:ext cx="4921885" cy="1753235"/>
+          </a:xfrm>
+          <a:prstGeom prst="rect">
+            <a:avLst/>
+          </a:prstGeom>
+          <a:noFill/>
+        </p:spPr>
+        <p:txBody>
+          <a:bodyPr wrap="square" rtlCol="0">
+            <a:spAutoFit/>
+          </a:bodyPr>
+          <a:p>
+            <a:r>
+              <a:rPr lang="zh-CN" altLang="en-US">
+                <a:solidFill>
+                  <a:srgbClr val="DACD57"/>
+                </a:solidFill>
+                <a:latin typeface="幼圆" panose="02010509060101010101" pitchFamily="49" charset="-122"/>
+                <a:ea typeface="幼圆" panose="02010509060101010101" pitchFamily="49" charset="-122"/>
+              </a:rPr>
+              <a:t>持久层：DAO层</a:t>
+            </a:r>
+            <a:endParaRPr lang="zh-CN" altLang="en-US">
+              <a:solidFill>
+                <a:srgbClr val="DACD57"/>
+              </a:solidFill>
+              <a:latin typeface="幼圆" panose="02010509060101010101" pitchFamily="49" charset="-122"/>
+              <a:ea typeface="幼圆" panose="02010509060101010101" pitchFamily="49" charset="-122"/>
+            </a:endParaRPr>
+          </a:p>
+          <a:p>
+            <a:r>
+              <a:rPr lang="zh-CN" altLang="en-US">
+                <a:solidFill>
+                  <a:srgbClr val="DACD57"/>
+                </a:solidFill>
+                <a:latin typeface="幼圆" panose="02010509060101010101" pitchFamily="49" charset="-122"/>
+                <a:ea typeface="幼圆" panose="02010509060101010101" pitchFamily="49" charset="-122"/>
+              </a:rPr>
+              <a:t>DAO层：DAO层主要是做数据持久层的工作，负责与数据库进行联络的一些任务都封装在此。</a:t>
+            </a:r>
+            <a:endParaRPr lang="zh-CN" altLang="en-US">
+              <a:solidFill>
+                <a:srgbClr val="DACD57"/>
+              </a:solidFill>
+              <a:latin typeface="幼圆" panose="02010509060101010101" pitchFamily="49" charset="-122"/>
+              <a:ea typeface="幼圆" panose="02010509060101010101" pitchFamily="49" charset="-122"/>
+            </a:endParaRPr>
+          </a:p>
+          <a:p>
+            <a:r>
+              <a:rPr lang="zh-CN" altLang="en-US">
+                <a:solidFill>
+                  <a:srgbClr val="DACD57"/>
+                </a:solidFill>
+                <a:latin typeface="幼圆" panose="02010509060101010101" pitchFamily="49" charset="-122"/>
+                <a:ea typeface="幼圆" panose="02010509060101010101" pitchFamily="49" charset="-122"/>
+              </a:rPr>
+              <a:t>MyBatis 是支持普通 SQL查询，存储过程和高级映射的优秀持久层框架。简单说就是简化了和数据库操作。</a:t>
+            </a:r>
+            <a:endParaRPr lang="zh-CN" altLang="en-US">
+              <a:solidFill>
+                <a:srgbClr val="DACD57"/>
+              </a:solidFill>
+              <a:latin typeface="幼圆" panose="02010509060101010101" pitchFamily="49" charset="-122"/>
+              <a:ea typeface="幼圆" panose="02010509060101010101" pitchFamily="49" charset="-122"/>
+            </a:endParaRPr>
+          </a:p>
+        </p:txBody>
+      </p:sp>
+      <p:sp>
+        <p:nvSpPr>
+          <p:cNvPr id="4" name="文本框 3"/>
+          <p:cNvSpPr txBox="1"/>
+          <p:nvPr/>
+        </p:nvSpPr>
+        <p:spPr>
+          <a:xfrm>
+            <a:off x="6858635" y="2713355"/>
+            <a:ext cx="5269230" cy="2584450"/>
+          </a:xfrm>
+          <a:prstGeom prst="rect">
+            <a:avLst/>
+          </a:prstGeom>
+          <a:noFill/>
+        </p:spPr>
+        <p:txBody>
+          <a:bodyPr wrap="square" rtlCol="0">
+            <a:spAutoFit/>
+          </a:bodyPr>
+          <a:p>
+            <a:r>
+              <a:rPr lang="zh-CN" altLang="en-US">
+                <a:solidFill>
+                  <a:srgbClr val="DACD57"/>
+                </a:solidFill>
+                <a:latin typeface="幼圆" panose="02010509060101010101" pitchFamily="49" charset="-122"/>
+                <a:ea typeface="幼圆" panose="02010509060101010101" pitchFamily="49" charset="-122"/>
+              </a:rPr>
+              <a:t>业务层：Service层</a:t>
+            </a:r>
+            <a:endParaRPr lang="zh-CN" altLang="en-US">
+              <a:solidFill>
+                <a:srgbClr val="DACD57"/>
+              </a:solidFill>
+              <a:latin typeface="幼圆" panose="02010509060101010101" pitchFamily="49" charset="-122"/>
+              <a:ea typeface="幼圆" panose="02010509060101010101" pitchFamily="49" charset="-122"/>
+            </a:endParaRPr>
+          </a:p>
+          <a:p>
+            <a:r>
+              <a:rPr lang="zh-CN" altLang="en-US">
+                <a:solidFill>
+                  <a:srgbClr val="DACD57"/>
+                </a:solidFill>
+                <a:latin typeface="幼圆" panose="02010509060101010101" pitchFamily="49" charset="-122"/>
+                <a:ea typeface="幼圆" panose="02010509060101010101" pitchFamily="49" charset="-122"/>
+              </a:rPr>
+              <a:t>Service层：Service层主要负责业务模块的逻辑应用设计。首先设计接口，再设计其实现的类接着再在Spring的配置文件中配置其实现的关联。这样我们就可以在应用中调用Service接口来进行业务处理。Service层的业务实现，具体要调用到已定义的DAO层的接口，封装Service层的业务逻辑有利于通用的业务逻辑的独立性和重复利用性，程序显得非常简洁。</a:t>
+            </a:r>
+            <a:endParaRPr lang="zh-CN" altLang="en-US">
+              <a:solidFill>
+                <a:srgbClr val="DACD57"/>
+              </a:solidFill>
+              <a:latin typeface="幼圆" panose="02010509060101010101" pitchFamily="49" charset="-122"/>
+              <a:ea typeface="幼圆" panose="02010509060101010101" pitchFamily="49" charset="-122"/>
+            </a:endParaRPr>
+          </a:p>
+        </p:txBody>
+      </p:sp>
+      <p:sp>
+        <p:nvSpPr>
+          <p:cNvPr id="6" name="文本框 5"/>
+          <p:cNvSpPr txBox="1"/>
+          <p:nvPr/>
+        </p:nvSpPr>
+        <p:spPr>
+          <a:xfrm>
+            <a:off x="6969125" y="1661795"/>
+            <a:ext cx="5054600" cy="2584450"/>
+          </a:xfrm>
+          <a:prstGeom prst="rect">
+            <a:avLst/>
+          </a:prstGeom>
+          <a:noFill/>
+        </p:spPr>
+        <p:txBody>
+          <a:bodyPr wrap="square" rtlCol="0">
+            <a:spAutoFit/>
+          </a:bodyPr>
+          <a:p>
+            <a:r>
+              <a:rPr lang="zh-CN" altLang="en-US">
+                <a:solidFill>
+                  <a:srgbClr val="DACD57"/>
+                </a:solidFill>
+                <a:latin typeface="幼圆" panose="02010509060101010101" pitchFamily="49" charset="-122"/>
+                <a:ea typeface="幼圆" panose="02010509060101010101" pitchFamily="49" charset="-122"/>
+              </a:rPr>
+              <a:t>表示层：Controller层</a:t>
+            </a:r>
+            <a:endParaRPr lang="zh-CN" altLang="en-US">
+              <a:solidFill>
+                <a:srgbClr val="DACD57"/>
+              </a:solidFill>
+              <a:latin typeface="幼圆" panose="02010509060101010101" pitchFamily="49" charset="-122"/>
+              <a:ea typeface="幼圆" panose="02010509060101010101" pitchFamily="49" charset="-122"/>
+            </a:endParaRPr>
+          </a:p>
+          <a:p>
+            <a:r>
+              <a:rPr lang="zh-CN" altLang="en-US">
+                <a:solidFill>
+                  <a:srgbClr val="DACD57"/>
+                </a:solidFill>
+                <a:latin typeface="幼圆" panose="02010509060101010101" pitchFamily="49" charset="-122"/>
+                <a:ea typeface="幼圆" panose="02010509060101010101" pitchFamily="49" charset="-122"/>
+              </a:rPr>
+              <a:t>Controller层:Controller层负责具体的业务模块流程的控制，在此层里面要调用Service层的接口来控制业务流程，控制的配置也同样是在Spring的配置文件里面进行，针对具体的业务流程，会有不同的控制器，我们具体的设计过程中可以将流程进行抽象归纳，设计出可以重复利用的子单元流程模块，这样不仅使程序结构变得清晰，也大大减少了代码量。</a:t>
+            </a:r>
+            <a:endParaRPr lang="zh-CN" altLang="en-US">
+              <a:solidFill>
+                <a:srgbClr val="DACD57"/>
+              </a:solidFill>
+              <a:latin typeface="幼圆" panose="02010509060101010101" pitchFamily="49" charset="-122"/>
+              <a:ea typeface="幼圆" panose="02010509060101010101" pitchFamily="49" charset="-122"/>
+            </a:endParaRPr>
+          </a:p>
+        </p:txBody>
+      </p:sp>
+      <p:sp>
+        <p:nvSpPr>
+          <p:cNvPr id="9" name="文本框 8"/>
+          <p:cNvSpPr txBox="1"/>
+          <p:nvPr/>
+        </p:nvSpPr>
+        <p:spPr>
+          <a:xfrm>
+            <a:off x="6932295" y="415925"/>
+            <a:ext cx="4840605" cy="1476375"/>
+          </a:xfrm>
+          <a:prstGeom prst="rect">
+            <a:avLst/>
+          </a:prstGeom>
+          <a:noFill/>
+        </p:spPr>
+        <p:txBody>
+          <a:bodyPr wrap="square" rtlCol="0">
+            <a:spAutoFit/>
+          </a:bodyPr>
+          <a:p>
+            <a:endParaRPr lang="zh-CN" altLang="en-US">
+              <a:solidFill>
+                <a:srgbClr val="DACD57"/>
+              </a:solidFill>
+              <a:latin typeface="幼圆" panose="02010509060101010101" pitchFamily="49" charset="-122"/>
+              <a:ea typeface="幼圆" panose="02010509060101010101" pitchFamily="49" charset="-122"/>
+            </a:endParaRPr>
+          </a:p>
+          <a:p>
+            <a:r>
+              <a:rPr lang="zh-CN" altLang="en-US">
+                <a:solidFill>
+                  <a:srgbClr val="DACD57"/>
+                </a:solidFill>
+                <a:latin typeface="幼圆" panose="02010509060101010101" pitchFamily="49" charset="-122"/>
+                <a:ea typeface="幼圆" panose="02010509060101010101" pitchFamily="49" charset="-122"/>
+                <a:sym typeface="+mn-ea"/>
+              </a:rPr>
+              <a:t>View层</a:t>
+            </a:r>
+            <a:endParaRPr lang="zh-CN" altLang="en-US">
+              <a:solidFill>
+                <a:srgbClr val="DACD57"/>
+              </a:solidFill>
+              <a:latin typeface="幼圆" panose="02010509060101010101" pitchFamily="49" charset="-122"/>
+              <a:ea typeface="幼圆" panose="02010509060101010101" pitchFamily="49" charset="-122"/>
+              <a:sym typeface="+mn-ea"/>
+            </a:endParaRPr>
+          </a:p>
+          <a:p>
+            <a:r>
+              <a:rPr lang="zh-CN" altLang="en-US">
+                <a:solidFill>
+                  <a:srgbClr val="DACD57"/>
+                </a:solidFill>
+                <a:latin typeface="幼圆" panose="02010509060101010101" pitchFamily="49" charset="-122"/>
+                <a:ea typeface="幼圆" panose="02010509060101010101" pitchFamily="49" charset="-122"/>
+              </a:rPr>
+              <a:t>此层与控制层结合比较紧密，需要二者结合起来协同工发。View层主要负责前台html页面的表示.</a:t>
+            </a:r>
+            <a:endParaRPr lang="zh-CN" altLang="en-US">
+              <a:solidFill>
+                <a:srgbClr val="DACD57"/>
+              </a:solidFill>
+              <a:latin typeface="幼圆" panose="02010509060101010101" pitchFamily="49" charset="-122"/>
+              <a:ea typeface="幼圆" panose="02010509060101010101" pitchFamily="49" charset="-122"/>
+            </a:endParaRPr>
+          </a:p>
+        </p:txBody>
+      </p:sp>
+    </p:spTree>
+    <p:custDataLst>
+      <p:tags r:id="rId2"/>
+    </p:custDataLst>
+  </p:cSld>
+  <p:clrMapOvr>
+    <a:masterClrMapping/>
+  </p:clrMapOvr>
+  <p:timing>
+    <p:tnLst>
+      <p:par>
+        <p:cTn id="1" dur="indefinite" restart="never" nodeType="tmRoot">
+          <p:childTnLst>
+            <p:seq concurrent="1" nextAc="seek">
+              <p:cTn id="2" dur="indefinite" nodeType="mainSeq">
+                <p:childTnLst>
+                  <p:par>
+                    <p:cTn id="3" fill="hold">
+                      <p:stCondLst>
+                        <p:cond delay="indefinite"/>
+                      </p:stCondLst>
+                      <p:childTnLst>
+                        <p:par>
+                          <p:cTn id="4" fill="hold">
+                            <p:stCondLst>
+                              <p:cond delay="0"/>
+                            </p:stCondLst>
+                            <p:childTnLst>
+                              <p:par>
+                                <p:cTn id="5" presetID="2" presetClass="entr" presetSubtype="4" fill="hold" grpId="0" nodeType="clickEffect">
+                                  <p:stCondLst>
+                                    <p:cond delay="0"/>
+                                  </p:stCondLst>
+                                  <p:childTnLst>
+                                    <p:set>
+                                      <p:cBhvr>
+                                        <p:cTn id="6" dur="1" fill="hold">
+                                          <p:stCondLst>
+                                            <p:cond delay="0"/>
+                                          </p:stCondLst>
+                                        </p:cTn>
+                                        <p:tgtEl>
+                                          <p:spTgt spid="2"/>
+                                        </p:tgtEl>
+                                        <p:attrNameLst>
+                                          <p:attrName>style.visibility</p:attrName>
+                                        </p:attrNameLst>
+                                      </p:cBhvr>
+                                      <p:to>
+                                        <p:strVal val="visible"/>
+                                      </p:to>
+                                    </p:set>
+                                    <p:anim calcmode="lin" valueType="num">
+                                      <p:cBhvr additive="base">
+                                        <p:cTn id="7" dur="500" fill="hold"/>
+                                        <p:tgtEl>
+                                          <p:spTgt spid="2"/>
+                                        </p:tgtEl>
+                                        <p:attrNameLst>
+                                          <p:attrName>ppt_x</p:attrName>
+                                        </p:attrNameLst>
+                                      </p:cBhvr>
+                                      <p:tavLst>
+                                        <p:tav tm="0">
+                                          <p:val>
+                                            <p:strVal val="#ppt_x"/>
+                                          </p:val>
+                                        </p:tav>
+                                        <p:tav tm="100000">
+                                          <p:val>
+                                            <p:strVal val="#ppt_x"/>
+                                          </p:val>
+                                        </p:tav>
+                                      </p:tavLst>
+                                    </p:anim>
+                                    <p:anim calcmode="lin" valueType="num">
+                                      <p:cBhvr additive="base">
+                                        <p:cTn id="8" dur="500" fill="hold"/>
+                                        <p:tgtEl>
+                                          <p:spTgt spid="2"/>
+                                        </p:tgtEl>
+                                        <p:attrNameLst>
+                                          <p:attrName>ppt_y</p:attrName>
+                                        </p:attrNameLst>
+                                      </p:cBhvr>
+                                      <p:tavLst>
+                                        <p:tav tm="0">
+                                          <p:val>
+                                            <p:strVal val="1+#ppt_h/2"/>
+                                          </p:val>
+                                        </p:tav>
+                                        <p:tav tm="100000">
+                                          <p:val>
+                                            <p:strVal val="#ppt_y"/>
+                                          </p:val>
+                                        </p:tav>
+                                      </p:tavLst>
+                                    </p:anim>
+                                  </p:childTnLst>
+                                </p:cTn>
+                              </p:par>
+                            </p:childTnLst>
+                          </p:cTn>
+                        </p:par>
+                      </p:childTnLst>
+                    </p:cTn>
+                  </p:par>
+                  <p:par>
+                    <p:cTn id="9" fill="hold">
+                      <p:stCondLst>
+                        <p:cond delay="indefinite"/>
+                      </p:stCondLst>
+                      <p:childTnLst>
+                        <p:par>
+                          <p:cTn id="10" fill="hold">
+                            <p:stCondLst>
+                              <p:cond delay="0"/>
+                            </p:stCondLst>
+                            <p:childTnLst>
+                              <p:par>
+                                <p:cTn id="11" presetID="2" presetClass="exit" presetSubtype="4" fill="hold" grpId="1" nodeType="clickEffect">
+                                  <p:stCondLst>
+                                    <p:cond delay="0"/>
+                                  </p:stCondLst>
+                                  <p:childTnLst>
+                                    <p:anim calcmode="lin" valueType="num">
+                                      <p:cBhvr additive="base">
+                                        <p:cTn id="12" dur="500"/>
+                                        <p:tgtEl>
+                                          <p:spTgt spid="2"/>
+                                        </p:tgtEl>
+                                        <p:attrNameLst>
+                                          <p:attrName>ppt_x</p:attrName>
+                                        </p:attrNameLst>
+                                      </p:cBhvr>
+                                      <p:tavLst>
+                                        <p:tav tm="0">
+                                          <p:val>
+                                            <p:strVal val="ppt_x"/>
+                                          </p:val>
+                                        </p:tav>
+                                        <p:tav tm="100000">
+                                          <p:val>
+                                            <p:strVal val="ppt_x"/>
+                                          </p:val>
+                                        </p:tav>
+                                      </p:tavLst>
+                                    </p:anim>
+                                    <p:anim calcmode="lin" valueType="num">
+                                      <p:cBhvr additive="base">
+                                        <p:cTn id="13" dur="500"/>
+                                        <p:tgtEl>
+                                          <p:spTgt spid="2"/>
+                                        </p:tgtEl>
+                                        <p:attrNameLst>
+                                          <p:attrName>ppt_y</p:attrName>
+                                        </p:attrNameLst>
+                                      </p:cBhvr>
+                                      <p:tavLst>
+                                        <p:tav tm="0">
+                                          <p:val>
+                                            <p:strVal val="ppt_y"/>
+                                          </p:val>
+                                        </p:tav>
+                                        <p:tav tm="100000">
+                                          <p:val>
+                                            <p:strVal val="1+ppt_h/2"/>
+                                          </p:val>
+                                        </p:tav>
+                                      </p:tavLst>
+                                    </p:anim>
+                                    <p:set>
+                                      <p:cBhvr>
+                                        <p:cTn id="14" dur="1" fill="hold">
+                                          <p:stCondLst>
+                                            <p:cond delay="499"/>
+                                          </p:stCondLst>
+                                        </p:cTn>
+                                        <p:tgtEl>
+                                          <p:spTgt spid="2"/>
+                                        </p:tgtEl>
+                                        <p:attrNameLst>
+                                          <p:attrName>style.visibility</p:attrName>
+                                        </p:attrNameLst>
+                                      </p:cBhvr>
+                                      <p:to>
+                                        <p:strVal val="hidden"/>
+                                      </p:to>
+                                    </p:set>
+                                  </p:childTnLst>
+                                </p:cTn>
+                              </p:par>
+                            </p:childTnLst>
+                          </p:cTn>
+                        </p:par>
+                      </p:childTnLst>
+                    </p:cTn>
+                  </p:par>
+                  <p:par>
+                    <p:cTn id="15" fill="hold">
+                      <p:stCondLst>
+                        <p:cond delay="indefinite"/>
+                      </p:stCondLst>
+                      <p:childTnLst>
+                        <p:par>
+                          <p:cTn id="16" fill="hold">
+                            <p:stCondLst>
+                              <p:cond delay="0"/>
+                            </p:stCondLst>
+                            <p:childTnLst>
+                              <p:par>
+                                <p:cTn id="17" presetID="2" presetClass="entr" presetSubtype="4" fill="hold" grpId="0" nodeType="clickEffect">
+                                  <p:stCondLst>
+                                    <p:cond delay="0"/>
+                                  </p:stCondLst>
+                                  <p:childTnLst>
+                                    <p:set>
+                                      <p:cBhvr>
+                                        <p:cTn id="18" dur="1" fill="hold">
+                                          <p:stCondLst>
+                                            <p:cond delay="0"/>
+                                          </p:stCondLst>
+                                        </p:cTn>
+                                        <p:tgtEl>
+                                          <p:spTgt spid="4"/>
+                                        </p:tgtEl>
+                                        <p:attrNameLst>
+                                          <p:attrName>style.visibility</p:attrName>
+                                        </p:attrNameLst>
+                                      </p:cBhvr>
+                                      <p:to>
+                                        <p:strVal val="visible"/>
+                                      </p:to>
+                                    </p:set>
+                                    <p:anim calcmode="lin" valueType="num">
+                                      <p:cBhvr additive="base">
+                                        <p:cTn id="19" dur="500" fill="hold"/>
+                                        <p:tgtEl>
+                                          <p:spTgt spid="4"/>
+                                        </p:tgtEl>
+                                        <p:attrNameLst>
+                                          <p:attrName>ppt_x</p:attrName>
+                                        </p:attrNameLst>
+                                      </p:cBhvr>
+                                      <p:tavLst>
+                                        <p:tav tm="0">
+                                          <p:val>
+                                            <p:strVal val="#ppt_x"/>
+                                          </p:val>
+                                        </p:tav>
+                                        <p:tav tm="100000">
+                                          <p:val>
+                                            <p:strVal val="#ppt_x"/>
+                                          </p:val>
+                                        </p:tav>
+                                      </p:tavLst>
+                                    </p:anim>
+                                    <p:anim calcmode="lin" valueType="num">
+                                      <p:cBhvr additive="base">
+                                        <p:cTn id="20" dur="500" fill="hold"/>
+                                        <p:tgtEl>
+                                          <p:spTgt spid="4"/>
+                                        </p:tgtEl>
+                                        <p:attrNameLst>
+                                          <p:attrName>ppt_y</p:attrName>
+                                        </p:attrNameLst>
+                                      </p:cBhvr>
+                                      <p:tavLst>
+                                        <p:tav tm="0">
+                                          <p:val>
+                                            <p:strVal val="1+#ppt_h/2"/>
+                                          </p:val>
+                                        </p:tav>
+                                        <p:tav tm="100000">
+                                          <p:val>
+                                            <p:strVal val="#ppt_y"/>
+                                          </p:val>
+                                        </p:tav>
+                                      </p:tavLst>
+                                    </p:anim>
+                                  </p:childTnLst>
+                                </p:cTn>
+                              </p:par>
+                            </p:childTnLst>
+                          </p:cTn>
+                        </p:par>
+                      </p:childTnLst>
+                    </p:cTn>
+                  </p:par>
+                  <p:par>
+                    <p:cTn id="21" fill="hold">
+                      <p:stCondLst>
+                        <p:cond delay="indefinite"/>
+                      </p:stCondLst>
+                      <p:childTnLst>
+                        <p:par>
+                          <p:cTn id="22" fill="hold">
+                            <p:stCondLst>
+                              <p:cond delay="0"/>
+                            </p:stCondLst>
+                            <p:childTnLst>
+                              <p:par>
+                                <p:cTn id="23" presetID="2" presetClass="exit" presetSubtype="4" fill="hold" grpId="1" nodeType="clickEffect">
+                                  <p:stCondLst>
+                                    <p:cond delay="0"/>
+                                  </p:stCondLst>
+                                  <p:childTnLst>
+                                    <p:anim calcmode="lin" valueType="num">
+                                      <p:cBhvr additive="base">
+                                        <p:cTn id="24" dur="500"/>
+                                        <p:tgtEl>
+                                          <p:spTgt spid="4"/>
+                                        </p:tgtEl>
+                                        <p:attrNameLst>
+                                          <p:attrName>ppt_x</p:attrName>
+                                        </p:attrNameLst>
+                                      </p:cBhvr>
+                                      <p:tavLst>
+                                        <p:tav tm="0">
+                                          <p:val>
+                                            <p:strVal val="ppt_x"/>
+                                          </p:val>
+                                        </p:tav>
+                                        <p:tav tm="100000">
+                                          <p:val>
+                                            <p:strVal val="ppt_x"/>
+                                          </p:val>
+                                        </p:tav>
+                                      </p:tavLst>
+                                    </p:anim>
+                                    <p:anim calcmode="lin" valueType="num">
+                                      <p:cBhvr additive="base">
+                                        <p:cTn id="25" dur="500"/>
+                                        <p:tgtEl>
+                                          <p:spTgt spid="4"/>
+                                        </p:tgtEl>
+                                        <p:attrNameLst>
+                                          <p:attrName>ppt_y</p:attrName>
+                                        </p:attrNameLst>
+                                      </p:cBhvr>
+                                      <p:tavLst>
+                                        <p:tav tm="0">
+                                          <p:val>
+                                            <p:strVal val="ppt_y"/>
+                                          </p:val>
+                                        </p:tav>
+                                        <p:tav tm="100000">
+                                          <p:val>
+                                            <p:strVal val="1+ppt_h/2"/>
+                                          </p:val>
+                                        </p:tav>
+                                      </p:tavLst>
+                                    </p:anim>
+                                    <p:set>
+                                      <p:cBhvr>
+                                        <p:cTn id="26" dur="1" fill="hold">
+                                          <p:stCondLst>
+                                            <p:cond delay="499"/>
+                                          </p:stCondLst>
+                                        </p:cTn>
+                                        <p:tgtEl>
+                                          <p:spTgt spid="4"/>
+                                        </p:tgtEl>
+                                        <p:attrNameLst>
+                                          <p:attrName>style.visibility</p:attrName>
+                                        </p:attrNameLst>
+                                      </p:cBhvr>
+                                      <p:to>
+                                        <p:strVal val="hidden"/>
+                                      </p:to>
+                                    </p:set>
+                                  </p:childTnLst>
+                                </p:cTn>
+                              </p:par>
+                            </p:childTnLst>
+                          </p:cTn>
+                        </p:par>
+                      </p:childTnLst>
+                    </p:cTn>
+                  </p:par>
+                  <p:par>
+                    <p:cTn id="27" fill="hold">
+                      <p:stCondLst>
+                        <p:cond delay="indefinite"/>
+                      </p:stCondLst>
+                      <p:childTnLst>
+                        <p:par>
+                          <p:cTn id="28" fill="hold">
+                            <p:stCondLst>
+                              <p:cond delay="0"/>
+                            </p:stCondLst>
+                            <p:childTnLst>
+                              <p:par>
+                                <p:cTn id="29" presetID="2" presetClass="entr" presetSubtype="4" fill="hold" grpId="0" nodeType="clickEffect">
+                                  <p:stCondLst>
+                                    <p:cond delay="0"/>
+                                  </p:stCondLst>
+                                  <p:childTnLst>
+                                    <p:set>
+                                      <p:cBhvr>
+                                        <p:cTn id="30" dur="1" fill="hold">
+                                          <p:stCondLst>
+                                            <p:cond delay="0"/>
+                                          </p:stCondLst>
+                                        </p:cTn>
+                                        <p:tgtEl>
+                                          <p:spTgt spid="6"/>
+                                        </p:tgtEl>
+                                        <p:attrNameLst>
+                                          <p:attrName>style.visibility</p:attrName>
+                                        </p:attrNameLst>
+                                      </p:cBhvr>
+                                      <p:to>
+                                        <p:strVal val="visible"/>
+                                      </p:to>
+                                    </p:set>
+                                    <p:anim calcmode="lin" valueType="num">
+                                      <p:cBhvr additive="base">
+                                        <p:cTn id="31" dur="500" fill="hold"/>
+                                        <p:tgtEl>
+                                          <p:spTgt spid="6"/>
+                                        </p:tgtEl>
+                                        <p:attrNameLst>
+                                          <p:attrName>ppt_x</p:attrName>
+                                        </p:attrNameLst>
+                                      </p:cBhvr>
+                                      <p:tavLst>
+                                        <p:tav tm="0">
+                                          <p:val>
+                                            <p:strVal val="#ppt_x"/>
+                                          </p:val>
+                                        </p:tav>
+                                        <p:tav tm="100000">
+                                          <p:val>
+                                            <p:strVal val="#ppt_x"/>
+                                          </p:val>
+                                        </p:tav>
+                                      </p:tavLst>
+                                    </p:anim>
+                                    <p:anim calcmode="lin" valueType="num">
+                                      <p:cBhvr additive="base">
+                                        <p:cTn id="32" dur="500" fill="hold"/>
+                                        <p:tgtEl>
+                                          <p:spTgt spid="6"/>
+                                        </p:tgtEl>
+                                        <p:attrNameLst>
+                                          <p:attrName>ppt_y</p:attrName>
+                                        </p:attrNameLst>
+                                      </p:cBhvr>
+                                      <p:tavLst>
+                                        <p:tav tm="0">
+                                          <p:val>
+                                            <p:strVal val="1+#ppt_h/2"/>
+                                          </p:val>
+                                        </p:tav>
+                                        <p:tav tm="100000">
+                                          <p:val>
+                                            <p:strVal val="#ppt_y"/>
+                                          </p:val>
+                                        </p:tav>
+                                      </p:tavLst>
+                                    </p:anim>
+                                  </p:childTnLst>
+                                </p:cTn>
+                              </p:par>
+                            </p:childTnLst>
+                          </p:cTn>
+                        </p:par>
+                      </p:childTnLst>
+                    </p:cTn>
+                  </p:par>
+                  <p:par>
+                    <p:cTn id="33" fill="hold">
+                      <p:stCondLst>
+                        <p:cond delay="indefinite"/>
+                      </p:stCondLst>
+                      <p:childTnLst>
+                        <p:par>
+                          <p:cTn id="34" fill="hold">
+                            <p:stCondLst>
+                              <p:cond delay="0"/>
+                            </p:stCondLst>
+                            <p:childTnLst>
+                              <p:par>
+                                <p:cTn id="35" presetID="2" presetClass="exit" presetSubtype="4" fill="hold" grpId="1" nodeType="clickEffect">
+                                  <p:stCondLst>
+                                    <p:cond delay="0"/>
+                                  </p:stCondLst>
+                                  <p:childTnLst>
+                                    <p:anim calcmode="lin" valueType="num">
+                                      <p:cBhvr additive="base">
+                                        <p:cTn id="36" dur="500"/>
+                                        <p:tgtEl>
+                                          <p:spTgt spid="6"/>
+                                        </p:tgtEl>
+                                        <p:attrNameLst>
+                                          <p:attrName>ppt_x</p:attrName>
+                                        </p:attrNameLst>
+                                      </p:cBhvr>
+                                      <p:tavLst>
+                                        <p:tav tm="0">
+                                          <p:val>
+                                            <p:strVal val="ppt_x"/>
+                                          </p:val>
+                                        </p:tav>
+                                        <p:tav tm="100000">
+                                          <p:val>
+                                            <p:strVal val="ppt_x"/>
+                                          </p:val>
+                                        </p:tav>
+                                      </p:tavLst>
+                                    </p:anim>
+                                    <p:anim calcmode="lin" valueType="num">
+                                      <p:cBhvr additive="base">
+                                        <p:cTn id="37" dur="500"/>
+                                        <p:tgtEl>
+                                          <p:spTgt spid="6"/>
+                                        </p:tgtEl>
+                                        <p:attrNameLst>
+                                          <p:attrName>ppt_y</p:attrName>
+                                        </p:attrNameLst>
+                                      </p:cBhvr>
+                                      <p:tavLst>
+                                        <p:tav tm="0">
+                                          <p:val>
+                                            <p:strVal val="ppt_y"/>
+                                          </p:val>
+                                        </p:tav>
+                                        <p:tav tm="100000">
+                                          <p:val>
+                                            <p:strVal val="1+ppt_h/2"/>
+                                          </p:val>
+                                        </p:tav>
+                                      </p:tavLst>
+                                    </p:anim>
+                                    <p:set>
+                                      <p:cBhvr>
+                                        <p:cTn id="38" dur="1" fill="hold">
+                                          <p:stCondLst>
+                                            <p:cond delay="499"/>
+                                          </p:stCondLst>
+                                        </p:cTn>
+                                        <p:tgtEl>
+                                          <p:spTgt spid="6"/>
+                                        </p:tgtEl>
+                                        <p:attrNameLst>
+                                          <p:attrName>style.visibility</p:attrName>
+                                        </p:attrNameLst>
+                                      </p:cBhvr>
+                                      <p:to>
+                                        <p:strVal val="hidden"/>
+                                      </p:to>
+                                    </p:set>
+                                  </p:childTnLst>
+                                </p:cTn>
+                              </p:par>
+                              <p:par>
+                                <p:cTn id="39" presetID="2" presetClass="entr" presetSubtype="4" fill="hold" nodeType="withEffect">
+                                  <p:stCondLst>
+                                    <p:cond delay="0"/>
+                                  </p:stCondLst>
+                                  <p:childTnLst>
+                                    <p:set>
+                                      <p:cBhvr>
+                                        <p:cTn id="40" dur="1" fill="hold">
+                                          <p:stCondLst>
+                                            <p:cond delay="0"/>
+                                          </p:stCondLst>
+                                        </p:cTn>
+                                        <p:tgtEl>
+                                          <p:spTgt spid="9">
+                                            <p:txEl>
+                                              <p:pRg st="1" end="1"/>
+                                            </p:txEl>
+                                          </p:spTgt>
+                                        </p:tgtEl>
+                                        <p:attrNameLst>
+                                          <p:attrName>style.visibility</p:attrName>
+                                        </p:attrNameLst>
+                                      </p:cBhvr>
+                                      <p:to>
+                                        <p:strVal val="visible"/>
+                                      </p:to>
+                                    </p:set>
+                                    <p:anim calcmode="lin" valueType="num">
+                                      <p:cBhvr additive="base">
+                                        <p:cTn id="41" dur="500" fill="hold"/>
+                                        <p:tgtEl>
+                                          <p:spTgt spid="9">
+                                            <p:txEl>
+                                              <p:pRg st="1" end="1"/>
+                                            </p:txEl>
+                                          </p:spTgt>
+                                        </p:tgtEl>
+                                        <p:attrNameLst>
+                                          <p:attrName>ppt_x</p:attrName>
+                                        </p:attrNameLst>
+                                      </p:cBhvr>
+                                      <p:tavLst>
+                                        <p:tav tm="0">
+                                          <p:val>
+                                            <p:strVal val="#ppt_x"/>
+                                          </p:val>
+                                        </p:tav>
+                                        <p:tav tm="100000">
+                                          <p:val>
+                                            <p:strVal val="#ppt_x"/>
+                                          </p:val>
+                                        </p:tav>
+                                      </p:tavLst>
+                                    </p:anim>
+                                    <p:anim calcmode="lin" valueType="num">
+                                      <p:cBhvr additive="base">
+                                        <p:cTn id="42" dur="500" fill="hold"/>
+                                        <p:tgtEl>
+                                          <p:spTgt spid="9">
+                                            <p:txEl>
+                                              <p:pRg st="1" end="1"/>
+                                            </p:txEl>
+                                          </p:spTgt>
+                                        </p:tgtEl>
+                                        <p:attrNameLst>
+                                          <p:attrName>ppt_y</p:attrName>
+                                        </p:attrNameLst>
+                                      </p:cBhvr>
+                                      <p:tavLst>
+                                        <p:tav tm="0">
+                                          <p:val>
+                                            <p:strVal val="1+#ppt_h/2"/>
+                                          </p:val>
+                                        </p:tav>
+                                        <p:tav tm="100000">
+                                          <p:val>
+                                            <p:strVal val="#ppt_y"/>
+                                          </p:val>
+                                        </p:tav>
+                                      </p:tavLst>
+                                    </p:anim>
+                                  </p:childTnLst>
+                                </p:cTn>
+                              </p:par>
+                              <p:par>
+                                <p:cTn id="43" presetID="2" presetClass="entr" presetSubtype="4" fill="hold" nodeType="withEffect">
+                                  <p:stCondLst>
+                                    <p:cond delay="0"/>
+                                  </p:stCondLst>
+                                  <p:childTnLst>
+                                    <p:set>
+                                      <p:cBhvr>
+                                        <p:cTn id="44" dur="1" fill="hold">
+                                          <p:stCondLst>
+                                            <p:cond delay="0"/>
+                                          </p:stCondLst>
+                                        </p:cTn>
+                                        <p:tgtEl>
+                                          <p:spTgt spid="9">
+                                            <p:txEl>
+                                              <p:pRg st="2" end="2"/>
+                                            </p:txEl>
+                                          </p:spTgt>
+                                        </p:tgtEl>
+                                        <p:attrNameLst>
+                                          <p:attrName>style.visibility</p:attrName>
+                                        </p:attrNameLst>
+                                      </p:cBhvr>
+                                      <p:to>
+                                        <p:strVal val="visible"/>
+                                      </p:to>
+                                    </p:set>
+                                    <p:anim calcmode="lin" valueType="num">
+                                      <p:cBhvr additive="base">
+                                        <p:cTn id="45" dur="500" fill="hold"/>
+                                        <p:tgtEl>
+                                          <p:spTgt spid="9">
+                                            <p:txEl>
+                                              <p:pRg st="2" end="2"/>
+                                            </p:txEl>
+                                          </p:spTgt>
+                                        </p:tgtEl>
+                                        <p:attrNameLst>
+                                          <p:attrName>ppt_x</p:attrName>
+                                        </p:attrNameLst>
+                                      </p:cBhvr>
+                                      <p:tavLst>
+                                        <p:tav tm="0">
+                                          <p:val>
+                                            <p:strVal val="#ppt_x"/>
+                                          </p:val>
+                                        </p:tav>
+                                        <p:tav tm="100000">
+                                          <p:val>
+                                            <p:strVal val="#ppt_x"/>
+                                          </p:val>
+                                        </p:tav>
+                                      </p:tavLst>
+                                    </p:anim>
+                                    <p:anim calcmode="lin" valueType="num">
+                                      <p:cBhvr additive="base">
+                                        <p:cTn id="46" dur="500" fill="hold"/>
+                                        <p:tgtEl>
+                                          <p:spTgt spid="9">
+                                            <p:txEl>
+                                              <p:pRg st="2" end="2"/>
+                                            </p:txEl>
+                                          </p:spTgt>
+                                        </p:tgtEl>
+                                        <p:attrNameLst>
+                                          <p:attrName>ppt_y</p:attrName>
+                                        </p:attrNameLst>
+                                      </p:cBhvr>
+                                      <p:tavLst>
+                                        <p:tav tm="0">
+                                          <p:val>
+                                            <p:strVal val="1+#ppt_h/2"/>
+                                          </p:val>
+                                        </p:tav>
+                                        <p:tav tm="100000">
+                                          <p:val>
+                                            <p:strVal val="#ppt_y"/>
+                                          </p:val>
+                                        </p:tav>
+                                      </p:tavLst>
+                                    </p:anim>
+                                  </p:childTnLst>
+                                </p:cTn>
+                              </p:par>
+                            </p:childTnLst>
+                          </p:cTn>
+                        </p:par>
+                      </p:childTnLst>
+                    </p:cTn>
+                  </p:par>
+                </p:childTnLst>
+              </p:cTn>
+              <p:prevCondLst>
+                <p:cond evt="onPrev" delay="0">
+                  <p:tgtEl>
+                    <p:sldTgt/>
+                  </p:tgtEl>
+                </p:cond>
+              </p:prevCondLst>
+              <p:nextCondLst>
+                <p:cond evt="onNext" delay="0">
+                  <p:tgtEl>
+                    <p:sldTgt/>
+                  </p:tgtEl>
+                </p:cond>
+              </p:nextCondLst>
+            </p:seq>
+          </p:childTnLst>
+        </p:cTn>
+      </p:par>
+    </p:tnLst>
+    <p:bldLst>
+      <p:bldP spid="2" grpId="0"/>
+      <p:bldP spid="2" grpId="1"/>
+      <p:bldP spid="4" grpId="0"/>
+      <p:bldP spid="4" grpId="1"/>
+      <p:bldP spid="6" grpId="0"/>
+      <p:bldP spid="6" grpId="1"/>
+    </p:bldLst>
+  </p:timing>
+</p:sld>
+</file>
+
+<file path=ppt/slides/slide19.xml><?xml version="1.0" encoding="utf-8"?>
+<p:sld xmlns:a="http://schemas.openxmlformats.org/drawingml/2006/main" xmlns:r="http://schemas.openxmlformats.org/officeDocument/2006/relationships" xmlns:p="http://schemas.openxmlformats.org/presentationml/2006/main">
+  <p:cSld>
+    <p:spTree>
+      <p:nvGrpSpPr>
+        <p:cNvPr id="1" name=""/>
+        <p:cNvGrpSpPr/>
+        <p:nvPr/>
+      </p:nvGrpSpPr>
+      <p:grpSpPr>
+        <a:xfrm>
+          <a:off x="0" y="0"/>
+          <a:ext cx="0" cy="0"/>
+          <a:chOff x="0" y="0"/>
+          <a:chExt cx="0" cy="0"/>
+        </a:xfrm>
+      </p:grpSpPr>
+      <p:sp>
+        <p:nvSpPr>
+          <p:cNvPr id="7" name="AutoShape 262"/>
+          <p:cNvSpPr>
+            <a:spLocks noChangeAspect="1" noChangeArrowheads="1" noTextEdit="1"/>
+          </p:cNvSpPr>
+          <p:nvPr/>
+        </p:nvSpPr>
+        <p:spPr bwMode="auto">
+          <a:xfrm>
+            <a:off x="10595345" y="715971"/>
+            <a:ext cx="501779" cy="5364674"/>
+          </a:xfrm>
+          <a:prstGeom prst="rect">
+            <a:avLst/>
+          </a:prstGeom>
+          <a:noFill/>
+          <a:ln>
+            <a:noFill/>
+          </a:ln>
+          <a:extLst>
+            <a:ext uri="{909E8E84-426E-40DD-AFC4-6F175D3DCCD1}">
+              <a14:hiddenFill xmlns:a14="http://schemas.microsoft.com/office/drawing/2010/main">
+                <a:solidFill>
+                  <a:srgbClr val="FFFFFF"/>
+                </a:solidFill>
+              </a14:hiddenFill>
+            </a:ext>
+            <a:ext uri="{91240B29-F687-4F45-9708-019B960494DF}">
+              <a14:hiddenLine xmlns:a14="http://schemas.microsoft.com/office/drawing/2010/main" w="9525">
+                <a:solidFill>
+                  <a:srgbClr val="000000"/>
+                </a:solidFill>
+                <a:miter lim="800000"/>
+                <a:headEnd/>
+                <a:tailEnd/>
+              </a14:hiddenLine>
+            </a:ext>
+          </a:extLst>
+        </p:spPr>
+        <p:txBody>
+          <a:bodyPr vert="horz" wrap="square" lIns="91440" tIns="45720" rIns="91440" bIns="45720" numCol="1" anchor="t" anchorCtr="0" compatLnSpc="1"/>
+          <a:lstStyle/>
+          <a:p>
+            <a:endParaRPr lang="zh-CN" altLang="en-US"/>
+          </a:p>
+        </p:txBody>
+      </p:sp>
+      <p:sp>
+        <p:nvSpPr>
+          <p:cNvPr id="6" name="矩形 5"/>
+          <p:cNvSpPr/>
+          <p:nvPr/>
+        </p:nvSpPr>
+        <p:spPr>
+          <a:xfrm>
+            <a:off x="168635" y="191770"/>
+            <a:ext cx="5488016" cy="553085"/>
+          </a:xfrm>
+          <a:prstGeom prst="rect">
+            <a:avLst/>
+          </a:prstGeom>
+        </p:spPr>
+        <p:txBody>
+          <a:bodyPr wrap="square">
+            <a:spAutoFit/>
+          </a:bodyPr>
+          <a:lstStyle/>
+          <a:p>
+            <a:r>
+              <a:rPr lang="zh-CN" altLang="en-US" sz="3000" dirty="0">
+                <a:solidFill>
+                  <a:srgbClr val="DACD57"/>
+                </a:solidFill>
+                <a:latin typeface="幼圆" panose="02010509060101010101" pitchFamily="49" charset="-122"/>
+                <a:ea typeface="幼圆" panose="02010509060101010101" pitchFamily="49" charset="-122"/>
+                <a:cs typeface="Lao UI" panose="020B0502040204020203" pitchFamily="34" charset="0"/>
+              </a:rPr>
+              <a:t>架构设计</a:t>
+            </a:r>
+            <a:endParaRPr lang="zh-CN" altLang="en-US" sz="3000" dirty="0">
+              <a:solidFill>
+                <a:srgbClr val="DACD57"/>
+              </a:solidFill>
+              <a:latin typeface="Impact" panose="020B0806030902050204" pitchFamily="34" charset="0"/>
+              <a:ea typeface="Tahoma" panose="020B0604030504040204" pitchFamily="34" charset="0"/>
+              <a:cs typeface="Lao UI" panose="020B0502040204020203" pitchFamily="34" charset="0"/>
+            </a:endParaRPr>
+          </a:p>
+        </p:txBody>
+      </p:sp>
+      <p:sp>
+        <p:nvSpPr>
+          <p:cNvPr id="2" name="文本框 1"/>
+          <p:cNvSpPr txBox="1"/>
+          <p:nvPr/>
+        </p:nvSpPr>
+        <p:spPr>
+          <a:xfrm>
+            <a:off x="509905" y="962025"/>
+            <a:ext cx="11354435" cy="5169535"/>
+          </a:xfrm>
+          <a:prstGeom prst="rect">
+            <a:avLst/>
+          </a:prstGeom>
+          <a:noFill/>
+        </p:spPr>
+        <p:txBody>
+          <a:bodyPr wrap="square" rtlCol="0">
+            <a:spAutoFit/>
+          </a:bodyPr>
+          <a:p>
+            <a:r>
+              <a:rPr lang="zh-CN" altLang="en-US" sz="2400">
+                <a:solidFill>
+                  <a:srgbClr val="DACD57"/>
+                </a:solidFill>
+                <a:latin typeface="幼圆" panose="02010509060101010101" pitchFamily="49" charset="-122"/>
+                <a:ea typeface="幼圆" panose="02010509060101010101" pitchFamily="49" charset="-122"/>
+              </a:rPr>
+              <a:t>新模块开发流程就分为：</a:t>
+            </a:r>
+            <a:endParaRPr lang="zh-CN" altLang="en-US" sz="2400">
+              <a:solidFill>
+                <a:srgbClr val="DACD57"/>
+              </a:solidFill>
+              <a:latin typeface="幼圆" panose="02010509060101010101" pitchFamily="49" charset="-122"/>
+              <a:ea typeface="幼圆" panose="02010509060101010101" pitchFamily="49" charset="-122"/>
+            </a:endParaRPr>
+          </a:p>
+          <a:p>
+            <a:endParaRPr lang="zh-CN" altLang="en-US" sz="2400">
+              <a:solidFill>
+                <a:srgbClr val="DACD57"/>
+              </a:solidFill>
+              <a:latin typeface="幼圆" panose="02010509060101010101" pitchFamily="49" charset="-122"/>
+              <a:ea typeface="幼圆" panose="02010509060101010101" pitchFamily="49" charset="-122"/>
+            </a:endParaRPr>
+          </a:p>
+          <a:p>
+            <a:r>
+              <a:rPr lang="zh-CN" altLang="en-US">
+                <a:solidFill>
+                  <a:srgbClr val="DACD57"/>
+                </a:solidFill>
+                <a:latin typeface="幼圆" panose="02010509060101010101" pitchFamily="49" charset="-122"/>
+                <a:ea typeface="幼圆" panose="02010509060101010101" pitchFamily="49" charset="-122"/>
+              </a:rPr>
+              <a:t>Database Column，数据库设计及建表</a:t>
+            </a:r>
+            <a:endParaRPr lang="zh-CN" altLang="en-US">
+              <a:solidFill>
+                <a:srgbClr val="DACD57"/>
+              </a:solidFill>
+              <a:latin typeface="幼圆" panose="02010509060101010101" pitchFamily="49" charset="-122"/>
+              <a:ea typeface="幼圆" panose="02010509060101010101" pitchFamily="49" charset="-122"/>
+            </a:endParaRPr>
+          </a:p>
+          <a:p>
+            <a:r>
+              <a:rPr lang="zh-CN" altLang="en-US">
+                <a:solidFill>
+                  <a:srgbClr val="DACD57"/>
+                </a:solidFill>
+                <a:latin typeface="幼圆" panose="02010509060101010101" pitchFamily="49" charset="-122"/>
+                <a:ea typeface="幼圆" panose="02010509060101010101" pitchFamily="49" charset="-122"/>
+              </a:rPr>
+              <a:t>Model：模型定义，和数据库相匹配</a:t>
+            </a:r>
+            <a:endParaRPr lang="zh-CN" altLang="en-US">
+              <a:solidFill>
+                <a:srgbClr val="DACD57"/>
+              </a:solidFill>
+              <a:latin typeface="幼圆" panose="02010509060101010101" pitchFamily="49" charset="-122"/>
+              <a:ea typeface="幼圆" panose="02010509060101010101" pitchFamily="49" charset="-122"/>
+            </a:endParaRPr>
+          </a:p>
+          <a:p>
+            <a:r>
+              <a:rPr lang="zh-CN" altLang="en-US">
+                <a:solidFill>
+                  <a:srgbClr val="DACD57"/>
+                </a:solidFill>
+                <a:latin typeface="幼圆" panose="02010509060101010101" pitchFamily="49" charset="-122"/>
+                <a:ea typeface="幼圆" panose="02010509060101010101" pitchFamily="49" charset="-122"/>
+              </a:rPr>
+              <a:t>DAO：数据操作</a:t>
+            </a:r>
+            <a:endParaRPr lang="zh-CN" altLang="en-US">
+              <a:solidFill>
+                <a:srgbClr val="DACD57"/>
+              </a:solidFill>
+              <a:latin typeface="幼圆" panose="02010509060101010101" pitchFamily="49" charset="-122"/>
+              <a:ea typeface="幼圆" panose="02010509060101010101" pitchFamily="49" charset="-122"/>
+            </a:endParaRPr>
+          </a:p>
+          <a:p>
+            <a:r>
+              <a:rPr lang="zh-CN" altLang="en-US">
+                <a:solidFill>
+                  <a:srgbClr val="DACD57"/>
+                </a:solidFill>
+                <a:latin typeface="幼圆" panose="02010509060101010101" pitchFamily="49" charset="-122"/>
+                <a:ea typeface="幼圆" panose="02010509060101010101" pitchFamily="49" charset="-122"/>
+              </a:rPr>
+              <a:t>Service：服务包装</a:t>
+            </a:r>
+            <a:endParaRPr lang="zh-CN" altLang="en-US">
+              <a:solidFill>
+                <a:srgbClr val="DACD57"/>
+              </a:solidFill>
+              <a:latin typeface="幼圆" panose="02010509060101010101" pitchFamily="49" charset="-122"/>
+              <a:ea typeface="幼圆" panose="02010509060101010101" pitchFamily="49" charset="-122"/>
+            </a:endParaRPr>
+          </a:p>
+          <a:p>
+            <a:r>
+              <a:rPr lang="zh-CN" altLang="en-US">
+                <a:solidFill>
+                  <a:srgbClr val="DACD57"/>
+                </a:solidFill>
+                <a:latin typeface="幼圆" panose="02010509060101010101" pitchFamily="49" charset="-122"/>
+                <a:ea typeface="幼圆" panose="02010509060101010101" pitchFamily="49" charset="-122"/>
+              </a:rPr>
+              <a:t>Controller：业务入口</a:t>
+            </a:r>
+            <a:endParaRPr lang="zh-CN" altLang="en-US">
+              <a:solidFill>
+                <a:srgbClr val="DACD57"/>
+              </a:solidFill>
+              <a:latin typeface="幼圆" panose="02010509060101010101" pitchFamily="49" charset="-122"/>
+              <a:ea typeface="幼圆" panose="02010509060101010101" pitchFamily="49" charset="-122"/>
+            </a:endParaRPr>
+          </a:p>
+          <a:p>
+            <a:r>
+              <a:rPr lang="zh-CN" altLang="en-US">
+                <a:solidFill>
+                  <a:srgbClr val="DACD57"/>
+                </a:solidFill>
+                <a:latin typeface="幼圆" panose="02010509060101010101" pitchFamily="49" charset="-122"/>
+                <a:ea typeface="幼圆" panose="02010509060101010101" pitchFamily="49" charset="-122"/>
+              </a:rPr>
+              <a:t>Test</a:t>
+            </a:r>
+            <a:endParaRPr lang="zh-CN" altLang="en-US">
+              <a:solidFill>
+                <a:srgbClr val="DACD57"/>
+              </a:solidFill>
+              <a:latin typeface="幼圆" panose="02010509060101010101" pitchFamily="49" charset="-122"/>
+              <a:ea typeface="幼圆" panose="02010509060101010101" pitchFamily="49" charset="-122"/>
+            </a:endParaRPr>
+          </a:p>
+          <a:p>
+            <a:endParaRPr lang="zh-CN" altLang="en-US">
+              <a:solidFill>
+                <a:srgbClr val="DACD57"/>
+              </a:solidFill>
+              <a:latin typeface="幼圆" panose="02010509060101010101" pitchFamily="49" charset="-122"/>
+              <a:ea typeface="幼圆" panose="02010509060101010101" pitchFamily="49" charset="-122"/>
+            </a:endParaRPr>
+          </a:p>
+          <a:p>
+            <a:endParaRPr lang="zh-CN" altLang="en-US">
+              <a:solidFill>
+                <a:srgbClr val="DACD57"/>
+              </a:solidFill>
+              <a:latin typeface="幼圆" panose="02010509060101010101" pitchFamily="49" charset="-122"/>
+              <a:ea typeface="幼圆" panose="02010509060101010101" pitchFamily="49" charset="-122"/>
+            </a:endParaRPr>
+          </a:p>
+          <a:p>
+            <a:endParaRPr lang="zh-CN" altLang="en-US">
+              <a:solidFill>
+                <a:srgbClr val="DACD57"/>
+              </a:solidFill>
+              <a:latin typeface="幼圆" panose="02010509060101010101" pitchFamily="49" charset="-122"/>
+              <a:ea typeface="幼圆" panose="02010509060101010101" pitchFamily="49" charset="-122"/>
+            </a:endParaRPr>
+          </a:p>
+          <a:p>
+            <a:r>
+              <a:rPr lang="zh-CN" altLang="en-US" sz="2400">
+                <a:solidFill>
+                  <a:srgbClr val="DACD57"/>
+                </a:solidFill>
+                <a:latin typeface="幼圆" panose="02010509060101010101" pitchFamily="49" charset="-122"/>
+                <a:ea typeface="幼圆" panose="02010509060101010101" pitchFamily="49" charset="-122"/>
+              </a:rPr>
+              <a:t>开发时各层的关系：</a:t>
+            </a:r>
+            <a:endParaRPr lang="zh-CN" altLang="en-US" sz="2400">
+              <a:solidFill>
+                <a:srgbClr val="DACD57"/>
+              </a:solidFill>
+              <a:latin typeface="幼圆" panose="02010509060101010101" pitchFamily="49" charset="-122"/>
+              <a:ea typeface="幼圆" panose="02010509060101010101" pitchFamily="49" charset="-122"/>
+            </a:endParaRPr>
+          </a:p>
+          <a:p>
+            <a:endParaRPr lang="zh-CN" altLang="en-US" sz="2400">
+              <a:solidFill>
+                <a:srgbClr val="DACD57"/>
+              </a:solidFill>
+              <a:latin typeface="幼圆" panose="02010509060101010101" pitchFamily="49" charset="-122"/>
+              <a:ea typeface="幼圆" panose="02010509060101010101" pitchFamily="49" charset="-122"/>
+            </a:endParaRPr>
+          </a:p>
+          <a:p>
+            <a:r>
+              <a:rPr lang="zh-CN" altLang="en-US">
+                <a:solidFill>
+                  <a:srgbClr val="DACD57"/>
+                </a:solidFill>
+                <a:latin typeface="幼圆" panose="02010509060101010101" pitchFamily="49" charset="-122"/>
+                <a:ea typeface="幼圆" panose="02010509060101010101" pitchFamily="49" charset="-122"/>
+              </a:rPr>
+              <a:t>DAO层，Service层这两个层次都可以单独开发，互相的耦合度很低，完全可以独立进行，这样的一种模式在开发大项目的过程中尤其有优势。Controller，View层因为耦合度比较高，因而要结合在一起开发，但是也可以看作一个整体独立于前两个层进行开发。这样，在层与层之前我们只需要知道接口的定义，调用接口即可完成所需要的逻辑单元应用，一切显得非常清晰简单。</a:t>
+            </a:r>
+            <a:endParaRPr lang="zh-CN" altLang="en-US">
+              <a:solidFill>
+                <a:srgbClr val="DACD57"/>
+              </a:solidFill>
+              <a:latin typeface="幼圆" panose="02010509060101010101" pitchFamily="49" charset="-122"/>
+              <a:ea typeface="幼圆" panose="02010509060101010101" pitchFamily="49" charset="-122"/>
+            </a:endParaRPr>
+          </a:p>
+        </p:txBody>
+      </p:sp>
+      <p:sp>
+        <p:nvSpPr>
+          <p:cNvPr id="4" name="直角三角形 3"/>
+          <p:cNvSpPr/>
+          <p:nvPr/>
+        </p:nvSpPr>
+        <p:spPr>
+          <a:xfrm rot="5400000">
+            <a:off x="11468691" y="-4573"/>
+            <a:ext cx="718735" cy="727881"/>
+          </a:xfrm>
+          <a:prstGeom prst="rtTriangle">
+            <a:avLst/>
+          </a:prstGeom>
+          <a:solidFill>
+            <a:srgbClr val="DACD57"/>
+          </a:solidFill>
+          <a:ln>
+            <a:noFill/>
+          </a:ln>
+        </p:spPr>
+        <p:style>
+          <a:lnRef idx="2">
+            <a:schemeClr val="accent1">
+              <a:shade val="50000"/>
+            </a:schemeClr>
+          </a:lnRef>
+          <a:fillRef idx="1">
+            <a:schemeClr val="accent1"/>
+          </a:fillRef>
+          <a:effectRef idx="0">
+            <a:schemeClr val="accent1"/>
+          </a:effectRef>
+          <a:fontRef idx="minor">
+            <a:schemeClr val="lt1"/>
+          </a:fontRef>
+        </p:style>
+        <p:txBody>
+          <a:bodyPr rtlCol="0" anchor="ctr"/>
+          <a:p>
+            <a:pPr algn="ctr"/>
+            <a:endParaRPr lang="zh-CN" altLang="en-US"/>
+          </a:p>
+        </p:txBody>
+      </p:sp>
+      <p:sp>
+        <p:nvSpPr>
+          <p:cNvPr id="5" name="直角三角形 4"/>
+          <p:cNvSpPr/>
+          <p:nvPr/>
+        </p:nvSpPr>
+        <p:spPr>
+          <a:xfrm rot="16200000">
+            <a:off x="10731661" y="735319"/>
+            <a:ext cx="718735" cy="727881"/>
+          </a:xfrm>
+          <a:prstGeom prst="rtTriangle">
+            <a:avLst/>
+          </a:prstGeom>
+          <a:solidFill>
+            <a:srgbClr val="DACD57"/>
+          </a:solidFill>
+          <a:ln>
+            <a:noFill/>
+          </a:ln>
+        </p:spPr>
+        <p:style>
+          <a:lnRef idx="2">
+            <a:schemeClr val="accent1">
+              <a:shade val="50000"/>
+            </a:schemeClr>
+          </a:lnRef>
+          <a:fillRef idx="1">
+            <a:schemeClr val="accent1"/>
+          </a:fillRef>
+          <a:effectRef idx="0">
+            <a:schemeClr val="accent1"/>
+          </a:effectRef>
+          <a:fontRef idx="minor">
+            <a:schemeClr val="lt1"/>
+          </a:fontRef>
+        </p:style>
+        <p:txBody>
+          <a:bodyPr rtlCol="0" anchor="ctr"/>
+          <a:p>
+            <a:pPr algn="ctr"/>
+            <a:endParaRPr lang="zh-CN" altLang="en-US"/>
+          </a:p>
+        </p:txBody>
+      </p:sp>
+      <p:sp>
+        <p:nvSpPr>
+          <p:cNvPr id="15" name="直角三角形 14"/>
+          <p:cNvSpPr/>
+          <p:nvPr/>
+        </p:nvSpPr>
+        <p:spPr>
+          <a:xfrm rot="10800000">
+            <a:off x="11473265" y="719685"/>
+            <a:ext cx="718735" cy="727881"/>
+          </a:xfrm>
+          <a:prstGeom prst="rtTriangle">
+            <a:avLst/>
+          </a:prstGeom>
+          <a:solidFill>
+            <a:srgbClr val="DACD57"/>
+          </a:solidFill>
+          <a:ln>
+            <a:noFill/>
+          </a:ln>
+        </p:spPr>
+        <p:style>
+          <a:lnRef idx="2">
+            <a:schemeClr val="accent1">
+              <a:shade val="50000"/>
+            </a:schemeClr>
+          </a:lnRef>
+          <a:fillRef idx="1">
+            <a:schemeClr val="accent1"/>
+          </a:fillRef>
+          <a:effectRef idx="0">
+            <a:schemeClr val="accent1"/>
+          </a:effectRef>
+          <a:fontRef idx="minor">
+            <a:schemeClr val="lt1"/>
+          </a:fontRef>
+        </p:style>
+        <p:txBody>
+          <a:bodyPr rtlCol="0" anchor="ctr"/>
+          <a:p>
+            <a:pPr algn="ctr"/>
+            <a:endParaRPr lang="zh-CN" altLang="en-US"/>
+          </a:p>
+        </p:txBody>
+      </p:sp>
+      <p:sp>
+        <p:nvSpPr>
+          <p:cNvPr id="16" name="直角三角形 15"/>
+          <p:cNvSpPr/>
+          <p:nvPr/>
+        </p:nvSpPr>
+        <p:spPr>
+          <a:xfrm>
+            <a:off x="10740809" y="1915"/>
+            <a:ext cx="718735" cy="727881"/>
+          </a:xfrm>
+          <a:prstGeom prst="rtTriangle">
+            <a:avLst/>
+          </a:prstGeom>
+          <a:solidFill>
+            <a:srgbClr val="DACD57"/>
+          </a:solidFill>
+          <a:ln>
+            <a:noFill/>
+          </a:ln>
+        </p:spPr>
+        <p:style>
+          <a:lnRef idx="2">
+            <a:schemeClr val="accent1">
+              <a:shade val="50000"/>
+            </a:schemeClr>
+          </a:lnRef>
+          <a:fillRef idx="1">
+            <a:schemeClr val="accent1"/>
+          </a:fillRef>
+          <a:effectRef idx="0">
+            <a:schemeClr val="accent1"/>
+          </a:effectRef>
+          <a:fontRef idx="minor">
+            <a:schemeClr val="lt1"/>
+          </a:fontRef>
+        </p:style>
+        <p:txBody>
+          <a:bodyPr rtlCol="0" anchor="ctr"/>
+          <a:p>
+            <a:pPr algn="ctr"/>
+            <a:endParaRPr lang="zh-CN" altLang="en-US"/>
+          </a:p>
+        </p:txBody>
+      </p:sp>
+      <p:sp>
+        <p:nvSpPr>
+          <p:cNvPr id="17" name="直角三角形 16"/>
+          <p:cNvSpPr/>
+          <p:nvPr/>
+        </p:nvSpPr>
+        <p:spPr>
+          <a:xfrm rot="16200000">
+            <a:off x="10020607" y="735320"/>
+            <a:ext cx="718735" cy="727881"/>
+          </a:xfrm>
+          <a:prstGeom prst="rtTriangle">
+            <a:avLst/>
+          </a:prstGeom>
+          <a:solidFill>
+            <a:srgbClr val="DACD57"/>
+          </a:solidFill>
+          <a:ln>
+            <a:noFill/>
+          </a:ln>
+        </p:spPr>
+        <p:style>
+          <a:lnRef idx="2">
+            <a:schemeClr val="accent1">
+              <a:shade val="50000"/>
+            </a:schemeClr>
+          </a:lnRef>
+          <a:fillRef idx="1">
+            <a:schemeClr val="accent1"/>
+          </a:fillRef>
+          <a:effectRef idx="0">
+            <a:schemeClr val="accent1"/>
+          </a:effectRef>
+          <a:fontRef idx="minor">
+            <a:schemeClr val="lt1"/>
+          </a:fontRef>
+        </p:style>
+        <p:txBody>
+          <a:bodyPr rtlCol="0" anchor="ctr"/>
+          <a:p>
+            <a:pPr algn="ctr"/>
+            <a:endParaRPr lang="zh-CN" altLang="en-US"/>
+          </a:p>
+        </p:txBody>
+      </p:sp>
+      <p:sp>
+        <p:nvSpPr>
+          <p:cNvPr id="18" name="直角三角形 17"/>
+          <p:cNvSpPr/>
+          <p:nvPr/>
+        </p:nvSpPr>
+        <p:spPr>
+          <a:xfrm rot="5400000">
+            <a:off x="10022075" y="-12755"/>
+            <a:ext cx="718735" cy="727881"/>
+          </a:xfrm>
+          <a:prstGeom prst="rtTriangle">
+            <a:avLst/>
+          </a:prstGeom>
+          <a:solidFill>
+            <a:srgbClr val="DACD57"/>
+          </a:solidFill>
+          <a:ln>
+            <a:noFill/>
+          </a:ln>
+        </p:spPr>
+        <p:style>
+          <a:lnRef idx="2">
+            <a:schemeClr val="accent1">
+              <a:shade val="50000"/>
+            </a:schemeClr>
+          </a:lnRef>
+          <a:fillRef idx="1">
+            <a:schemeClr val="accent1"/>
+          </a:fillRef>
+          <a:effectRef idx="0">
+            <a:schemeClr val="accent1"/>
+          </a:effectRef>
+          <a:fontRef idx="minor">
+            <a:schemeClr val="lt1"/>
+          </a:fontRef>
+        </p:style>
+        <p:txBody>
+          <a:bodyPr rtlCol="0" anchor="ctr"/>
+          <a:p>
+            <a:pPr algn="ctr"/>
+            <a:endParaRPr lang="zh-CN" altLang="en-US"/>
+          </a:p>
+        </p:txBody>
+      </p:sp>
+      <p:sp>
+        <p:nvSpPr>
+          <p:cNvPr id="19" name="直角三角形 18"/>
+          <p:cNvSpPr/>
+          <p:nvPr/>
+        </p:nvSpPr>
+        <p:spPr>
+          <a:xfrm rot="10800000">
+            <a:off x="11473265" y="1458627"/>
+            <a:ext cx="718735" cy="727881"/>
+          </a:xfrm>
+          <a:prstGeom prst="rtTriangle">
+            <a:avLst/>
+          </a:prstGeom>
+          <a:solidFill>
+            <a:srgbClr val="DACD57"/>
+          </a:solidFill>
+          <a:ln>
+            <a:noFill/>
+          </a:ln>
+        </p:spPr>
+        <p:style>
+          <a:lnRef idx="2">
+            <a:schemeClr val="accent1">
+              <a:shade val="50000"/>
+            </a:schemeClr>
+          </a:lnRef>
+          <a:fillRef idx="1">
+            <a:schemeClr val="accent1"/>
+          </a:fillRef>
+          <a:effectRef idx="0">
+            <a:schemeClr val="accent1"/>
+          </a:effectRef>
+          <a:fontRef idx="minor">
+            <a:schemeClr val="lt1"/>
+          </a:fontRef>
+        </p:style>
+        <p:txBody>
+          <a:bodyPr rtlCol="0" anchor="ctr"/>
+          <a:p>
+            <a:pPr algn="ctr"/>
+            <a:endParaRPr lang="zh-CN" altLang="en-US"/>
+          </a:p>
+        </p:txBody>
+      </p:sp>
+      <p:sp>
+        <p:nvSpPr>
+          <p:cNvPr id="20" name="直角三角形 19"/>
+          <p:cNvSpPr/>
+          <p:nvPr/>
+        </p:nvSpPr>
+        <p:spPr>
+          <a:xfrm>
+            <a:off x="10736232" y="1438433"/>
+            <a:ext cx="718735" cy="727881"/>
+          </a:xfrm>
+          <a:prstGeom prst="rtTriangle">
+            <a:avLst/>
+          </a:prstGeom>
+          <a:solidFill>
+            <a:srgbClr val="DACD57"/>
+          </a:solidFill>
+          <a:ln>
+            <a:noFill/>
+          </a:ln>
+        </p:spPr>
+        <p:style>
+          <a:lnRef idx="2">
+            <a:schemeClr val="accent1">
+              <a:shade val="50000"/>
+            </a:schemeClr>
+          </a:lnRef>
+          <a:fillRef idx="1">
+            <a:schemeClr val="accent1"/>
+          </a:fillRef>
+          <a:effectRef idx="0">
+            <a:schemeClr val="accent1"/>
+          </a:effectRef>
+          <a:fontRef idx="minor">
+            <a:schemeClr val="lt1"/>
+          </a:fontRef>
+        </p:style>
+        <p:txBody>
+          <a:bodyPr rtlCol="0" anchor="ctr"/>
+          <a:p>
+            <a:pPr algn="ctr"/>
+            <a:endParaRPr lang="zh-CN" altLang="en-US"/>
+          </a:p>
+        </p:txBody>
+      </p:sp>
+    </p:spTree>
+    <p:custDataLst>
+      <p:tags r:id="rId1"/>
+    </p:custDataLst>
+  </p:cSld>
+  <p:clrMapOvr>
+    <a:masterClrMapping/>
+  </p:clrMapOvr>
+</p:sld>
+</file>
+
 <file path=ppt/slides/slide2.xml><?xml version="1.0" encoding="utf-8"?>
 <p:sld xmlns:a="http://schemas.openxmlformats.org/drawingml/2006/main" xmlns:r="http://schemas.openxmlformats.org/officeDocument/2006/relationships" xmlns:p="http://schemas.openxmlformats.org/presentationml/2006/main">
   <p:cSld>
@@ -18372,7 +20044,7 @@
                 <a:latin typeface="幼圆" panose="02010509060101010101" pitchFamily="49" charset="-122"/>
                 <a:ea typeface="幼圆" panose="02010509060101010101" pitchFamily="49" charset="-122"/>
               </a:rPr>
-              <a:t>安全防范策略</a:t>
+              <a:t>安全和性能</a:t>
             </a:r>
             <a:endParaRPr lang="zh-CN" altLang="en-US" sz="2400" dirty="0">
               <a:solidFill>
@@ -19924,122 +21596,271 @@
       </p:grpSpPr>
       <p:sp>
         <p:nvSpPr>
-          <p:cNvPr id="5" name="矩形 4"/>
+          <p:cNvPr id="9" name="矩形 2"/>
           <p:cNvSpPr/>
           <p:nvPr/>
         </p:nvSpPr>
         <p:spPr>
           <a:xfrm>
-            <a:off x="168635" y="191770"/>
-            <a:ext cx="5488016" cy="553085"/>
+            <a:off x="4813526" y="104774"/>
+            <a:ext cx="2564948" cy="2143125"/>
           </a:xfrm>
-          <a:prstGeom prst="rect">
+          <a:custGeom>
             <a:avLst/>
-          </a:prstGeom>
+            <a:gdLst>
+              <a:gd name="connsiteX0" fmla="*/ 0 w 2762250"/>
+              <a:gd name="connsiteY0" fmla="*/ 0 h 2466975"/>
+              <a:gd name="connsiteX1" fmla="*/ 2762250 w 2762250"/>
+              <a:gd name="connsiteY1" fmla="*/ 0 h 2466975"/>
+              <a:gd name="connsiteX2" fmla="*/ 2762250 w 2762250"/>
+              <a:gd name="connsiteY2" fmla="*/ 2466975 h 2466975"/>
+              <a:gd name="connsiteX3" fmla="*/ 0 w 2762250"/>
+              <a:gd name="connsiteY3" fmla="*/ 2466975 h 2466975"/>
+              <a:gd name="connsiteX4" fmla="*/ 0 w 2762250"/>
+              <a:gd name="connsiteY4" fmla="*/ 0 h 2466975"/>
+              <a:gd name="connsiteX0-1" fmla="*/ 0 w 2762250"/>
+              <a:gd name="connsiteY0-2" fmla="*/ 0 h 2476500"/>
+              <a:gd name="connsiteX1-3" fmla="*/ 2762250 w 2762250"/>
+              <a:gd name="connsiteY1-4" fmla="*/ 0 h 2476500"/>
+              <a:gd name="connsiteX2-5" fmla="*/ 2762250 w 2762250"/>
+              <a:gd name="connsiteY2-6" fmla="*/ 2466975 h 2476500"/>
+              <a:gd name="connsiteX3-7" fmla="*/ 1428750 w 2762250"/>
+              <a:gd name="connsiteY3-8" fmla="*/ 2476500 h 2476500"/>
+              <a:gd name="connsiteX4-9" fmla="*/ 0 w 2762250"/>
+              <a:gd name="connsiteY4-10" fmla="*/ 2466975 h 2476500"/>
+              <a:gd name="connsiteX5" fmla="*/ 0 w 2762250"/>
+              <a:gd name="connsiteY5" fmla="*/ 0 h 2476500"/>
+              <a:gd name="connsiteX0-11" fmla="*/ 0 w 2762250"/>
+              <a:gd name="connsiteY0-12" fmla="*/ 0 h 2895600"/>
+              <a:gd name="connsiteX1-13" fmla="*/ 2762250 w 2762250"/>
+              <a:gd name="connsiteY1-14" fmla="*/ 0 h 2895600"/>
+              <a:gd name="connsiteX2-15" fmla="*/ 2762250 w 2762250"/>
+              <a:gd name="connsiteY2-16" fmla="*/ 2466975 h 2895600"/>
+              <a:gd name="connsiteX3-17" fmla="*/ 1428750 w 2762250"/>
+              <a:gd name="connsiteY3-18" fmla="*/ 2895600 h 2895600"/>
+              <a:gd name="connsiteX4-19" fmla="*/ 0 w 2762250"/>
+              <a:gd name="connsiteY4-20" fmla="*/ 2466975 h 2895600"/>
+              <a:gd name="connsiteX5-21" fmla="*/ 0 w 2762250"/>
+              <a:gd name="connsiteY5-22" fmla="*/ 0 h 2895600"/>
+              <a:gd name="connsiteX0-23" fmla="*/ 0 w 2762250"/>
+              <a:gd name="connsiteY0-24" fmla="*/ 0 h 2895600"/>
+              <a:gd name="connsiteX1-25" fmla="*/ 2762250 w 2762250"/>
+              <a:gd name="connsiteY1-26" fmla="*/ 0 h 2895600"/>
+              <a:gd name="connsiteX2-27" fmla="*/ 2762250 w 2762250"/>
+              <a:gd name="connsiteY2-28" fmla="*/ 2466975 h 2895600"/>
+              <a:gd name="connsiteX3-29" fmla="*/ 1356946 w 2762250"/>
+              <a:gd name="connsiteY3-30" fmla="*/ 2895600 h 2895600"/>
+              <a:gd name="connsiteX4-31" fmla="*/ 0 w 2762250"/>
+              <a:gd name="connsiteY4-32" fmla="*/ 2466975 h 2895600"/>
+              <a:gd name="connsiteX5-33" fmla="*/ 0 w 2762250"/>
+              <a:gd name="connsiteY5-34" fmla="*/ 0 h 2895600"/>
+              <a:gd name="connsiteX0-35" fmla="*/ 0 w 2762250"/>
+              <a:gd name="connsiteY0-36" fmla="*/ 0 h 2895600"/>
+              <a:gd name="connsiteX1-37" fmla="*/ 2762250 w 2762250"/>
+              <a:gd name="connsiteY1-38" fmla="*/ 0 h 2895600"/>
+              <a:gd name="connsiteX2-39" fmla="*/ 2762250 w 2762250"/>
+              <a:gd name="connsiteY2-40" fmla="*/ 2466975 h 2895600"/>
+              <a:gd name="connsiteX3-41" fmla="*/ 1397977 w 2762250"/>
+              <a:gd name="connsiteY3-42" fmla="*/ 2895600 h 2895600"/>
+              <a:gd name="connsiteX4-43" fmla="*/ 0 w 2762250"/>
+              <a:gd name="connsiteY4-44" fmla="*/ 2466975 h 2895600"/>
+              <a:gd name="connsiteX5-45" fmla="*/ 0 w 2762250"/>
+              <a:gd name="connsiteY5-46" fmla="*/ 0 h 2895600"/>
+              <a:gd name="connsiteX0-47" fmla="*/ 0 w 2762250"/>
+              <a:gd name="connsiteY0-48" fmla="*/ 0 h 2895600"/>
+              <a:gd name="connsiteX1-49" fmla="*/ 2762250 w 2762250"/>
+              <a:gd name="connsiteY1-50" fmla="*/ 0 h 2895600"/>
+              <a:gd name="connsiteX2-51" fmla="*/ 2762250 w 2762250"/>
+              <a:gd name="connsiteY2-52" fmla="*/ 2466975 h 2895600"/>
+              <a:gd name="connsiteX3-53" fmla="*/ 1377461 w 2762250"/>
+              <a:gd name="connsiteY3-54" fmla="*/ 2895600 h 2895600"/>
+              <a:gd name="connsiteX4-55" fmla="*/ 0 w 2762250"/>
+              <a:gd name="connsiteY4-56" fmla="*/ 2466975 h 2895600"/>
+              <a:gd name="connsiteX5-57" fmla="*/ 0 w 2762250"/>
+              <a:gd name="connsiteY5-58" fmla="*/ 0 h 2895600"/>
+            </a:gdLst>
+            <a:ahLst/>
+            <a:cxnLst>
+              <a:cxn ang="0">
+                <a:pos x="connsiteX0-1" y="connsiteY0-2"/>
+              </a:cxn>
+              <a:cxn ang="0">
+                <a:pos x="connsiteX1-3" y="connsiteY1-4"/>
+              </a:cxn>
+              <a:cxn ang="0">
+                <a:pos x="connsiteX2-5" y="connsiteY2-6"/>
+              </a:cxn>
+              <a:cxn ang="0">
+                <a:pos x="connsiteX3-7" y="connsiteY3-8"/>
+              </a:cxn>
+              <a:cxn ang="0">
+                <a:pos x="connsiteX4-9" y="connsiteY4-10"/>
+              </a:cxn>
+              <a:cxn ang="0">
+                <a:pos x="connsiteX5-21" y="connsiteY5-22"/>
+              </a:cxn>
+            </a:cxnLst>
+            <a:rect l="l" t="t" r="r" b="b"/>
+            <a:pathLst>
+              <a:path w="2762250" h="2895600">
+                <a:moveTo>
+                  <a:pt x="0" y="0"/>
+                </a:moveTo>
+                <a:lnTo>
+                  <a:pt x="2762250" y="0"/>
+                </a:lnTo>
+                <a:lnTo>
+                  <a:pt x="2762250" y="2466975"/>
+                </a:lnTo>
+                <a:lnTo>
+                  <a:pt x="1377461" y="2895600"/>
+                </a:lnTo>
+                <a:lnTo>
+                  <a:pt x="0" y="2466975"/>
+                </a:lnTo>
+                <a:lnTo>
+                  <a:pt x="0" y="0"/>
+                </a:lnTo>
+                <a:close/>
+              </a:path>
+            </a:pathLst>
+          </a:custGeom>
+          <a:noFill/>
+          <a:ln w="15875">
+            <a:solidFill>
+              <a:schemeClr val="tx1">
+                <a:lumMod val="85000"/>
+                <a:lumOff val="15000"/>
+              </a:schemeClr>
+            </a:solidFill>
+            <a:prstDash val="dash"/>
+          </a:ln>
         </p:spPr>
+        <p:style>
+          <a:lnRef idx="2">
+            <a:schemeClr val="accent1">
+              <a:shade val="50000"/>
+            </a:schemeClr>
+          </a:lnRef>
+          <a:fillRef idx="1">
+            <a:schemeClr val="accent1"/>
+          </a:fillRef>
+          <a:effectRef idx="0">
+            <a:schemeClr val="accent1"/>
+          </a:effectRef>
+          <a:fontRef idx="minor">
+            <a:schemeClr val="lt1"/>
+          </a:fontRef>
+        </p:style>
         <p:txBody>
-          <a:bodyPr wrap="square">
-            <a:spAutoFit/>
-          </a:bodyPr>
+          <a:bodyPr rtlCol="0" anchor="ctr"/>
           <a:lstStyle/>
           <a:p>
-            <a:r>
-              <a:rPr lang="zh-CN" altLang="en-US" sz="3000" dirty="0">
-                <a:solidFill>
-                  <a:srgbClr val="DACD57"/>
-                </a:solidFill>
-                <a:latin typeface="幼圆" panose="02010509060101010101" pitchFamily="49" charset="-122"/>
-                <a:ea typeface="幼圆" panose="02010509060101010101" pitchFamily="49" charset="-122"/>
-                <a:cs typeface="Lao UI" panose="020B0502040204020203" pitchFamily="34" charset="0"/>
-              </a:rPr>
-              <a:t>架构设计</a:t>
-            </a:r>
-            <a:endParaRPr lang="zh-CN" altLang="en-US" sz="3000" dirty="0">
+            <a:pPr algn="ctr"/>
+            <a:endParaRPr lang="zh-CN" altLang="en-US">
               <a:solidFill>
-                <a:srgbClr val="DACD57"/>
+                <a:schemeClr val="tx1">
+                  <a:lumMod val="85000"/>
+                  <a:lumOff val="15000"/>
+                </a:schemeClr>
               </a:solidFill>
-              <a:latin typeface="Impact" panose="020B0806030902050204" pitchFamily="34" charset="0"/>
-              <a:ea typeface="Tahoma" panose="020B0604030504040204" pitchFamily="34" charset="0"/>
-              <a:cs typeface="Lao UI" panose="020B0502040204020203" pitchFamily="34" charset="0"/>
             </a:endParaRPr>
           </a:p>
         </p:txBody>
       </p:sp>
       <p:sp>
         <p:nvSpPr>
-          <p:cNvPr id="7" name="AutoShape 262"/>
-          <p:cNvSpPr>
-            <a:spLocks noChangeAspect="1" noChangeArrowheads="1" noTextEdit="1"/>
-          </p:cNvSpPr>
+          <p:cNvPr id="6" name="文本框 5"/>
+          <p:cNvSpPr txBox="1"/>
           <p:nvPr/>
         </p:nvSpPr>
-        <p:spPr bwMode="auto">
+        <p:spPr>
           <a:xfrm>
-            <a:off x="10595345" y="715971"/>
-            <a:ext cx="501779" cy="5364674"/>
+            <a:off x="5565775" y="539115"/>
+            <a:ext cx="1160780" cy="1198880"/>
           </a:xfrm>
           <a:prstGeom prst="rect">
             <a:avLst/>
           </a:prstGeom>
           <a:noFill/>
-          <a:ln>
-            <a:noFill/>
-          </a:ln>
-          <a:extLst>
-            <a:ext uri="{909E8E84-426E-40DD-AFC4-6F175D3DCCD1}">
-              <a14:hiddenFill xmlns:a14="http://schemas.microsoft.com/office/drawing/2010/main">
-                <a:solidFill>
-                  <a:srgbClr val="FFFFFF"/>
-                </a:solidFill>
-              </a14:hiddenFill>
-            </a:ext>
-            <a:ext uri="{91240B29-F687-4F45-9708-019B960494DF}">
-              <a14:hiddenLine xmlns:a14="http://schemas.microsoft.com/office/drawing/2010/main" w="9525">
-                <a:solidFill>
-                  <a:srgbClr val="000000"/>
-                </a:solidFill>
-                <a:miter lim="800000"/>
-                <a:headEnd/>
-                <a:tailEnd/>
-              </a14:hiddenLine>
-            </a:ext>
-          </a:extLst>
         </p:spPr>
         <p:txBody>
-          <a:bodyPr vert="horz" wrap="square" lIns="91440" tIns="45720" rIns="91440" bIns="45720" numCol="1" anchor="t" anchorCtr="0" compatLnSpc="1"/>
+          <a:bodyPr wrap="square" rtlCol="0">
+            <a:spAutoFit/>
+          </a:bodyPr>
           <a:lstStyle/>
           <a:p>
-            <a:endParaRPr lang="zh-CN" altLang="en-US"/>
+            <a:pPr algn="ctr"/>
+            <a:r>
+              <a:rPr lang="en-US" altLang="zh-CN" sz="7200" dirty="0">
+                <a:solidFill>
+                  <a:schemeClr val="bg1"/>
+                </a:solidFill>
+                <a:latin typeface="Impact" panose="020B0806030902050204" pitchFamily="34" charset="0"/>
+              </a:rPr>
+              <a:t>04</a:t>
+            </a:r>
+            <a:endParaRPr lang="zh-CN" altLang="en-US" sz="7200" dirty="0">
+              <a:solidFill>
+                <a:schemeClr val="bg1"/>
+              </a:solidFill>
+              <a:latin typeface="Impact" panose="020B0806030902050204" pitchFamily="34" charset="0"/>
+            </a:endParaRPr>
           </a:p>
         </p:txBody>
       </p:sp>
-      <p:pic>
-        <p:nvPicPr>
-          <p:cNvPr id="3" name="图片 2" descr="Web分层架构图"/>
-          <p:cNvPicPr>
-            <a:picLocks noChangeAspect="1"/>
-          </p:cNvPicPr>
-          <p:nvPr/>
-        </p:nvPicPr>
-        <p:blipFill>
-          <a:blip r:embed="rId1"/>
-          <a:stretch>
-            <a:fillRect/>
-          </a:stretch>
-        </p:blipFill>
+      <p:sp>
+        <p:nvSpPr>
+          <p:cNvPr id="14" name="标题 13"/>
+          <p:cNvSpPr>
+            <a:spLocks noGrp="1"/>
+          </p:cNvSpPr>
+          <p:nvPr>
+            <p:ph type="title"/>
+          </p:nvPr>
+        </p:nvSpPr>
         <p:spPr>
           <a:xfrm>
-            <a:off x="3230245" y="521335"/>
-            <a:ext cx="5730875" cy="5814695"/>
+            <a:off x="2784763" y="4006800"/>
+            <a:ext cx="6710400" cy="583200"/>
           </a:xfrm>
-          <a:prstGeom prst="rect">
-            <a:avLst/>
-          </a:prstGeom>
+          <a:solidFill>
+            <a:srgbClr val="DACD57"/>
+          </a:solidFill>
         </p:spPr>
-      </p:pic>
+        <p:txBody>
+          <a:bodyPr/>
+          <a:lstStyle/>
+          <a:p>
+            <a:r>
+              <a:rPr lang="zh-CN" altLang="en-US" sz="3200" dirty="0">
+                <a:solidFill>
+                  <a:schemeClr val="tx1">
+                    <a:lumMod val="85000"/>
+                    <a:lumOff val="15000"/>
+                  </a:schemeClr>
+                </a:solidFill>
+                <a:latin typeface="幼圆" panose="02010509060101010101" pitchFamily="49" charset="-122"/>
+                <a:ea typeface="幼圆" panose="02010509060101010101" pitchFamily="49" charset="-122"/>
+              </a:rPr>
+              <a:t>应用设计</a:t>
+            </a:r>
+            <a:endParaRPr lang="zh-CN" altLang="en-US" sz="3200" dirty="0">
+              <a:solidFill>
+                <a:schemeClr val="tx1">
+                  <a:lumMod val="85000"/>
+                  <a:lumOff val="15000"/>
+                </a:schemeClr>
+              </a:solidFill>
+              <a:latin typeface="幼圆" panose="02010509060101010101" pitchFamily="49" charset="-122"/>
+              <a:ea typeface="幼圆" panose="02010509060101010101" pitchFamily="49" charset="-122"/>
+            </a:endParaRPr>
+          </a:p>
+        </p:txBody>
+      </p:sp>
     </p:spTree>
     <p:custDataLst>
-      <p:tags r:id="rId2"/>
+      <p:tags r:id="rId1"/>
     </p:custDataLst>
   </p:cSld>
   <p:clrMapOvr>
@@ -20143,22 +21964,57 @@
                 <a:ea typeface="幼圆" panose="02010509060101010101" pitchFamily="49" charset="-122"/>
                 <a:cs typeface="Lao UI" panose="020B0502040204020203" pitchFamily="34" charset="0"/>
               </a:rPr>
-              <a:t>架构设计</a:t>
+              <a:t>应用设计</a:t>
             </a:r>
-            <a:endParaRPr lang="zh-CN" altLang="en-US" sz="3000" dirty="0">
+            <a:r>
+              <a:rPr lang="zh-CN" altLang="en-US" sz="1600" dirty="0">
+                <a:solidFill>
+                  <a:srgbClr val="DACD57"/>
+                </a:solidFill>
+                <a:latin typeface="幼圆" panose="02010509060101010101" pitchFamily="49" charset="-122"/>
+                <a:ea typeface="幼圆" panose="02010509060101010101" pitchFamily="49" charset="-122"/>
+                <a:cs typeface="Lao UI" panose="020B0502040204020203" pitchFamily="34" charset="0"/>
+              </a:rPr>
+              <a:t>登录界面</a:t>
+            </a:r>
+            <a:endParaRPr lang="zh-CN" altLang="en-US" sz="1600" dirty="0">
               <a:solidFill>
                 <a:srgbClr val="DACD57"/>
               </a:solidFill>
-              <a:latin typeface="Impact" panose="020B0806030902050204" pitchFamily="34" charset="0"/>
-              <a:ea typeface="Tahoma" panose="020B0604030504040204" pitchFamily="34" charset="0"/>
+              <a:latin typeface="幼圆" panose="02010509060101010101" pitchFamily="49" charset="-122"/>
+              <a:ea typeface="幼圆" panose="02010509060101010101" pitchFamily="49" charset="-122"/>
               <a:cs typeface="Lao UI" panose="020B0502040204020203" pitchFamily="34" charset="0"/>
             </a:endParaRPr>
           </a:p>
         </p:txBody>
       </p:sp>
+      <p:pic>
+        <p:nvPicPr>
+          <p:cNvPr id="3" name="图片 2" descr="687474703a2f2f75706c6f61642d696d616765732e6a69616e7368752e696f2f75706c6f61645f696d616765732f363436353736312d626433393961626162366463626331622e706e673f696d6167654d6f6772322f6175746f2d6f7269656e742f7374726970253743696d6"/>
+          <p:cNvPicPr>
+            <a:picLocks noChangeAspect="1"/>
+          </p:cNvPicPr>
+          <p:nvPr/>
+        </p:nvPicPr>
+        <p:blipFill>
+          <a:blip r:embed="rId1"/>
+          <a:stretch>
+            <a:fillRect/>
+          </a:stretch>
+        </p:blipFill>
+        <p:spPr>
+          <a:xfrm>
+            <a:off x="1584960" y="1192530"/>
+            <a:ext cx="8956040" cy="5100955"/>
+          </a:xfrm>
+          <a:prstGeom prst="rect">
+            <a:avLst/>
+          </a:prstGeom>
+        </p:spPr>
+      </p:pic>
     </p:spTree>
     <p:custDataLst>
-      <p:tags r:id="rId1"/>
+      <p:tags r:id="rId2"/>
     </p:custDataLst>
   </p:cSld>
   <p:clrMapOvr>
@@ -20168,6 +22024,776 @@
 </file>
 
 <file path=ppt/slides/slide22.xml><?xml version="1.0" encoding="utf-8"?>
+<p:sld xmlns:a="http://schemas.openxmlformats.org/drawingml/2006/main" xmlns:r="http://schemas.openxmlformats.org/officeDocument/2006/relationships" xmlns:p="http://schemas.openxmlformats.org/presentationml/2006/main">
+  <p:cSld>
+    <p:spTree>
+      <p:nvGrpSpPr>
+        <p:cNvPr id="1" name=""/>
+        <p:cNvGrpSpPr/>
+        <p:nvPr/>
+      </p:nvGrpSpPr>
+      <p:grpSpPr>
+        <a:xfrm>
+          <a:off x="0" y="0"/>
+          <a:ext cx="0" cy="0"/>
+          <a:chOff x="0" y="0"/>
+          <a:chExt cx="0" cy="0"/>
+        </a:xfrm>
+      </p:grpSpPr>
+      <p:sp>
+        <p:nvSpPr>
+          <p:cNvPr id="7" name="AutoShape 262"/>
+          <p:cNvSpPr>
+            <a:spLocks noChangeAspect="1" noChangeArrowheads="1" noTextEdit="1"/>
+          </p:cNvSpPr>
+          <p:nvPr/>
+        </p:nvSpPr>
+        <p:spPr bwMode="auto">
+          <a:xfrm>
+            <a:off x="10595345" y="715971"/>
+            <a:ext cx="501779" cy="5364674"/>
+          </a:xfrm>
+          <a:prstGeom prst="rect">
+            <a:avLst/>
+          </a:prstGeom>
+          <a:noFill/>
+          <a:ln>
+            <a:noFill/>
+          </a:ln>
+          <a:extLst>
+            <a:ext uri="{909E8E84-426E-40DD-AFC4-6F175D3DCCD1}">
+              <a14:hiddenFill xmlns:a14="http://schemas.microsoft.com/office/drawing/2010/main">
+                <a:solidFill>
+                  <a:srgbClr val="FFFFFF"/>
+                </a:solidFill>
+              </a14:hiddenFill>
+            </a:ext>
+            <a:ext uri="{91240B29-F687-4F45-9708-019B960494DF}">
+              <a14:hiddenLine xmlns:a14="http://schemas.microsoft.com/office/drawing/2010/main" w="9525">
+                <a:solidFill>
+                  <a:srgbClr val="000000"/>
+                </a:solidFill>
+                <a:miter lim="800000"/>
+                <a:headEnd/>
+                <a:tailEnd/>
+              </a14:hiddenLine>
+            </a:ext>
+          </a:extLst>
+        </p:spPr>
+        <p:txBody>
+          <a:bodyPr vert="horz" wrap="square" lIns="91440" tIns="45720" rIns="91440" bIns="45720" numCol="1" anchor="t" anchorCtr="0" compatLnSpc="1"/>
+          <a:lstStyle/>
+          <a:p>
+            <a:endParaRPr lang="zh-CN" altLang="en-US"/>
+          </a:p>
+        </p:txBody>
+      </p:sp>
+      <p:sp>
+        <p:nvSpPr>
+          <p:cNvPr id="6" name="矩形 5"/>
+          <p:cNvSpPr/>
+          <p:nvPr/>
+        </p:nvSpPr>
+        <p:spPr>
+          <a:xfrm>
+            <a:off x="168635" y="191770"/>
+            <a:ext cx="5488016" cy="553085"/>
+          </a:xfrm>
+          <a:prstGeom prst="rect">
+            <a:avLst/>
+          </a:prstGeom>
+        </p:spPr>
+        <p:txBody>
+          <a:bodyPr wrap="square">
+            <a:spAutoFit/>
+          </a:bodyPr>
+          <a:lstStyle/>
+          <a:p>
+            <a:r>
+              <a:rPr lang="zh-CN" altLang="en-US" sz="3000" dirty="0">
+                <a:solidFill>
+                  <a:srgbClr val="DACD57"/>
+                </a:solidFill>
+                <a:latin typeface="幼圆" panose="02010509060101010101" pitchFamily="49" charset="-122"/>
+                <a:ea typeface="幼圆" panose="02010509060101010101" pitchFamily="49" charset="-122"/>
+                <a:cs typeface="Lao UI" panose="020B0502040204020203" pitchFamily="34" charset="0"/>
+              </a:rPr>
+              <a:t>应用设计</a:t>
+            </a:r>
+            <a:r>
+              <a:rPr lang="zh-CN" altLang="en-US" sz="1600" dirty="0">
+                <a:solidFill>
+                  <a:srgbClr val="DACD57"/>
+                </a:solidFill>
+                <a:latin typeface="幼圆" panose="02010509060101010101" pitchFamily="49" charset="-122"/>
+                <a:ea typeface="幼圆" panose="02010509060101010101" pitchFamily="49" charset="-122"/>
+                <a:cs typeface="Lao UI" panose="020B0502040204020203" pitchFamily="34" charset="0"/>
+              </a:rPr>
+              <a:t>主界面</a:t>
+            </a:r>
+            <a:endParaRPr lang="zh-CN" altLang="en-US" sz="1600" dirty="0">
+              <a:solidFill>
+                <a:srgbClr val="DACD57"/>
+              </a:solidFill>
+              <a:latin typeface="幼圆" panose="02010509060101010101" pitchFamily="49" charset="-122"/>
+              <a:ea typeface="幼圆" panose="02010509060101010101" pitchFamily="49" charset="-122"/>
+              <a:cs typeface="Lao UI" panose="020B0502040204020203" pitchFamily="34" charset="0"/>
+            </a:endParaRPr>
+          </a:p>
+        </p:txBody>
+      </p:sp>
+      <p:pic>
+        <p:nvPicPr>
+          <p:cNvPr id="2" name="图片 1" descr="687474703a2f2f75706c6f61642d696d616765732e6a69616e7368752e696f2f75706c6f61645f696d616765732f363436353736312d396263643735646438356139663034652e706e673f696d6167654d6f6772322f6175746f2d6f7269656e742f7374726970253743696d6"/>
+          <p:cNvPicPr>
+            <a:picLocks noChangeAspect="1"/>
+          </p:cNvPicPr>
+          <p:nvPr/>
+        </p:nvPicPr>
+        <p:blipFill>
+          <a:blip r:embed="rId1"/>
+          <a:stretch>
+            <a:fillRect/>
+          </a:stretch>
+        </p:blipFill>
+        <p:spPr>
+          <a:xfrm>
+            <a:off x="1066800" y="1016000"/>
+            <a:ext cx="10058400" cy="4826000"/>
+          </a:xfrm>
+          <a:prstGeom prst="rect">
+            <a:avLst/>
+          </a:prstGeom>
+        </p:spPr>
+      </p:pic>
+    </p:spTree>
+    <p:custDataLst>
+      <p:tags r:id="rId2"/>
+    </p:custDataLst>
+  </p:cSld>
+  <p:clrMapOvr>
+    <a:masterClrMapping/>
+  </p:clrMapOvr>
+</p:sld>
+</file>
+
+<file path=ppt/slides/slide23.xml><?xml version="1.0" encoding="utf-8"?>
+<p:sld xmlns:a="http://schemas.openxmlformats.org/drawingml/2006/main" xmlns:r="http://schemas.openxmlformats.org/officeDocument/2006/relationships" xmlns:p="http://schemas.openxmlformats.org/presentationml/2006/main">
+  <p:cSld>
+    <p:spTree>
+      <p:nvGrpSpPr>
+        <p:cNvPr id="1" name=""/>
+        <p:cNvGrpSpPr/>
+        <p:nvPr/>
+      </p:nvGrpSpPr>
+      <p:grpSpPr>
+        <a:xfrm>
+          <a:off x="0" y="0"/>
+          <a:ext cx="0" cy="0"/>
+          <a:chOff x="0" y="0"/>
+          <a:chExt cx="0" cy="0"/>
+        </a:xfrm>
+      </p:grpSpPr>
+      <p:sp>
+        <p:nvSpPr>
+          <p:cNvPr id="7" name="AutoShape 262"/>
+          <p:cNvSpPr>
+            <a:spLocks noChangeAspect="1" noChangeArrowheads="1" noTextEdit="1"/>
+          </p:cNvSpPr>
+          <p:nvPr/>
+        </p:nvSpPr>
+        <p:spPr bwMode="auto">
+          <a:xfrm>
+            <a:off x="10595345" y="715971"/>
+            <a:ext cx="501779" cy="5364674"/>
+          </a:xfrm>
+          <a:prstGeom prst="rect">
+            <a:avLst/>
+          </a:prstGeom>
+          <a:noFill/>
+          <a:ln>
+            <a:noFill/>
+          </a:ln>
+          <a:extLst>
+            <a:ext uri="{909E8E84-426E-40DD-AFC4-6F175D3DCCD1}">
+              <a14:hiddenFill xmlns:a14="http://schemas.microsoft.com/office/drawing/2010/main">
+                <a:solidFill>
+                  <a:srgbClr val="FFFFFF"/>
+                </a:solidFill>
+              </a14:hiddenFill>
+            </a:ext>
+            <a:ext uri="{91240B29-F687-4F45-9708-019B960494DF}">
+              <a14:hiddenLine xmlns:a14="http://schemas.microsoft.com/office/drawing/2010/main" w="9525">
+                <a:solidFill>
+                  <a:srgbClr val="000000"/>
+                </a:solidFill>
+                <a:miter lim="800000"/>
+                <a:headEnd/>
+                <a:tailEnd/>
+              </a14:hiddenLine>
+            </a:ext>
+          </a:extLst>
+        </p:spPr>
+        <p:txBody>
+          <a:bodyPr vert="horz" wrap="square" lIns="91440" tIns="45720" rIns="91440" bIns="45720" numCol="1" anchor="t" anchorCtr="0" compatLnSpc="1"/>
+          <a:lstStyle/>
+          <a:p>
+            <a:endParaRPr lang="zh-CN" altLang="en-US"/>
+          </a:p>
+        </p:txBody>
+      </p:sp>
+      <p:sp>
+        <p:nvSpPr>
+          <p:cNvPr id="6" name="矩形 5"/>
+          <p:cNvSpPr/>
+          <p:nvPr/>
+        </p:nvSpPr>
+        <p:spPr>
+          <a:xfrm>
+            <a:off x="168635" y="191770"/>
+            <a:ext cx="5488016" cy="553085"/>
+          </a:xfrm>
+          <a:prstGeom prst="rect">
+            <a:avLst/>
+          </a:prstGeom>
+        </p:spPr>
+        <p:txBody>
+          <a:bodyPr wrap="square">
+            <a:spAutoFit/>
+          </a:bodyPr>
+          <a:lstStyle/>
+          <a:p>
+            <a:r>
+              <a:rPr lang="zh-CN" altLang="en-US" sz="3000" dirty="0">
+                <a:solidFill>
+                  <a:srgbClr val="DACD57"/>
+                </a:solidFill>
+                <a:latin typeface="幼圆" panose="02010509060101010101" pitchFamily="49" charset="-122"/>
+                <a:ea typeface="幼圆" panose="02010509060101010101" pitchFamily="49" charset="-122"/>
+                <a:cs typeface="Lao UI" panose="020B0502040204020203" pitchFamily="34" charset="0"/>
+              </a:rPr>
+              <a:t>应用设计</a:t>
+            </a:r>
+            <a:r>
+              <a:rPr lang="zh-CN" altLang="en-US" sz="1600" dirty="0">
+                <a:solidFill>
+                  <a:srgbClr val="DACD57"/>
+                </a:solidFill>
+                <a:latin typeface="幼圆" panose="02010509060101010101" pitchFamily="49" charset="-122"/>
+                <a:ea typeface="幼圆" panose="02010509060101010101" pitchFamily="49" charset="-122"/>
+                <a:cs typeface="Lao UI" panose="020B0502040204020203" pitchFamily="34" charset="0"/>
+              </a:rPr>
+              <a:t>发布问题</a:t>
+            </a:r>
+            <a:endParaRPr lang="zh-CN" altLang="en-US" sz="1600" dirty="0">
+              <a:solidFill>
+                <a:srgbClr val="DACD57"/>
+              </a:solidFill>
+              <a:latin typeface="幼圆" panose="02010509060101010101" pitchFamily="49" charset="-122"/>
+              <a:ea typeface="幼圆" panose="02010509060101010101" pitchFamily="49" charset="-122"/>
+              <a:cs typeface="Lao UI" panose="020B0502040204020203" pitchFamily="34" charset="0"/>
+            </a:endParaRPr>
+          </a:p>
+        </p:txBody>
+      </p:sp>
+      <p:pic>
+        <p:nvPicPr>
+          <p:cNvPr id="2" name="图片 1" descr="687474703a2f2f75706c6f61642d696d616765732e6a69616e7368752e696f2f75706c6f61645f696d616765732f363436353736312d343165343433663734653265326633362e706e673f696d6167654d6f6772322f6175746f2d6f7269656e742f737472697025374 (2)"/>
+          <p:cNvPicPr>
+            <a:picLocks noChangeAspect="1"/>
+          </p:cNvPicPr>
+          <p:nvPr/>
+        </p:nvPicPr>
+        <p:blipFill>
+          <a:blip r:embed="rId1"/>
+          <a:stretch>
+            <a:fillRect/>
+          </a:stretch>
+        </p:blipFill>
+        <p:spPr>
+          <a:xfrm>
+            <a:off x="1066800" y="1007745"/>
+            <a:ext cx="10058400" cy="4842510"/>
+          </a:xfrm>
+          <a:prstGeom prst="rect">
+            <a:avLst/>
+          </a:prstGeom>
+        </p:spPr>
+      </p:pic>
+    </p:spTree>
+    <p:custDataLst>
+      <p:tags r:id="rId2"/>
+    </p:custDataLst>
+  </p:cSld>
+  <p:clrMapOvr>
+    <a:masterClrMapping/>
+  </p:clrMapOvr>
+</p:sld>
+</file>
+
+<file path=ppt/slides/slide24.xml><?xml version="1.0" encoding="utf-8"?>
+<p:sld xmlns:a="http://schemas.openxmlformats.org/drawingml/2006/main" xmlns:r="http://schemas.openxmlformats.org/officeDocument/2006/relationships" xmlns:p="http://schemas.openxmlformats.org/presentationml/2006/main">
+  <p:cSld>
+    <p:spTree>
+      <p:nvGrpSpPr>
+        <p:cNvPr id="1" name=""/>
+        <p:cNvGrpSpPr/>
+        <p:nvPr/>
+      </p:nvGrpSpPr>
+      <p:grpSpPr>
+        <a:xfrm>
+          <a:off x="0" y="0"/>
+          <a:ext cx="0" cy="0"/>
+          <a:chOff x="0" y="0"/>
+          <a:chExt cx="0" cy="0"/>
+        </a:xfrm>
+      </p:grpSpPr>
+      <p:sp>
+        <p:nvSpPr>
+          <p:cNvPr id="7" name="AutoShape 262"/>
+          <p:cNvSpPr>
+            <a:spLocks noChangeAspect="1" noChangeArrowheads="1" noTextEdit="1"/>
+          </p:cNvSpPr>
+          <p:nvPr/>
+        </p:nvSpPr>
+        <p:spPr bwMode="auto">
+          <a:xfrm>
+            <a:off x="10595345" y="715971"/>
+            <a:ext cx="501779" cy="5364674"/>
+          </a:xfrm>
+          <a:prstGeom prst="rect">
+            <a:avLst/>
+          </a:prstGeom>
+          <a:noFill/>
+          <a:ln>
+            <a:noFill/>
+          </a:ln>
+          <a:extLst>
+            <a:ext uri="{909E8E84-426E-40DD-AFC4-6F175D3DCCD1}">
+              <a14:hiddenFill xmlns:a14="http://schemas.microsoft.com/office/drawing/2010/main">
+                <a:solidFill>
+                  <a:srgbClr val="FFFFFF"/>
+                </a:solidFill>
+              </a14:hiddenFill>
+            </a:ext>
+            <a:ext uri="{91240B29-F687-4F45-9708-019B960494DF}">
+              <a14:hiddenLine xmlns:a14="http://schemas.microsoft.com/office/drawing/2010/main" w="9525">
+                <a:solidFill>
+                  <a:srgbClr val="000000"/>
+                </a:solidFill>
+                <a:miter lim="800000"/>
+                <a:headEnd/>
+                <a:tailEnd/>
+              </a14:hiddenLine>
+            </a:ext>
+          </a:extLst>
+        </p:spPr>
+        <p:txBody>
+          <a:bodyPr vert="horz" wrap="square" lIns="91440" tIns="45720" rIns="91440" bIns="45720" numCol="1" anchor="t" anchorCtr="0" compatLnSpc="1"/>
+          <a:lstStyle/>
+          <a:p>
+            <a:endParaRPr lang="zh-CN" altLang="en-US"/>
+          </a:p>
+        </p:txBody>
+      </p:sp>
+      <p:sp>
+        <p:nvSpPr>
+          <p:cNvPr id="6" name="矩形 5"/>
+          <p:cNvSpPr/>
+          <p:nvPr/>
+        </p:nvSpPr>
+        <p:spPr>
+          <a:xfrm>
+            <a:off x="168635" y="191770"/>
+            <a:ext cx="5488016" cy="553085"/>
+          </a:xfrm>
+          <a:prstGeom prst="rect">
+            <a:avLst/>
+          </a:prstGeom>
+        </p:spPr>
+        <p:txBody>
+          <a:bodyPr wrap="square">
+            <a:spAutoFit/>
+          </a:bodyPr>
+          <a:lstStyle/>
+          <a:p>
+            <a:r>
+              <a:rPr lang="zh-CN" altLang="en-US" sz="3000" dirty="0">
+                <a:solidFill>
+                  <a:srgbClr val="DACD57"/>
+                </a:solidFill>
+                <a:latin typeface="幼圆" panose="02010509060101010101" pitchFamily="49" charset="-122"/>
+                <a:ea typeface="幼圆" panose="02010509060101010101" pitchFamily="49" charset="-122"/>
+                <a:cs typeface="Lao UI" panose="020B0502040204020203" pitchFamily="34" charset="0"/>
+              </a:rPr>
+              <a:t>应用设计</a:t>
+            </a:r>
+            <a:r>
+              <a:rPr lang="zh-CN" altLang="en-US" sz="1600" dirty="0">
+                <a:solidFill>
+                  <a:srgbClr val="DACD57"/>
+                </a:solidFill>
+                <a:latin typeface="幼圆" panose="02010509060101010101" pitchFamily="49" charset="-122"/>
+                <a:ea typeface="幼圆" panose="02010509060101010101" pitchFamily="49" charset="-122"/>
+                <a:cs typeface="Lao UI" panose="020B0502040204020203" pitchFamily="34" charset="0"/>
+              </a:rPr>
+              <a:t>问题回答</a:t>
+            </a:r>
+            <a:endParaRPr lang="zh-CN" altLang="en-US" sz="1600" dirty="0">
+              <a:solidFill>
+                <a:srgbClr val="DACD57"/>
+              </a:solidFill>
+              <a:latin typeface="幼圆" panose="02010509060101010101" pitchFamily="49" charset="-122"/>
+              <a:ea typeface="幼圆" panose="02010509060101010101" pitchFamily="49" charset="-122"/>
+              <a:cs typeface="Lao UI" panose="020B0502040204020203" pitchFamily="34" charset="0"/>
+            </a:endParaRPr>
+          </a:p>
+        </p:txBody>
+      </p:sp>
+      <p:pic>
+        <p:nvPicPr>
+          <p:cNvPr id="2" name="图片 1" descr="687474703a2f2f75706c6f61642d696d616765732e6a69616e7368752e696f2f75706c6f61645f696d616765732f363436353736312d336239616262373961646530333564312e706e673f696d6167654d6f6772322f6175746f2d6f7269656e742f7374726970253743696d6"/>
+          <p:cNvPicPr>
+            <a:picLocks noChangeAspect="1"/>
+          </p:cNvPicPr>
+          <p:nvPr/>
+        </p:nvPicPr>
+        <p:blipFill>
+          <a:blip r:embed="rId1"/>
+          <a:stretch>
+            <a:fillRect/>
+          </a:stretch>
+        </p:blipFill>
+        <p:spPr>
+          <a:xfrm>
+            <a:off x="1066800" y="1186180"/>
+            <a:ext cx="10058400" cy="4485640"/>
+          </a:xfrm>
+          <a:prstGeom prst="rect">
+            <a:avLst/>
+          </a:prstGeom>
+        </p:spPr>
+      </p:pic>
+    </p:spTree>
+    <p:custDataLst>
+      <p:tags r:id="rId2"/>
+    </p:custDataLst>
+  </p:cSld>
+  <p:clrMapOvr>
+    <a:masterClrMapping/>
+  </p:clrMapOvr>
+</p:sld>
+</file>
+
+<file path=ppt/slides/slide25.xml><?xml version="1.0" encoding="utf-8"?>
+<p:sld xmlns:a="http://schemas.openxmlformats.org/drawingml/2006/main" xmlns:r="http://schemas.openxmlformats.org/officeDocument/2006/relationships" xmlns:p="http://schemas.openxmlformats.org/presentationml/2006/main">
+  <p:cSld>
+    <p:spTree>
+      <p:nvGrpSpPr>
+        <p:cNvPr id="1" name=""/>
+        <p:cNvGrpSpPr/>
+        <p:nvPr/>
+      </p:nvGrpSpPr>
+      <p:grpSpPr>
+        <a:xfrm>
+          <a:off x="0" y="0"/>
+          <a:ext cx="0" cy="0"/>
+          <a:chOff x="0" y="0"/>
+          <a:chExt cx="0" cy="0"/>
+        </a:xfrm>
+      </p:grpSpPr>
+      <p:sp>
+        <p:nvSpPr>
+          <p:cNvPr id="7" name="AutoShape 262"/>
+          <p:cNvSpPr>
+            <a:spLocks noChangeAspect="1" noChangeArrowheads="1" noTextEdit="1"/>
+          </p:cNvSpPr>
+          <p:nvPr/>
+        </p:nvSpPr>
+        <p:spPr bwMode="auto">
+          <a:xfrm>
+            <a:off x="10595345" y="715971"/>
+            <a:ext cx="501779" cy="5364674"/>
+          </a:xfrm>
+          <a:prstGeom prst="rect">
+            <a:avLst/>
+          </a:prstGeom>
+          <a:noFill/>
+          <a:ln>
+            <a:noFill/>
+          </a:ln>
+          <a:extLst>
+            <a:ext uri="{909E8E84-426E-40DD-AFC4-6F175D3DCCD1}">
+              <a14:hiddenFill xmlns:a14="http://schemas.microsoft.com/office/drawing/2010/main">
+                <a:solidFill>
+                  <a:srgbClr val="FFFFFF"/>
+                </a:solidFill>
+              </a14:hiddenFill>
+            </a:ext>
+            <a:ext uri="{91240B29-F687-4F45-9708-019B960494DF}">
+              <a14:hiddenLine xmlns:a14="http://schemas.microsoft.com/office/drawing/2010/main" w="9525">
+                <a:solidFill>
+                  <a:srgbClr val="000000"/>
+                </a:solidFill>
+                <a:miter lim="800000"/>
+                <a:headEnd/>
+                <a:tailEnd/>
+              </a14:hiddenLine>
+            </a:ext>
+          </a:extLst>
+        </p:spPr>
+        <p:txBody>
+          <a:bodyPr vert="horz" wrap="square" lIns="91440" tIns="45720" rIns="91440" bIns="45720" numCol="1" anchor="t" anchorCtr="0" compatLnSpc="1"/>
+          <a:lstStyle/>
+          <a:p>
+            <a:endParaRPr lang="zh-CN" altLang="en-US"/>
+          </a:p>
+        </p:txBody>
+      </p:sp>
+      <p:sp>
+        <p:nvSpPr>
+          <p:cNvPr id="6" name="矩形 5"/>
+          <p:cNvSpPr/>
+          <p:nvPr/>
+        </p:nvSpPr>
+        <p:spPr>
+          <a:xfrm>
+            <a:off x="168635" y="191770"/>
+            <a:ext cx="5488016" cy="553085"/>
+          </a:xfrm>
+          <a:prstGeom prst="rect">
+            <a:avLst/>
+          </a:prstGeom>
+        </p:spPr>
+        <p:txBody>
+          <a:bodyPr wrap="square">
+            <a:spAutoFit/>
+          </a:bodyPr>
+          <a:lstStyle/>
+          <a:p>
+            <a:r>
+              <a:rPr lang="zh-CN" altLang="en-US" sz="3000" dirty="0">
+                <a:solidFill>
+                  <a:srgbClr val="DACD57"/>
+                </a:solidFill>
+                <a:latin typeface="幼圆" panose="02010509060101010101" pitchFamily="49" charset="-122"/>
+                <a:ea typeface="幼圆" panose="02010509060101010101" pitchFamily="49" charset="-122"/>
+                <a:cs typeface="Lao UI" panose="020B0502040204020203" pitchFamily="34" charset="0"/>
+              </a:rPr>
+              <a:t>应用设计</a:t>
+            </a:r>
+            <a:r>
+              <a:rPr lang="zh-CN" altLang="en-US" sz="1600" dirty="0">
+                <a:solidFill>
+                  <a:srgbClr val="DACD57"/>
+                </a:solidFill>
+                <a:latin typeface="幼圆" panose="02010509060101010101" pitchFamily="49" charset="-122"/>
+                <a:ea typeface="幼圆" panose="02010509060101010101" pitchFamily="49" charset="-122"/>
+                <a:cs typeface="Lao UI" panose="020B0502040204020203" pitchFamily="34" charset="0"/>
+              </a:rPr>
+              <a:t>站内信</a:t>
+            </a:r>
+            <a:endParaRPr lang="zh-CN" altLang="en-US" sz="1600" dirty="0">
+              <a:solidFill>
+                <a:srgbClr val="DACD57"/>
+              </a:solidFill>
+              <a:latin typeface="幼圆" panose="02010509060101010101" pitchFamily="49" charset="-122"/>
+              <a:ea typeface="幼圆" panose="02010509060101010101" pitchFamily="49" charset="-122"/>
+              <a:cs typeface="Lao UI" panose="020B0502040204020203" pitchFamily="34" charset="0"/>
+            </a:endParaRPr>
+          </a:p>
+        </p:txBody>
+      </p:sp>
+      <p:pic>
+        <p:nvPicPr>
+          <p:cNvPr id="2" name="图片 1" descr="687474703a2f2f75706c6f61642d696d616765732e6a69616e7368752e696f2f75706c6f61645f696d616765732f363436353736312d616161313662386537373238643639362e706e673f696d6167654d6f6772322f6175746f2d6f7269656e742f7374726970253743696d6"/>
+          <p:cNvPicPr>
+            <a:picLocks noChangeAspect="1"/>
+          </p:cNvPicPr>
+          <p:nvPr/>
+        </p:nvPicPr>
+        <p:blipFill>
+          <a:blip r:embed="rId1"/>
+          <a:stretch>
+            <a:fillRect/>
+          </a:stretch>
+        </p:blipFill>
+        <p:spPr>
+          <a:xfrm>
+            <a:off x="1066800" y="1206500"/>
+            <a:ext cx="10058400" cy="4445000"/>
+          </a:xfrm>
+          <a:prstGeom prst="rect">
+            <a:avLst/>
+          </a:prstGeom>
+        </p:spPr>
+      </p:pic>
+    </p:spTree>
+    <p:custDataLst>
+      <p:tags r:id="rId2"/>
+    </p:custDataLst>
+  </p:cSld>
+  <p:clrMapOvr>
+    <a:masterClrMapping/>
+  </p:clrMapOvr>
+</p:sld>
+</file>
+
+<file path=ppt/slides/slide26.xml><?xml version="1.0" encoding="utf-8"?>
+<p:sld xmlns:a="http://schemas.openxmlformats.org/drawingml/2006/main" xmlns:r="http://schemas.openxmlformats.org/officeDocument/2006/relationships" xmlns:p="http://schemas.openxmlformats.org/presentationml/2006/main">
+  <p:cSld>
+    <p:spTree>
+      <p:nvGrpSpPr>
+        <p:cNvPr id="1" name=""/>
+        <p:cNvGrpSpPr/>
+        <p:nvPr/>
+      </p:nvGrpSpPr>
+      <p:grpSpPr>
+        <a:xfrm>
+          <a:off x="0" y="0"/>
+          <a:ext cx="0" cy="0"/>
+          <a:chOff x="0" y="0"/>
+          <a:chExt cx="0" cy="0"/>
+        </a:xfrm>
+      </p:grpSpPr>
+      <p:sp>
+        <p:nvSpPr>
+          <p:cNvPr id="7" name="AutoShape 262"/>
+          <p:cNvSpPr>
+            <a:spLocks noChangeAspect="1" noChangeArrowheads="1" noTextEdit="1"/>
+          </p:cNvSpPr>
+          <p:nvPr/>
+        </p:nvSpPr>
+        <p:spPr bwMode="auto">
+          <a:xfrm>
+            <a:off x="10595345" y="715971"/>
+            <a:ext cx="501779" cy="5364674"/>
+          </a:xfrm>
+          <a:prstGeom prst="rect">
+            <a:avLst/>
+          </a:prstGeom>
+          <a:noFill/>
+          <a:ln>
+            <a:noFill/>
+          </a:ln>
+          <a:extLst>
+            <a:ext uri="{909E8E84-426E-40DD-AFC4-6F175D3DCCD1}">
+              <a14:hiddenFill xmlns:a14="http://schemas.microsoft.com/office/drawing/2010/main">
+                <a:solidFill>
+                  <a:srgbClr val="FFFFFF"/>
+                </a:solidFill>
+              </a14:hiddenFill>
+            </a:ext>
+            <a:ext uri="{91240B29-F687-4F45-9708-019B960494DF}">
+              <a14:hiddenLine xmlns:a14="http://schemas.microsoft.com/office/drawing/2010/main" w="9525">
+                <a:solidFill>
+                  <a:srgbClr val="000000"/>
+                </a:solidFill>
+                <a:miter lim="800000"/>
+                <a:headEnd/>
+                <a:tailEnd/>
+              </a14:hiddenLine>
+            </a:ext>
+          </a:extLst>
+        </p:spPr>
+        <p:txBody>
+          <a:bodyPr vert="horz" wrap="square" lIns="91440" tIns="45720" rIns="91440" bIns="45720" numCol="1" anchor="t" anchorCtr="0" compatLnSpc="1"/>
+          <a:lstStyle/>
+          <a:p>
+            <a:endParaRPr lang="zh-CN" altLang="en-US"/>
+          </a:p>
+        </p:txBody>
+      </p:sp>
+      <p:sp>
+        <p:nvSpPr>
+          <p:cNvPr id="6" name="矩形 5"/>
+          <p:cNvSpPr/>
+          <p:nvPr/>
+        </p:nvSpPr>
+        <p:spPr>
+          <a:xfrm>
+            <a:off x="168635" y="191770"/>
+            <a:ext cx="5488016" cy="553085"/>
+          </a:xfrm>
+          <a:prstGeom prst="rect">
+            <a:avLst/>
+          </a:prstGeom>
+        </p:spPr>
+        <p:txBody>
+          <a:bodyPr wrap="square">
+            <a:spAutoFit/>
+          </a:bodyPr>
+          <a:lstStyle/>
+          <a:p>
+            <a:r>
+              <a:rPr lang="zh-CN" altLang="en-US" sz="3000" dirty="0">
+                <a:solidFill>
+                  <a:srgbClr val="DACD57"/>
+                </a:solidFill>
+                <a:latin typeface="幼圆" panose="02010509060101010101" pitchFamily="49" charset="-122"/>
+                <a:ea typeface="幼圆" panose="02010509060101010101" pitchFamily="49" charset="-122"/>
+                <a:cs typeface="Lao UI" panose="020B0502040204020203" pitchFamily="34" charset="0"/>
+              </a:rPr>
+              <a:t>应用设计</a:t>
+            </a:r>
+            <a:r>
+              <a:rPr lang="zh-CN" altLang="en-US" sz="1600" dirty="0">
+                <a:solidFill>
+                  <a:srgbClr val="DACD57"/>
+                </a:solidFill>
+                <a:latin typeface="幼圆" panose="02010509060101010101" pitchFamily="49" charset="-122"/>
+                <a:ea typeface="幼圆" panose="02010509060101010101" pitchFamily="49" charset="-122"/>
+                <a:cs typeface="Lao UI" panose="020B0502040204020203" pitchFamily="34" charset="0"/>
+              </a:rPr>
+              <a:t>个人中心</a:t>
+            </a:r>
+            <a:endParaRPr lang="zh-CN" altLang="en-US" sz="1600" dirty="0">
+              <a:solidFill>
+                <a:srgbClr val="DACD57"/>
+              </a:solidFill>
+              <a:latin typeface="幼圆" panose="02010509060101010101" pitchFamily="49" charset="-122"/>
+              <a:ea typeface="幼圆" panose="02010509060101010101" pitchFamily="49" charset="-122"/>
+              <a:cs typeface="Lao UI" panose="020B0502040204020203" pitchFamily="34" charset="0"/>
+            </a:endParaRPr>
+          </a:p>
+        </p:txBody>
+      </p:sp>
+      <p:pic>
+        <p:nvPicPr>
+          <p:cNvPr id="2" name="图片 1" descr="687474703a2f2f75706c6f61642d696d616765732e6a69616e7368752e696f2f75706c6f61645f696d616765732f363436353736312d353063653830656562366234343062302e706e673f696d6167654d6f6772322f6175746f2d6f7269656e742f7374726970253743696d6"/>
+          <p:cNvPicPr>
+            <a:picLocks noChangeAspect="1"/>
+          </p:cNvPicPr>
+          <p:nvPr/>
+        </p:nvPicPr>
+        <p:blipFill>
+          <a:blip r:embed="rId1"/>
+          <a:stretch>
+            <a:fillRect/>
+          </a:stretch>
+        </p:blipFill>
+        <p:spPr>
+          <a:xfrm>
+            <a:off x="1066800" y="1060450"/>
+            <a:ext cx="10058400" cy="4737100"/>
+          </a:xfrm>
+          <a:prstGeom prst="rect">
+            <a:avLst/>
+          </a:prstGeom>
+        </p:spPr>
+      </p:pic>
+    </p:spTree>
+    <p:custDataLst>
+      <p:tags r:id="rId2"/>
+    </p:custDataLst>
+  </p:cSld>
+  <p:clrMapOvr>
+    <a:masterClrMapping/>
+  </p:clrMapOvr>
+</p:sld>
+</file>
+
+<file path=ppt/slides/slide27.xml><?xml version="1.0" encoding="utf-8"?>
 <p:sld xmlns:a="http://schemas.openxmlformats.org/drawingml/2006/main" xmlns:r="http://schemas.openxmlformats.org/officeDocument/2006/relationships" xmlns:p="http://schemas.openxmlformats.org/presentationml/2006/main">
   <p:cSld>
     <p:spTree>
@@ -20366,8 +22992,8 @@
         </p:nvSpPr>
         <p:spPr>
           <a:xfrm>
-            <a:off x="5565775" y="539115"/>
-            <a:ext cx="1160780" cy="1198880"/>
+            <a:off x="5395683" y="576171"/>
+            <a:ext cx="1400633" cy="1200329"/>
           </a:xfrm>
           <a:prstGeom prst="rect">
             <a:avLst/>
@@ -20388,7 +23014,7 @@
                 </a:solidFill>
                 <a:latin typeface="Impact" panose="020B0806030902050204" pitchFamily="34" charset="0"/>
               </a:rPr>
-              <a:t>04</a:t>
+              <a:t>05</a:t>
             </a:r>
             <a:endParaRPr lang="zh-CN" altLang="en-US" sz="7200" dirty="0">
               <a:solidFill>
@@ -20433,9 +23059,9 @@
                 <a:latin typeface="幼圆" panose="02010509060101010101" pitchFamily="49" charset="-122"/>
                 <a:ea typeface="幼圆" panose="02010509060101010101" pitchFamily="49" charset="-122"/>
               </a:rPr>
-              <a:t>应用设计</a:t>
+              <a:t>安全和性能</a:t>
             </a:r>
-            <a:endParaRPr lang="zh-CN" altLang="en-US" sz="3200" dirty="0">
+            <a:endParaRPr lang="en-US" altLang="zh-CN" sz="3200" dirty="0">
               <a:solidFill>
                 <a:schemeClr val="tx1">
                   <a:lumMod val="85000"/>
@@ -20451,776 +23077,6 @@
     </p:spTree>
     <p:custDataLst>
       <p:tags r:id="rId1"/>
-    </p:custDataLst>
-  </p:cSld>
-  <p:clrMapOvr>
-    <a:masterClrMapping/>
-  </p:clrMapOvr>
-</p:sld>
-</file>
-
-<file path=ppt/slides/slide23.xml><?xml version="1.0" encoding="utf-8"?>
-<p:sld xmlns:a="http://schemas.openxmlformats.org/drawingml/2006/main" xmlns:r="http://schemas.openxmlformats.org/officeDocument/2006/relationships" xmlns:p="http://schemas.openxmlformats.org/presentationml/2006/main">
-  <p:cSld>
-    <p:spTree>
-      <p:nvGrpSpPr>
-        <p:cNvPr id="1" name=""/>
-        <p:cNvGrpSpPr/>
-        <p:nvPr/>
-      </p:nvGrpSpPr>
-      <p:grpSpPr>
-        <a:xfrm>
-          <a:off x="0" y="0"/>
-          <a:ext cx="0" cy="0"/>
-          <a:chOff x="0" y="0"/>
-          <a:chExt cx="0" cy="0"/>
-        </a:xfrm>
-      </p:grpSpPr>
-      <p:sp>
-        <p:nvSpPr>
-          <p:cNvPr id="7" name="AutoShape 262"/>
-          <p:cNvSpPr>
-            <a:spLocks noChangeAspect="1" noChangeArrowheads="1" noTextEdit="1"/>
-          </p:cNvSpPr>
-          <p:nvPr/>
-        </p:nvSpPr>
-        <p:spPr bwMode="auto">
-          <a:xfrm>
-            <a:off x="10595345" y="715971"/>
-            <a:ext cx="501779" cy="5364674"/>
-          </a:xfrm>
-          <a:prstGeom prst="rect">
-            <a:avLst/>
-          </a:prstGeom>
-          <a:noFill/>
-          <a:ln>
-            <a:noFill/>
-          </a:ln>
-          <a:extLst>
-            <a:ext uri="{909E8E84-426E-40DD-AFC4-6F175D3DCCD1}">
-              <a14:hiddenFill xmlns:a14="http://schemas.microsoft.com/office/drawing/2010/main">
-                <a:solidFill>
-                  <a:srgbClr val="FFFFFF"/>
-                </a:solidFill>
-              </a14:hiddenFill>
-            </a:ext>
-            <a:ext uri="{91240B29-F687-4F45-9708-019B960494DF}">
-              <a14:hiddenLine xmlns:a14="http://schemas.microsoft.com/office/drawing/2010/main" w="9525">
-                <a:solidFill>
-                  <a:srgbClr val="000000"/>
-                </a:solidFill>
-                <a:miter lim="800000"/>
-                <a:headEnd/>
-                <a:tailEnd/>
-              </a14:hiddenLine>
-            </a:ext>
-          </a:extLst>
-        </p:spPr>
-        <p:txBody>
-          <a:bodyPr vert="horz" wrap="square" lIns="91440" tIns="45720" rIns="91440" bIns="45720" numCol="1" anchor="t" anchorCtr="0" compatLnSpc="1"/>
-          <a:lstStyle/>
-          <a:p>
-            <a:endParaRPr lang="zh-CN" altLang="en-US"/>
-          </a:p>
-        </p:txBody>
-      </p:sp>
-      <p:sp>
-        <p:nvSpPr>
-          <p:cNvPr id="6" name="矩形 5"/>
-          <p:cNvSpPr/>
-          <p:nvPr/>
-        </p:nvSpPr>
-        <p:spPr>
-          <a:xfrm>
-            <a:off x="168635" y="191770"/>
-            <a:ext cx="5488016" cy="553085"/>
-          </a:xfrm>
-          <a:prstGeom prst="rect">
-            <a:avLst/>
-          </a:prstGeom>
-        </p:spPr>
-        <p:txBody>
-          <a:bodyPr wrap="square">
-            <a:spAutoFit/>
-          </a:bodyPr>
-          <a:lstStyle/>
-          <a:p>
-            <a:r>
-              <a:rPr lang="zh-CN" altLang="en-US" sz="3000" dirty="0">
-                <a:solidFill>
-                  <a:srgbClr val="DACD57"/>
-                </a:solidFill>
-                <a:latin typeface="幼圆" panose="02010509060101010101" pitchFamily="49" charset="-122"/>
-                <a:ea typeface="幼圆" panose="02010509060101010101" pitchFamily="49" charset="-122"/>
-                <a:cs typeface="Lao UI" panose="020B0502040204020203" pitchFamily="34" charset="0"/>
-              </a:rPr>
-              <a:t>应用设计</a:t>
-            </a:r>
-            <a:r>
-              <a:rPr lang="zh-CN" altLang="en-US" sz="1600" dirty="0">
-                <a:solidFill>
-                  <a:srgbClr val="DACD57"/>
-                </a:solidFill>
-                <a:latin typeface="幼圆" panose="02010509060101010101" pitchFamily="49" charset="-122"/>
-                <a:ea typeface="幼圆" panose="02010509060101010101" pitchFamily="49" charset="-122"/>
-                <a:cs typeface="Lao UI" panose="020B0502040204020203" pitchFamily="34" charset="0"/>
-              </a:rPr>
-              <a:t>登录界面</a:t>
-            </a:r>
-            <a:endParaRPr lang="zh-CN" altLang="en-US" sz="1600" dirty="0">
-              <a:solidFill>
-                <a:srgbClr val="DACD57"/>
-              </a:solidFill>
-              <a:latin typeface="幼圆" panose="02010509060101010101" pitchFamily="49" charset="-122"/>
-              <a:ea typeface="幼圆" panose="02010509060101010101" pitchFamily="49" charset="-122"/>
-              <a:cs typeface="Lao UI" panose="020B0502040204020203" pitchFamily="34" charset="0"/>
-            </a:endParaRPr>
-          </a:p>
-        </p:txBody>
-      </p:sp>
-      <p:pic>
-        <p:nvPicPr>
-          <p:cNvPr id="3" name="图片 2" descr="687474703a2f2f75706c6f61642d696d616765732e6a69616e7368752e696f2f75706c6f61645f696d616765732f363436353736312d626433393961626162366463626331622e706e673f696d6167654d6f6772322f6175746f2d6f7269656e742f7374726970253743696d6"/>
-          <p:cNvPicPr>
-            <a:picLocks noChangeAspect="1"/>
-          </p:cNvPicPr>
-          <p:nvPr/>
-        </p:nvPicPr>
-        <p:blipFill>
-          <a:blip r:embed="rId1"/>
-          <a:stretch>
-            <a:fillRect/>
-          </a:stretch>
-        </p:blipFill>
-        <p:spPr>
-          <a:xfrm>
-            <a:off x="1584960" y="1192530"/>
-            <a:ext cx="8956040" cy="5100955"/>
-          </a:xfrm>
-          <a:prstGeom prst="rect">
-            <a:avLst/>
-          </a:prstGeom>
-        </p:spPr>
-      </p:pic>
-    </p:spTree>
-    <p:custDataLst>
-      <p:tags r:id="rId2"/>
-    </p:custDataLst>
-  </p:cSld>
-  <p:clrMapOvr>
-    <a:masterClrMapping/>
-  </p:clrMapOvr>
-</p:sld>
-</file>
-
-<file path=ppt/slides/slide24.xml><?xml version="1.0" encoding="utf-8"?>
-<p:sld xmlns:a="http://schemas.openxmlformats.org/drawingml/2006/main" xmlns:r="http://schemas.openxmlformats.org/officeDocument/2006/relationships" xmlns:p="http://schemas.openxmlformats.org/presentationml/2006/main">
-  <p:cSld>
-    <p:spTree>
-      <p:nvGrpSpPr>
-        <p:cNvPr id="1" name=""/>
-        <p:cNvGrpSpPr/>
-        <p:nvPr/>
-      </p:nvGrpSpPr>
-      <p:grpSpPr>
-        <a:xfrm>
-          <a:off x="0" y="0"/>
-          <a:ext cx="0" cy="0"/>
-          <a:chOff x="0" y="0"/>
-          <a:chExt cx="0" cy="0"/>
-        </a:xfrm>
-      </p:grpSpPr>
-      <p:sp>
-        <p:nvSpPr>
-          <p:cNvPr id="7" name="AutoShape 262"/>
-          <p:cNvSpPr>
-            <a:spLocks noChangeAspect="1" noChangeArrowheads="1" noTextEdit="1"/>
-          </p:cNvSpPr>
-          <p:nvPr/>
-        </p:nvSpPr>
-        <p:spPr bwMode="auto">
-          <a:xfrm>
-            <a:off x="10595345" y="715971"/>
-            <a:ext cx="501779" cy="5364674"/>
-          </a:xfrm>
-          <a:prstGeom prst="rect">
-            <a:avLst/>
-          </a:prstGeom>
-          <a:noFill/>
-          <a:ln>
-            <a:noFill/>
-          </a:ln>
-          <a:extLst>
-            <a:ext uri="{909E8E84-426E-40DD-AFC4-6F175D3DCCD1}">
-              <a14:hiddenFill xmlns:a14="http://schemas.microsoft.com/office/drawing/2010/main">
-                <a:solidFill>
-                  <a:srgbClr val="FFFFFF"/>
-                </a:solidFill>
-              </a14:hiddenFill>
-            </a:ext>
-            <a:ext uri="{91240B29-F687-4F45-9708-019B960494DF}">
-              <a14:hiddenLine xmlns:a14="http://schemas.microsoft.com/office/drawing/2010/main" w="9525">
-                <a:solidFill>
-                  <a:srgbClr val="000000"/>
-                </a:solidFill>
-                <a:miter lim="800000"/>
-                <a:headEnd/>
-                <a:tailEnd/>
-              </a14:hiddenLine>
-            </a:ext>
-          </a:extLst>
-        </p:spPr>
-        <p:txBody>
-          <a:bodyPr vert="horz" wrap="square" lIns="91440" tIns="45720" rIns="91440" bIns="45720" numCol="1" anchor="t" anchorCtr="0" compatLnSpc="1"/>
-          <a:lstStyle/>
-          <a:p>
-            <a:endParaRPr lang="zh-CN" altLang="en-US"/>
-          </a:p>
-        </p:txBody>
-      </p:sp>
-      <p:sp>
-        <p:nvSpPr>
-          <p:cNvPr id="6" name="矩形 5"/>
-          <p:cNvSpPr/>
-          <p:nvPr/>
-        </p:nvSpPr>
-        <p:spPr>
-          <a:xfrm>
-            <a:off x="168635" y="191770"/>
-            <a:ext cx="5488016" cy="553085"/>
-          </a:xfrm>
-          <a:prstGeom prst="rect">
-            <a:avLst/>
-          </a:prstGeom>
-        </p:spPr>
-        <p:txBody>
-          <a:bodyPr wrap="square">
-            <a:spAutoFit/>
-          </a:bodyPr>
-          <a:lstStyle/>
-          <a:p>
-            <a:r>
-              <a:rPr lang="zh-CN" altLang="en-US" sz="3000" dirty="0">
-                <a:solidFill>
-                  <a:srgbClr val="DACD57"/>
-                </a:solidFill>
-                <a:latin typeface="幼圆" panose="02010509060101010101" pitchFamily="49" charset="-122"/>
-                <a:ea typeface="幼圆" panose="02010509060101010101" pitchFamily="49" charset="-122"/>
-                <a:cs typeface="Lao UI" panose="020B0502040204020203" pitchFamily="34" charset="0"/>
-              </a:rPr>
-              <a:t>应用设计</a:t>
-            </a:r>
-            <a:r>
-              <a:rPr lang="zh-CN" altLang="en-US" sz="1600" dirty="0">
-                <a:solidFill>
-                  <a:srgbClr val="DACD57"/>
-                </a:solidFill>
-                <a:latin typeface="幼圆" panose="02010509060101010101" pitchFamily="49" charset="-122"/>
-                <a:ea typeface="幼圆" panose="02010509060101010101" pitchFamily="49" charset="-122"/>
-                <a:cs typeface="Lao UI" panose="020B0502040204020203" pitchFamily="34" charset="0"/>
-              </a:rPr>
-              <a:t>主界面</a:t>
-            </a:r>
-            <a:endParaRPr lang="zh-CN" altLang="en-US" sz="1600" dirty="0">
-              <a:solidFill>
-                <a:srgbClr val="DACD57"/>
-              </a:solidFill>
-              <a:latin typeface="幼圆" panose="02010509060101010101" pitchFamily="49" charset="-122"/>
-              <a:ea typeface="幼圆" panose="02010509060101010101" pitchFamily="49" charset="-122"/>
-              <a:cs typeface="Lao UI" panose="020B0502040204020203" pitchFamily="34" charset="0"/>
-            </a:endParaRPr>
-          </a:p>
-        </p:txBody>
-      </p:sp>
-      <p:pic>
-        <p:nvPicPr>
-          <p:cNvPr id="2" name="图片 1" descr="687474703a2f2f75706c6f61642d696d616765732e6a69616e7368752e696f2f75706c6f61645f696d616765732f363436353736312d396263643735646438356139663034652e706e673f696d6167654d6f6772322f6175746f2d6f7269656e742f7374726970253743696d6"/>
-          <p:cNvPicPr>
-            <a:picLocks noChangeAspect="1"/>
-          </p:cNvPicPr>
-          <p:nvPr/>
-        </p:nvPicPr>
-        <p:blipFill>
-          <a:blip r:embed="rId1"/>
-          <a:stretch>
-            <a:fillRect/>
-          </a:stretch>
-        </p:blipFill>
-        <p:spPr>
-          <a:xfrm>
-            <a:off x="1066800" y="1016000"/>
-            <a:ext cx="10058400" cy="4826000"/>
-          </a:xfrm>
-          <a:prstGeom prst="rect">
-            <a:avLst/>
-          </a:prstGeom>
-        </p:spPr>
-      </p:pic>
-    </p:spTree>
-    <p:custDataLst>
-      <p:tags r:id="rId2"/>
-    </p:custDataLst>
-  </p:cSld>
-  <p:clrMapOvr>
-    <a:masterClrMapping/>
-  </p:clrMapOvr>
-</p:sld>
-</file>
-
-<file path=ppt/slides/slide25.xml><?xml version="1.0" encoding="utf-8"?>
-<p:sld xmlns:a="http://schemas.openxmlformats.org/drawingml/2006/main" xmlns:r="http://schemas.openxmlformats.org/officeDocument/2006/relationships" xmlns:p="http://schemas.openxmlformats.org/presentationml/2006/main">
-  <p:cSld>
-    <p:spTree>
-      <p:nvGrpSpPr>
-        <p:cNvPr id="1" name=""/>
-        <p:cNvGrpSpPr/>
-        <p:nvPr/>
-      </p:nvGrpSpPr>
-      <p:grpSpPr>
-        <a:xfrm>
-          <a:off x="0" y="0"/>
-          <a:ext cx="0" cy="0"/>
-          <a:chOff x="0" y="0"/>
-          <a:chExt cx="0" cy="0"/>
-        </a:xfrm>
-      </p:grpSpPr>
-      <p:sp>
-        <p:nvSpPr>
-          <p:cNvPr id="7" name="AutoShape 262"/>
-          <p:cNvSpPr>
-            <a:spLocks noChangeAspect="1" noChangeArrowheads="1" noTextEdit="1"/>
-          </p:cNvSpPr>
-          <p:nvPr/>
-        </p:nvSpPr>
-        <p:spPr bwMode="auto">
-          <a:xfrm>
-            <a:off x="10595345" y="715971"/>
-            <a:ext cx="501779" cy="5364674"/>
-          </a:xfrm>
-          <a:prstGeom prst="rect">
-            <a:avLst/>
-          </a:prstGeom>
-          <a:noFill/>
-          <a:ln>
-            <a:noFill/>
-          </a:ln>
-          <a:extLst>
-            <a:ext uri="{909E8E84-426E-40DD-AFC4-6F175D3DCCD1}">
-              <a14:hiddenFill xmlns:a14="http://schemas.microsoft.com/office/drawing/2010/main">
-                <a:solidFill>
-                  <a:srgbClr val="FFFFFF"/>
-                </a:solidFill>
-              </a14:hiddenFill>
-            </a:ext>
-            <a:ext uri="{91240B29-F687-4F45-9708-019B960494DF}">
-              <a14:hiddenLine xmlns:a14="http://schemas.microsoft.com/office/drawing/2010/main" w="9525">
-                <a:solidFill>
-                  <a:srgbClr val="000000"/>
-                </a:solidFill>
-                <a:miter lim="800000"/>
-                <a:headEnd/>
-                <a:tailEnd/>
-              </a14:hiddenLine>
-            </a:ext>
-          </a:extLst>
-        </p:spPr>
-        <p:txBody>
-          <a:bodyPr vert="horz" wrap="square" lIns="91440" tIns="45720" rIns="91440" bIns="45720" numCol="1" anchor="t" anchorCtr="0" compatLnSpc="1"/>
-          <a:lstStyle/>
-          <a:p>
-            <a:endParaRPr lang="zh-CN" altLang="en-US"/>
-          </a:p>
-        </p:txBody>
-      </p:sp>
-      <p:sp>
-        <p:nvSpPr>
-          <p:cNvPr id="6" name="矩形 5"/>
-          <p:cNvSpPr/>
-          <p:nvPr/>
-        </p:nvSpPr>
-        <p:spPr>
-          <a:xfrm>
-            <a:off x="168635" y="191770"/>
-            <a:ext cx="5488016" cy="553085"/>
-          </a:xfrm>
-          <a:prstGeom prst="rect">
-            <a:avLst/>
-          </a:prstGeom>
-        </p:spPr>
-        <p:txBody>
-          <a:bodyPr wrap="square">
-            <a:spAutoFit/>
-          </a:bodyPr>
-          <a:lstStyle/>
-          <a:p>
-            <a:r>
-              <a:rPr lang="zh-CN" altLang="en-US" sz="3000" dirty="0">
-                <a:solidFill>
-                  <a:srgbClr val="DACD57"/>
-                </a:solidFill>
-                <a:latin typeface="幼圆" panose="02010509060101010101" pitchFamily="49" charset="-122"/>
-                <a:ea typeface="幼圆" panose="02010509060101010101" pitchFamily="49" charset="-122"/>
-                <a:cs typeface="Lao UI" panose="020B0502040204020203" pitchFamily="34" charset="0"/>
-              </a:rPr>
-              <a:t>应用设计</a:t>
-            </a:r>
-            <a:r>
-              <a:rPr lang="zh-CN" altLang="en-US" sz="1600" dirty="0">
-                <a:solidFill>
-                  <a:srgbClr val="DACD57"/>
-                </a:solidFill>
-                <a:latin typeface="幼圆" panose="02010509060101010101" pitchFamily="49" charset="-122"/>
-                <a:ea typeface="幼圆" panose="02010509060101010101" pitchFamily="49" charset="-122"/>
-                <a:cs typeface="Lao UI" panose="020B0502040204020203" pitchFamily="34" charset="0"/>
-              </a:rPr>
-              <a:t>发布问题</a:t>
-            </a:r>
-            <a:endParaRPr lang="zh-CN" altLang="en-US" sz="1600" dirty="0">
-              <a:solidFill>
-                <a:srgbClr val="DACD57"/>
-              </a:solidFill>
-              <a:latin typeface="幼圆" panose="02010509060101010101" pitchFamily="49" charset="-122"/>
-              <a:ea typeface="幼圆" panose="02010509060101010101" pitchFamily="49" charset="-122"/>
-              <a:cs typeface="Lao UI" panose="020B0502040204020203" pitchFamily="34" charset="0"/>
-            </a:endParaRPr>
-          </a:p>
-        </p:txBody>
-      </p:sp>
-      <p:pic>
-        <p:nvPicPr>
-          <p:cNvPr id="2" name="图片 1" descr="687474703a2f2f75706c6f61642d696d616765732e6a69616e7368752e696f2f75706c6f61645f696d616765732f363436353736312d343165343433663734653265326633362e706e673f696d6167654d6f6772322f6175746f2d6f7269656e742f737472697025374 (2)"/>
-          <p:cNvPicPr>
-            <a:picLocks noChangeAspect="1"/>
-          </p:cNvPicPr>
-          <p:nvPr/>
-        </p:nvPicPr>
-        <p:blipFill>
-          <a:blip r:embed="rId1"/>
-          <a:stretch>
-            <a:fillRect/>
-          </a:stretch>
-        </p:blipFill>
-        <p:spPr>
-          <a:xfrm>
-            <a:off x="1066800" y="1007745"/>
-            <a:ext cx="10058400" cy="4842510"/>
-          </a:xfrm>
-          <a:prstGeom prst="rect">
-            <a:avLst/>
-          </a:prstGeom>
-        </p:spPr>
-      </p:pic>
-    </p:spTree>
-    <p:custDataLst>
-      <p:tags r:id="rId2"/>
-    </p:custDataLst>
-  </p:cSld>
-  <p:clrMapOvr>
-    <a:masterClrMapping/>
-  </p:clrMapOvr>
-</p:sld>
-</file>
-
-<file path=ppt/slides/slide26.xml><?xml version="1.0" encoding="utf-8"?>
-<p:sld xmlns:a="http://schemas.openxmlformats.org/drawingml/2006/main" xmlns:r="http://schemas.openxmlformats.org/officeDocument/2006/relationships" xmlns:p="http://schemas.openxmlformats.org/presentationml/2006/main">
-  <p:cSld>
-    <p:spTree>
-      <p:nvGrpSpPr>
-        <p:cNvPr id="1" name=""/>
-        <p:cNvGrpSpPr/>
-        <p:nvPr/>
-      </p:nvGrpSpPr>
-      <p:grpSpPr>
-        <a:xfrm>
-          <a:off x="0" y="0"/>
-          <a:ext cx="0" cy="0"/>
-          <a:chOff x="0" y="0"/>
-          <a:chExt cx="0" cy="0"/>
-        </a:xfrm>
-      </p:grpSpPr>
-      <p:sp>
-        <p:nvSpPr>
-          <p:cNvPr id="7" name="AutoShape 262"/>
-          <p:cNvSpPr>
-            <a:spLocks noChangeAspect="1" noChangeArrowheads="1" noTextEdit="1"/>
-          </p:cNvSpPr>
-          <p:nvPr/>
-        </p:nvSpPr>
-        <p:spPr bwMode="auto">
-          <a:xfrm>
-            <a:off x="10595345" y="715971"/>
-            <a:ext cx="501779" cy="5364674"/>
-          </a:xfrm>
-          <a:prstGeom prst="rect">
-            <a:avLst/>
-          </a:prstGeom>
-          <a:noFill/>
-          <a:ln>
-            <a:noFill/>
-          </a:ln>
-          <a:extLst>
-            <a:ext uri="{909E8E84-426E-40DD-AFC4-6F175D3DCCD1}">
-              <a14:hiddenFill xmlns:a14="http://schemas.microsoft.com/office/drawing/2010/main">
-                <a:solidFill>
-                  <a:srgbClr val="FFFFFF"/>
-                </a:solidFill>
-              </a14:hiddenFill>
-            </a:ext>
-            <a:ext uri="{91240B29-F687-4F45-9708-019B960494DF}">
-              <a14:hiddenLine xmlns:a14="http://schemas.microsoft.com/office/drawing/2010/main" w="9525">
-                <a:solidFill>
-                  <a:srgbClr val="000000"/>
-                </a:solidFill>
-                <a:miter lim="800000"/>
-                <a:headEnd/>
-                <a:tailEnd/>
-              </a14:hiddenLine>
-            </a:ext>
-          </a:extLst>
-        </p:spPr>
-        <p:txBody>
-          <a:bodyPr vert="horz" wrap="square" lIns="91440" tIns="45720" rIns="91440" bIns="45720" numCol="1" anchor="t" anchorCtr="0" compatLnSpc="1"/>
-          <a:lstStyle/>
-          <a:p>
-            <a:endParaRPr lang="zh-CN" altLang="en-US"/>
-          </a:p>
-        </p:txBody>
-      </p:sp>
-      <p:sp>
-        <p:nvSpPr>
-          <p:cNvPr id="6" name="矩形 5"/>
-          <p:cNvSpPr/>
-          <p:nvPr/>
-        </p:nvSpPr>
-        <p:spPr>
-          <a:xfrm>
-            <a:off x="168635" y="191770"/>
-            <a:ext cx="5488016" cy="553085"/>
-          </a:xfrm>
-          <a:prstGeom prst="rect">
-            <a:avLst/>
-          </a:prstGeom>
-        </p:spPr>
-        <p:txBody>
-          <a:bodyPr wrap="square">
-            <a:spAutoFit/>
-          </a:bodyPr>
-          <a:lstStyle/>
-          <a:p>
-            <a:r>
-              <a:rPr lang="zh-CN" altLang="en-US" sz="3000" dirty="0">
-                <a:solidFill>
-                  <a:srgbClr val="DACD57"/>
-                </a:solidFill>
-                <a:latin typeface="幼圆" panose="02010509060101010101" pitchFamily="49" charset="-122"/>
-                <a:ea typeface="幼圆" panose="02010509060101010101" pitchFamily="49" charset="-122"/>
-                <a:cs typeface="Lao UI" panose="020B0502040204020203" pitchFamily="34" charset="0"/>
-              </a:rPr>
-              <a:t>应用设计</a:t>
-            </a:r>
-            <a:r>
-              <a:rPr lang="zh-CN" altLang="en-US" sz="1600" dirty="0">
-                <a:solidFill>
-                  <a:srgbClr val="DACD57"/>
-                </a:solidFill>
-                <a:latin typeface="幼圆" panose="02010509060101010101" pitchFamily="49" charset="-122"/>
-                <a:ea typeface="幼圆" panose="02010509060101010101" pitchFamily="49" charset="-122"/>
-                <a:cs typeface="Lao UI" panose="020B0502040204020203" pitchFamily="34" charset="0"/>
-              </a:rPr>
-              <a:t>问题回答</a:t>
-            </a:r>
-            <a:endParaRPr lang="zh-CN" altLang="en-US" sz="1600" dirty="0">
-              <a:solidFill>
-                <a:srgbClr val="DACD57"/>
-              </a:solidFill>
-              <a:latin typeface="幼圆" panose="02010509060101010101" pitchFamily="49" charset="-122"/>
-              <a:ea typeface="幼圆" panose="02010509060101010101" pitchFamily="49" charset="-122"/>
-              <a:cs typeface="Lao UI" panose="020B0502040204020203" pitchFamily="34" charset="0"/>
-            </a:endParaRPr>
-          </a:p>
-        </p:txBody>
-      </p:sp>
-      <p:pic>
-        <p:nvPicPr>
-          <p:cNvPr id="2" name="图片 1" descr="687474703a2f2f75706c6f61642d696d616765732e6a69616e7368752e696f2f75706c6f61645f696d616765732f363436353736312d336239616262373961646530333564312e706e673f696d6167654d6f6772322f6175746f2d6f7269656e742f7374726970253743696d6"/>
-          <p:cNvPicPr>
-            <a:picLocks noChangeAspect="1"/>
-          </p:cNvPicPr>
-          <p:nvPr/>
-        </p:nvPicPr>
-        <p:blipFill>
-          <a:blip r:embed="rId1"/>
-          <a:stretch>
-            <a:fillRect/>
-          </a:stretch>
-        </p:blipFill>
-        <p:spPr>
-          <a:xfrm>
-            <a:off x="1066800" y="1186180"/>
-            <a:ext cx="10058400" cy="4485640"/>
-          </a:xfrm>
-          <a:prstGeom prst="rect">
-            <a:avLst/>
-          </a:prstGeom>
-        </p:spPr>
-      </p:pic>
-    </p:spTree>
-    <p:custDataLst>
-      <p:tags r:id="rId2"/>
-    </p:custDataLst>
-  </p:cSld>
-  <p:clrMapOvr>
-    <a:masterClrMapping/>
-  </p:clrMapOvr>
-</p:sld>
-</file>
-
-<file path=ppt/slides/slide27.xml><?xml version="1.0" encoding="utf-8"?>
-<p:sld xmlns:a="http://schemas.openxmlformats.org/drawingml/2006/main" xmlns:r="http://schemas.openxmlformats.org/officeDocument/2006/relationships" xmlns:p="http://schemas.openxmlformats.org/presentationml/2006/main">
-  <p:cSld>
-    <p:spTree>
-      <p:nvGrpSpPr>
-        <p:cNvPr id="1" name=""/>
-        <p:cNvGrpSpPr/>
-        <p:nvPr/>
-      </p:nvGrpSpPr>
-      <p:grpSpPr>
-        <a:xfrm>
-          <a:off x="0" y="0"/>
-          <a:ext cx="0" cy="0"/>
-          <a:chOff x="0" y="0"/>
-          <a:chExt cx="0" cy="0"/>
-        </a:xfrm>
-      </p:grpSpPr>
-      <p:sp>
-        <p:nvSpPr>
-          <p:cNvPr id="7" name="AutoShape 262"/>
-          <p:cNvSpPr>
-            <a:spLocks noChangeAspect="1" noChangeArrowheads="1" noTextEdit="1"/>
-          </p:cNvSpPr>
-          <p:nvPr/>
-        </p:nvSpPr>
-        <p:spPr bwMode="auto">
-          <a:xfrm>
-            <a:off x="10595345" y="715971"/>
-            <a:ext cx="501779" cy="5364674"/>
-          </a:xfrm>
-          <a:prstGeom prst="rect">
-            <a:avLst/>
-          </a:prstGeom>
-          <a:noFill/>
-          <a:ln>
-            <a:noFill/>
-          </a:ln>
-          <a:extLst>
-            <a:ext uri="{909E8E84-426E-40DD-AFC4-6F175D3DCCD1}">
-              <a14:hiddenFill xmlns:a14="http://schemas.microsoft.com/office/drawing/2010/main">
-                <a:solidFill>
-                  <a:srgbClr val="FFFFFF"/>
-                </a:solidFill>
-              </a14:hiddenFill>
-            </a:ext>
-            <a:ext uri="{91240B29-F687-4F45-9708-019B960494DF}">
-              <a14:hiddenLine xmlns:a14="http://schemas.microsoft.com/office/drawing/2010/main" w="9525">
-                <a:solidFill>
-                  <a:srgbClr val="000000"/>
-                </a:solidFill>
-                <a:miter lim="800000"/>
-                <a:headEnd/>
-                <a:tailEnd/>
-              </a14:hiddenLine>
-            </a:ext>
-          </a:extLst>
-        </p:spPr>
-        <p:txBody>
-          <a:bodyPr vert="horz" wrap="square" lIns="91440" tIns="45720" rIns="91440" bIns="45720" numCol="1" anchor="t" anchorCtr="0" compatLnSpc="1"/>
-          <a:lstStyle/>
-          <a:p>
-            <a:endParaRPr lang="zh-CN" altLang="en-US"/>
-          </a:p>
-        </p:txBody>
-      </p:sp>
-      <p:sp>
-        <p:nvSpPr>
-          <p:cNvPr id="6" name="矩形 5"/>
-          <p:cNvSpPr/>
-          <p:nvPr/>
-        </p:nvSpPr>
-        <p:spPr>
-          <a:xfrm>
-            <a:off x="168635" y="191770"/>
-            <a:ext cx="5488016" cy="553085"/>
-          </a:xfrm>
-          <a:prstGeom prst="rect">
-            <a:avLst/>
-          </a:prstGeom>
-        </p:spPr>
-        <p:txBody>
-          <a:bodyPr wrap="square">
-            <a:spAutoFit/>
-          </a:bodyPr>
-          <a:lstStyle/>
-          <a:p>
-            <a:r>
-              <a:rPr lang="zh-CN" altLang="en-US" sz="3000" dirty="0">
-                <a:solidFill>
-                  <a:srgbClr val="DACD57"/>
-                </a:solidFill>
-                <a:latin typeface="幼圆" panose="02010509060101010101" pitchFamily="49" charset="-122"/>
-                <a:ea typeface="幼圆" panose="02010509060101010101" pitchFamily="49" charset="-122"/>
-                <a:cs typeface="Lao UI" panose="020B0502040204020203" pitchFamily="34" charset="0"/>
-              </a:rPr>
-              <a:t>应用设计</a:t>
-            </a:r>
-            <a:r>
-              <a:rPr lang="zh-CN" altLang="en-US" sz="1600" dirty="0">
-                <a:solidFill>
-                  <a:srgbClr val="DACD57"/>
-                </a:solidFill>
-                <a:latin typeface="幼圆" panose="02010509060101010101" pitchFamily="49" charset="-122"/>
-                <a:ea typeface="幼圆" panose="02010509060101010101" pitchFamily="49" charset="-122"/>
-                <a:cs typeface="Lao UI" panose="020B0502040204020203" pitchFamily="34" charset="0"/>
-              </a:rPr>
-              <a:t>站内信</a:t>
-            </a:r>
-            <a:endParaRPr lang="zh-CN" altLang="en-US" sz="1600" dirty="0">
-              <a:solidFill>
-                <a:srgbClr val="DACD57"/>
-              </a:solidFill>
-              <a:latin typeface="幼圆" panose="02010509060101010101" pitchFamily="49" charset="-122"/>
-              <a:ea typeface="幼圆" panose="02010509060101010101" pitchFamily="49" charset="-122"/>
-              <a:cs typeface="Lao UI" panose="020B0502040204020203" pitchFamily="34" charset="0"/>
-            </a:endParaRPr>
-          </a:p>
-        </p:txBody>
-      </p:sp>
-      <p:pic>
-        <p:nvPicPr>
-          <p:cNvPr id="2" name="图片 1" descr="687474703a2f2f75706c6f61642d696d616765732e6a69616e7368752e696f2f75706c6f61645f696d616765732f363436353736312d616161313662386537373238643639362e706e673f696d6167654d6f6772322f6175746f2d6f7269656e742f7374726970253743696d6"/>
-          <p:cNvPicPr>
-            <a:picLocks noChangeAspect="1"/>
-          </p:cNvPicPr>
-          <p:nvPr/>
-        </p:nvPicPr>
-        <p:blipFill>
-          <a:blip r:embed="rId1"/>
-          <a:stretch>
-            <a:fillRect/>
-          </a:stretch>
-        </p:blipFill>
-        <p:spPr>
-          <a:xfrm>
-            <a:off x="1066800" y="1206500"/>
-            <a:ext cx="10058400" cy="4445000"/>
-          </a:xfrm>
-          <a:prstGeom prst="rect">
-            <a:avLst/>
-          </a:prstGeom>
-        </p:spPr>
-      </p:pic>
-    </p:spTree>
-    <p:custDataLst>
-      <p:tags r:id="rId2"/>
     </p:custDataLst>
   </p:cSld>
   <p:clrMapOvr>
@@ -21296,294 +23152,14 @@
       </p:sp>
       <p:sp>
         <p:nvSpPr>
-          <p:cNvPr id="6" name="矩形 5"/>
-          <p:cNvSpPr/>
-          <p:nvPr/>
-        </p:nvSpPr>
-        <p:spPr>
-          <a:xfrm>
-            <a:off x="168635" y="191770"/>
-            <a:ext cx="5488016" cy="553085"/>
-          </a:xfrm>
-          <a:prstGeom prst="rect">
-            <a:avLst/>
-          </a:prstGeom>
-        </p:spPr>
-        <p:txBody>
-          <a:bodyPr wrap="square">
-            <a:spAutoFit/>
-          </a:bodyPr>
-          <a:lstStyle/>
-          <a:p>
-            <a:r>
-              <a:rPr lang="zh-CN" altLang="en-US" sz="3000" dirty="0">
-                <a:solidFill>
-                  <a:srgbClr val="DACD57"/>
-                </a:solidFill>
-                <a:latin typeface="幼圆" panose="02010509060101010101" pitchFamily="49" charset="-122"/>
-                <a:ea typeface="幼圆" panose="02010509060101010101" pitchFamily="49" charset="-122"/>
-                <a:cs typeface="Lao UI" panose="020B0502040204020203" pitchFamily="34" charset="0"/>
-              </a:rPr>
-              <a:t>应用设计</a:t>
-            </a:r>
-            <a:r>
-              <a:rPr lang="zh-CN" altLang="en-US" sz="1600" dirty="0">
-                <a:solidFill>
-                  <a:srgbClr val="DACD57"/>
-                </a:solidFill>
-                <a:latin typeface="幼圆" panose="02010509060101010101" pitchFamily="49" charset="-122"/>
-                <a:ea typeface="幼圆" panose="02010509060101010101" pitchFamily="49" charset="-122"/>
-                <a:cs typeface="Lao UI" panose="020B0502040204020203" pitchFamily="34" charset="0"/>
-              </a:rPr>
-              <a:t>个人中心</a:t>
-            </a:r>
-            <a:endParaRPr lang="zh-CN" altLang="en-US" sz="1600" dirty="0">
-              <a:solidFill>
-                <a:srgbClr val="DACD57"/>
-              </a:solidFill>
-              <a:latin typeface="幼圆" panose="02010509060101010101" pitchFamily="49" charset="-122"/>
-              <a:ea typeface="幼圆" panose="02010509060101010101" pitchFamily="49" charset="-122"/>
-              <a:cs typeface="Lao UI" panose="020B0502040204020203" pitchFamily="34" charset="0"/>
-            </a:endParaRPr>
-          </a:p>
-        </p:txBody>
-      </p:sp>
-      <p:pic>
-        <p:nvPicPr>
-          <p:cNvPr id="2" name="图片 1" descr="687474703a2f2f75706c6f61642d696d616765732e6a69616e7368752e696f2f75706c6f61645f696d616765732f363436353736312d353063653830656562366234343062302e706e673f696d6167654d6f6772322f6175746f2d6f7269656e742f7374726970253743696d6"/>
-          <p:cNvPicPr>
-            <a:picLocks noChangeAspect="1"/>
-          </p:cNvPicPr>
-          <p:nvPr/>
-        </p:nvPicPr>
-        <p:blipFill>
-          <a:blip r:embed="rId1"/>
-          <a:stretch>
-            <a:fillRect/>
-          </a:stretch>
-        </p:blipFill>
-        <p:spPr>
-          <a:xfrm>
-            <a:off x="1066800" y="1060450"/>
-            <a:ext cx="10058400" cy="4737100"/>
-          </a:xfrm>
-          <a:prstGeom prst="rect">
-            <a:avLst/>
-          </a:prstGeom>
-        </p:spPr>
-      </p:pic>
-    </p:spTree>
-    <p:custDataLst>
-      <p:tags r:id="rId2"/>
-    </p:custDataLst>
-  </p:cSld>
-  <p:clrMapOvr>
-    <a:masterClrMapping/>
-  </p:clrMapOvr>
-</p:sld>
-</file>
-
-<file path=ppt/slides/slide29.xml><?xml version="1.0" encoding="utf-8"?>
-<p:sld xmlns:a="http://schemas.openxmlformats.org/drawingml/2006/main" xmlns:r="http://schemas.openxmlformats.org/officeDocument/2006/relationships" xmlns:p="http://schemas.openxmlformats.org/presentationml/2006/main">
-  <p:cSld>
-    <p:spTree>
-      <p:nvGrpSpPr>
-        <p:cNvPr id="1" name=""/>
-        <p:cNvGrpSpPr/>
-        <p:nvPr/>
-      </p:nvGrpSpPr>
-      <p:grpSpPr>
-        <a:xfrm>
-          <a:off x="0" y="0"/>
-          <a:ext cx="0" cy="0"/>
-          <a:chOff x="0" y="0"/>
-          <a:chExt cx="0" cy="0"/>
-        </a:xfrm>
-      </p:grpSpPr>
-      <p:sp>
-        <p:nvSpPr>
-          <p:cNvPr id="9" name="矩形 2"/>
-          <p:cNvSpPr/>
-          <p:nvPr/>
-        </p:nvSpPr>
-        <p:spPr>
-          <a:xfrm>
-            <a:off x="4813526" y="104774"/>
-            <a:ext cx="2564948" cy="2143125"/>
-          </a:xfrm>
-          <a:custGeom>
-            <a:avLst/>
-            <a:gdLst>
-              <a:gd name="connsiteX0" fmla="*/ 0 w 2762250"/>
-              <a:gd name="connsiteY0" fmla="*/ 0 h 2466975"/>
-              <a:gd name="connsiteX1" fmla="*/ 2762250 w 2762250"/>
-              <a:gd name="connsiteY1" fmla="*/ 0 h 2466975"/>
-              <a:gd name="connsiteX2" fmla="*/ 2762250 w 2762250"/>
-              <a:gd name="connsiteY2" fmla="*/ 2466975 h 2466975"/>
-              <a:gd name="connsiteX3" fmla="*/ 0 w 2762250"/>
-              <a:gd name="connsiteY3" fmla="*/ 2466975 h 2466975"/>
-              <a:gd name="connsiteX4" fmla="*/ 0 w 2762250"/>
-              <a:gd name="connsiteY4" fmla="*/ 0 h 2466975"/>
-              <a:gd name="connsiteX0-1" fmla="*/ 0 w 2762250"/>
-              <a:gd name="connsiteY0-2" fmla="*/ 0 h 2476500"/>
-              <a:gd name="connsiteX1-3" fmla="*/ 2762250 w 2762250"/>
-              <a:gd name="connsiteY1-4" fmla="*/ 0 h 2476500"/>
-              <a:gd name="connsiteX2-5" fmla="*/ 2762250 w 2762250"/>
-              <a:gd name="connsiteY2-6" fmla="*/ 2466975 h 2476500"/>
-              <a:gd name="connsiteX3-7" fmla="*/ 1428750 w 2762250"/>
-              <a:gd name="connsiteY3-8" fmla="*/ 2476500 h 2476500"/>
-              <a:gd name="connsiteX4-9" fmla="*/ 0 w 2762250"/>
-              <a:gd name="connsiteY4-10" fmla="*/ 2466975 h 2476500"/>
-              <a:gd name="connsiteX5" fmla="*/ 0 w 2762250"/>
-              <a:gd name="connsiteY5" fmla="*/ 0 h 2476500"/>
-              <a:gd name="connsiteX0-11" fmla="*/ 0 w 2762250"/>
-              <a:gd name="connsiteY0-12" fmla="*/ 0 h 2895600"/>
-              <a:gd name="connsiteX1-13" fmla="*/ 2762250 w 2762250"/>
-              <a:gd name="connsiteY1-14" fmla="*/ 0 h 2895600"/>
-              <a:gd name="connsiteX2-15" fmla="*/ 2762250 w 2762250"/>
-              <a:gd name="connsiteY2-16" fmla="*/ 2466975 h 2895600"/>
-              <a:gd name="connsiteX3-17" fmla="*/ 1428750 w 2762250"/>
-              <a:gd name="connsiteY3-18" fmla="*/ 2895600 h 2895600"/>
-              <a:gd name="connsiteX4-19" fmla="*/ 0 w 2762250"/>
-              <a:gd name="connsiteY4-20" fmla="*/ 2466975 h 2895600"/>
-              <a:gd name="connsiteX5-21" fmla="*/ 0 w 2762250"/>
-              <a:gd name="connsiteY5-22" fmla="*/ 0 h 2895600"/>
-              <a:gd name="connsiteX0-23" fmla="*/ 0 w 2762250"/>
-              <a:gd name="connsiteY0-24" fmla="*/ 0 h 2895600"/>
-              <a:gd name="connsiteX1-25" fmla="*/ 2762250 w 2762250"/>
-              <a:gd name="connsiteY1-26" fmla="*/ 0 h 2895600"/>
-              <a:gd name="connsiteX2-27" fmla="*/ 2762250 w 2762250"/>
-              <a:gd name="connsiteY2-28" fmla="*/ 2466975 h 2895600"/>
-              <a:gd name="connsiteX3-29" fmla="*/ 1356946 w 2762250"/>
-              <a:gd name="connsiteY3-30" fmla="*/ 2895600 h 2895600"/>
-              <a:gd name="connsiteX4-31" fmla="*/ 0 w 2762250"/>
-              <a:gd name="connsiteY4-32" fmla="*/ 2466975 h 2895600"/>
-              <a:gd name="connsiteX5-33" fmla="*/ 0 w 2762250"/>
-              <a:gd name="connsiteY5-34" fmla="*/ 0 h 2895600"/>
-              <a:gd name="connsiteX0-35" fmla="*/ 0 w 2762250"/>
-              <a:gd name="connsiteY0-36" fmla="*/ 0 h 2895600"/>
-              <a:gd name="connsiteX1-37" fmla="*/ 2762250 w 2762250"/>
-              <a:gd name="connsiteY1-38" fmla="*/ 0 h 2895600"/>
-              <a:gd name="connsiteX2-39" fmla="*/ 2762250 w 2762250"/>
-              <a:gd name="connsiteY2-40" fmla="*/ 2466975 h 2895600"/>
-              <a:gd name="connsiteX3-41" fmla="*/ 1397977 w 2762250"/>
-              <a:gd name="connsiteY3-42" fmla="*/ 2895600 h 2895600"/>
-              <a:gd name="connsiteX4-43" fmla="*/ 0 w 2762250"/>
-              <a:gd name="connsiteY4-44" fmla="*/ 2466975 h 2895600"/>
-              <a:gd name="connsiteX5-45" fmla="*/ 0 w 2762250"/>
-              <a:gd name="connsiteY5-46" fmla="*/ 0 h 2895600"/>
-              <a:gd name="connsiteX0-47" fmla="*/ 0 w 2762250"/>
-              <a:gd name="connsiteY0-48" fmla="*/ 0 h 2895600"/>
-              <a:gd name="connsiteX1-49" fmla="*/ 2762250 w 2762250"/>
-              <a:gd name="connsiteY1-50" fmla="*/ 0 h 2895600"/>
-              <a:gd name="connsiteX2-51" fmla="*/ 2762250 w 2762250"/>
-              <a:gd name="connsiteY2-52" fmla="*/ 2466975 h 2895600"/>
-              <a:gd name="connsiteX3-53" fmla="*/ 1377461 w 2762250"/>
-              <a:gd name="connsiteY3-54" fmla="*/ 2895600 h 2895600"/>
-              <a:gd name="connsiteX4-55" fmla="*/ 0 w 2762250"/>
-              <a:gd name="connsiteY4-56" fmla="*/ 2466975 h 2895600"/>
-              <a:gd name="connsiteX5-57" fmla="*/ 0 w 2762250"/>
-              <a:gd name="connsiteY5-58" fmla="*/ 0 h 2895600"/>
-            </a:gdLst>
-            <a:ahLst/>
-            <a:cxnLst>
-              <a:cxn ang="0">
-                <a:pos x="connsiteX0-1" y="connsiteY0-2"/>
-              </a:cxn>
-              <a:cxn ang="0">
-                <a:pos x="connsiteX1-3" y="connsiteY1-4"/>
-              </a:cxn>
-              <a:cxn ang="0">
-                <a:pos x="connsiteX2-5" y="connsiteY2-6"/>
-              </a:cxn>
-              <a:cxn ang="0">
-                <a:pos x="connsiteX3-7" y="connsiteY3-8"/>
-              </a:cxn>
-              <a:cxn ang="0">
-                <a:pos x="connsiteX4-9" y="connsiteY4-10"/>
-              </a:cxn>
-              <a:cxn ang="0">
-                <a:pos x="connsiteX5-21" y="connsiteY5-22"/>
-              </a:cxn>
-            </a:cxnLst>
-            <a:rect l="l" t="t" r="r" b="b"/>
-            <a:pathLst>
-              <a:path w="2762250" h="2895600">
-                <a:moveTo>
-                  <a:pt x="0" y="0"/>
-                </a:moveTo>
-                <a:lnTo>
-                  <a:pt x="2762250" y="0"/>
-                </a:lnTo>
-                <a:lnTo>
-                  <a:pt x="2762250" y="2466975"/>
-                </a:lnTo>
-                <a:lnTo>
-                  <a:pt x="1377461" y="2895600"/>
-                </a:lnTo>
-                <a:lnTo>
-                  <a:pt x="0" y="2466975"/>
-                </a:lnTo>
-                <a:lnTo>
-                  <a:pt x="0" y="0"/>
-                </a:lnTo>
-                <a:close/>
-              </a:path>
-            </a:pathLst>
-          </a:custGeom>
-          <a:noFill/>
-          <a:ln w="15875">
-            <a:solidFill>
-              <a:schemeClr val="tx1">
-                <a:lumMod val="85000"/>
-                <a:lumOff val="15000"/>
-              </a:schemeClr>
-            </a:solidFill>
-            <a:prstDash val="dash"/>
-          </a:ln>
-        </p:spPr>
-        <p:style>
-          <a:lnRef idx="2">
-            <a:schemeClr val="accent1">
-              <a:shade val="50000"/>
-            </a:schemeClr>
-          </a:lnRef>
-          <a:fillRef idx="1">
-            <a:schemeClr val="accent1"/>
-          </a:fillRef>
-          <a:effectRef idx="0">
-            <a:schemeClr val="accent1"/>
-          </a:effectRef>
-          <a:fontRef idx="minor">
-            <a:schemeClr val="lt1"/>
-          </a:fontRef>
-        </p:style>
-        <p:txBody>
-          <a:bodyPr rtlCol="0" anchor="ctr"/>
-          <a:lstStyle/>
-          <a:p>
-            <a:pPr algn="ctr"/>
-            <a:endParaRPr lang="zh-CN" altLang="en-US">
-              <a:solidFill>
-                <a:schemeClr val="tx1">
-                  <a:lumMod val="85000"/>
-                  <a:lumOff val="15000"/>
-                </a:schemeClr>
-              </a:solidFill>
-            </a:endParaRPr>
-          </a:p>
-        </p:txBody>
-      </p:sp>
-      <p:sp>
-        <p:nvSpPr>
-          <p:cNvPr id="6" name="文本框 5"/>
+          <p:cNvPr id="2" name="文本框 1"/>
           <p:cNvSpPr txBox="1"/>
           <p:nvPr/>
         </p:nvSpPr>
         <p:spPr>
           <a:xfrm>
-            <a:off x="5395683" y="576171"/>
-            <a:ext cx="1400633" cy="1200329"/>
+            <a:off x="888365" y="1830705"/>
+            <a:ext cx="3676015" cy="521970"/>
           </a:xfrm>
           <a:prstGeom prst="rect">
             <a:avLst/>
@@ -21594,72 +23170,308 @@
           <a:bodyPr wrap="square" rtlCol="0">
             <a:spAutoFit/>
           </a:bodyPr>
-          <a:lstStyle/>
-          <a:p>
-            <a:pPr algn="ctr"/>
+          <a:p>
             <a:r>
-              <a:rPr lang="en-US" altLang="zh-CN" sz="7200" dirty="0">
+              <a:rPr lang="zh-CN" altLang="en-US" sz="2800" b="1">
                 <a:solidFill>
-                  <a:schemeClr val="bg1"/>
+                  <a:srgbClr val="DACD57"/>
                 </a:solidFill>
-                <a:latin typeface="Impact" panose="020B0806030902050204" pitchFamily="34" charset="0"/>
+                <a:latin typeface="幼圆" panose="02010509060101010101" pitchFamily="49" charset="-122"/>
+                <a:ea typeface="幼圆" panose="02010509060101010101" pitchFamily="49" charset="-122"/>
               </a:rPr>
-              <a:t>05</a:t>
+              <a:t>性能和可用性：</a:t>
             </a:r>
-            <a:endParaRPr lang="zh-CN" altLang="en-US" sz="7200" dirty="0">
+            <a:endParaRPr lang="zh-CN" altLang="en-US" sz="2800" b="1">
               <a:solidFill>
-                <a:schemeClr val="bg1"/>
+                <a:srgbClr val="DACD57"/>
               </a:solidFill>
-              <a:latin typeface="Impact" panose="020B0806030902050204" pitchFamily="34" charset="0"/>
+              <a:latin typeface="幼圆" panose="02010509060101010101" pitchFamily="49" charset="-122"/>
+              <a:ea typeface="幼圆" panose="02010509060101010101" pitchFamily="49" charset="-122"/>
             </a:endParaRPr>
           </a:p>
         </p:txBody>
       </p:sp>
       <p:sp>
         <p:nvSpPr>
-          <p:cNvPr id="14" name="标题 13"/>
-          <p:cNvSpPr>
-            <a:spLocks noGrp="1"/>
-          </p:cNvSpPr>
-          <p:nvPr>
-            <p:ph type="title"/>
-          </p:nvPr>
+          <p:cNvPr id="3" name="文本框 2"/>
+          <p:cNvSpPr txBox="1"/>
+          <p:nvPr/>
         </p:nvSpPr>
         <p:spPr>
           <a:xfrm>
-            <a:off x="2784763" y="4006800"/>
-            <a:ext cx="6710400" cy="583200"/>
+            <a:off x="888365" y="3080385"/>
+            <a:ext cx="5882005" cy="922020"/>
           </a:xfrm>
-          <a:solidFill>
-            <a:srgbClr val="DACD57"/>
-          </a:solidFill>
+          <a:prstGeom prst="rect">
+            <a:avLst/>
+          </a:prstGeom>
+          <a:noFill/>
         </p:spPr>
         <p:txBody>
-          <a:bodyPr/>
-          <a:lstStyle/>
+          <a:bodyPr wrap="square" rtlCol="0">
+            <a:spAutoFit/>
+          </a:bodyPr>
           <a:p>
             <a:r>
-              <a:rPr lang="zh-CN" altLang="en-US" sz="3200" dirty="0">
+              <a:rPr lang="zh-CN" altLang="en-US">
                 <a:solidFill>
-                  <a:schemeClr val="tx1">
-                    <a:lumMod val="85000"/>
-                    <a:lumOff val="15000"/>
-                  </a:schemeClr>
+                  <a:srgbClr val="DACD57"/>
+                </a:solidFill>
+              </a:rPr>
+              <a:t>1.对发布的内容进行敏感词过滤处理</a:t>
+            </a:r>
+            <a:endParaRPr lang="zh-CN" altLang="en-US">
+              <a:solidFill>
+                <a:srgbClr val="DACD57"/>
+              </a:solidFill>
+            </a:endParaRPr>
+          </a:p>
+          <a:p>
+            <a:r>
+              <a:rPr lang="zh-CN" altLang="en-US">
+                <a:solidFill>
+                  <a:srgbClr val="DACD57"/>
+                </a:solidFill>
+              </a:rPr>
+              <a:t>2.对事件的处理采用了多线程和异步队列</a:t>
+            </a:r>
+            <a:endParaRPr lang="zh-CN" altLang="en-US">
+              <a:solidFill>
+                <a:srgbClr val="DACD57"/>
+              </a:solidFill>
+            </a:endParaRPr>
+          </a:p>
+          <a:p>
+            <a:r>
+              <a:rPr lang="zh-CN" altLang="en-US">
+                <a:solidFill>
+                  <a:srgbClr val="DACD57"/>
+                </a:solidFill>
+              </a:rPr>
+              <a:t>3.关注的人或问题的动态更新，使用推拉模式</a:t>
+            </a:r>
+            <a:endParaRPr lang="zh-CN" altLang="en-US">
+              <a:solidFill>
+                <a:srgbClr val="DACD57"/>
+              </a:solidFill>
+            </a:endParaRPr>
+          </a:p>
+        </p:txBody>
+      </p:sp>
+      <p:sp>
+        <p:nvSpPr>
+          <p:cNvPr id="4" name="文本框 3"/>
+          <p:cNvSpPr txBox="1"/>
+          <p:nvPr/>
+        </p:nvSpPr>
+        <p:spPr>
+          <a:xfrm>
+            <a:off x="7004050" y="1830705"/>
+            <a:ext cx="2981325" cy="521970"/>
+          </a:xfrm>
+          <a:prstGeom prst="rect">
+            <a:avLst/>
+          </a:prstGeom>
+          <a:noFill/>
+        </p:spPr>
+        <p:txBody>
+          <a:bodyPr wrap="square" rtlCol="0">
+            <a:spAutoFit/>
+          </a:bodyPr>
+          <a:p>
+            <a:r>
+              <a:rPr lang="zh-CN" altLang="en-US" sz="2800" b="1">
+                <a:solidFill>
+                  <a:srgbClr val="DACD57"/>
                 </a:solidFill>
                 <a:latin typeface="幼圆" panose="02010509060101010101" pitchFamily="49" charset="-122"/>
                 <a:ea typeface="幼圆" panose="02010509060101010101" pitchFamily="49" charset="-122"/>
               </a:rPr>
-              <a:t>安全防护策略</a:t>
+              <a:t>用户数据安全性</a:t>
             </a:r>
-            <a:endParaRPr lang="zh-CN" altLang="en-US" sz="3200" dirty="0">
+            <a:r>
+              <a:rPr lang="en-US" altLang="zh-CN" sz="2800" b="1">
+                <a:solidFill>
+                  <a:srgbClr val="DACD57"/>
+                </a:solidFill>
+                <a:latin typeface="幼圆" panose="02010509060101010101" pitchFamily="49" charset="-122"/>
+                <a:ea typeface="幼圆" panose="02010509060101010101" pitchFamily="49" charset="-122"/>
+              </a:rPr>
+              <a:t>:</a:t>
+            </a:r>
+            <a:endParaRPr lang="en-US" altLang="zh-CN" sz="2800" b="1">
               <a:solidFill>
-                <a:schemeClr val="tx1">
-                  <a:lumMod val="85000"/>
-                  <a:lumOff val="15000"/>
-                </a:schemeClr>
+                <a:srgbClr val="DACD57"/>
               </a:solidFill>
               <a:latin typeface="幼圆" panose="02010509060101010101" pitchFamily="49" charset="-122"/>
               <a:ea typeface="幼圆" panose="02010509060101010101" pitchFamily="49" charset="-122"/>
+            </a:endParaRPr>
+          </a:p>
+        </p:txBody>
+      </p:sp>
+      <p:cxnSp>
+        <p:nvCxnSpPr>
+          <p:cNvPr id="26" name="直接连接符 25"/>
+          <p:cNvCxnSpPr/>
+          <p:nvPr/>
+        </p:nvCxnSpPr>
+        <p:spPr>
+          <a:xfrm>
+            <a:off x="6196330" y="1172845"/>
+            <a:ext cx="0" cy="4779645"/>
+          </a:xfrm>
+          <a:prstGeom prst="line">
+            <a:avLst/>
+          </a:prstGeom>
+          <a:ln>
+            <a:solidFill>
+              <a:schemeClr val="bg1"/>
+            </a:solidFill>
+          </a:ln>
+        </p:spPr>
+        <p:style>
+          <a:lnRef idx="1">
+            <a:schemeClr val="accent1"/>
+          </a:lnRef>
+          <a:fillRef idx="0">
+            <a:schemeClr val="accent1"/>
+          </a:fillRef>
+          <a:effectRef idx="0">
+            <a:schemeClr val="accent1"/>
+          </a:effectRef>
+          <a:fontRef idx="minor">
+            <a:schemeClr val="tx1"/>
+          </a:fontRef>
+        </p:style>
+      </p:cxnSp>
+      <p:sp>
+        <p:nvSpPr>
+          <p:cNvPr id="5" name="文本框 4"/>
+          <p:cNvSpPr txBox="1"/>
+          <p:nvPr/>
+        </p:nvSpPr>
+        <p:spPr>
+          <a:xfrm>
+            <a:off x="7004050" y="2651760"/>
+            <a:ext cx="4707255" cy="2306955"/>
+          </a:xfrm>
+          <a:prstGeom prst="rect">
+            <a:avLst/>
+          </a:prstGeom>
+          <a:noFill/>
+        </p:spPr>
+        <p:txBody>
+          <a:bodyPr wrap="square" rtlCol="0">
+            <a:spAutoFit/>
+          </a:bodyPr>
+          <a:p>
+            <a:endParaRPr lang="zh-CN" altLang="en-US">
+              <a:solidFill>
+                <a:srgbClr val="DACD57"/>
+              </a:solidFill>
+              <a:latin typeface="+mn-ea"/>
+            </a:endParaRPr>
+          </a:p>
+          <a:p>
+            <a:r>
+              <a:rPr lang="zh-CN" altLang="en-US">
+                <a:solidFill>
+                  <a:srgbClr val="DACD57"/>
+                </a:solidFill>
+                <a:latin typeface="+mn-ea"/>
+              </a:rPr>
+              <a:t>1.HTTPS注册页 </a:t>
+            </a:r>
+            <a:endParaRPr lang="zh-CN" altLang="en-US">
+              <a:solidFill>
+                <a:srgbClr val="DACD57"/>
+              </a:solidFill>
+              <a:latin typeface="+mn-ea"/>
+            </a:endParaRPr>
+          </a:p>
+          <a:p>
+            <a:r>
+              <a:rPr lang="zh-CN" altLang="en-US">
+                <a:solidFill>
+                  <a:srgbClr val="DACD57"/>
+                </a:solidFill>
+                <a:latin typeface="+mn-ea"/>
+              </a:rPr>
+              <a:t>2.用户密码salt防止破解（CSDN，网易邮箱未加密密码泄漏） </a:t>
+            </a:r>
+            <a:endParaRPr lang="zh-CN" altLang="en-US">
+              <a:solidFill>
+                <a:srgbClr val="DACD57"/>
+              </a:solidFill>
+              <a:latin typeface="+mn-ea"/>
+            </a:endParaRPr>
+          </a:p>
+          <a:p>
+            <a:r>
+              <a:rPr lang="zh-CN" altLang="en-US">
+                <a:solidFill>
+                  <a:srgbClr val="DACD57"/>
+                </a:solidFill>
+                <a:latin typeface="+mn-ea"/>
+              </a:rPr>
+              <a:t>3.token有效期 </a:t>
+            </a:r>
+            <a:endParaRPr lang="zh-CN" altLang="en-US">
+              <a:solidFill>
+                <a:srgbClr val="DACD57"/>
+              </a:solidFill>
+              <a:latin typeface="+mn-ea"/>
+            </a:endParaRPr>
+          </a:p>
+          <a:p>
+            <a:r>
+              <a:rPr lang="zh-CN" altLang="en-US">
+                <a:solidFill>
+                  <a:srgbClr val="DACD57"/>
+                </a:solidFill>
+                <a:latin typeface="+mn-ea"/>
+              </a:rPr>
+              <a:t>4.单一平台的单点登陆，登陆IP异常检验 </a:t>
+            </a:r>
+            <a:endParaRPr lang="zh-CN" altLang="en-US">
+              <a:solidFill>
+                <a:srgbClr val="DACD57"/>
+              </a:solidFill>
+              <a:latin typeface="+mn-ea"/>
+            </a:endParaRPr>
+          </a:p>
+          <a:p>
+            <a:r>
+              <a:rPr lang="zh-CN" altLang="en-US">
+                <a:solidFill>
+                  <a:srgbClr val="DACD57"/>
+                </a:solidFill>
+                <a:latin typeface="+mn-ea"/>
+              </a:rPr>
+              <a:t>5.用户状态的权限判断 </a:t>
+            </a:r>
+            <a:endParaRPr lang="zh-CN" altLang="en-US">
+              <a:solidFill>
+                <a:srgbClr val="DACD57"/>
+              </a:solidFill>
+              <a:latin typeface="+mn-ea"/>
+            </a:endParaRPr>
+          </a:p>
+          <a:p>
+            <a:r>
+              <a:rPr lang="zh-CN" altLang="en-US">
+                <a:solidFill>
+                  <a:srgbClr val="DACD57"/>
+                </a:solidFill>
+                <a:latin typeface="+mn-ea"/>
+              </a:rPr>
+              <a:t>7. 添加验证码机制，防止爆破和批量注册</a:t>
+            </a:r>
+            <a:endParaRPr lang="zh-CN" altLang="en-US">
+              <a:solidFill>
+                <a:srgbClr val="DACD57"/>
+              </a:solidFill>
+              <a:latin typeface="+mn-ea"/>
             </a:endParaRPr>
           </a:p>
         </p:txBody>
@@ -21675,389 +23487,7 @@
 </p:sld>
 </file>
 
-<file path=ppt/slides/slide3.xml><?xml version="1.0" encoding="utf-8"?>
-<p:sld xmlns:a="http://schemas.openxmlformats.org/drawingml/2006/main" xmlns:r="http://schemas.openxmlformats.org/officeDocument/2006/relationships" xmlns:p="http://schemas.openxmlformats.org/presentationml/2006/main">
-  <p:cSld>
-    <p:bg>
-      <p:bgPr>
-        <a:blipFill dpi="0" rotWithShape="1">
-          <a:blip r:embed="rId1">
-            <a:lum/>
-          </a:blip>
-          <a:srcRect/>
-          <a:stretch>
-            <a:fillRect t="-9000" b="-9000"/>
-          </a:stretch>
-        </a:blipFill>
-        <a:effectLst/>
-      </p:bgPr>
-    </p:bg>
-    <p:spTree>
-      <p:nvGrpSpPr>
-        <p:cNvPr id="1" name=""/>
-        <p:cNvGrpSpPr/>
-        <p:nvPr/>
-      </p:nvGrpSpPr>
-      <p:grpSpPr>
-        <a:xfrm>
-          <a:off x="0" y="0"/>
-          <a:ext cx="0" cy="0"/>
-          <a:chOff x="0" y="0"/>
-          <a:chExt cx="0" cy="0"/>
-        </a:xfrm>
-      </p:grpSpPr>
-      <p:sp>
-        <p:nvSpPr>
-          <p:cNvPr id="9" name="矩形 2"/>
-          <p:cNvSpPr/>
-          <p:nvPr/>
-        </p:nvSpPr>
-        <p:spPr>
-          <a:xfrm>
-            <a:off x="4813526" y="104774"/>
-            <a:ext cx="2564948" cy="2143125"/>
-          </a:xfrm>
-          <a:custGeom>
-            <a:avLst/>
-            <a:gdLst>
-              <a:gd name="connsiteX0" fmla="*/ 0 w 2762250"/>
-              <a:gd name="connsiteY0" fmla="*/ 0 h 2466975"/>
-              <a:gd name="connsiteX1" fmla="*/ 2762250 w 2762250"/>
-              <a:gd name="connsiteY1" fmla="*/ 0 h 2466975"/>
-              <a:gd name="connsiteX2" fmla="*/ 2762250 w 2762250"/>
-              <a:gd name="connsiteY2" fmla="*/ 2466975 h 2466975"/>
-              <a:gd name="connsiteX3" fmla="*/ 0 w 2762250"/>
-              <a:gd name="connsiteY3" fmla="*/ 2466975 h 2466975"/>
-              <a:gd name="connsiteX4" fmla="*/ 0 w 2762250"/>
-              <a:gd name="connsiteY4" fmla="*/ 0 h 2466975"/>
-              <a:gd name="connsiteX0-1" fmla="*/ 0 w 2762250"/>
-              <a:gd name="connsiteY0-2" fmla="*/ 0 h 2476500"/>
-              <a:gd name="connsiteX1-3" fmla="*/ 2762250 w 2762250"/>
-              <a:gd name="connsiteY1-4" fmla="*/ 0 h 2476500"/>
-              <a:gd name="connsiteX2-5" fmla="*/ 2762250 w 2762250"/>
-              <a:gd name="connsiteY2-6" fmla="*/ 2466975 h 2476500"/>
-              <a:gd name="connsiteX3-7" fmla="*/ 1428750 w 2762250"/>
-              <a:gd name="connsiteY3-8" fmla="*/ 2476500 h 2476500"/>
-              <a:gd name="connsiteX4-9" fmla="*/ 0 w 2762250"/>
-              <a:gd name="connsiteY4-10" fmla="*/ 2466975 h 2476500"/>
-              <a:gd name="connsiteX5" fmla="*/ 0 w 2762250"/>
-              <a:gd name="connsiteY5" fmla="*/ 0 h 2476500"/>
-              <a:gd name="connsiteX0-11" fmla="*/ 0 w 2762250"/>
-              <a:gd name="connsiteY0-12" fmla="*/ 0 h 2895600"/>
-              <a:gd name="connsiteX1-13" fmla="*/ 2762250 w 2762250"/>
-              <a:gd name="connsiteY1-14" fmla="*/ 0 h 2895600"/>
-              <a:gd name="connsiteX2-15" fmla="*/ 2762250 w 2762250"/>
-              <a:gd name="connsiteY2-16" fmla="*/ 2466975 h 2895600"/>
-              <a:gd name="connsiteX3-17" fmla="*/ 1428750 w 2762250"/>
-              <a:gd name="connsiteY3-18" fmla="*/ 2895600 h 2895600"/>
-              <a:gd name="connsiteX4-19" fmla="*/ 0 w 2762250"/>
-              <a:gd name="connsiteY4-20" fmla="*/ 2466975 h 2895600"/>
-              <a:gd name="connsiteX5-21" fmla="*/ 0 w 2762250"/>
-              <a:gd name="connsiteY5-22" fmla="*/ 0 h 2895600"/>
-              <a:gd name="connsiteX0-23" fmla="*/ 0 w 2762250"/>
-              <a:gd name="connsiteY0-24" fmla="*/ 0 h 2895600"/>
-              <a:gd name="connsiteX1-25" fmla="*/ 2762250 w 2762250"/>
-              <a:gd name="connsiteY1-26" fmla="*/ 0 h 2895600"/>
-              <a:gd name="connsiteX2-27" fmla="*/ 2762250 w 2762250"/>
-              <a:gd name="connsiteY2-28" fmla="*/ 2466975 h 2895600"/>
-              <a:gd name="connsiteX3-29" fmla="*/ 1356946 w 2762250"/>
-              <a:gd name="connsiteY3-30" fmla="*/ 2895600 h 2895600"/>
-              <a:gd name="connsiteX4-31" fmla="*/ 0 w 2762250"/>
-              <a:gd name="connsiteY4-32" fmla="*/ 2466975 h 2895600"/>
-              <a:gd name="connsiteX5-33" fmla="*/ 0 w 2762250"/>
-              <a:gd name="connsiteY5-34" fmla="*/ 0 h 2895600"/>
-              <a:gd name="connsiteX0-35" fmla="*/ 0 w 2762250"/>
-              <a:gd name="connsiteY0-36" fmla="*/ 0 h 2895600"/>
-              <a:gd name="connsiteX1-37" fmla="*/ 2762250 w 2762250"/>
-              <a:gd name="connsiteY1-38" fmla="*/ 0 h 2895600"/>
-              <a:gd name="connsiteX2-39" fmla="*/ 2762250 w 2762250"/>
-              <a:gd name="connsiteY2-40" fmla="*/ 2466975 h 2895600"/>
-              <a:gd name="connsiteX3-41" fmla="*/ 1397977 w 2762250"/>
-              <a:gd name="connsiteY3-42" fmla="*/ 2895600 h 2895600"/>
-              <a:gd name="connsiteX4-43" fmla="*/ 0 w 2762250"/>
-              <a:gd name="connsiteY4-44" fmla="*/ 2466975 h 2895600"/>
-              <a:gd name="connsiteX5-45" fmla="*/ 0 w 2762250"/>
-              <a:gd name="connsiteY5-46" fmla="*/ 0 h 2895600"/>
-              <a:gd name="connsiteX0-47" fmla="*/ 0 w 2762250"/>
-              <a:gd name="connsiteY0-48" fmla="*/ 0 h 2895600"/>
-              <a:gd name="connsiteX1-49" fmla="*/ 2762250 w 2762250"/>
-              <a:gd name="connsiteY1-50" fmla="*/ 0 h 2895600"/>
-              <a:gd name="connsiteX2-51" fmla="*/ 2762250 w 2762250"/>
-              <a:gd name="connsiteY2-52" fmla="*/ 2466975 h 2895600"/>
-              <a:gd name="connsiteX3-53" fmla="*/ 1377461 w 2762250"/>
-              <a:gd name="connsiteY3-54" fmla="*/ 2895600 h 2895600"/>
-              <a:gd name="connsiteX4-55" fmla="*/ 0 w 2762250"/>
-              <a:gd name="connsiteY4-56" fmla="*/ 2466975 h 2895600"/>
-              <a:gd name="connsiteX5-57" fmla="*/ 0 w 2762250"/>
-              <a:gd name="connsiteY5-58" fmla="*/ 0 h 2895600"/>
-            </a:gdLst>
-            <a:ahLst/>
-            <a:cxnLst>
-              <a:cxn ang="0">
-                <a:pos x="connsiteX0-1" y="connsiteY0-2"/>
-              </a:cxn>
-              <a:cxn ang="0">
-                <a:pos x="connsiteX1-3" y="connsiteY1-4"/>
-              </a:cxn>
-              <a:cxn ang="0">
-                <a:pos x="connsiteX2-5" y="connsiteY2-6"/>
-              </a:cxn>
-              <a:cxn ang="0">
-                <a:pos x="connsiteX3-7" y="connsiteY3-8"/>
-              </a:cxn>
-              <a:cxn ang="0">
-                <a:pos x="connsiteX4-9" y="connsiteY4-10"/>
-              </a:cxn>
-              <a:cxn ang="0">
-                <a:pos x="connsiteX5-21" y="connsiteY5-22"/>
-              </a:cxn>
-            </a:cxnLst>
-            <a:rect l="l" t="t" r="r" b="b"/>
-            <a:pathLst>
-              <a:path w="2762250" h="2895600">
-                <a:moveTo>
-                  <a:pt x="0" y="0"/>
-                </a:moveTo>
-                <a:lnTo>
-                  <a:pt x="2762250" y="0"/>
-                </a:lnTo>
-                <a:lnTo>
-                  <a:pt x="2762250" y="2466975"/>
-                </a:lnTo>
-                <a:lnTo>
-                  <a:pt x="1377461" y="2895600"/>
-                </a:lnTo>
-                <a:lnTo>
-                  <a:pt x="0" y="2466975"/>
-                </a:lnTo>
-                <a:lnTo>
-                  <a:pt x="0" y="0"/>
-                </a:lnTo>
-                <a:close/>
-              </a:path>
-            </a:pathLst>
-          </a:custGeom>
-          <a:noFill/>
-          <a:ln w="15875">
-            <a:solidFill>
-              <a:schemeClr val="tx1">
-                <a:lumMod val="85000"/>
-                <a:lumOff val="15000"/>
-              </a:schemeClr>
-            </a:solidFill>
-            <a:prstDash val="dash"/>
-          </a:ln>
-        </p:spPr>
-        <p:style>
-          <a:lnRef idx="2">
-            <a:schemeClr val="accent1">
-              <a:shade val="50000"/>
-            </a:schemeClr>
-          </a:lnRef>
-          <a:fillRef idx="1">
-            <a:schemeClr val="accent1"/>
-          </a:fillRef>
-          <a:effectRef idx="0">
-            <a:schemeClr val="accent1"/>
-          </a:effectRef>
-          <a:fontRef idx="minor">
-            <a:schemeClr val="lt1"/>
-          </a:fontRef>
-        </p:style>
-        <p:txBody>
-          <a:bodyPr rtlCol="0" anchor="ctr"/>
-          <a:lstStyle/>
-          <a:p>
-            <a:pPr algn="ctr"/>
-            <a:endParaRPr lang="zh-CN" altLang="en-US">
-              <a:solidFill>
-                <a:schemeClr val="tx1">
-                  <a:lumMod val="85000"/>
-                  <a:lumOff val="15000"/>
-                </a:schemeClr>
-              </a:solidFill>
-            </a:endParaRPr>
-          </a:p>
-        </p:txBody>
-      </p:sp>
-      <p:sp>
-        <p:nvSpPr>
-          <p:cNvPr id="6" name="文本框 5"/>
-          <p:cNvSpPr txBox="1"/>
-          <p:nvPr/>
-        </p:nvSpPr>
-        <p:spPr>
-          <a:xfrm>
-            <a:off x="5565479" y="539048"/>
-            <a:ext cx="1061042" cy="1198880"/>
-          </a:xfrm>
-          <a:prstGeom prst="rect">
-            <a:avLst/>
-          </a:prstGeom>
-          <a:noFill/>
-        </p:spPr>
-        <p:txBody>
-          <a:bodyPr wrap="square" rtlCol="0">
-            <a:spAutoFit/>
-          </a:bodyPr>
-          <a:lstStyle/>
-          <a:p>
-            <a:pPr algn="ctr"/>
-            <a:r>
-              <a:rPr lang="en-US" altLang="zh-CN" sz="7200" dirty="0">
-                <a:solidFill>
-                  <a:schemeClr val="bg1"/>
-                </a:solidFill>
-                <a:latin typeface="Impact" panose="020B0806030902050204" pitchFamily="34" charset="0"/>
-              </a:rPr>
-              <a:t>01</a:t>
-            </a:r>
-            <a:endParaRPr lang="zh-CN" altLang="en-US" sz="7200" dirty="0">
-              <a:solidFill>
-                <a:schemeClr val="bg1"/>
-              </a:solidFill>
-              <a:latin typeface="Impact" panose="020B0806030902050204" pitchFamily="34" charset="0"/>
-            </a:endParaRPr>
-          </a:p>
-        </p:txBody>
-      </p:sp>
-      <p:sp>
-        <p:nvSpPr>
-          <p:cNvPr id="14" name="标题 13"/>
-          <p:cNvSpPr>
-            <a:spLocks noGrp="1"/>
-          </p:cNvSpPr>
-          <p:nvPr>
-            <p:ph type="title"/>
-          </p:nvPr>
-        </p:nvSpPr>
-        <p:spPr>
-          <a:xfrm>
-            <a:off x="2784763" y="4006800"/>
-            <a:ext cx="6710400" cy="583200"/>
-          </a:xfrm>
-          <a:solidFill>
-            <a:srgbClr val="DACD57"/>
-          </a:solidFill>
-        </p:spPr>
-        <p:txBody>
-          <a:bodyPr/>
-          <a:lstStyle/>
-          <a:p>
-            <a:r>
-              <a:rPr lang="zh-CN" altLang="en-US" sz="3200" dirty="0">
-                <a:solidFill>
-                  <a:schemeClr val="tx1">
-                    <a:lumMod val="85000"/>
-                    <a:lumOff val="15000"/>
-                  </a:schemeClr>
-                </a:solidFill>
-                <a:latin typeface="幼圆" panose="02010509060101010101" pitchFamily="49" charset="-122"/>
-                <a:ea typeface="幼圆" panose="02010509060101010101" pitchFamily="49" charset="-122"/>
-              </a:rPr>
-              <a:t>背景及简介</a:t>
-            </a:r>
-            <a:endParaRPr lang="zh-CN" altLang="en-US" sz="3200" dirty="0">
-              <a:solidFill>
-                <a:schemeClr val="tx1">
-                  <a:lumMod val="85000"/>
-                  <a:lumOff val="15000"/>
-                </a:schemeClr>
-              </a:solidFill>
-              <a:latin typeface="幼圆" panose="02010509060101010101" pitchFamily="49" charset="-122"/>
-              <a:ea typeface="幼圆" panose="02010509060101010101" pitchFamily="49" charset="-122"/>
-            </a:endParaRPr>
-          </a:p>
-        </p:txBody>
-      </p:sp>
-    </p:spTree>
-    <p:custDataLst>
-      <p:tags r:id="rId2"/>
-    </p:custDataLst>
-  </p:cSld>
-  <p:clrMapOvr>
-    <a:masterClrMapping/>
-  </p:clrMapOvr>
-</p:sld>
-</file>
-
-<file path=ppt/slides/slide30.xml><?xml version="1.0" encoding="utf-8"?>
-<p:sld xmlns:a="http://schemas.openxmlformats.org/drawingml/2006/main" xmlns:r="http://schemas.openxmlformats.org/officeDocument/2006/relationships" xmlns:p="http://schemas.openxmlformats.org/presentationml/2006/main">
-  <p:cSld>
-    <p:spTree>
-      <p:nvGrpSpPr>
-        <p:cNvPr id="1" name=""/>
-        <p:cNvGrpSpPr/>
-        <p:nvPr/>
-      </p:nvGrpSpPr>
-      <p:grpSpPr>
-        <a:xfrm>
-          <a:off x="0" y="0"/>
-          <a:ext cx="0" cy="0"/>
-          <a:chOff x="0" y="0"/>
-          <a:chExt cx="0" cy="0"/>
-        </a:xfrm>
-      </p:grpSpPr>
-      <p:sp>
-        <p:nvSpPr>
-          <p:cNvPr id="7" name="AutoShape 262"/>
-          <p:cNvSpPr>
-            <a:spLocks noChangeAspect="1" noChangeArrowheads="1" noTextEdit="1"/>
-          </p:cNvSpPr>
-          <p:nvPr/>
-        </p:nvSpPr>
-        <p:spPr bwMode="auto">
-          <a:xfrm>
-            <a:off x="10595345" y="715971"/>
-            <a:ext cx="501779" cy="5364674"/>
-          </a:xfrm>
-          <a:prstGeom prst="rect">
-            <a:avLst/>
-          </a:prstGeom>
-          <a:noFill/>
-          <a:ln>
-            <a:noFill/>
-          </a:ln>
-          <a:extLst>
-            <a:ext uri="{909E8E84-426E-40DD-AFC4-6F175D3DCCD1}">
-              <a14:hiddenFill xmlns:a14="http://schemas.microsoft.com/office/drawing/2010/main">
-                <a:solidFill>
-                  <a:srgbClr val="FFFFFF"/>
-                </a:solidFill>
-              </a14:hiddenFill>
-            </a:ext>
-            <a:ext uri="{91240B29-F687-4F45-9708-019B960494DF}">
-              <a14:hiddenLine xmlns:a14="http://schemas.microsoft.com/office/drawing/2010/main" w="9525">
-                <a:solidFill>
-                  <a:srgbClr val="000000"/>
-                </a:solidFill>
-                <a:miter lim="800000"/>
-                <a:headEnd/>
-                <a:tailEnd/>
-              </a14:hiddenLine>
-            </a:ext>
-          </a:extLst>
-        </p:spPr>
-        <p:txBody>
-          <a:bodyPr vert="horz" wrap="square" lIns="91440" tIns="45720" rIns="91440" bIns="45720" numCol="1" anchor="t" anchorCtr="0" compatLnSpc="1"/>
-          <a:lstStyle/>
-          <a:p>
-            <a:endParaRPr lang="zh-CN" altLang="en-US"/>
-          </a:p>
-        </p:txBody>
-      </p:sp>
-    </p:spTree>
-    <p:custDataLst>
-      <p:tags r:id="rId1"/>
-    </p:custDataLst>
-  </p:cSld>
-  <p:clrMapOvr>
-    <a:masterClrMapping/>
-  </p:clrMapOvr>
-</p:sld>
-</file>
-
-<file path=ppt/slides/slide31.xml><?xml version="1.0" encoding="utf-8"?>
+<file path=ppt/slides/slide29.xml><?xml version="1.0" encoding="utf-8"?>
 <p:sld xmlns:a="http://schemas.openxmlformats.org/drawingml/2006/main" xmlns:r="http://schemas.openxmlformats.org/officeDocument/2006/relationships" xmlns:p="http://schemas.openxmlformats.org/presentationml/2006/main">
   <p:cSld>
     <p:spTree>
@@ -25443,7 +26873,313 @@
 </p:sld>
 </file>
 
-<file path=ppt/slides/slide32.xml><?xml version="1.0" encoding="utf-8"?>
+<file path=ppt/slides/slide3.xml><?xml version="1.0" encoding="utf-8"?>
+<p:sld xmlns:a="http://schemas.openxmlformats.org/drawingml/2006/main" xmlns:r="http://schemas.openxmlformats.org/officeDocument/2006/relationships" xmlns:p="http://schemas.openxmlformats.org/presentationml/2006/main">
+  <p:cSld>
+    <p:bg>
+      <p:bgPr>
+        <a:blipFill dpi="0" rotWithShape="1">
+          <a:blip r:embed="rId1">
+            <a:lum/>
+          </a:blip>
+          <a:srcRect/>
+          <a:stretch>
+            <a:fillRect t="-9000" b="-9000"/>
+          </a:stretch>
+        </a:blipFill>
+        <a:effectLst/>
+      </p:bgPr>
+    </p:bg>
+    <p:spTree>
+      <p:nvGrpSpPr>
+        <p:cNvPr id="1" name=""/>
+        <p:cNvGrpSpPr/>
+        <p:nvPr/>
+      </p:nvGrpSpPr>
+      <p:grpSpPr>
+        <a:xfrm>
+          <a:off x="0" y="0"/>
+          <a:ext cx="0" cy="0"/>
+          <a:chOff x="0" y="0"/>
+          <a:chExt cx="0" cy="0"/>
+        </a:xfrm>
+      </p:grpSpPr>
+      <p:sp>
+        <p:nvSpPr>
+          <p:cNvPr id="9" name="矩形 2"/>
+          <p:cNvSpPr/>
+          <p:nvPr/>
+        </p:nvSpPr>
+        <p:spPr>
+          <a:xfrm>
+            <a:off x="4813526" y="104774"/>
+            <a:ext cx="2564948" cy="2143125"/>
+          </a:xfrm>
+          <a:custGeom>
+            <a:avLst/>
+            <a:gdLst>
+              <a:gd name="connsiteX0" fmla="*/ 0 w 2762250"/>
+              <a:gd name="connsiteY0" fmla="*/ 0 h 2466975"/>
+              <a:gd name="connsiteX1" fmla="*/ 2762250 w 2762250"/>
+              <a:gd name="connsiteY1" fmla="*/ 0 h 2466975"/>
+              <a:gd name="connsiteX2" fmla="*/ 2762250 w 2762250"/>
+              <a:gd name="connsiteY2" fmla="*/ 2466975 h 2466975"/>
+              <a:gd name="connsiteX3" fmla="*/ 0 w 2762250"/>
+              <a:gd name="connsiteY3" fmla="*/ 2466975 h 2466975"/>
+              <a:gd name="connsiteX4" fmla="*/ 0 w 2762250"/>
+              <a:gd name="connsiteY4" fmla="*/ 0 h 2466975"/>
+              <a:gd name="connsiteX0-1" fmla="*/ 0 w 2762250"/>
+              <a:gd name="connsiteY0-2" fmla="*/ 0 h 2476500"/>
+              <a:gd name="connsiteX1-3" fmla="*/ 2762250 w 2762250"/>
+              <a:gd name="connsiteY1-4" fmla="*/ 0 h 2476500"/>
+              <a:gd name="connsiteX2-5" fmla="*/ 2762250 w 2762250"/>
+              <a:gd name="connsiteY2-6" fmla="*/ 2466975 h 2476500"/>
+              <a:gd name="connsiteX3-7" fmla="*/ 1428750 w 2762250"/>
+              <a:gd name="connsiteY3-8" fmla="*/ 2476500 h 2476500"/>
+              <a:gd name="connsiteX4-9" fmla="*/ 0 w 2762250"/>
+              <a:gd name="connsiteY4-10" fmla="*/ 2466975 h 2476500"/>
+              <a:gd name="connsiteX5" fmla="*/ 0 w 2762250"/>
+              <a:gd name="connsiteY5" fmla="*/ 0 h 2476500"/>
+              <a:gd name="connsiteX0-11" fmla="*/ 0 w 2762250"/>
+              <a:gd name="connsiteY0-12" fmla="*/ 0 h 2895600"/>
+              <a:gd name="connsiteX1-13" fmla="*/ 2762250 w 2762250"/>
+              <a:gd name="connsiteY1-14" fmla="*/ 0 h 2895600"/>
+              <a:gd name="connsiteX2-15" fmla="*/ 2762250 w 2762250"/>
+              <a:gd name="connsiteY2-16" fmla="*/ 2466975 h 2895600"/>
+              <a:gd name="connsiteX3-17" fmla="*/ 1428750 w 2762250"/>
+              <a:gd name="connsiteY3-18" fmla="*/ 2895600 h 2895600"/>
+              <a:gd name="connsiteX4-19" fmla="*/ 0 w 2762250"/>
+              <a:gd name="connsiteY4-20" fmla="*/ 2466975 h 2895600"/>
+              <a:gd name="connsiteX5-21" fmla="*/ 0 w 2762250"/>
+              <a:gd name="connsiteY5-22" fmla="*/ 0 h 2895600"/>
+              <a:gd name="connsiteX0-23" fmla="*/ 0 w 2762250"/>
+              <a:gd name="connsiteY0-24" fmla="*/ 0 h 2895600"/>
+              <a:gd name="connsiteX1-25" fmla="*/ 2762250 w 2762250"/>
+              <a:gd name="connsiteY1-26" fmla="*/ 0 h 2895600"/>
+              <a:gd name="connsiteX2-27" fmla="*/ 2762250 w 2762250"/>
+              <a:gd name="connsiteY2-28" fmla="*/ 2466975 h 2895600"/>
+              <a:gd name="connsiteX3-29" fmla="*/ 1356946 w 2762250"/>
+              <a:gd name="connsiteY3-30" fmla="*/ 2895600 h 2895600"/>
+              <a:gd name="connsiteX4-31" fmla="*/ 0 w 2762250"/>
+              <a:gd name="connsiteY4-32" fmla="*/ 2466975 h 2895600"/>
+              <a:gd name="connsiteX5-33" fmla="*/ 0 w 2762250"/>
+              <a:gd name="connsiteY5-34" fmla="*/ 0 h 2895600"/>
+              <a:gd name="connsiteX0-35" fmla="*/ 0 w 2762250"/>
+              <a:gd name="connsiteY0-36" fmla="*/ 0 h 2895600"/>
+              <a:gd name="connsiteX1-37" fmla="*/ 2762250 w 2762250"/>
+              <a:gd name="connsiteY1-38" fmla="*/ 0 h 2895600"/>
+              <a:gd name="connsiteX2-39" fmla="*/ 2762250 w 2762250"/>
+              <a:gd name="connsiteY2-40" fmla="*/ 2466975 h 2895600"/>
+              <a:gd name="connsiteX3-41" fmla="*/ 1397977 w 2762250"/>
+              <a:gd name="connsiteY3-42" fmla="*/ 2895600 h 2895600"/>
+              <a:gd name="connsiteX4-43" fmla="*/ 0 w 2762250"/>
+              <a:gd name="connsiteY4-44" fmla="*/ 2466975 h 2895600"/>
+              <a:gd name="connsiteX5-45" fmla="*/ 0 w 2762250"/>
+              <a:gd name="connsiteY5-46" fmla="*/ 0 h 2895600"/>
+              <a:gd name="connsiteX0-47" fmla="*/ 0 w 2762250"/>
+              <a:gd name="connsiteY0-48" fmla="*/ 0 h 2895600"/>
+              <a:gd name="connsiteX1-49" fmla="*/ 2762250 w 2762250"/>
+              <a:gd name="connsiteY1-50" fmla="*/ 0 h 2895600"/>
+              <a:gd name="connsiteX2-51" fmla="*/ 2762250 w 2762250"/>
+              <a:gd name="connsiteY2-52" fmla="*/ 2466975 h 2895600"/>
+              <a:gd name="connsiteX3-53" fmla="*/ 1377461 w 2762250"/>
+              <a:gd name="connsiteY3-54" fmla="*/ 2895600 h 2895600"/>
+              <a:gd name="connsiteX4-55" fmla="*/ 0 w 2762250"/>
+              <a:gd name="connsiteY4-56" fmla="*/ 2466975 h 2895600"/>
+              <a:gd name="connsiteX5-57" fmla="*/ 0 w 2762250"/>
+              <a:gd name="connsiteY5-58" fmla="*/ 0 h 2895600"/>
+            </a:gdLst>
+            <a:ahLst/>
+            <a:cxnLst>
+              <a:cxn ang="0">
+                <a:pos x="connsiteX0-1" y="connsiteY0-2"/>
+              </a:cxn>
+              <a:cxn ang="0">
+                <a:pos x="connsiteX1-3" y="connsiteY1-4"/>
+              </a:cxn>
+              <a:cxn ang="0">
+                <a:pos x="connsiteX2-5" y="connsiteY2-6"/>
+              </a:cxn>
+              <a:cxn ang="0">
+                <a:pos x="connsiteX3-7" y="connsiteY3-8"/>
+              </a:cxn>
+              <a:cxn ang="0">
+                <a:pos x="connsiteX4-9" y="connsiteY4-10"/>
+              </a:cxn>
+              <a:cxn ang="0">
+                <a:pos x="connsiteX5-21" y="connsiteY5-22"/>
+              </a:cxn>
+            </a:cxnLst>
+            <a:rect l="l" t="t" r="r" b="b"/>
+            <a:pathLst>
+              <a:path w="2762250" h="2895600">
+                <a:moveTo>
+                  <a:pt x="0" y="0"/>
+                </a:moveTo>
+                <a:lnTo>
+                  <a:pt x="2762250" y="0"/>
+                </a:lnTo>
+                <a:lnTo>
+                  <a:pt x="2762250" y="2466975"/>
+                </a:lnTo>
+                <a:lnTo>
+                  <a:pt x="1377461" y="2895600"/>
+                </a:lnTo>
+                <a:lnTo>
+                  <a:pt x="0" y="2466975"/>
+                </a:lnTo>
+                <a:lnTo>
+                  <a:pt x="0" y="0"/>
+                </a:lnTo>
+                <a:close/>
+              </a:path>
+            </a:pathLst>
+          </a:custGeom>
+          <a:noFill/>
+          <a:ln w="15875">
+            <a:solidFill>
+              <a:schemeClr val="tx1">
+                <a:lumMod val="85000"/>
+                <a:lumOff val="15000"/>
+              </a:schemeClr>
+            </a:solidFill>
+            <a:prstDash val="dash"/>
+          </a:ln>
+        </p:spPr>
+        <p:style>
+          <a:lnRef idx="2">
+            <a:schemeClr val="accent1">
+              <a:shade val="50000"/>
+            </a:schemeClr>
+          </a:lnRef>
+          <a:fillRef idx="1">
+            <a:schemeClr val="accent1"/>
+          </a:fillRef>
+          <a:effectRef idx="0">
+            <a:schemeClr val="accent1"/>
+          </a:effectRef>
+          <a:fontRef idx="minor">
+            <a:schemeClr val="lt1"/>
+          </a:fontRef>
+        </p:style>
+        <p:txBody>
+          <a:bodyPr rtlCol="0" anchor="ctr"/>
+          <a:lstStyle/>
+          <a:p>
+            <a:pPr algn="ctr"/>
+            <a:endParaRPr lang="zh-CN" altLang="en-US">
+              <a:solidFill>
+                <a:schemeClr val="tx1">
+                  <a:lumMod val="85000"/>
+                  <a:lumOff val="15000"/>
+                </a:schemeClr>
+              </a:solidFill>
+            </a:endParaRPr>
+          </a:p>
+        </p:txBody>
+      </p:sp>
+      <p:sp>
+        <p:nvSpPr>
+          <p:cNvPr id="6" name="文本框 5"/>
+          <p:cNvSpPr txBox="1"/>
+          <p:nvPr/>
+        </p:nvSpPr>
+        <p:spPr>
+          <a:xfrm>
+            <a:off x="5565479" y="539048"/>
+            <a:ext cx="1061042" cy="1198880"/>
+          </a:xfrm>
+          <a:prstGeom prst="rect">
+            <a:avLst/>
+          </a:prstGeom>
+          <a:noFill/>
+        </p:spPr>
+        <p:txBody>
+          <a:bodyPr wrap="square" rtlCol="0">
+            <a:spAutoFit/>
+          </a:bodyPr>
+          <a:lstStyle/>
+          <a:p>
+            <a:pPr algn="ctr"/>
+            <a:r>
+              <a:rPr lang="en-US" altLang="zh-CN" sz="7200" dirty="0">
+                <a:solidFill>
+                  <a:schemeClr val="bg1"/>
+                </a:solidFill>
+                <a:latin typeface="Impact" panose="020B0806030902050204" pitchFamily="34" charset="0"/>
+              </a:rPr>
+              <a:t>01</a:t>
+            </a:r>
+            <a:endParaRPr lang="zh-CN" altLang="en-US" sz="7200" dirty="0">
+              <a:solidFill>
+                <a:schemeClr val="bg1"/>
+              </a:solidFill>
+              <a:latin typeface="Impact" panose="020B0806030902050204" pitchFamily="34" charset="0"/>
+            </a:endParaRPr>
+          </a:p>
+        </p:txBody>
+      </p:sp>
+      <p:sp>
+        <p:nvSpPr>
+          <p:cNvPr id="14" name="标题 13"/>
+          <p:cNvSpPr>
+            <a:spLocks noGrp="1"/>
+          </p:cNvSpPr>
+          <p:nvPr>
+            <p:ph type="title"/>
+          </p:nvPr>
+        </p:nvSpPr>
+        <p:spPr>
+          <a:xfrm>
+            <a:off x="2784763" y="4006800"/>
+            <a:ext cx="6710400" cy="583200"/>
+          </a:xfrm>
+          <a:solidFill>
+            <a:srgbClr val="DACD57"/>
+          </a:solidFill>
+        </p:spPr>
+        <p:txBody>
+          <a:bodyPr/>
+          <a:lstStyle/>
+          <a:p>
+            <a:r>
+              <a:rPr lang="zh-CN" altLang="en-US" sz="3200" dirty="0">
+                <a:solidFill>
+                  <a:schemeClr val="tx1">
+                    <a:lumMod val="85000"/>
+                    <a:lumOff val="15000"/>
+                  </a:schemeClr>
+                </a:solidFill>
+                <a:latin typeface="幼圆" panose="02010509060101010101" pitchFamily="49" charset="-122"/>
+                <a:ea typeface="幼圆" panose="02010509060101010101" pitchFamily="49" charset="-122"/>
+              </a:rPr>
+              <a:t>背景及简介</a:t>
+            </a:r>
+            <a:endParaRPr lang="zh-CN" altLang="en-US" sz="3200" dirty="0">
+              <a:solidFill>
+                <a:schemeClr val="tx1">
+                  <a:lumMod val="85000"/>
+                  <a:lumOff val="15000"/>
+                </a:schemeClr>
+              </a:solidFill>
+              <a:latin typeface="幼圆" panose="02010509060101010101" pitchFamily="49" charset="-122"/>
+              <a:ea typeface="幼圆" panose="02010509060101010101" pitchFamily="49" charset="-122"/>
+            </a:endParaRPr>
+          </a:p>
+        </p:txBody>
+      </p:sp>
+    </p:spTree>
+    <p:custDataLst>
+      <p:tags r:id="rId2"/>
+    </p:custDataLst>
+  </p:cSld>
+  <p:clrMapOvr>
+    <a:masterClrMapping/>
+  </p:clrMapOvr>
+</p:sld>
+</file>
+
+<file path=ppt/slides/slide30.xml><?xml version="1.0" encoding="utf-8"?>
 <p:sld xmlns:a="http://schemas.openxmlformats.org/drawingml/2006/main" xmlns:r="http://schemas.openxmlformats.org/officeDocument/2006/relationships" xmlns:p="http://schemas.openxmlformats.org/presentationml/2006/main">
   <p:cSld>
     <p:spTree>
@@ -31946,10 +33682,10 @@
   <p:tag name="KSO_WM_TEMPLATE_CATEGORY" val="basetag"/>
   <p:tag name="KSO_WM_TEMPLATE_INDEX" val="20161350"/>
   <p:tag name="KSO_WM_TAG_VERSION" val="1.0"/>
-  <p:tag name="KSO_WM_SLIDE_ID" val="basetag20161350_4"/>
-  <p:tag name="KSO_WM_SLIDE_INDEX" val="4"/>
+  <p:tag name="KSO_WM_SLIDE_ID" val="basetag20161350_3"/>
+  <p:tag name="KSO_WM_SLIDE_INDEX" val="3"/>
   <p:tag name="KSO_WM_SLIDE_ITEM_CNT" val="0"/>
-  <p:tag name="KSO_WM_SLIDE_TYPE" val="text"/>
+  <p:tag name="KSO_WM_SLIDE_TYPE" val="sectionTitle"/>
   <p:tag name="KSO_WM_BEAUTIFY_FLAG" val="#wm#"/>
 </p:tagLst>
 </file>
@@ -31972,10 +33708,10 @@
   <p:tag name="KSO_WM_TEMPLATE_CATEGORY" val="basetag"/>
   <p:tag name="KSO_WM_TEMPLATE_INDEX" val="20161350"/>
   <p:tag name="KSO_WM_TAG_VERSION" val="1.0"/>
-  <p:tag name="KSO_WM_SLIDE_ID" val="basetag20161350_3"/>
-  <p:tag name="KSO_WM_SLIDE_INDEX" val="3"/>
+  <p:tag name="KSO_WM_SLIDE_ID" val="basetag20161350_4"/>
+  <p:tag name="KSO_WM_SLIDE_INDEX" val="4"/>
   <p:tag name="KSO_WM_SLIDE_ITEM_CNT" val="0"/>
-  <p:tag name="KSO_WM_SLIDE_TYPE" val="sectionTitle"/>
+  <p:tag name="KSO_WM_SLIDE_TYPE" val="text"/>
   <p:tag name="KSO_WM_BEAUTIFY_FLAG" val="#wm#"/>
 </p:tagLst>
 </file>
@@ -31985,10 +33721,10 @@
   <p:tag name="KSO_WM_TEMPLATE_CATEGORY" val="basetag"/>
   <p:tag name="KSO_WM_TEMPLATE_INDEX" val="20161350"/>
   <p:tag name="KSO_WM_TAG_VERSION" val="1.0"/>
-  <p:tag name="KSO_WM_SLIDE_ID" val="basetag20161350_4"/>
-  <p:tag name="KSO_WM_SLIDE_INDEX" val="4"/>
+  <p:tag name="KSO_WM_SLIDE_ID" val="basetag20161350_3"/>
+  <p:tag name="KSO_WM_SLIDE_INDEX" val="3"/>
   <p:tag name="KSO_WM_SLIDE_ITEM_CNT" val="0"/>
-  <p:tag name="KSO_WM_SLIDE_TYPE" val="text"/>
+  <p:tag name="KSO_WM_SLIDE_TYPE" val="sectionTitle"/>
   <p:tag name="KSO_WM_BEAUTIFY_FLAG" val="#wm#"/>
 </p:tagLst>
 </file>
@@ -32011,10 +33747,10 @@
   <p:tag name="KSO_WM_TEMPLATE_CATEGORY" val="basetag"/>
   <p:tag name="KSO_WM_TEMPLATE_INDEX" val="20161350"/>
   <p:tag name="KSO_WM_TAG_VERSION" val="1.0"/>
-  <p:tag name="KSO_WM_SLIDE_ID" val="basetag20161350_3"/>
-  <p:tag name="KSO_WM_SLIDE_INDEX" val="3"/>
+  <p:tag name="KSO_WM_SLIDE_ID" val="basetag20161350_4"/>
+  <p:tag name="KSO_WM_SLIDE_INDEX" val="4"/>
   <p:tag name="KSO_WM_SLIDE_ITEM_CNT" val="0"/>
-  <p:tag name="KSO_WM_SLIDE_TYPE" val="sectionTitle"/>
+  <p:tag name="KSO_WM_SLIDE_TYPE" val="text"/>
   <p:tag name="KSO_WM_BEAUTIFY_FLAG" val="#wm#"/>
 </p:tagLst>
 </file>
@@ -32086,10 +33822,10 @@
   <p:tag name="KSO_WM_TEMPLATE_CATEGORY" val="basetag"/>
   <p:tag name="KSO_WM_TEMPLATE_INDEX" val="20161350"/>
   <p:tag name="KSO_WM_TAG_VERSION" val="1.0"/>
-  <p:tag name="KSO_WM_SLIDE_ID" val="basetag20161350_4"/>
-  <p:tag name="KSO_WM_SLIDE_INDEX" val="4"/>
+  <p:tag name="KSO_WM_SLIDE_ID" val="basetag20161350_3"/>
+  <p:tag name="KSO_WM_SLIDE_INDEX" val="3"/>
   <p:tag name="KSO_WM_SLIDE_ITEM_CNT" val="0"/>
-  <p:tag name="KSO_WM_SLIDE_TYPE" val="text"/>
+  <p:tag name="KSO_WM_SLIDE_TYPE" val="sectionTitle"/>
   <p:tag name="KSO_WM_BEAUTIFY_FLAG" val="#wm#"/>
 </p:tagLst>
 </file>
@@ -32112,32 +33848,6 @@
   <p:tag name="KSO_WM_TEMPLATE_CATEGORY" val="basetag"/>
   <p:tag name="KSO_WM_TEMPLATE_INDEX" val="20161350"/>
   <p:tag name="KSO_WM_TAG_VERSION" val="1.0"/>
-  <p:tag name="KSO_WM_SLIDE_ID" val="basetag20161350_3"/>
-  <p:tag name="KSO_WM_SLIDE_INDEX" val="3"/>
-  <p:tag name="KSO_WM_SLIDE_ITEM_CNT" val="0"/>
-  <p:tag name="KSO_WM_SLIDE_TYPE" val="sectionTitle"/>
-  <p:tag name="KSO_WM_BEAUTIFY_FLAG" val="#wm#"/>
-</p:tagLst>
-</file>
-
-<file path=ppt/tags/tag36.xml><?xml version="1.0" encoding="utf-8"?>
-<p:tagLst xmlns:p="http://schemas.openxmlformats.org/presentationml/2006/main">
-  <p:tag name="KSO_WM_TEMPLATE_CATEGORY" val="basetag"/>
-  <p:tag name="KSO_WM_TEMPLATE_INDEX" val="20161350"/>
-  <p:tag name="KSO_WM_TAG_VERSION" val="1.0"/>
-  <p:tag name="KSO_WM_SLIDE_ID" val="basetag20161350_4"/>
-  <p:tag name="KSO_WM_SLIDE_INDEX" val="4"/>
-  <p:tag name="KSO_WM_SLIDE_ITEM_CNT" val="0"/>
-  <p:tag name="KSO_WM_SLIDE_TYPE" val="text"/>
-  <p:tag name="KSO_WM_BEAUTIFY_FLAG" val="#wm#"/>
-</p:tagLst>
-</file>
-
-<file path=ppt/tags/tag37.xml><?xml version="1.0" encoding="utf-8"?>
-<p:tagLst xmlns:p="http://schemas.openxmlformats.org/presentationml/2006/main">
-  <p:tag name="KSO_WM_TEMPLATE_CATEGORY" val="basetag"/>
-  <p:tag name="KSO_WM_TEMPLATE_INDEX" val="20161350"/>
-  <p:tag name="KSO_WM_TAG_VERSION" val="1.0"/>
   <p:tag name="KSO_WM_SLIDE_ID" val="basetag20161350_15"/>
   <p:tag name="KSO_WM_SLIDE_INDEX" val="15"/>
   <p:tag name="KSO_WM_SLIDE_ITEM_CNT" val="0"/>
@@ -32146,7 +33856,7 @@
 </p:tagLst>
 </file>
 
-<file path=ppt/tags/tag38.xml><?xml version="1.0" encoding="utf-8"?>
+<file path=ppt/tags/tag36.xml><?xml version="1.0" encoding="utf-8"?>
 <p:tagLst xmlns:p="http://schemas.openxmlformats.org/presentationml/2006/main">
   <p:tag name="KSO_WM_TEMPLATE_CATEGORY" val="basetag"/>
   <p:tag name="KSO_WM_TEMPLATE_INDEX" val="20161350"/>
